--- a/groepsprocess/Presentaties/Tussenpresentatie (groep 1 & 2).pptx
+++ b/groepsprocess/Presentaties/Tussenpresentatie (groep 1 & 2).pptx
@@ -30,6 +30,7 @@
     <p:sldId id="273" r:id="rId23"/>
     <p:sldId id="274" r:id="rId24"/>
     <p:sldId id="275" r:id="rId25"/>
+    <p:sldId id="276" r:id="rId26"/>
   </p:sldIdLst>
   <p:sldSz cx="9144000" cy="5143500"/>
   <p:notesSz cx="6858000" cy="9144000"/>
@@ -55,7 +56,7 @@
       </p:grpSpPr>
       <p:sp>
         <p:nvSpPr>
-          <p:cNvPr id="116" name="PlaceHolder 1"/>
+          <p:cNvPr id="114" name="PlaceHolder 1"/>
           <p:cNvSpPr>
             <a:spLocks noGrp="1"/>
           </p:cNvSpPr>
@@ -89,7 +90,7 @@
       </p:sp>
       <p:sp>
         <p:nvSpPr>
-          <p:cNvPr id="117" name="PlaceHolder 2"/>
+          <p:cNvPr id="115" name="PlaceHolder 2"/>
           <p:cNvSpPr>
             <a:spLocks noGrp="1"/>
           </p:cNvSpPr>
@@ -123,7 +124,7 @@
       </p:sp>
       <p:sp>
         <p:nvSpPr>
-          <p:cNvPr id="118" name="PlaceHolder 3"/>
+          <p:cNvPr id="116" name="PlaceHolder 3"/>
           <p:cNvSpPr>
             <a:spLocks noGrp="1"/>
           </p:cNvSpPr>
@@ -158,7 +159,7 @@
       </p:sp>
       <p:sp>
         <p:nvSpPr>
-          <p:cNvPr id="119" name="PlaceHolder 4"/>
+          <p:cNvPr id="117" name="PlaceHolder 4"/>
           <p:cNvSpPr>
             <a:spLocks noGrp="1"/>
           </p:cNvSpPr>
@@ -192,7 +193,7 @@
       </p:sp>
       <p:sp>
         <p:nvSpPr>
-          <p:cNvPr id="120" name="PlaceHolder 5"/>
+          <p:cNvPr id="118" name="PlaceHolder 5"/>
           <p:cNvSpPr>
             <a:spLocks noGrp="1"/>
           </p:cNvSpPr>
@@ -213,7 +214,7 @@
           <a:bodyPr lIns="0" rIns="0" tIns="0" bIns="0" anchor="b"/>
           <a:p>
             <a:pPr algn="r"/>
-            <a:fld id="{629F9AD2-2074-4E43-B8B8-C9754CADE96F}" type="slidenum">
+            <a:fld id="{3CA22486-0736-4F27-9238-029948F08859}" type="slidenum">
               <a:rPr b="0" lang="en-US" sz="1400" spc="-1" strike="noStrike">
                 <a:latin typeface="Times New Roman"/>
               </a:rPr>
@@ -229,109 +230,6 @@
   </p:cSld>
   <p:clrMap bg1="lt1" bg2="lt2" tx1="dk1" tx2="dk2" accent1="accent1" accent2="accent2" accent3="accent3" accent4="accent4" accent5="accent5" accent6="accent6" hlink="hlink" folHlink="folHlink"/>
 </p:notesMaster>
-</file>
-
-<file path=ppt/notesSlides/notesSlide15.xml><?xml version="1.0" encoding="utf-8"?>
-<p:notes xmlns:a="http://schemas.openxmlformats.org/drawingml/2006/main" xmlns:p="http://schemas.openxmlformats.org/presentationml/2006/main" xmlns:r="http://schemas.openxmlformats.org/officeDocument/2006/relationships" xmlns:p14="http://schemas.microsoft.com/office/powerpoint/2010/main" xmlns:p15="http://schemas.microsoft.com/office/powerpoint/2012/main" xmlns:mc="http://schemas.openxmlformats.org/markup-compatibility/2006">
-  <p:cSld>
-    <p:spTree>
-      <p:nvGrpSpPr>
-        <p:cNvPr id="1" name=""/>
-        <p:cNvGrpSpPr/>
-        <p:nvPr/>
-      </p:nvGrpSpPr>
-      <p:grpSpPr>
-        <a:xfrm>
-          <a:off x="0" y="0"/>
-          <a:ext cx="0" cy="0"/>
-          <a:chOff x="0" y="0"/>
-          <a:chExt cx="0" cy="0"/>
-        </a:xfrm>
-      </p:grpSpPr>
-      <p:sp>
-        <p:nvSpPr>
-          <p:cNvPr id="201" name="PlaceHolder 1"/>
-          <p:cNvSpPr>
-            <a:spLocks noGrp="1"/>
-          </p:cNvSpPr>
-          <p:nvPr>
-            <p:ph type="body"/>
-          </p:nvPr>
-        </p:nvSpPr>
-        <p:spPr>
-          <a:xfrm>
-            <a:off x="685800" y="4343400"/>
-            <a:ext cx="5486040" cy="4114440"/>
-          </a:xfrm>
-          <a:prstGeom prst="rect">
-            <a:avLst/>
-          </a:prstGeom>
-        </p:spPr>
-        <p:txBody>
-          <a:bodyPr tIns="91440" bIns="91440"/>
-          <a:p>
-            <a:pPr marL="216000" indent="-216000">
-              <a:lnSpc>
-                <a:spcPct val="100000"/>
-              </a:lnSpc>
-            </a:pPr>
-            <a:r>
-              <a:rPr b="0" lang="en-US" sz="1100" spc="-1" strike="noStrike">
-                <a:latin typeface="Arial"/>
-              </a:rPr>
-              <a:t>Stel dat het gehele systeem functioneel prima werkt. Hartstikke mooi, maar wat nou als één van die poten het om wat voor reden dan ook niet meer doet.</a:t>
-            </a:r>
-            <a:endParaRPr b="0" lang="en-US" sz="1100" spc="-1" strike="noStrike">
-              <a:latin typeface="Arial"/>
-            </a:endParaRPr>
-          </a:p>
-          <a:p>
-            <a:pPr marL="216000" indent="-216000">
-              <a:lnSpc>
-                <a:spcPct val="100000"/>
-              </a:lnSpc>
-            </a:pPr>
-            <a:r>
-              <a:rPr b="0" lang="en-US" sz="1100" spc="-1" strike="noStrike">
-                <a:latin typeface="Arial"/>
-              </a:rPr>
-              <a:t>Dan wil een kind zijn pasje scannen bij die poot en krijgt totaal geen reactie van het apparaat. Dat kind raakt hoogstwaarschijnlijk gefrustreerd en gaat denken dat het niet werkt.</a:t>
-            </a:r>
-            <a:endParaRPr b="0" lang="en-US" sz="1100" spc="-1" strike="noStrike">
-              <a:latin typeface="Arial"/>
-            </a:endParaRPr>
-          </a:p>
-          <a:p>
-            <a:pPr marL="216000" indent="-216000">
-              <a:lnSpc>
-                <a:spcPct val="100000"/>
-              </a:lnSpc>
-            </a:pPr>
-            <a:endParaRPr b="0" lang="en-US" sz="1100" spc="-1" strike="noStrike">
-              <a:latin typeface="Arial"/>
-            </a:endParaRPr>
-          </a:p>
-          <a:p>
-            <a:pPr marL="216000" indent="-216000">
-              <a:lnSpc>
-                <a:spcPct val="100000"/>
-              </a:lnSpc>
-            </a:pPr>
-            <a:r>
-              <a:rPr b="0" lang="en-US" sz="1100" spc="-1" strike="noStrike">
-                <a:latin typeface="Arial"/>
-              </a:rPr>
-              <a:t>Dit kan resulteren in een kind dat niet meer mee wil doen met een speurtocht. Wat uiteindelijk kan leiden tot een kind dat het niet meer leuk vind om naar de dierentuin te gaan om kennis op te doen.</a:t>
-            </a:r>
-            <a:endParaRPr b="0" lang="en-US" sz="1100" spc="-1" strike="noStrike">
-              <a:latin typeface="Arial"/>
-            </a:endParaRPr>
-          </a:p>
-        </p:txBody>
-      </p:sp>
-    </p:spTree>
-  </p:cSld>
-</p:notes>
 </file>
 
 <file path=ppt/notesSlides/notesSlide16.xml><?xml version="1.0" encoding="utf-8"?>
@@ -353,7 +251,7 @@
       </p:grpSpPr>
       <p:sp>
         <p:nvSpPr>
-          <p:cNvPr id="202" name="PlaceHolder 1"/>
+          <p:cNvPr id="205" name="PlaceHolder 1"/>
           <p:cNvSpPr>
             <a:spLocks noGrp="1"/>
           </p:cNvSpPr>
@@ -364,16 +262,16 @@
         <p:spPr>
           <a:xfrm>
             <a:off x="685800" y="4343400"/>
-            <a:ext cx="5486040" cy="4114440"/>
-          </a:xfrm>
-          <a:prstGeom prst="rect">
-            <a:avLst/>
-          </a:prstGeom>
-        </p:spPr>
-        <p:txBody>
-          <a:bodyPr tIns="91440" bIns="91440"/>
-          <a:p>
-            <a:pPr marL="216000" indent="-216000">
+            <a:ext cx="5485680" cy="4114080"/>
+          </a:xfrm>
+          <a:prstGeom prst="rect">
+            <a:avLst/>
+          </a:prstGeom>
+        </p:spPr>
+        <p:txBody>
+          <a:bodyPr lIns="0" rIns="0" tIns="91440" bIns="91440"/>
+          <a:p>
+            <a:pPr marL="216000" indent="-215640">
               <a:lnSpc>
                 <a:spcPct val="100000"/>
               </a:lnSpc>
@@ -382,7 +280,49 @@
               <a:rPr b="0" lang="en-US" sz="1100" spc="-1" strike="noStrike">
                 <a:latin typeface="Arial"/>
               </a:rPr>
-              <a:t>Ons idee mondt uit tot deze hypothese of veronderstelling, mocht er iets misgaan met de apparatuur dan kan de technische dienst (of een mogelijke andere partij afhankelijk van de keuze die Burgers’ Zoo maakt over de eigenaarschap van het oplossen van eventuele problemen) alsnog ervoor zorgen dat het systeem werkende blijft en daarmee frustraties van de bezoekers voorkomt.</a:t>
+              <a:t>Stel dat het gehele systeem functioneel prima werkt. Hartstikke mooi, maar wat nou als één van die poten het om wat voor reden dan ook niet meer doet.</a:t>
+            </a:r>
+            <a:endParaRPr b="0" lang="en-US" sz="1100" spc="-1" strike="noStrike">
+              <a:latin typeface="Arial"/>
+            </a:endParaRPr>
+          </a:p>
+          <a:p>
+            <a:pPr marL="216000" indent="-215640">
+              <a:lnSpc>
+                <a:spcPct val="100000"/>
+              </a:lnSpc>
+            </a:pPr>
+            <a:r>
+              <a:rPr b="0" lang="en-US" sz="1100" spc="-1" strike="noStrike">
+                <a:latin typeface="Arial"/>
+              </a:rPr>
+              <a:t>Dan wil een kind zijn pasje scannen bij die poot en krijgt totaal geen reactie van het apparaat. Dat kind raakt hoogstwaarschijnlijk gefrustreerd en gaat denken dat het niet werkt.</a:t>
+            </a:r>
+            <a:endParaRPr b="0" lang="en-US" sz="1100" spc="-1" strike="noStrike">
+              <a:latin typeface="Arial"/>
+            </a:endParaRPr>
+          </a:p>
+          <a:p>
+            <a:pPr marL="216000" indent="-215640">
+              <a:lnSpc>
+                <a:spcPct val="100000"/>
+              </a:lnSpc>
+            </a:pPr>
+            <a:endParaRPr b="0" lang="en-US" sz="1100" spc="-1" strike="noStrike">
+              <a:latin typeface="Arial"/>
+            </a:endParaRPr>
+          </a:p>
+          <a:p>
+            <a:pPr marL="216000" indent="-215640">
+              <a:lnSpc>
+                <a:spcPct val="100000"/>
+              </a:lnSpc>
+            </a:pPr>
+            <a:r>
+              <a:rPr b="0" lang="en-US" sz="1100" spc="-1" strike="noStrike">
+                <a:latin typeface="Arial"/>
+              </a:rPr>
+              <a:t>Dit kan resulteren in een kind dat niet meer mee wil doen met een speurtocht. Wat uiteindelijk kan leiden tot een kind dat het niet meer leuk vind om naar de dierentuin te gaan om kennis op te doen.</a:t>
             </a:r>
             <a:endParaRPr b="0" lang="en-US" sz="1100" spc="-1" strike="noStrike">
               <a:latin typeface="Arial"/>
@@ -414,7 +354,7 @@
       </p:grpSpPr>
       <p:sp>
         <p:nvSpPr>
-          <p:cNvPr id="203" name="PlaceHolder 1"/>
+          <p:cNvPr id="206" name="PlaceHolder 1"/>
           <p:cNvSpPr>
             <a:spLocks noGrp="1"/>
           </p:cNvSpPr>
@@ -425,16 +365,77 @@
         <p:spPr>
           <a:xfrm>
             <a:off x="685800" y="4343400"/>
-            <a:ext cx="5486040" cy="4114440"/>
-          </a:xfrm>
-          <a:prstGeom prst="rect">
-            <a:avLst/>
-          </a:prstGeom>
-        </p:spPr>
-        <p:txBody>
-          <a:bodyPr tIns="91440" bIns="91440"/>
-          <a:p>
-            <a:pPr marL="216000" indent="-216000">
+            <a:ext cx="5485680" cy="4114080"/>
+          </a:xfrm>
+          <a:prstGeom prst="rect">
+            <a:avLst/>
+          </a:prstGeom>
+        </p:spPr>
+        <p:txBody>
+          <a:bodyPr lIns="0" rIns="0" tIns="91440" bIns="91440"/>
+          <a:p>
+            <a:pPr marL="216000" indent="-215640">
+              <a:lnSpc>
+                <a:spcPct val="100000"/>
+              </a:lnSpc>
+            </a:pPr>
+            <a:r>
+              <a:rPr b="0" lang="en-US" sz="1100" spc="-1" strike="noStrike">
+                <a:latin typeface="Arial"/>
+              </a:rPr>
+              <a:t>Ons idee mondt uit tot deze hypothese of veronderstelling, mocht er iets misgaan met de apparatuur dan kan de technische dienst (of een mogelijke andere partij afhankelijk van de keuze die Burgers’ Zoo maakt over de eigenaarschap van het oplossen van eventuele problemen) alsnog ervoor zorgen dat het systeem werkende blijft en daarmee frustraties van de bezoekers voorkomt.</a:t>
+            </a:r>
+            <a:endParaRPr b="0" lang="en-US" sz="1100" spc="-1" strike="noStrike">
+              <a:latin typeface="Arial"/>
+            </a:endParaRPr>
+          </a:p>
+        </p:txBody>
+      </p:sp>
+    </p:spTree>
+  </p:cSld>
+</p:notes>
+</file>
+
+<file path=ppt/notesSlides/notesSlide18.xml><?xml version="1.0" encoding="utf-8"?>
+<p:notes xmlns:a="http://schemas.openxmlformats.org/drawingml/2006/main" xmlns:p="http://schemas.openxmlformats.org/presentationml/2006/main" xmlns:r="http://schemas.openxmlformats.org/officeDocument/2006/relationships" xmlns:p14="http://schemas.microsoft.com/office/powerpoint/2010/main" xmlns:p15="http://schemas.microsoft.com/office/powerpoint/2012/main" xmlns:mc="http://schemas.openxmlformats.org/markup-compatibility/2006">
+  <p:cSld>
+    <p:spTree>
+      <p:nvGrpSpPr>
+        <p:cNvPr id="1" name=""/>
+        <p:cNvGrpSpPr/>
+        <p:nvPr/>
+      </p:nvGrpSpPr>
+      <p:grpSpPr>
+        <a:xfrm>
+          <a:off x="0" y="0"/>
+          <a:ext cx="0" cy="0"/>
+          <a:chOff x="0" y="0"/>
+          <a:chExt cx="0" cy="0"/>
+        </a:xfrm>
+      </p:grpSpPr>
+      <p:sp>
+        <p:nvSpPr>
+          <p:cNvPr id="207" name="PlaceHolder 1"/>
+          <p:cNvSpPr>
+            <a:spLocks noGrp="1"/>
+          </p:cNvSpPr>
+          <p:nvPr>
+            <p:ph type="body"/>
+          </p:nvPr>
+        </p:nvSpPr>
+        <p:spPr>
+          <a:xfrm>
+            <a:off x="685800" y="4343400"/>
+            <a:ext cx="5485680" cy="4114080"/>
+          </a:xfrm>
+          <a:prstGeom prst="rect">
+            <a:avLst/>
+          </a:prstGeom>
+        </p:spPr>
+        <p:txBody>
+          <a:bodyPr lIns="0" rIns="0" tIns="91440" bIns="91440"/>
+          <a:p>
+            <a:pPr marL="216000" indent="-215640">
               <a:lnSpc>
                 <a:spcPct val="115000"/>
               </a:lnSpc>
@@ -453,7 +454,7 @@
             </a:endParaRPr>
           </a:p>
           <a:p>
-            <a:pPr marL="216000" indent="-216000">
+            <a:pPr marL="216000" indent="-215640">
               <a:lnSpc>
                 <a:spcPct val="115000"/>
               </a:lnSpc>
@@ -463,7 +464,7 @@
             </a:endParaRPr>
           </a:p>
           <a:p>
-            <a:pPr marL="216000" indent="-216000">
+            <a:pPr marL="216000" indent="-215640">
               <a:lnSpc>
                 <a:spcPct val="115000"/>
               </a:lnSpc>
@@ -482,7 +483,7 @@
             </a:endParaRPr>
           </a:p>
           <a:p>
-            <a:pPr marL="216000" indent="-216000">
+            <a:pPr marL="216000" indent="-215640">
               <a:lnSpc>
                 <a:spcPct val="115000"/>
               </a:lnSpc>
@@ -501,7 +502,7 @@
             </a:endParaRPr>
           </a:p>
           <a:p>
-            <a:pPr marL="216000" indent="-216000">
+            <a:pPr marL="216000" indent="-215640">
               <a:lnSpc>
                 <a:spcPct val="115000"/>
               </a:lnSpc>
@@ -511,7 +512,7 @@
             </a:endParaRPr>
           </a:p>
           <a:p>
-            <a:pPr marL="216000" indent="-216000">
+            <a:pPr marL="216000" indent="-215640">
               <a:lnSpc>
                 <a:spcPct val="115000"/>
               </a:lnSpc>
@@ -577,7 +578,7 @@
       </p:grpSpPr>
       <p:sp>
         <p:nvSpPr>
-          <p:cNvPr id="24" name="PlaceHolder 1"/>
+          <p:cNvPr id="23" name="PlaceHolder 1"/>
           <p:cNvSpPr>
             <a:spLocks noGrp="1"/>
           </p:cNvSpPr>
@@ -587,8 +588,8 @@
         </p:nvSpPr>
         <p:spPr>
           <a:xfrm>
-            <a:off x="311760" y="444960"/>
-            <a:ext cx="8520120" cy="572400"/>
+            <a:off x="311760" y="418320"/>
+            <a:ext cx="8519760" cy="625320"/>
           </a:xfrm>
           <a:prstGeom prst="rect">
             <a:avLst/>
@@ -597,18 +598,16 @@
         <p:txBody>
           <a:bodyPr lIns="0" rIns="0" tIns="0" bIns="0" anchor="ctr"/>
           <a:p>
-            <a:endParaRPr b="0" lang="en-US" sz="1400" spc="-1" strike="noStrike">
-              <a:solidFill>
-                <a:srgbClr val="000000"/>
-              </a:solidFill>
-              <a:latin typeface="Arial"/>
-            </a:endParaRPr>
-          </a:p>
-        </p:txBody>
-      </p:sp>
-      <p:sp>
-        <p:nvSpPr>
-          <p:cNvPr id="25" name="PlaceHolder 2"/>
+            <a:pPr algn="ctr"/>
+            <a:endParaRPr b="0" lang="en-US" sz="4400" spc="-1" strike="noStrike">
+              <a:latin typeface="Arial"/>
+            </a:endParaRPr>
+          </a:p>
+        </p:txBody>
+      </p:sp>
+      <p:sp>
+        <p:nvSpPr>
+          <p:cNvPr id="24" name="PlaceHolder 2"/>
           <p:cNvSpPr>
             <a:spLocks noGrp="1"/>
           </p:cNvSpPr>
@@ -619,7 +618,7 @@
         <p:spPr>
           <a:xfrm>
             <a:off x="311760" y="1152360"/>
-            <a:ext cx="8520120" cy="1629360"/>
+            <a:ext cx="8519760" cy="1629000"/>
           </a:xfrm>
           <a:prstGeom prst="rect">
             <a:avLst/>
@@ -630,18 +629,15 @@
             <a:normAutofit/>
           </a:bodyPr>
           <a:p>
-            <a:endParaRPr b="0" lang="en-US" sz="1400" spc="-1" strike="noStrike">
-              <a:solidFill>
-                <a:srgbClr val="000000"/>
-              </a:solidFill>
-              <a:latin typeface="Arial"/>
-            </a:endParaRPr>
-          </a:p>
-        </p:txBody>
-      </p:sp>
-      <p:sp>
-        <p:nvSpPr>
-          <p:cNvPr id="26" name="PlaceHolder 3"/>
+            <a:endParaRPr b="0" lang="en-US" sz="3200" spc="-1" strike="noStrike">
+              <a:latin typeface="Arial"/>
+            </a:endParaRPr>
+          </a:p>
+        </p:txBody>
+      </p:sp>
+      <p:sp>
+        <p:nvSpPr>
+          <p:cNvPr id="25" name="PlaceHolder 3"/>
           <p:cNvSpPr>
             <a:spLocks noGrp="1"/>
           </p:cNvSpPr>
@@ -651,8 +647,8 @@
         </p:nvSpPr>
         <p:spPr>
           <a:xfrm>
-            <a:off x="311760" y="2936880"/>
-            <a:ext cx="8520120" cy="1629360"/>
+            <a:off x="311760" y="2936520"/>
+            <a:ext cx="8519760" cy="1629000"/>
           </a:xfrm>
           <a:prstGeom prst="rect">
             <a:avLst/>
@@ -663,10 +659,7 @@
             <a:normAutofit/>
           </a:bodyPr>
           <a:p>
-            <a:endParaRPr b="0" lang="en-US" sz="1400" spc="-1" strike="noStrike">
-              <a:solidFill>
-                <a:srgbClr val="000000"/>
-              </a:solidFill>
+            <a:endParaRPr b="0" lang="en-US" sz="3200" spc="-1" strike="noStrike">
               <a:latin typeface="Arial"/>
             </a:endParaRPr>
           </a:p>
@@ -696,7 +689,7 @@
       </p:grpSpPr>
       <p:sp>
         <p:nvSpPr>
-          <p:cNvPr id="27" name="PlaceHolder 1"/>
+          <p:cNvPr id="26" name="PlaceHolder 1"/>
           <p:cNvSpPr>
             <a:spLocks noGrp="1"/>
           </p:cNvSpPr>
@@ -706,8 +699,8 @@
         </p:nvSpPr>
         <p:spPr>
           <a:xfrm>
-            <a:off x="311760" y="444960"/>
-            <a:ext cx="8520120" cy="572400"/>
+            <a:off x="311760" y="418320"/>
+            <a:ext cx="8519760" cy="625320"/>
           </a:xfrm>
           <a:prstGeom prst="rect">
             <a:avLst/>
@@ -716,18 +709,16 @@
         <p:txBody>
           <a:bodyPr lIns="0" rIns="0" tIns="0" bIns="0" anchor="ctr"/>
           <a:p>
-            <a:endParaRPr b="0" lang="en-US" sz="1400" spc="-1" strike="noStrike">
-              <a:solidFill>
-                <a:srgbClr val="000000"/>
-              </a:solidFill>
-              <a:latin typeface="Arial"/>
-            </a:endParaRPr>
-          </a:p>
-        </p:txBody>
-      </p:sp>
-      <p:sp>
-        <p:nvSpPr>
-          <p:cNvPr id="28" name="PlaceHolder 2"/>
+            <a:pPr algn="ctr"/>
+            <a:endParaRPr b="0" lang="en-US" sz="4400" spc="-1" strike="noStrike">
+              <a:latin typeface="Arial"/>
+            </a:endParaRPr>
+          </a:p>
+        </p:txBody>
+      </p:sp>
+      <p:sp>
+        <p:nvSpPr>
+          <p:cNvPr id="27" name="PlaceHolder 2"/>
           <p:cNvSpPr>
             <a:spLocks noGrp="1"/>
           </p:cNvSpPr>
@@ -738,7 +729,7 @@
         <p:spPr>
           <a:xfrm>
             <a:off x="311760" y="1152360"/>
-            <a:ext cx="4157640" cy="1629360"/>
+            <a:ext cx="4157280" cy="1629000"/>
           </a:xfrm>
           <a:prstGeom prst="rect">
             <a:avLst/>
@@ -749,18 +740,15 @@
             <a:normAutofit/>
           </a:bodyPr>
           <a:p>
-            <a:endParaRPr b="0" lang="en-US" sz="1400" spc="-1" strike="noStrike">
-              <a:solidFill>
-                <a:srgbClr val="000000"/>
-              </a:solidFill>
-              <a:latin typeface="Arial"/>
-            </a:endParaRPr>
-          </a:p>
-        </p:txBody>
-      </p:sp>
-      <p:sp>
-        <p:nvSpPr>
-          <p:cNvPr id="29" name="PlaceHolder 3"/>
+            <a:endParaRPr b="0" lang="en-US" sz="3200" spc="-1" strike="noStrike">
+              <a:latin typeface="Arial"/>
+            </a:endParaRPr>
+          </a:p>
+        </p:txBody>
+      </p:sp>
+      <p:sp>
+        <p:nvSpPr>
+          <p:cNvPr id="28" name="PlaceHolder 3"/>
           <p:cNvSpPr>
             <a:spLocks noGrp="1"/>
           </p:cNvSpPr>
@@ -770,8 +758,8 @@
         </p:nvSpPr>
         <p:spPr>
           <a:xfrm>
-            <a:off x="4677840" y="1152360"/>
-            <a:ext cx="4157640" cy="1629360"/>
+            <a:off x="4677120" y="1152360"/>
+            <a:ext cx="4157280" cy="1629000"/>
           </a:xfrm>
           <a:prstGeom prst="rect">
             <a:avLst/>
@@ -782,18 +770,15 @@
             <a:normAutofit/>
           </a:bodyPr>
           <a:p>
-            <a:endParaRPr b="0" lang="en-US" sz="1400" spc="-1" strike="noStrike">
-              <a:solidFill>
-                <a:srgbClr val="000000"/>
-              </a:solidFill>
-              <a:latin typeface="Arial"/>
-            </a:endParaRPr>
-          </a:p>
-        </p:txBody>
-      </p:sp>
-      <p:sp>
-        <p:nvSpPr>
-          <p:cNvPr id="30" name="PlaceHolder 4"/>
+            <a:endParaRPr b="0" lang="en-US" sz="3200" spc="-1" strike="noStrike">
+              <a:latin typeface="Arial"/>
+            </a:endParaRPr>
+          </a:p>
+        </p:txBody>
+      </p:sp>
+      <p:sp>
+        <p:nvSpPr>
+          <p:cNvPr id="29" name="PlaceHolder 4"/>
           <p:cNvSpPr>
             <a:spLocks noGrp="1"/>
           </p:cNvSpPr>
@@ -803,8 +788,8 @@
         </p:nvSpPr>
         <p:spPr>
           <a:xfrm>
-            <a:off x="4677840" y="2936880"/>
-            <a:ext cx="4157640" cy="1629360"/>
+            <a:off x="4677120" y="2936520"/>
+            <a:ext cx="4157280" cy="1629000"/>
           </a:xfrm>
           <a:prstGeom prst="rect">
             <a:avLst/>
@@ -815,18 +800,15 @@
             <a:normAutofit/>
           </a:bodyPr>
           <a:p>
-            <a:endParaRPr b="0" lang="en-US" sz="1400" spc="-1" strike="noStrike">
-              <a:solidFill>
-                <a:srgbClr val="000000"/>
-              </a:solidFill>
-              <a:latin typeface="Arial"/>
-            </a:endParaRPr>
-          </a:p>
-        </p:txBody>
-      </p:sp>
-      <p:sp>
-        <p:nvSpPr>
-          <p:cNvPr id="31" name="PlaceHolder 5"/>
+            <a:endParaRPr b="0" lang="en-US" sz="3200" spc="-1" strike="noStrike">
+              <a:latin typeface="Arial"/>
+            </a:endParaRPr>
+          </a:p>
+        </p:txBody>
+      </p:sp>
+      <p:sp>
+        <p:nvSpPr>
+          <p:cNvPr id="30" name="PlaceHolder 5"/>
           <p:cNvSpPr>
             <a:spLocks noGrp="1"/>
           </p:cNvSpPr>
@@ -836,8 +818,8 @@
         </p:nvSpPr>
         <p:spPr>
           <a:xfrm>
-            <a:off x="311760" y="2936880"/>
-            <a:ext cx="4157640" cy="1629360"/>
+            <a:off x="311760" y="2936520"/>
+            <a:ext cx="4157280" cy="1629000"/>
           </a:xfrm>
           <a:prstGeom prst="rect">
             <a:avLst/>
@@ -848,10 +830,7 @@
             <a:normAutofit/>
           </a:bodyPr>
           <a:p>
-            <a:endParaRPr b="0" lang="en-US" sz="1400" spc="-1" strike="noStrike">
-              <a:solidFill>
-                <a:srgbClr val="000000"/>
-              </a:solidFill>
+            <a:endParaRPr b="0" lang="en-US" sz="3200" spc="-1" strike="noStrike">
               <a:latin typeface="Arial"/>
             </a:endParaRPr>
           </a:p>
@@ -881,7 +860,7 @@
       </p:grpSpPr>
       <p:sp>
         <p:nvSpPr>
-          <p:cNvPr id="32" name="PlaceHolder 1"/>
+          <p:cNvPr id="31" name="PlaceHolder 1"/>
           <p:cNvSpPr>
             <a:spLocks noGrp="1"/>
           </p:cNvSpPr>
@@ -891,8 +870,8 @@
         </p:nvSpPr>
         <p:spPr>
           <a:xfrm>
-            <a:off x="311760" y="444960"/>
-            <a:ext cx="8520120" cy="572400"/>
+            <a:off x="311760" y="418320"/>
+            <a:ext cx="8519760" cy="625320"/>
           </a:xfrm>
           <a:prstGeom prst="rect">
             <a:avLst/>
@@ -901,18 +880,16 @@
         <p:txBody>
           <a:bodyPr lIns="0" rIns="0" tIns="0" bIns="0" anchor="ctr"/>
           <a:p>
-            <a:endParaRPr b="0" lang="en-US" sz="1400" spc="-1" strike="noStrike">
-              <a:solidFill>
-                <a:srgbClr val="000000"/>
-              </a:solidFill>
-              <a:latin typeface="Arial"/>
-            </a:endParaRPr>
-          </a:p>
-        </p:txBody>
-      </p:sp>
-      <p:sp>
-        <p:nvSpPr>
-          <p:cNvPr id="33" name="PlaceHolder 2"/>
+            <a:pPr algn="ctr"/>
+            <a:endParaRPr b="0" lang="en-US" sz="4400" spc="-1" strike="noStrike">
+              <a:latin typeface="Arial"/>
+            </a:endParaRPr>
+          </a:p>
+        </p:txBody>
+      </p:sp>
+      <p:sp>
+        <p:nvSpPr>
+          <p:cNvPr id="32" name="PlaceHolder 2"/>
           <p:cNvSpPr>
             <a:spLocks noGrp="1"/>
           </p:cNvSpPr>
@@ -923,7 +900,7 @@
         <p:spPr>
           <a:xfrm>
             <a:off x="311760" y="1152360"/>
-            <a:ext cx="2743200" cy="1629360"/>
+            <a:ext cx="2743200" cy="1629000"/>
           </a:xfrm>
           <a:prstGeom prst="rect">
             <a:avLst/>
@@ -934,18 +911,15 @@
             <a:normAutofit/>
           </a:bodyPr>
           <a:p>
-            <a:endParaRPr b="0" lang="en-US" sz="1400" spc="-1" strike="noStrike">
-              <a:solidFill>
-                <a:srgbClr val="000000"/>
-              </a:solidFill>
-              <a:latin typeface="Arial"/>
-            </a:endParaRPr>
-          </a:p>
-        </p:txBody>
-      </p:sp>
-      <p:sp>
-        <p:nvSpPr>
-          <p:cNvPr id="34" name="PlaceHolder 3"/>
+            <a:endParaRPr b="0" lang="en-US" sz="3200" spc="-1" strike="noStrike">
+              <a:latin typeface="Arial"/>
+            </a:endParaRPr>
+          </a:p>
+        </p:txBody>
+      </p:sp>
+      <p:sp>
+        <p:nvSpPr>
+          <p:cNvPr id="33" name="PlaceHolder 3"/>
           <p:cNvSpPr>
             <a:spLocks noGrp="1"/>
           </p:cNvSpPr>
@@ -956,7 +930,7 @@
         <p:spPr>
           <a:xfrm>
             <a:off x="3192480" y="1152360"/>
-            <a:ext cx="2743200" cy="1629360"/>
+            <a:ext cx="2743200" cy="1629000"/>
           </a:xfrm>
           <a:prstGeom prst="rect">
             <a:avLst/>
@@ -967,18 +941,15 @@
             <a:normAutofit/>
           </a:bodyPr>
           <a:p>
-            <a:endParaRPr b="0" lang="en-US" sz="1400" spc="-1" strike="noStrike">
-              <a:solidFill>
-                <a:srgbClr val="000000"/>
-              </a:solidFill>
-              <a:latin typeface="Arial"/>
-            </a:endParaRPr>
-          </a:p>
-        </p:txBody>
-      </p:sp>
-      <p:sp>
-        <p:nvSpPr>
-          <p:cNvPr id="35" name="PlaceHolder 4"/>
+            <a:endParaRPr b="0" lang="en-US" sz="3200" spc="-1" strike="noStrike">
+              <a:latin typeface="Arial"/>
+            </a:endParaRPr>
+          </a:p>
+        </p:txBody>
+      </p:sp>
+      <p:sp>
+        <p:nvSpPr>
+          <p:cNvPr id="34" name="PlaceHolder 4"/>
           <p:cNvSpPr>
             <a:spLocks noGrp="1"/>
           </p:cNvSpPr>
@@ -989,7 +960,7 @@
         <p:spPr>
           <a:xfrm>
             <a:off x="6073200" y="1152360"/>
-            <a:ext cx="2743200" cy="1629360"/>
+            <a:ext cx="2743200" cy="1629000"/>
           </a:xfrm>
           <a:prstGeom prst="rect">
             <a:avLst/>
@@ -1000,18 +971,15 @@
             <a:normAutofit/>
           </a:bodyPr>
           <a:p>
-            <a:endParaRPr b="0" lang="en-US" sz="1400" spc="-1" strike="noStrike">
-              <a:solidFill>
-                <a:srgbClr val="000000"/>
-              </a:solidFill>
-              <a:latin typeface="Arial"/>
-            </a:endParaRPr>
-          </a:p>
-        </p:txBody>
-      </p:sp>
-      <p:sp>
-        <p:nvSpPr>
-          <p:cNvPr id="36" name="PlaceHolder 5"/>
+            <a:endParaRPr b="0" lang="en-US" sz="3200" spc="-1" strike="noStrike">
+              <a:latin typeface="Arial"/>
+            </a:endParaRPr>
+          </a:p>
+        </p:txBody>
+      </p:sp>
+      <p:sp>
+        <p:nvSpPr>
+          <p:cNvPr id="35" name="PlaceHolder 5"/>
           <p:cNvSpPr>
             <a:spLocks noGrp="1"/>
           </p:cNvSpPr>
@@ -1021,8 +989,8 @@
         </p:nvSpPr>
         <p:spPr>
           <a:xfrm>
-            <a:off x="6073200" y="2936880"/>
-            <a:ext cx="2743200" cy="1629360"/>
+            <a:off x="6073200" y="2936520"/>
+            <a:ext cx="2743200" cy="1629000"/>
           </a:xfrm>
           <a:prstGeom prst="rect">
             <a:avLst/>
@@ -1033,18 +1001,15 @@
             <a:normAutofit/>
           </a:bodyPr>
           <a:p>
-            <a:endParaRPr b="0" lang="en-US" sz="1400" spc="-1" strike="noStrike">
-              <a:solidFill>
-                <a:srgbClr val="000000"/>
-              </a:solidFill>
-              <a:latin typeface="Arial"/>
-            </a:endParaRPr>
-          </a:p>
-        </p:txBody>
-      </p:sp>
-      <p:sp>
-        <p:nvSpPr>
-          <p:cNvPr id="37" name="PlaceHolder 6"/>
+            <a:endParaRPr b="0" lang="en-US" sz="3200" spc="-1" strike="noStrike">
+              <a:latin typeface="Arial"/>
+            </a:endParaRPr>
+          </a:p>
+        </p:txBody>
+      </p:sp>
+      <p:sp>
+        <p:nvSpPr>
+          <p:cNvPr id="36" name="PlaceHolder 6"/>
           <p:cNvSpPr>
             <a:spLocks noGrp="1"/>
           </p:cNvSpPr>
@@ -1054,8 +1019,8 @@
         </p:nvSpPr>
         <p:spPr>
           <a:xfrm>
-            <a:off x="3192480" y="2936880"/>
-            <a:ext cx="2743200" cy="1629360"/>
+            <a:off x="3192480" y="2936520"/>
+            <a:ext cx="2743200" cy="1629000"/>
           </a:xfrm>
           <a:prstGeom prst="rect">
             <a:avLst/>
@@ -1066,18 +1031,15 @@
             <a:normAutofit/>
           </a:bodyPr>
           <a:p>
-            <a:endParaRPr b="0" lang="en-US" sz="1400" spc="-1" strike="noStrike">
-              <a:solidFill>
-                <a:srgbClr val="000000"/>
-              </a:solidFill>
-              <a:latin typeface="Arial"/>
-            </a:endParaRPr>
-          </a:p>
-        </p:txBody>
-      </p:sp>
-      <p:sp>
-        <p:nvSpPr>
-          <p:cNvPr id="38" name="PlaceHolder 7"/>
+            <a:endParaRPr b="0" lang="en-US" sz="3200" spc="-1" strike="noStrike">
+              <a:latin typeface="Arial"/>
+            </a:endParaRPr>
+          </a:p>
+        </p:txBody>
+      </p:sp>
+      <p:sp>
+        <p:nvSpPr>
+          <p:cNvPr id="37" name="PlaceHolder 7"/>
           <p:cNvSpPr>
             <a:spLocks noGrp="1"/>
           </p:cNvSpPr>
@@ -1087,8 +1049,8 @@
         </p:nvSpPr>
         <p:spPr>
           <a:xfrm>
-            <a:off x="311760" y="2936880"/>
-            <a:ext cx="2743200" cy="1629360"/>
+            <a:off x="311760" y="2936520"/>
+            <a:ext cx="2743200" cy="1629000"/>
           </a:xfrm>
           <a:prstGeom prst="rect">
             <a:avLst/>
@@ -1099,10 +1061,7 @@
             <a:normAutofit/>
           </a:bodyPr>
           <a:p>
-            <a:endParaRPr b="0" lang="en-US" sz="1400" spc="-1" strike="noStrike">
-              <a:solidFill>
-                <a:srgbClr val="000000"/>
-              </a:solidFill>
+            <a:endParaRPr b="0" lang="en-US" sz="3200" spc="-1" strike="noStrike">
               <a:latin typeface="Arial"/>
             </a:endParaRPr>
           </a:p>
@@ -1154,7 +1113,7 @@
       </p:grpSpPr>
       <p:sp>
         <p:nvSpPr>
-          <p:cNvPr id="42" name="PlaceHolder 1"/>
+          <p:cNvPr id="40" name="PlaceHolder 1"/>
           <p:cNvSpPr>
             <a:spLocks noGrp="1"/>
           </p:cNvSpPr>
@@ -1164,8 +1123,8 @@
         </p:nvSpPr>
         <p:spPr>
           <a:xfrm>
-            <a:off x="311760" y="444960"/>
-            <a:ext cx="8520120" cy="572400"/>
+            <a:off x="311760" y="418320"/>
+            <a:ext cx="8519760" cy="625320"/>
           </a:xfrm>
           <a:prstGeom prst="rect">
             <a:avLst/>
@@ -1174,18 +1133,16 @@
         <p:txBody>
           <a:bodyPr lIns="0" rIns="0" tIns="0" bIns="0" anchor="ctr"/>
           <a:p>
-            <a:endParaRPr b="0" lang="en-US" sz="1400" spc="-1" strike="noStrike">
-              <a:solidFill>
-                <a:srgbClr val="000000"/>
-              </a:solidFill>
-              <a:latin typeface="Arial"/>
-            </a:endParaRPr>
-          </a:p>
-        </p:txBody>
-      </p:sp>
-      <p:sp>
-        <p:nvSpPr>
-          <p:cNvPr id="43" name="PlaceHolder 2"/>
+            <a:pPr algn="ctr"/>
+            <a:endParaRPr b="0" lang="en-US" sz="4400" spc="-1" strike="noStrike">
+              <a:latin typeface="Arial"/>
+            </a:endParaRPr>
+          </a:p>
+        </p:txBody>
+      </p:sp>
+      <p:sp>
+        <p:nvSpPr>
+          <p:cNvPr id="41" name="PlaceHolder 2"/>
           <p:cNvSpPr>
             <a:spLocks noGrp="1"/>
           </p:cNvSpPr>
@@ -1196,7 +1153,7 @@
         <p:spPr>
           <a:xfrm>
             <a:off x="311760" y="1152360"/>
-            <a:ext cx="8520120" cy="3416040"/>
+            <a:ext cx="8519760" cy="3415680"/>
           </a:xfrm>
           <a:prstGeom prst="rect">
             <a:avLst/>
@@ -1236,7 +1193,7 @@
       </p:grpSpPr>
       <p:sp>
         <p:nvSpPr>
-          <p:cNvPr id="44" name="PlaceHolder 1"/>
+          <p:cNvPr id="42" name="PlaceHolder 1"/>
           <p:cNvSpPr>
             <a:spLocks noGrp="1"/>
           </p:cNvSpPr>
@@ -1246,8 +1203,8 @@
         </p:nvSpPr>
         <p:spPr>
           <a:xfrm>
-            <a:off x="311760" y="444960"/>
-            <a:ext cx="8520120" cy="572400"/>
+            <a:off x="311760" y="418320"/>
+            <a:ext cx="8519760" cy="625320"/>
           </a:xfrm>
           <a:prstGeom prst="rect">
             <a:avLst/>
@@ -1256,18 +1213,16 @@
         <p:txBody>
           <a:bodyPr lIns="0" rIns="0" tIns="0" bIns="0" anchor="ctr"/>
           <a:p>
-            <a:endParaRPr b="0" lang="en-US" sz="1400" spc="-1" strike="noStrike">
-              <a:solidFill>
-                <a:srgbClr val="000000"/>
-              </a:solidFill>
-              <a:latin typeface="Arial"/>
-            </a:endParaRPr>
-          </a:p>
-        </p:txBody>
-      </p:sp>
-      <p:sp>
-        <p:nvSpPr>
-          <p:cNvPr id="45" name="PlaceHolder 2"/>
+            <a:pPr algn="ctr"/>
+            <a:endParaRPr b="0" lang="en-US" sz="4400" spc="-1" strike="noStrike">
+              <a:latin typeface="Arial"/>
+            </a:endParaRPr>
+          </a:p>
+        </p:txBody>
+      </p:sp>
+      <p:sp>
+        <p:nvSpPr>
+          <p:cNvPr id="43" name="PlaceHolder 2"/>
           <p:cNvSpPr>
             <a:spLocks noGrp="1"/>
           </p:cNvSpPr>
@@ -1278,7 +1233,7 @@
         <p:spPr>
           <a:xfrm>
             <a:off x="311760" y="1152360"/>
-            <a:ext cx="8520120" cy="3416040"/>
+            <a:ext cx="8519760" cy="3415680"/>
           </a:xfrm>
           <a:prstGeom prst="rect">
             <a:avLst/>
@@ -1289,10 +1244,7 @@
             <a:normAutofit/>
           </a:bodyPr>
           <a:p>
-            <a:endParaRPr b="0" lang="en-US" sz="1400" spc="-1" strike="noStrike">
-              <a:solidFill>
-                <a:srgbClr val="000000"/>
-              </a:solidFill>
+            <a:endParaRPr b="0" lang="en-US" sz="3200" spc="-1" strike="noStrike">
               <a:latin typeface="Arial"/>
             </a:endParaRPr>
           </a:p>
@@ -1322,7 +1274,7 @@
       </p:grpSpPr>
       <p:sp>
         <p:nvSpPr>
-          <p:cNvPr id="46" name="PlaceHolder 1"/>
+          <p:cNvPr id="44" name="PlaceHolder 1"/>
           <p:cNvSpPr>
             <a:spLocks noGrp="1"/>
           </p:cNvSpPr>
@@ -1332,8 +1284,8 @@
         </p:nvSpPr>
         <p:spPr>
           <a:xfrm>
-            <a:off x="311760" y="444960"/>
-            <a:ext cx="8520120" cy="572400"/>
+            <a:off x="311760" y="418320"/>
+            <a:ext cx="8519760" cy="625320"/>
           </a:xfrm>
           <a:prstGeom prst="rect">
             <a:avLst/>
@@ -1342,18 +1294,16 @@
         <p:txBody>
           <a:bodyPr lIns="0" rIns="0" tIns="0" bIns="0" anchor="ctr"/>
           <a:p>
-            <a:endParaRPr b="0" lang="en-US" sz="1400" spc="-1" strike="noStrike">
-              <a:solidFill>
-                <a:srgbClr val="000000"/>
-              </a:solidFill>
-              <a:latin typeface="Arial"/>
-            </a:endParaRPr>
-          </a:p>
-        </p:txBody>
-      </p:sp>
-      <p:sp>
-        <p:nvSpPr>
-          <p:cNvPr id="47" name="PlaceHolder 2"/>
+            <a:pPr algn="ctr"/>
+            <a:endParaRPr b="0" lang="en-US" sz="4400" spc="-1" strike="noStrike">
+              <a:latin typeface="Arial"/>
+            </a:endParaRPr>
+          </a:p>
+        </p:txBody>
+      </p:sp>
+      <p:sp>
+        <p:nvSpPr>
+          <p:cNvPr id="45" name="PlaceHolder 2"/>
           <p:cNvSpPr>
             <a:spLocks noGrp="1"/>
           </p:cNvSpPr>
@@ -1364,7 +1314,7 @@
         <p:spPr>
           <a:xfrm>
             <a:off x="311760" y="1152360"/>
-            <a:ext cx="4157640" cy="3416040"/>
+            <a:ext cx="4157280" cy="3415680"/>
           </a:xfrm>
           <a:prstGeom prst="rect">
             <a:avLst/>
@@ -1375,18 +1325,15 @@
             <a:normAutofit/>
           </a:bodyPr>
           <a:p>
-            <a:endParaRPr b="0" lang="en-US" sz="1400" spc="-1" strike="noStrike">
-              <a:solidFill>
-                <a:srgbClr val="000000"/>
-              </a:solidFill>
-              <a:latin typeface="Arial"/>
-            </a:endParaRPr>
-          </a:p>
-        </p:txBody>
-      </p:sp>
-      <p:sp>
-        <p:nvSpPr>
-          <p:cNvPr id="48" name="PlaceHolder 3"/>
+            <a:endParaRPr b="0" lang="en-US" sz="3200" spc="-1" strike="noStrike">
+              <a:latin typeface="Arial"/>
+            </a:endParaRPr>
+          </a:p>
+        </p:txBody>
+      </p:sp>
+      <p:sp>
+        <p:nvSpPr>
+          <p:cNvPr id="46" name="PlaceHolder 3"/>
           <p:cNvSpPr>
             <a:spLocks noGrp="1"/>
           </p:cNvSpPr>
@@ -1396,8 +1343,8 @@
         </p:nvSpPr>
         <p:spPr>
           <a:xfrm>
-            <a:off x="4677840" y="1152360"/>
-            <a:ext cx="4157640" cy="3416040"/>
+            <a:off x="4677120" y="1152360"/>
+            <a:ext cx="4157280" cy="3415680"/>
           </a:xfrm>
           <a:prstGeom prst="rect">
             <a:avLst/>
@@ -1408,10 +1355,7 @@
             <a:normAutofit/>
           </a:bodyPr>
           <a:p>
-            <a:endParaRPr b="0" lang="en-US" sz="1400" spc="-1" strike="noStrike">
-              <a:solidFill>
-                <a:srgbClr val="000000"/>
-              </a:solidFill>
+            <a:endParaRPr b="0" lang="en-US" sz="3200" spc="-1" strike="noStrike">
               <a:latin typeface="Arial"/>
             </a:endParaRPr>
           </a:p>
@@ -1441,7 +1385,7 @@
       </p:grpSpPr>
       <p:sp>
         <p:nvSpPr>
-          <p:cNvPr id="49" name="PlaceHolder 1"/>
+          <p:cNvPr id="47" name="PlaceHolder 1"/>
           <p:cNvSpPr>
             <a:spLocks noGrp="1"/>
           </p:cNvSpPr>
@@ -1451,8 +1395,8 @@
         </p:nvSpPr>
         <p:spPr>
           <a:xfrm>
-            <a:off x="311760" y="444960"/>
-            <a:ext cx="8520120" cy="572400"/>
+            <a:off x="311760" y="418320"/>
+            <a:ext cx="8519760" cy="625320"/>
           </a:xfrm>
           <a:prstGeom prst="rect">
             <a:avLst/>
@@ -1461,10 +1405,8 @@
         <p:txBody>
           <a:bodyPr lIns="0" rIns="0" tIns="0" bIns="0" anchor="ctr"/>
           <a:p>
-            <a:endParaRPr b="0" lang="en-US" sz="1400" spc="-1" strike="noStrike">
-              <a:solidFill>
-                <a:srgbClr val="000000"/>
-              </a:solidFill>
+            <a:pPr algn="ctr"/>
+            <a:endParaRPr b="0" lang="en-US" sz="4400" spc="-1" strike="noStrike">
               <a:latin typeface="Arial"/>
             </a:endParaRPr>
           </a:p>
@@ -1494,7 +1436,7 @@
       </p:grpSpPr>
       <p:sp>
         <p:nvSpPr>
-          <p:cNvPr id="50" name="PlaceHolder 1"/>
+          <p:cNvPr id="48" name="PlaceHolder 1"/>
           <p:cNvSpPr>
             <a:spLocks noGrp="1"/>
           </p:cNvSpPr>
@@ -1505,7 +1447,7 @@
         <p:spPr>
           <a:xfrm>
             <a:off x="311760" y="444960"/>
-            <a:ext cx="8520120" cy="2654640"/>
+            <a:ext cx="8519760" cy="2652840"/>
           </a:xfrm>
           <a:prstGeom prst="rect">
             <a:avLst/>
@@ -1545,7 +1487,7 @@
       </p:grpSpPr>
       <p:sp>
         <p:nvSpPr>
-          <p:cNvPr id="51" name="PlaceHolder 1"/>
+          <p:cNvPr id="49" name="PlaceHolder 1"/>
           <p:cNvSpPr>
             <a:spLocks noGrp="1"/>
           </p:cNvSpPr>
@@ -1555,8 +1497,8 @@
         </p:nvSpPr>
         <p:spPr>
           <a:xfrm>
-            <a:off x="311760" y="444960"/>
-            <a:ext cx="8520120" cy="572400"/>
+            <a:off x="311760" y="418320"/>
+            <a:ext cx="8519760" cy="625320"/>
           </a:xfrm>
           <a:prstGeom prst="rect">
             <a:avLst/>
@@ -1565,18 +1507,16 @@
         <p:txBody>
           <a:bodyPr lIns="0" rIns="0" tIns="0" bIns="0" anchor="ctr"/>
           <a:p>
-            <a:endParaRPr b="0" lang="en-US" sz="1400" spc="-1" strike="noStrike">
-              <a:solidFill>
-                <a:srgbClr val="000000"/>
-              </a:solidFill>
-              <a:latin typeface="Arial"/>
-            </a:endParaRPr>
-          </a:p>
-        </p:txBody>
-      </p:sp>
-      <p:sp>
-        <p:nvSpPr>
-          <p:cNvPr id="52" name="PlaceHolder 2"/>
+            <a:pPr algn="ctr"/>
+            <a:endParaRPr b="0" lang="en-US" sz="4400" spc="-1" strike="noStrike">
+              <a:latin typeface="Arial"/>
+            </a:endParaRPr>
+          </a:p>
+        </p:txBody>
+      </p:sp>
+      <p:sp>
+        <p:nvSpPr>
+          <p:cNvPr id="50" name="PlaceHolder 2"/>
           <p:cNvSpPr>
             <a:spLocks noGrp="1"/>
           </p:cNvSpPr>
@@ -1587,7 +1527,7 @@
         <p:spPr>
           <a:xfrm>
             <a:off x="311760" y="1152360"/>
-            <a:ext cx="4157640" cy="1629360"/>
+            <a:ext cx="4157280" cy="1629000"/>
           </a:xfrm>
           <a:prstGeom prst="rect">
             <a:avLst/>
@@ -1598,18 +1538,15 @@
             <a:normAutofit/>
           </a:bodyPr>
           <a:p>
-            <a:endParaRPr b="0" lang="en-US" sz="1400" spc="-1" strike="noStrike">
-              <a:solidFill>
-                <a:srgbClr val="000000"/>
-              </a:solidFill>
-              <a:latin typeface="Arial"/>
-            </a:endParaRPr>
-          </a:p>
-        </p:txBody>
-      </p:sp>
-      <p:sp>
-        <p:nvSpPr>
-          <p:cNvPr id="53" name="PlaceHolder 3"/>
+            <a:endParaRPr b="0" lang="en-US" sz="3200" spc="-1" strike="noStrike">
+              <a:latin typeface="Arial"/>
+            </a:endParaRPr>
+          </a:p>
+        </p:txBody>
+      </p:sp>
+      <p:sp>
+        <p:nvSpPr>
+          <p:cNvPr id="51" name="PlaceHolder 3"/>
           <p:cNvSpPr>
             <a:spLocks noGrp="1"/>
           </p:cNvSpPr>
@@ -1619,8 +1556,8 @@
         </p:nvSpPr>
         <p:spPr>
           <a:xfrm>
-            <a:off x="311760" y="2936880"/>
-            <a:ext cx="4157640" cy="1629360"/>
+            <a:off x="311760" y="2936520"/>
+            <a:ext cx="4157280" cy="1629000"/>
           </a:xfrm>
           <a:prstGeom prst="rect">
             <a:avLst/>
@@ -1631,18 +1568,15 @@
             <a:normAutofit/>
           </a:bodyPr>
           <a:p>
-            <a:endParaRPr b="0" lang="en-US" sz="1400" spc="-1" strike="noStrike">
-              <a:solidFill>
-                <a:srgbClr val="000000"/>
-              </a:solidFill>
-              <a:latin typeface="Arial"/>
-            </a:endParaRPr>
-          </a:p>
-        </p:txBody>
-      </p:sp>
-      <p:sp>
-        <p:nvSpPr>
-          <p:cNvPr id="54" name="PlaceHolder 4"/>
+            <a:endParaRPr b="0" lang="en-US" sz="3200" spc="-1" strike="noStrike">
+              <a:latin typeface="Arial"/>
+            </a:endParaRPr>
+          </a:p>
+        </p:txBody>
+      </p:sp>
+      <p:sp>
+        <p:nvSpPr>
+          <p:cNvPr id="52" name="PlaceHolder 4"/>
           <p:cNvSpPr>
             <a:spLocks noGrp="1"/>
           </p:cNvSpPr>
@@ -1652,8 +1586,8 @@
         </p:nvSpPr>
         <p:spPr>
           <a:xfrm>
-            <a:off x="4677840" y="1152360"/>
-            <a:ext cx="4157640" cy="3416040"/>
+            <a:off x="4677120" y="1152360"/>
+            <a:ext cx="4157280" cy="3415680"/>
           </a:xfrm>
           <a:prstGeom prst="rect">
             <a:avLst/>
@@ -1664,10 +1598,7 @@
             <a:normAutofit/>
           </a:bodyPr>
           <a:p>
-            <a:endParaRPr b="0" lang="en-US" sz="1400" spc="-1" strike="noStrike">
-              <a:solidFill>
-                <a:srgbClr val="000000"/>
-              </a:solidFill>
+            <a:endParaRPr b="0" lang="en-US" sz="3200" spc="-1" strike="noStrike">
               <a:latin typeface="Arial"/>
             </a:endParaRPr>
           </a:p>
@@ -1697,7 +1628,7 @@
       </p:grpSpPr>
       <p:sp>
         <p:nvSpPr>
-          <p:cNvPr id="3" name="PlaceHolder 1"/>
+          <p:cNvPr id="2" name="PlaceHolder 1"/>
           <p:cNvSpPr>
             <a:spLocks noGrp="1"/>
           </p:cNvSpPr>
@@ -1707,8 +1638,8 @@
         </p:nvSpPr>
         <p:spPr>
           <a:xfrm>
-            <a:off x="311760" y="444960"/>
-            <a:ext cx="8520120" cy="572400"/>
+            <a:off x="311760" y="418320"/>
+            <a:ext cx="8519760" cy="625320"/>
           </a:xfrm>
           <a:prstGeom prst="rect">
             <a:avLst/>
@@ -1717,18 +1648,16 @@
         <p:txBody>
           <a:bodyPr lIns="0" rIns="0" tIns="0" bIns="0" anchor="ctr"/>
           <a:p>
-            <a:endParaRPr b="0" lang="en-US" sz="1400" spc="-1" strike="noStrike">
-              <a:solidFill>
-                <a:srgbClr val="000000"/>
-              </a:solidFill>
-              <a:latin typeface="Arial"/>
-            </a:endParaRPr>
-          </a:p>
-        </p:txBody>
-      </p:sp>
-      <p:sp>
-        <p:nvSpPr>
-          <p:cNvPr id="4" name="PlaceHolder 2"/>
+            <a:pPr algn="ctr"/>
+            <a:endParaRPr b="0" lang="en-US" sz="4400" spc="-1" strike="noStrike">
+              <a:latin typeface="Arial"/>
+            </a:endParaRPr>
+          </a:p>
+        </p:txBody>
+      </p:sp>
+      <p:sp>
+        <p:nvSpPr>
+          <p:cNvPr id="3" name="PlaceHolder 2"/>
           <p:cNvSpPr>
             <a:spLocks noGrp="1"/>
           </p:cNvSpPr>
@@ -1739,7 +1668,7 @@
         <p:spPr>
           <a:xfrm>
             <a:off x="311760" y="1152360"/>
-            <a:ext cx="8520120" cy="3416040"/>
+            <a:ext cx="8519760" cy="3415680"/>
           </a:xfrm>
           <a:prstGeom prst="rect">
             <a:avLst/>
@@ -1779,7 +1708,7 @@
       </p:grpSpPr>
       <p:sp>
         <p:nvSpPr>
-          <p:cNvPr id="55" name="PlaceHolder 1"/>
+          <p:cNvPr id="53" name="PlaceHolder 1"/>
           <p:cNvSpPr>
             <a:spLocks noGrp="1"/>
           </p:cNvSpPr>
@@ -1789,8 +1718,8 @@
         </p:nvSpPr>
         <p:spPr>
           <a:xfrm>
-            <a:off x="311760" y="444960"/>
-            <a:ext cx="8520120" cy="572400"/>
+            <a:off x="311760" y="418320"/>
+            <a:ext cx="8519760" cy="625320"/>
           </a:xfrm>
           <a:prstGeom prst="rect">
             <a:avLst/>
@@ -1799,18 +1728,16 @@
         <p:txBody>
           <a:bodyPr lIns="0" rIns="0" tIns="0" bIns="0" anchor="ctr"/>
           <a:p>
-            <a:endParaRPr b="0" lang="en-US" sz="1400" spc="-1" strike="noStrike">
-              <a:solidFill>
-                <a:srgbClr val="000000"/>
-              </a:solidFill>
-              <a:latin typeface="Arial"/>
-            </a:endParaRPr>
-          </a:p>
-        </p:txBody>
-      </p:sp>
-      <p:sp>
-        <p:nvSpPr>
-          <p:cNvPr id="56" name="PlaceHolder 2"/>
+            <a:pPr algn="ctr"/>
+            <a:endParaRPr b="0" lang="en-US" sz="4400" spc="-1" strike="noStrike">
+              <a:latin typeface="Arial"/>
+            </a:endParaRPr>
+          </a:p>
+        </p:txBody>
+      </p:sp>
+      <p:sp>
+        <p:nvSpPr>
+          <p:cNvPr id="54" name="PlaceHolder 2"/>
           <p:cNvSpPr>
             <a:spLocks noGrp="1"/>
           </p:cNvSpPr>
@@ -1821,7 +1748,7 @@
         <p:spPr>
           <a:xfrm>
             <a:off x="311760" y="1152360"/>
-            <a:ext cx="4157640" cy="3416040"/>
+            <a:ext cx="4157280" cy="3415680"/>
           </a:xfrm>
           <a:prstGeom prst="rect">
             <a:avLst/>
@@ -1832,18 +1759,15 @@
             <a:normAutofit/>
           </a:bodyPr>
           <a:p>
-            <a:endParaRPr b="0" lang="en-US" sz="1400" spc="-1" strike="noStrike">
-              <a:solidFill>
-                <a:srgbClr val="000000"/>
-              </a:solidFill>
-              <a:latin typeface="Arial"/>
-            </a:endParaRPr>
-          </a:p>
-        </p:txBody>
-      </p:sp>
-      <p:sp>
-        <p:nvSpPr>
-          <p:cNvPr id="57" name="PlaceHolder 3"/>
+            <a:endParaRPr b="0" lang="en-US" sz="3200" spc="-1" strike="noStrike">
+              <a:latin typeface="Arial"/>
+            </a:endParaRPr>
+          </a:p>
+        </p:txBody>
+      </p:sp>
+      <p:sp>
+        <p:nvSpPr>
+          <p:cNvPr id="55" name="PlaceHolder 3"/>
           <p:cNvSpPr>
             <a:spLocks noGrp="1"/>
           </p:cNvSpPr>
@@ -1853,8 +1777,8 @@
         </p:nvSpPr>
         <p:spPr>
           <a:xfrm>
-            <a:off x="4677840" y="1152360"/>
-            <a:ext cx="4157640" cy="1629360"/>
+            <a:off x="4677120" y="1152360"/>
+            <a:ext cx="4157280" cy="1629000"/>
           </a:xfrm>
           <a:prstGeom prst="rect">
             <a:avLst/>
@@ -1865,18 +1789,15 @@
             <a:normAutofit/>
           </a:bodyPr>
           <a:p>
-            <a:endParaRPr b="0" lang="en-US" sz="1400" spc="-1" strike="noStrike">
-              <a:solidFill>
-                <a:srgbClr val="000000"/>
-              </a:solidFill>
-              <a:latin typeface="Arial"/>
-            </a:endParaRPr>
-          </a:p>
-        </p:txBody>
-      </p:sp>
-      <p:sp>
-        <p:nvSpPr>
-          <p:cNvPr id="58" name="PlaceHolder 4"/>
+            <a:endParaRPr b="0" lang="en-US" sz="3200" spc="-1" strike="noStrike">
+              <a:latin typeface="Arial"/>
+            </a:endParaRPr>
+          </a:p>
+        </p:txBody>
+      </p:sp>
+      <p:sp>
+        <p:nvSpPr>
+          <p:cNvPr id="56" name="PlaceHolder 4"/>
           <p:cNvSpPr>
             <a:spLocks noGrp="1"/>
           </p:cNvSpPr>
@@ -1886,8 +1807,8 @@
         </p:nvSpPr>
         <p:spPr>
           <a:xfrm>
-            <a:off x="4677840" y="2936880"/>
-            <a:ext cx="4157640" cy="1629360"/>
+            <a:off x="4677120" y="2936520"/>
+            <a:ext cx="4157280" cy="1629000"/>
           </a:xfrm>
           <a:prstGeom prst="rect">
             <a:avLst/>
@@ -1898,10 +1819,7 @@
             <a:normAutofit/>
           </a:bodyPr>
           <a:p>
-            <a:endParaRPr b="0" lang="en-US" sz="1400" spc="-1" strike="noStrike">
-              <a:solidFill>
-                <a:srgbClr val="000000"/>
-              </a:solidFill>
+            <a:endParaRPr b="0" lang="en-US" sz="3200" spc="-1" strike="noStrike">
               <a:latin typeface="Arial"/>
             </a:endParaRPr>
           </a:p>
@@ -1931,7 +1849,7 @@
       </p:grpSpPr>
       <p:sp>
         <p:nvSpPr>
-          <p:cNvPr id="59" name="PlaceHolder 1"/>
+          <p:cNvPr id="57" name="PlaceHolder 1"/>
           <p:cNvSpPr>
             <a:spLocks noGrp="1"/>
           </p:cNvSpPr>
@@ -1941,8 +1859,8 @@
         </p:nvSpPr>
         <p:spPr>
           <a:xfrm>
-            <a:off x="311760" y="444960"/>
-            <a:ext cx="8520120" cy="572400"/>
+            <a:off x="311760" y="418320"/>
+            <a:ext cx="8519760" cy="625320"/>
           </a:xfrm>
           <a:prstGeom prst="rect">
             <a:avLst/>
@@ -1951,18 +1869,16 @@
         <p:txBody>
           <a:bodyPr lIns="0" rIns="0" tIns="0" bIns="0" anchor="ctr"/>
           <a:p>
-            <a:endParaRPr b="0" lang="en-US" sz="1400" spc="-1" strike="noStrike">
-              <a:solidFill>
-                <a:srgbClr val="000000"/>
-              </a:solidFill>
-              <a:latin typeface="Arial"/>
-            </a:endParaRPr>
-          </a:p>
-        </p:txBody>
-      </p:sp>
-      <p:sp>
-        <p:nvSpPr>
-          <p:cNvPr id="60" name="PlaceHolder 2"/>
+            <a:pPr algn="ctr"/>
+            <a:endParaRPr b="0" lang="en-US" sz="4400" spc="-1" strike="noStrike">
+              <a:latin typeface="Arial"/>
+            </a:endParaRPr>
+          </a:p>
+        </p:txBody>
+      </p:sp>
+      <p:sp>
+        <p:nvSpPr>
+          <p:cNvPr id="58" name="PlaceHolder 2"/>
           <p:cNvSpPr>
             <a:spLocks noGrp="1"/>
           </p:cNvSpPr>
@@ -1973,7 +1889,7 @@
         <p:spPr>
           <a:xfrm>
             <a:off x="311760" y="1152360"/>
-            <a:ext cx="4157640" cy="1629360"/>
+            <a:ext cx="4157280" cy="1629000"/>
           </a:xfrm>
           <a:prstGeom prst="rect">
             <a:avLst/>
@@ -1984,18 +1900,15 @@
             <a:normAutofit/>
           </a:bodyPr>
           <a:p>
-            <a:endParaRPr b="0" lang="en-US" sz="1400" spc="-1" strike="noStrike">
-              <a:solidFill>
-                <a:srgbClr val="000000"/>
-              </a:solidFill>
-              <a:latin typeface="Arial"/>
-            </a:endParaRPr>
-          </a:p>
-        </p:txBody>
-      </p:sp>
-      <p:sp>
-        <p:nvSpPr>
-          <p:cNvPr id="61" name="PlaceHolder 3"/>
+            <a:endParaRPr b="0" lang="en-US" sz="3200" spc="-1" strike="noStrike">
+              <a:latin typeface="Arial"/>
+            </a:endParaRPr>
+          </a:p>
+        </p:txBody>
+      </p:sp>
+      <p:sp>
+        <p:nvSpPr>
+          <p:cNvPr id="59" name="PlaceHolder 3"/>
           <p:cNvSpPr>
             <a:spLocks noGrp="1"/>
           </p:cNvSpPr>
@@ -2005,8 +1918,8 @@
         </p:nvSpPr>
         <p:spPr>
           <a:xfrm>
-            <a:off x="4677840" y="1152360"/>
-            <a:ext cx="4157640" cy="1629360"/>
+            <a:off x="4677120" y="1152360"/>
+            <a:ext cx="4157280" cy="1629000"/>
           </a:xfrm>
           <a:prstGeom prst="rect">
             <a:avLst/>
@@ -2017,18 +1930,15 @@
             <a:normAutofit/>
           </a:bodyPr>
           <a:p>
-            <a:endParaRPr b="0" lang="en-US" sz="1400" spc="-1" strike="noStrike">
-              <a:solidFill>
-                <a:srgbClr val="000000"/>
-              </a:solidFill>
-              <a:latin typeface="Arial"/>
-            </a:endParaRPr>
-          </a:p>
-        </p:txBody>
-      </p:sp>
-      <p:sp>
-        <p:nvSpPr>
-          <p:cNvPr id="62" name="PlaceHolder 4"/>
+            <a:endParaRPr b="0" lang="en-US" sz="3200" spc="-1" strike="noStrike">
+              <a:latin typeface="Arial"/>
+            </a:endParaRPr>
+          </a:p>
+        </p:txBody>
+      </p:sp>
+      <p:sp>
+        <p:nvSpPr>
+          <p:cNvPr id="60" name="PlaceHolder 4"/>
           <p:cNvSpPr>
             <a:spLocks noGrp="1"/>
           </p:cNvSpPr>
@@ -2038,8 +1948,8 @@
         </p:nvSpPr>
         <p:spPr>
           <a:xfrm>
-            <a:off x="311760" y="2936880"/>
-            <a:ext cx="8520120" cy="1629360"/>
+            <a:off x="311760" y="2936520"/>
+            <a:ext cx="8519760" cy="1629000"/>
           </a:xfrm>
           <a:prstGeom prst="rect">
             <a:avLst/>
@@ -2050,10 +1960,7 @@
             <a:normAutofit/>
           </a:bodyPr>
           <a:p>
-            <a:endParaRPr b="0" lang="en-US" sz="1400" spc="-1" strike="noStrike">
-              <a:solidFill>
-                <a:srgbClr val="000000"/>
-              </a:solidFill>
+            <a:endParaRPr b="0" lang="en-US" sz="3200" spc="-1" strike="noStrike">
               <a:latin typeface="Arial"/>
             </a:endParaRPr>
           </a:p>
@@ -2083,7 +1990,7 @@
       </p:grpSpPr>
       <p:sp>
         <p:nvSpPr>
-          <p:cNvPr id="63" name="PlaceHolder 1"/>
+          <p:cNvPr id="61" name="PlaceHolder 1"/>
           <p:cNvSpPr>
             <a:spLocks noGrp="1"/>
           </p:cNvSpPr>
@@ -2093,8 +2000,8 @@
         </p:nvSpPr>
         <p:spPr>
           <a:xfrm>
-            <a:off x="311760" y="444960"/>
-            <a:ext cx="8520120" cy="572400"/>
+            <a:off x="311760" y="418320"/>
+            <a:ext cx="8519760" cy="625320"/>
           </a:xfrm>
           <a:prstGeom prst="rect">
             <a:avLst/>
@@ -2103,18 +2010,16 @@
         <p:txBody>
           <a:bodyPr lIns="0" rIns="0" tIns="0" bIns="0" anchor="ctr"/>
           <a:p>
-            <a:endParaRPr b="0" lang="en-US" sz="1400" spc="-1" strike="noStrike">
-              <a:solidFill>
-                <a:srgbClr val="000000"/>
-              </a:solidFill>
-              <a:latin typeface="Arial"/>
-            </a:endParaRPr>
-          </a:p>
-        </p:txBody>
-      </p:sp>
-      <p:sp>
-        <p:nvSpPr>
-          <p:cNvPr id="64" name="PlaceHolder 2"/>
+            <a:pPr algn="ctr"/>
+            <a:endParaRPr b="0" lang="en-US" sz="4400" spc="-1" strike="noStrike">
+              <a:latin typeface="Arial"/>
+            </a:endParaRPr>
+          </a:p>
+        </p:txBody>
+      </p:sp>
+      <p:sp>
+        <p:nvSpPr>
+          <p:cNvPr id="62" name="PlaceHolder 2"/>
           <p:cNvSpPr>
             <a:spLocks noGrp="1"/>
           </p:cNvSpPr>
@@ -2125,7 +2030,7 @@
         <p:spPr>
           <a:xfrm>
             <a:off x="311760" y="1152360"/>
-            <a:ext cx="8520120" cy="1629360"/>
+            <a:ext cx="8519760" cy="1629000"/>
           </a:xfrm>
           <a:prstGeom prst="rect">
             <a:avLst/>
@@ -2136,18 +2041,15 @@
             <a:normAutofit/>
           </a:bodyPr>
           <a:p>
-            <a:endParaRPr b="0" lang="en-US" sz="1400" spc="-1" strike="noStrike">
-              <a:solidFill>
-                <a:srgbClr val="000000"/>
-              </a:solidFill>
-              <a:latin typeface="Arial"/>
-            </a:endParaRPr>
-          </a:p>
-        </p:txBody>
-      </p:sp>
-      <p:sp>
-        <p:nvSpPr>
-          <p:cNvPr id="65" name="PlaceHolder 3"/>
+            <a:endParaRPr b="0" lang="en-US" sz="3200" spc="-1" strike="noStrike">
+              <a:latin typeface="Arial"/>
+            </a:endParaRPr>
+          </a:p>
+        </p:txBody>
+      </p:sp>
+      <p:sp>
+        <p:nvSpPr>
+          <p:cNvPr id="63" name="PlaceHolder 3"/>
           <p:cNvSpPr>
             <a:spLocks noGrp="1"/>
           </p:cNvSpPr>
@@ -2157,8 +2059,8 @@
         </p:nvSpPr>
         <p:spPr>
           <a:xfrm>
-            <a:off x="311760" y="2936880"/>
-            <a:ext cx="8520120" cy="1629360"/>
+            <a:off x="311760" y="2936520"/>
+            <a:ext cx="8519760" cy="1629000"/>
           </a:xfrm>
           <a:prstGeom prst="rect">
             <a:avLst/>
@@ -2169,10 +2071,7 @@
             <a:normAutofit/>
           </a:bodyPr>
           <a:p>
-            <a:endParaRPr b="0" lang="en-US" sz="1400" spc="-1" strike="noStrike">
-              <a:solidFill>
-                <a:srgbClr val="000000"/>
-              </a:solidFill>
+            <a:endParaRPr b="0" lang="en-US" sz="3200" spc="-1" strike="noStrike">
               <a:latin typeface="Arial"/>
             </a:endParaRPr>
           </a:p>
@@ -2202,7 +2101,7 @@
       </p:grpSpPr>
       <p:sp>
         <p:nvSpPr>
-          <p:cNvPr id="66" name="PlaceHolder 1"/>
+          <p:cNvPr id="64" name="PlaceHolder 1"/>
           <p:cNvSpPr>
             <a:spLocks noGrp="1"/>
           </p:cNvSpPr>
@@ -2212,8 +2111,8 @@
         </p:nvSpPr>
         <p:spPr>
           <a:xfrm>
-            <a:off x="311760" y="444960"/>
-            <a:ext cx="8520120" cy="572400"/>
+            <a:off x="311760" y="418320"/>
+            <a:ext cx="8519760" cy="625320"/>
           </a:xfrm>
           <a:prstGeom prst="rect">
             <a:avLst/>
@@ -2222,18 +2121,16 @@
         <p:txBody>
           <a:bodyPr lIns="0" rIns="0" tIns="0" bIns="0" anchor="ctr"/>
           <a:p>
-            <a:endParaRPr b="0" lang="en-US" sz="1400" spc="-1" strike="noStrike">
-              <a:solidFill>
-                <a:srgbClr val="000000"/>
-              </a:solidFill>
-              <a:latin typeface="Arial"/>
-            </a:endParaRPr>
-          </a:p>
-        </p:txBody>
-      </p:sp>
-      <p:sp>
-        <p:nvSpPr>
-          <p:cNvPr id="67" name="PlaceHolder 2"/>
+            <a:pPr algn="ctr"/>
+            <a:endParaRPr b="0" lang="en-US" sz="4400" spc="-1" strike="noStrike">
+              <a:latin typeface="Arial"/>
+            </a:endParaRPr>
+          </a:p>
+        </p:txBody>
+      </p:sp>
+      <p:sp>
+        <p:nvSpPr>
+          <p:cNvPr id="65" name="PlaceHolder 2"/>
           <p:cNvSpPr>
             <a:spLocks noGrp="1"/>
           </p:cNvSpPr>
@@ -2244,7 +2141,7 @@
         <p:spPr>
           <a:xfrm>
             <a:off x="311760" y="1152360"/>
-            <a:ext cx="4157640" cy="1629360"/>
+            <a:ext cx="4157280" cy="1629000"/>
           </a:xfrm>
           <a:prstGeom prst="rect">
             <a:avLst/>
@@ -2255,18 +2152,15 @@
             <a:normAutofit/>
           </a:bodyPr>
           <a:p>
-            <a:endParaRPr b="0" lang="en-US" sz="1400" spc="-1" strike="noStrike">
-              <a:solidFill>
-                <a:srgbClr val="000000"/>
-              </a:solidFill>
-              <a:latin typeface="Arial"/>
-            </a:endParaRPr>
-          </a:p>
-        </p:txBody>
-      </p:sp>
-      <p:sp>
-        <p:nvSpPr>
-          <p:cNvPr id="68" name="PlaceHolder 3"/>
+            <a:endParaRPr b="0" lang="en-US" sz="3200" spc="-1" strike="noStrike">
+              <a:latin typeface="Arial"/>
+            </a:endParaRPr>
+          </a:p>
+        </p:txBody>
+      </p:sp>
+      <p:sp>
+        <p:nvSpPr>
+          <p:cNvPr id="66" name="PlaceHolder 3"/>
           <p:cNvSpPr>
             <a:spLocks noGrp="1"/>
           </p:cNvSpPr>
@@ -2276,8 +2170,8 @@
         </p:nvSpPr>
         <p:spPr>
           <a:xfrm>
-            <a:off x="4677840" y="1152360"/>
-            <a:ext cx="4157640" cy="1629360"/>
+            <a:off x="4677120" y="1152360"/>
+            <a:ext cx="4157280" cy="1629000"/>
           </a:xfrm>
           <a:prstGeom prst="rect">
             <a:avLst/>
@@ -2288,18 +2182,15 @@
             <a:normAutofit/>
           </a:bodyPr>
           <a:p>
-            <a:endParaRPr b="0" lang="en-US" sz="1400" spc="-1" strike="noStrike">
-              <a:solidFill>
-                <a:srgbClr val="000000"/>
-              </a:solidFill>
-              <a:latin typeface="Arial"/>
-            </a:endParaRPr>
-          </a:p>
-        </p:txBody>
-      </p:sp>
-      <p:sp>
-        <p:nvSpPr>
-          <p:cNvPr id="69" name="PlaceHolder 4"/>
+            <a:endParaRPr b="0" lang="en-US" sz="3200" spc="-1" strike="noStrike">
+              <a:latin typeface="Arial"/>
+            </a:endParaRPr>
+          </a:p>
+        </p:txBody>
+      </p:sp>
+      <p:sp>
+        <p:nvSpPr>
+          <p:cNvPr id="67" name="PlaceHolder 4"/>
           <p:cNvSpPr>
             <a:spLocks noGrp="1"/>
           </p:cNvSpPr>
@@ -2309,8 +2200,8 @@
         </p:nvSpPr>
         <p:spPr>
           <a:xfrm>
-            <a:off x="4677840" y="2936880"/>
-            <a:ext cx="4157640" cy="1629360"/>
+            <a:off x="4677120" y="2936520"/>
+            <a:ext cx="4157280" cy="1629000"/>
           </a:xfrm>
           <a:prstGeom prst="rect">
             <a:avLst/>
@@ -2321,18 +2212,15 @@
             <a:normAutofit/>
           </a:bodyPr>
           <a:p>
-            <a:endParaRPr b="0" lang="en-US" sz="1400" spc="-1" strike="noStrike">
-              <a:solidFill>
-                <a:srgbClr val="000000"/>
-              </a:solidFill>
-              <a:latin typeface="Arial"/>
-            </a:endParaRPr>
-          </a:p>
-        </p:txBody>
-      </p:sp>
-      <p:sp>
-        <p:nvSpPr>
-          <p:cNvPr id="70" name="PlaceHolder 5"/>
+            <a:endParaRPr b="0" lang="en-US" sz="3200" spc="-1" strike="noStrike">
+              <a:latin typeface="Arial"/>
+            </a:endParaRPr>
+          </a:p>
+        </p:txBody>
+      </p:sp>
+      <p:sp>
+        <p:nvSpPr>
+          <p:cNvPr id="68" name="PlaceHolder 5"/>
           <p:cNvSpPr>
             <a:spLocks noGrp="1"/>
           </p:cNvSpPr>
@@ -2342,8 +2230,8 @@
         </p:nvSpPr>
         <p:spPr>
           <a:xfrm>
-            <a:off x="311760" y="2936880"/>
-            <a:ext cx="4157640" cy="1629360"/>
+            <a:off x="311760" y="2936520"/>
+            <a:ext cx="4157280" cy="1629000"/>
           </a:xfrm>
           <a:prstGeom prst="rect">
             <a:avLst/>
@@ -2354,10 +2242,7 @@
             <a:normAutofit/>
           </a:bodyPr>
           <a:p>
-            <a:endParaRPr b="0" lang="en-US" sz="1400" spc="-1" strike="noStrike">
-              <a:solidFill>
-                <a:srgbClr val="000000"/>
-              </a:solidFill>
+            <a:endParaRPr b="0" lang="en-US" sz="3200" spc="-1" strike="noStrike">
               <a:latin typeface="Arial"/>
             </a:endParaRPr>
           </a:p>
@@ -2387,7 +2272,7 @@
       </p:grpSpPr>
       <p:sp>
         <p:nvSpPr>
-          <p:cNvPr id="71" name="PlaceHolder 1"/>
+          <p:cNvPr id="69" name="PlaceHolder 1"/>
           <p:cNvSpPr>
             <a:spLocks noGrp="1"/>
           </p:cNvSpPr>
@@ -2397,8 +2282,8 @@
         </p:nvSpPr>
         <p:spPr>
           <a:xfrm>
-            <a:off x="311760" y="444960"/>
-            <a:ext cx="8520120" cy="572400"/>
+            <a:off x="311760" y="418320"/>
+            <a:ext cx="8519760" cy="625320"/>
           </a:xfrm>
           <a:prstGeom prst="rect">
             <a:avLst/>
@@ -2407,18 +2292,16 @@
         <p:txBody>
           <a:bodyPr lIns="0" rIns="0" tIns="0" bIns="0" anchor="ctr"/>
           <a:p>
-            <a:endParaRPr b="0" lang="en-US" sz="1400" spc="-1" strike="noStrike">
-              <a:solidFill>
-                <a:srgbClr val="000000"/>
-              </a:solidFill>
-              <a:latin typeface="Arial"/>
-            </a:endParaRPr>
-          </a:p>
-        </p:txBody>
-      </p:sp>
-      <p:sp>
-        <p:nvSpPr>
-          <p:cNvPr id="72" name="PlaceHolder 2"/>
+            <a:pPr algn="ctr"/>
+            <a:endParaRPr b="0" lang="en-US" sz="4400" spc="-1" strike="noStrike">
+              <a:latin typeface="Arial"/>
+            </a:endParaRPr>
+          </a:p>
+        </p:txBody>
+      </p:sp>
+      <p:sp>
+        <p:nvSpPr>
+          <p:cNvPr id="70" name="PlaceHolder 2"/>
           <p:cNvSpPr>
             <a:spLocks noGrp="1"/>
           </p:cNvSpPr>
@@ -2429,7 +2312,7 @@
         <p:spPr>
           <a:xfrm>
             <a:off x="311760" y="1152360"/>
-            <a:ext cx="2743200" cy="1629360"/>
+            <a:ext cx="2743200" cy="1629000"/>
           </a:xfrm>
           <a:prstGeom prst="rect">
             <a:avLst/>
@@ -2440,18 +2323,15 @@
             <a:normAutofit/>
           </a:bodyPr>
           <a:p>
-            <a:endParaRPr b="0" lang="en-US" sz="1400" spc="-1" strike="noStrike">
-              <a:solidFill>
-                <a:srgbClr val="000000"/>
-              </a:solidFill>
-              <a:latin typeface="Arial"/>
-            </a:endParaRPr>
-          </a:p>
-        </p:txBody>
-      </p:sp>
-      <p:sp>
-        <p:nvSpPr>
-          <p:cNvPr id="73" name="PlaceHolder 3"/>
+            <a:endParaRPr b="0" lang="en-US" sz="3200" spc="-1" strike="noStrike">
+              <a:latin typeface="Arial"/>
+            </a:endParaRPr>
+          </a:p>
+        </p:txBody>
+      </p:sp>
+      <p:sp>
+        <p:nvSpPr>
+          <p:cNvPr id="71" name="PlaceHolder 3"/>
           <p:cNvSpPr>
             <a:spLocks noGrp="1"/>
           </p:cNvSpPr>
@@ -2462,7 +2342,7 @@
         <p:spPr>
           <a:xfrm>
             <a:off x="3192480" y="1152360"/>
-            <a:ext cx="2743200" cy="1629360"/>
+            <a:ext cx="2743200" cy="1629000"/>
           </a:xfrm>
           <a:prstGeom prst="rect">
             <a:avLst/>
@@ -2473,18 +2353,15 @@
             <a:normAutofit/>
           </a:bodyPr>
           <a:p>
-            <a:endParaRPr b="0" lang="en-US" sz="1400" spc="-1" strike="noStrike">
-              <a:solidFill>
-                <a:srgbClr val="000000"/>
-              </a:solidFill>
-              <a:latin typeface="Arial"/>
-            </a:endParaRPr>
-          </a:p>
-        </p:txBody>
-      </p:sp>
-      <p:sp>
-        <p:nvSpPr>
-          <p:cNvPr id="74" name="PlaceHolder 4"/>
+            <a:endParaRPr b="0" lang="en-US" sz="3200" spc="-1" strike="noStrike">
+              <a:latin typeface="Arial"/>
+            </a:endParaRPr>
+          </a:p>
+        </p:txBody>
+      </p:sp>
+      <p:sp>
+        <p:nvSpPr>
+          <p:cNvPr id="72" name="PlaceHolder 4"/>
           <p:cNvSpPr>
             <a:spLocks noGrp="1"/>
           </p:cNvSpPr>
@@ -2495,7 +2372,7 @@
         <p:spPr>
           <a:xfrm>
             <a:off x="6073200" y="1152360"/>
-            <a:ext cx="2743200" cy="1629360"/>
+            <a:ext cx="2743200" cy="1629000"/>
           </a:xfrm>
           <a:prstGeom prst="rect">
             <a:avLst/>
@@ -2506,18 +2383,15 @@
             <a:normAutofit/>
           </a:bodyPr>
           <a:p>
-            <a:endParaRPr b="0" lang="en-US" sz="1400" spc="-1" strike="noStrike">
-              <a:solidFill>
-                <a:srgbClr val="000000"/>
-              </a:solidFill>
-              <a:latin typeface="Arial"/>
-            </a:endParaRPr>
-          </a:p>
-        </p:txBody>
-      </p:sp>
-      <p:sp>
-        <p:nvSpPr>
-          <p:cNvPr id="75" name="PlaceHolder 5"/>
+            <a:endParaRPr b="0" lang="en-US" sz="3200" spc="-1" strike="noStrike">
+              <a:latin typeface="Arial"/>
+            </a:endParaRPr>
+          </a:p>
+        </p:txBody>
+      </p:sp>
+      <p:sp>
+        <p:nvSpPr>
+          <p:cNvPr id="73" name="PlaceHolder 5"/>
           <p:cNvSpPr>
             <a:spLocks noGrp="1"/>
           </p:cNvSpPr>
@@ -2527,8 +2401,8 @@
         </p:nvSpPr>
         <p:spPr>
           <a:xfrm>
-            <a:off x="6073200" y="2936880"/>
-            <a:ext cx="2743200" cy="1629360"/>
+            <a:off x="6073200" y="2936520"/>
+            <a:ext cx="2743200" cy="1629000"/>
           </a:xfrm>
           <a:prstGeom prst="rect">
             <a:avLst/>
@@ -2539,18 +2413,15 @@
             <a:normAutofit/>
           </a:bodyPr>
           <a:p>
-            <a:endParaRPr b="0" lang="en-US" sz="1400" spc="-1" strike="noStrike">
-              <a:solidFill>
-                <a:srgbClr val="000000"/>
-              </a:solidFill>
-              <a:latin typeface="Arial"/>
-            </a:endParaRPr>
-          </a:p>
-        </p:txBody>
-      </p:sp>
-      <p:sp>
-        <p:nvSpPr>
-          <p:cNvPr id="76" name="PlaceHolder 6"/>
+            <a:endParaRPr b="0" lang="en-US" sz="3200" spc="-1" strike="noStrike">
+              <a:latin typeface="Arial"/>
+            </a:endParaRPr>
+          </a:p>
+        </p:txBody>
+      </p:sp>
+      <p:sp>
+        <p:nvSpPr>
+          <p:cNvPr id="74" name="PlaceHolder 6"/>
           <p:cNvSpPr>
             <a:spLocks noGrp="1"/>
           </p:cNvSpPr>
@@ -2560,8 +2431,8 @@
         </p:nvSpPr>
         <p:spPr>
           <a:xfrm>
-            <a:off x="3192480" y="2936880"/>
-            <a:ext cx="2743200" cy="1629360"/>
+            <a:off x="3192480" y="2936520"/>
+            <a:ext cx="2743200" cy="1629000"/>
           </a:xfrm>
           <a:prstGeom prst="rect">
             <a:avLst/>
@@ -2572,18 +2443,15 @@
             <a:normAutofit/>
           </a:bodyPr>
           <a:p>
-            <a:endParaRPr b="0" lang="en-US" sz="1400" spc="-1" strike="noStrike">
-              <a:solidFill>
-                <a:srgbClr val="000000"/>
-              </a:solidFill>
-              <a:latin typeface="Arial"/>
-            </a:endParaRPr>
-          </a:p>
-        </p:txBody>
-      </p:sp>
-      <p:sp>
-        <p:nvSpPr>
-          <p:cNvPr id="77" name="PlaceHolder 7"/>
+            <a:endParaRPr b="0" lang="en-US" sz="3200" spc="-1" strike="noStrike">
+              <a:latin typeface="Arial"/>
+            </a:endParaRPr>
+          </a:p>
+        </p:txBody>
+      </p:sp>
+      <p:sp>
+        <p:nvSpPr>
+          <p:cNvPr id="75" name="PlaceHolder 7"/>
           <p:cNvSpPr>
             <a:spLocks noGrp="1"/>
           </p:cNvSpPr>
@@ -2593,8 +2461,8 @@
         </p:nvSpPr>
         <p:spPr>
           <a:xfrm>
-            <a:off x="311760" y="2936880"/>
-            <a:ext cx="2743200" cy="1629360"/>
+            <a:off x="311760" y="2936520"/>
+            <a:ext cx="2743200" cy="1629000"/>
           </a:xfrm>
           <a:prstGeom prst="rect">
             <a:avLst/>
@@ -2605,10 +2473,7 @@
             <a:normAutofit/>
           </a:bodyPr>
           <a:p>
-            <a:endParaRPr b="0" lang="en-US" sz="1400" spc="-1" strike="noStrike">
-              <a:solidFill>
-                <a:srgbClr val="000000"/>
-              </a:solidFill>
+            <a:endParaRPr b="0" lang="en-US" sz="3200" spc="-1" strike="noStrike">
               <a:latin typeface="Arial"/>
             </a:endParaRPr>
           </a:p>
@@ -2660,7 +2525,7 @@
       </p:grpSpPr>
       <p:sp>
         <p:nvSpPr>
-          <p:cNvPr id="80" name="PlaceHolder 1"/>
+          <p:cNvPr id="78" name="PlaceHolder 1"/>
           <p:cNvSpPr>
             <a:spLocks noGrp="1"/>
           </p:cNvSpPr>
@@ -2670,8 +2535,8 @@
         </p:nvSpPr>
         <p:spPr>
           <a:xfrm>
-            <a:off x="311760" y="444960"/>
-            <a:ext cx="8520120" cy="572400"/>
+            <a:off x="311760" y="418320"/>
+            <a:ext cx="8519760" cy="625320"/>
           </a:xfrm>
           <a:prstGeom prst="rect">
             <a:avLst/>
@@ -2680,18 +2545,16 @@
         <p:txBody>
           <a:bodyPr lIns="0" rIns="0" tIns="0" bIns="0" anchor="ctr"/>
           <a:p>
-            <a:endParaRPr b="0" lang="en-US" sz="1400" spc="-1" strike="noStrike">
-              <a:solidFill>
-                <a:srgbClr val="000000"/>
-              </a:solidFill>
-              <a:latin typeface="Arial"/>
-            </a:endParaRPr>
-          </a:p>
-        </p:txBody>
-      </p:sp>
-      <p:sp>
-        <p:nvSpPr>
-          <p:cNvPr id="81" name="PlaceHolder 2"/>
+            <a:pPr algn="ctr"/>
+            <a:endParaRPr b="0" lang="en-US" sz="4400" spc="-1" strike="noStrike">
+              <a:latin typeface="Arial"/>
+            </a:endParaRPr>
+          </a:p>
+        </p:txBody>
+      </p:sp>
+      <p:sp>
+        <p:nvSpPr>
+          <p:cNvPr id="79" name="PlaceHolder 2"/>
           <p:cNvSpPr>
             <a:spLocks noGrp="1"/>
           </p:cNvSpPr>
@@ -2702,7 +2565,7 @@
         <p:spPr>
           <a:xfrm>
             <a:off x="311760" y="1152360"/>
-            <a:ext cx="8520120" cy="3416040"/>
+            <a:ext cx="8519760" cy="3415680"/>
           </a:xfrm>
           <a:prstGeom prst="rect">
             <a:avLst/>
@@ -2742,7 +2605,7 @@
       </p:grpSpPr>
       <p:sp>
         <p:nvSpPr>
-          <p:cNvPr id="82" name="PlaceHolder 1"/>
+          <p:cNvPr id="80" name="PlaceHolder 1"/>
           <p:cNvSpPr>
             <a:spLocks noGrp="1"/>
           </p:cNvSpPr>
@@ -2752,8 +2615,8 @@
         </p:nvSpPr>
         <p:spPr>
           <a:xfrm>
-            <a:off x="311760" y="444960"/>
-            <a:ext cx="8520120" cy="572400"/>
+            <a:off x="311760" y="418320"/>
+            <a:ext cx="8519760" cy="625320"/>
           </a:xfrm>
           <a:prstGeom prst="rect">
             <a:avLst/>
@@ -2762,18 +2625,16 @@
         <p:txBody>
           <a:bodyPr lIns="0" rIns="0" tIns="0" bIns="0" anchor="ctr"/>
           <a:p>
-            <a:endParaRPr b="0" lang="en-US" sz="1400" spc="-1" strike="noStrike">
-              <a:solidFill>
-                <a:srgbClr val="000000"/>
-              </a:solidFill>
-              <a:latin typeface="Arial"/>
-            </a:endParaRPr>
-          </a:p>
-        </p:txBody>
-      </p:sp>
-      <p:sp>
-        <p:nvSpPr>
-          <p:cNvPr id="83" name="PlaceHolder 2"/>
+            <a:pPr algn="ctr"/>
+            <a:endParaRPr b="0" lang="en-US" sz="4400" spc="-1" strike="noStrike">
+              <a:latin typeface="Arial"/>
+            </a:endParaRPr>
+          </a:p>
+        </p:txBody>
+      </p:sp>
+      <p:sp>
+        <p:nvSpPr>
+          <p:cNvPr id="81" name="PlaceHolder 2"/>
           <p:cNvSpPr>
             <a:spLocks noGrp="1"/>
           </p:cNvSpPr>
@@ -2784,7 +2645,7 @@
         <p:spPr>
           <a:xfrm>
             <a:off x="311760" y="1152360"/>
-            <a:ext cx="8520120" cy="3416040"/>
+            <a:ext cx="8519760" cy="3415680"/>
           </a:xfrm>
           <a:prstGeom prst="rect">
             <a:avLst/>
@@ -2795,10 +2656,7 @@
             <a:normAutofit/>
           </a:bodyPr>
           <a:p>
-            <a:endParaRPr b="0" lang="en-US" sz="1400" spc="-1" strike="noStrike">
-              <a:solidFill>
-                <a:srgbClr val="000000"/>
-              </a:solidFill>
+            <a:endParaRPr b="0" lang="en-US" sz="3200" spc="-1" strike="noStrike">
               <a:latin typeface="Arial"/>
             </a:endParaRPr>
           </a:p>
@@ -2828,7 +2686,7 @@
       </p:grpSpPr>
       <p:sp>
         <p:nvSpPr>
-          <p:cNvPr id="84" name="PlaceHolder 1"/>
+          <p:cNvPr id="82" name="PlaceHolder 1"/>
           <p:cNvSpPr>
             <a:spLocks noGrp="1"/>
           </p:cNvSpPr>
@@ -2838,8 +2696,8 @@
         </p:nvSpPr>
         <p:spPr>
           <a:xfrm>
-            <a:off x="311760" y="444960"/>
-            <a:ext cx="8520120" cy="572400"/>
+            <a:off x="311760" y="418320"/>
+            <a:ext cx="8519760" cy="625320"/>
           </a:xfrm>
           <a:prstGeom prst="rect">
             <a:avLst/>
@@ -2848,18 +2706,16 @@
         <p:txBody>
           <a:bodyPr lIns="0" rIns="0" tIns="0" bIns="0" anchor="ctr"/>
           <a:p>
-            <a:endParaRPr b="0" lang="en-US" sz="1400" spc="-1" strike="noStrike">
-              <a:solidFill>
-                <a:srgbClr val="000000"/>
-              </a:solidFill>
-              <a:latin typeface="Arial"/>
-            </a:endParaRPr>
-          </a:p>
-        </p:txBody>
-      </p:sp>
-      <p:sp>
-        <p:nvSpPr>
-          <p:cNvPr id="85" name="PlaceHolder 2"/>
+            <a:pPr algn="ctr"/>
+            <a:endParaRPr b="0" lang="en-US" sz="4400" spc="-1" strike="noStrike">
+              <a:latin typeface="Arial"/>
+            </a:endParaRPr>
+          </a:p>
+        </p:txBody>
+      </p:sp>
+      <p:sp>
+        <p:nvSpPr>
+          <p:cNvPr id="83" name="PlaceHolder 2"/>
           <p:cNvSpPr>
             <a:spLocks noGrp="1"/>
           </p:cNvSpPr>
@@ -2870,7 +2726,7 @@
         <p:spPr>
           <a:xfrm>
             <a:off x="311760" y="1152360"/>
-            <a:ext cx="4157640" cy="3416040"/>
+            <a:ext cx="4157280" cy="3415680"/>
           </a:xfrm>
           <a:prstGeom prst="rect">
             <a:avLst/>
@@ -2881,18 +2737,15 @@
             <a:normAutofit/>
           </a:bodyPr>
           <a:p>
-            <a:endParaRPr b="0" lang="en-US" sz="1400" spc="-1" strike="noStrike">
-              <a:solidFill>
-                <a:srgbClr val="000000"/>
-              </a:solidFill>
-              <a:latin typeface="Arial"/>
-            </a:endParaRPr>
-          </a:p>
-        </p:txBody>
-      </p:sp>
-      <p:sp>
-        <p:nvSpPr>
-          <p:cNvPr id="86" name="PlaceHolder 3"/>
+            <a:endParaRPr b="0" lang="en-US" sz="3200" spc="-1" strike="noStrike">
+              <a:latin typeface="Arial"/>
+            </a:endParaRPr>
+          </a:p>
+        </p:txBody>
+      </p:sp>
+      <p:sp>
+        <p:nvSpPr>
+          <p:cNvPr id="84" name="PlaceHolder 3"/>
           <p:cNvSpPr>
             <a:spLocks noGrp="1"/>
           </p:cNvSpPr>
@@ -2902,8 +2755,8 @@
         </p:nvSpPr>
         <p:spPr>
           <a:xfrm>
-            <a:off x="4677840" y="1152360"/>
-            <a:ext cx="4157640" cy="3416040"/>
+            <a:off x="4677120" y="1152360"/>
+            <a:ext cx="4157280" cy="3415680"/>
           </a:xfrm>
           <a:prstGeom prst="rect">
             <a:avLst/>
@@ -2914,10 +2767,7 @@
             <a:normAutofit/>
           </a:bodyPr>
           <a:p>
-            <a:endParaRPr b="0" lang="en-US" sz="1400" spc="-1" strike="noStrike">
-              <a:solidFill>
-                <a:srgbClr val="000000"/>
-              </a:solidFill>
+            <a:endParaRPr b="0" lang="en-US" sz="3200" spc="-1" strike="noStrike">
               <a:latin typeface="Arial"/>
             </a:endParaRPr>
           </a:p>
@@ -2947,7 +2797,7 @@
       </p:grpSpPr>
       <p:sp>
         <p:nvSpPr>
-          <p:cNvPr id="87" name="PlaceHolder 1"/>
+          <p:cNvPr id="85" name="PlaceHolder 1"/>
           <p:cNvSpPr>
             <a:spLocks noGrp="1"/>
           </p:cNvSpPr>
@@ -2957,8 +2807,8 @@
         </p:nvSpPr>
         <p:spPr>
           <a:xfrm>
-            <a:off x="311760" y="444960"/>
-            <a:ext cx="8520120" cy="572400"/>
+            <a:off x="311760" y="418320"/>
+            <a:ext cx="8519760" cy="625320"/>
           </a:xfrm>
           <a:prstGeom prst="rect">
             <a:avLst/>
@@ -2967,10 +2817,8 @@
         <p:txBody>
           <a:bodyPr lIns="0" rIns="0" tIns="0" bIns="0" anchor="ctr"/>
           <a:p>
-            <a:endParaRPr b="0" lang="en-US" sz="1400" spc="-1" strike="noStrike">
-              <a:solidFill>
-                <a:srgbClr val="000000"/>
-              </a:solidFill>
+            <a:pPr algn="ctr"/>
+            <a:endParaRPr b="0" lang="en-US" sz="4400" spc="-1" strike="noStrike">
               <a:latin typeface="Arial"/>
             </a:endParaRPr>
           </a:p>
@@ -3000,7 +2848,7 @@
       </p:grpSpPr>
       <p:sp>
         <p:nvSpPr>
-          <p:cNvPr id="5" name="PlaceHolder 1"/>
+          <p:cNvPr id="4" name="PlaceHolder 1"/>
           <p:cNvSpPr>
             <a:spLocks noGrp="1"/>
           </p:cNvSpPr>
@@ -3010,8 +2858,8 @@
         </p:nvSpPr>
         <p:spPr>
           <a:xfrm>
-            <a:off x="311760" y="444960"/>
-            <a:ext cx="8520120" cy="572400"/>
+            <a:off x="311760" y="418320"/>
+            <a:ext cx="8519760" cy="625320"/>
           </a:xfrm>
           <a:prstGeom prst="rect">
             <a:avLst/>
@@ -3020,18 +2868,16 @@
         <p:txBody>
           <a:bodyPr lIns="0" rIns="0" tIns="0" bIns="0" anchor="ctr"/>
           <a:p>
-            <a:endParaRPr b="0" lang="en-US" sz="1400" spc="-1" strike="noStrike">
-              <a:solidFill>
-                <a:srgbClr val="000000"/>
-              </a:solidFill>
-              <a:latin typeface="Arial"/>
-            </a:endParaRPr>
-          </a:p>
-        </p:txBody>
-      </p:sp>
-      <p:sp>
-        <p:nvSpPr>
-          <p:cNvPr id="6" name="PlaceHolder 2"/>
+            <a:pPr algn="ctr"/>
+            <a:endParaRPr b="0" lang="en-US" sz="4400" spc="-1" strike="noStrike">
+              <a:latin typeface="Arial"/>
+            </a:endParaRPr>
+          </a:p>
+        </p:txBody>
+      </p:sp>
+      <p:sp>
+        <p:nvSpPr>
+          <p:cNvPr id="5" name="PlaceHolder 2"/>
           <p:cNvSpPr>
             <a:spLocks noGrp="1"/>
           </p:cNvSpPr>
@@ -3042,7 +2888,7 @@
         <p:spPr>
           <a:xfrm>
             <a:off x="311760" y="1152360"/>
-            <a:ext cx="8520120" cy="3416040"/>
+            <a:ext cx="8519760" cy="3415680"/>
           </a:xfrm>
           <a:prstGeom prst="rect">
             <a:avLst/>
@@ -3053,10 +2899,7 @@
             <a:normAutofit/>
           </a:bodyPr>
           <a:p>
-            <a:endParaRPr b="0" lang="en-US" sz="1400" spc="-1" strike="noStrike">
-              <a:solidFill>
-                <a:srgbClr val="000000"/>
-              </a:solidFill>
+            <a:endParaRPr b="0" lang="en-US" sz="3200" spc="-1" strike="noStrike">
               <a:latin typeface="Arial"/>
             </a:endParaRPr>
           </a:p>
@@ -3086,7 +2929,7 @@
       </p:grpSpPr>
       <p:sp>
         <p:nvSpPr>
-          <p:cNvPr id="88" name="PlaceHolder 1"/>
+          <p:cNvPr id="86" name="PlaceHolder 1"/>
           <p:cNvSpPr>
             <a:spLocks noGrp="1"/>
           </p:cNvSpPr>
@@ -3097,7 +2940,7 @@
         <p:spPr>
           <a:xfrm>
             <a:off x="311760" y="444960"/>
-            <a:ext cx="8520120" cy="2654640"/>
+            <a:ext cx="8519760" cy="2652840"/>
           </a:xfrm>
           <a:prstGeom prst="rect">
             <a:avLst/>
@@ -3137,7 +2980,7 @@
       </p:grpSpPr>
       <p:sp>
         <p:nvSpPr>
-          <p:cNvPr id="89" name="PlaceHolder 1"/>
+          <p:cNvPr id="87" name="PlaceHolder 1"/>
           <p:cNvSpPr>
             <a:spLocks noGrp="1"/>
           </p:cNvSpPr>
@@ -3147,8 +2990,8 @@
         </p:nvSpPr>
         <p:spPr>
           <a:xfrm>
-            <a:off x="311760" y="444960"/>
-            <a:ext cx="8520120" cy="572400"/>
+            <a:off x="311760" y="418320"/>
+            <a:ext cx="8519760" cy="625320"/>
           </a:xfrm>
           <a:prstGeom prst="rect">
             <a:avLst/>
@@ -3157,18 +3000,16 @@
         <p:txBody>
           <a:bodyPr lIns="0" rIns="0" tIns="0" bIns="0" anchor="ctr"/>
           <a:p>
-            <a:endParaRPr b="0" lang="en-US" sz="1400" spc="-1" strike="noStrike">
-              <a:solidFill>
-                <a:srgbClr val="000000"/>
-              </a:solidFill>
-              <a:latin typeface="Arial"/>
-            </a:endParaRPr>
-          </a:p>
-        </p:txBody>
-      </p:sp>
-      <p:sp>
-        <p:nvSpPr>
-          <p:cNvPr id="90" name="PlaceHolder 2"/>
+            <a:pPr algn="ctr"/>
+            <a:endParaRPr b="0" lang="en-US" sz="4400" spc="-1" strike="noStrike">
+              <a:latin typeface="Arial"/>
+            </a:endParaRPr>
+          </a:p>
+        </p:txBody>
+      </p:sp>
+      <p:sp>
+        <p:nvSpPr>
+          <p:cNvPr id="88" name="PlaceHolder 2"/>
           <p:cNvSpPr>
             <a:spLocks noGrp="1"/>
           </p:cNvSpPr>
@@ -3179,7 +3020,7 @@
         <p:spPr>
           <a:xfrm>
             <a:off x="311760" y="1152360"/>
-            <a:ext cx="4157640" cy="1629360"/>
+            <a:ext cx="4157280" cy="1629000"/>
           </a:xfrm>
           <a:prstGeom prst="rect">
             <a:avLst/>
@@ -3190,18 +3031,15 @@
             <a:normAutofit/>
           </a:bodyPr>
           <a:p>
-            <a:endParaRPr b="0" lang="en-US" sz="1400" spc="-1" strike="noStrike">
-              <a:solidFill>
-                <a:srgbClr val="000000"/>
-              </a:solidFill>
-              <a:latin typeface="Arial"/>
-            </a:endParaRPr>
-          </a:p>
-        </p:txBody>
-      </p:sp>
-      <p:sp>
-        <p:nvSpPr>
-          <p:cNvPr id="91" name="PlaceHolder 3"/>
+            <a:endParaRPr b="0" lang="en-US" sz="3200" spc="-1" strike="noStrike">
+              <a:latin typeface="Arial"/>
+            </a:endParaRPr>
+          </a:p>
+        </p:txBody>
+      </p:sp>
+      <p:sp>
+        <p:nvSpPr>
+          <p:cNvPr id="89" name="PlaceHolder 3"/>
           <p:cNvSpPr>
             <a:spLocks noGrp="1"/>
           </p:cNvSpPr>
@@ -3211,8 +3049,8 @@
         </p:nvSpPr>
         <p:spPr>
           <a:xfrm>
-            <a:off x="311760" y="2936880"/>
-            <a:ext cx="4157640" cy="1629360"/>
+            <a:off x="311760" y="2936520"/>
+            <a:ext cx="4157280" cy="1629000"/>
           </a:xfrm>
           <a:prstGeom prst="rect">
             <a:avLst/>
@@ -3223,18 +3061,15 @@
             <a:normAutofit/>
           </a:bodyPr>
           <a:p>
-            <a:endParaRPr b="0" lang="en-US" sz="1400" spc="-1" strike="noStrike">
-              <a:solidFill>
-                <a:srgbClr val="000000"/>
-              </a:solidFill>
-              <a:latin typeface="Arial"/>
-            </a:endParaRPr>
-          </a:p>
-        </p:txBody>
-      </p:sp>
-      <p:sp>
-        <p:nvSpPr>
-          <p:cNvPr id="92" name="PlaceHolder 4"/>
+            <a:endParaRPr b="0" lang="en-US" sz="3200" spc="-1" strike="noStrike">
+              <a:latin typeface="Arial"/>
+            </a:endParaRPr>
+          </a:p>
+        </p:txBody>
+      </p:sp>
+      <p:sp>
+        <p:nvSpPr>
+          <p:cNvPr id="90" name="PlaceHolder 4"/>
           <p:cNvSpPr>
             <a:spLocks noGrp="1"/>
           </p:cNvSpPr>
@@ -3244,8 +3079,8 @@
         </p:nvSpPr>
         <p:spPr>
           <a:xfrm>
-            <a:off x="4677840" y="1152360"/>
-            <a:ext cx="4157640" cy="3416040"/>
+            <a:off x="4677120" y="1152360"/>
+            <a:ext cx="4157280" cy="3415680"/>
           </a:xfrm>
           <a:prstGeom prst="rect">
             <a:avLst/>
@@ -3256,10 +3091,7 @@
             <a:normAutofit/>
           </a:bodyPr>
           <a:p>
-            <a:endParaRPr b="0" lang="en-US" sz="1400" spc="-1" strike="noStrike">
-              <a:solidFill>
-                <a:srgbClr val="000000"/>
-              </a:solidFill>
+            <a:endParaRPr b="0" lang="en-US" sz="3200" spc="-1" strike="noStrike">
               <a:latin typeface="Arial"/>
             </a:endParaRPr>
           </a:p>
@@ -3289,7 +3121,7 @@
       </p:grpSpPr>
       <p:sp>
         <p:nvSpPr>
-          <p:cNvPr id="93" name="PlaceHolder 1"/>
+          <p:cNvPr id="91" name="PlaceHolder 1"/>
           <p:cNvSpPr>
             <a:spLocks noGrp="1"/>
           </p:cNvSpPr>
@@ -3299,8 +3131,8 @@
         </p:nvSpPr>
         <p:spPr>
           <a:xfrm>
-            <a:off x="311760" y="444960"/>
-            <a:ext cx="8520120" cy="572400"/>
+            <a:off x="311760" y="418320"/>
+            <a:ext cx="8519760" cy="625320"/>
           </a:xfrm>
           <a:prstGeom prst="rect">
             <a:avLst/>
@@ -3309,18 +3141,16 @@
         <p:txBody>
           <a:bodyPr lIns="0" rIns="0" tIns="0" bIns="0" anchor="ctr"/>
           <a:p>
-            <a:endParaRPr b="0" lang="en-US" sz="1400" spc="-1" strike="noStrike">
-              <a:solidFill>
-                <a:srgbClr val="000000"/>
-              </a:solidFill>
-              <a:latin typeface="Arial"/>
-            </a:endParaRPr>
-          </a:p>
-        </p:txBody>
-      </p:sp>
-      <p:sp>
-        <p:nvSpPr>
-          <p:cNvPr id="94" name="PlaceHolder 2"/>
+            <a:pPr algn="ctr"/>
+            <a:endParaRPr b="0" lang="en-US" sz="4400" spc="-1" strike="noStrike">
+              <a:latin typeface="Arial"/>
+            </a:endParaRPr>
+          </a:p>
+        </p:txBody>
+      </p:sp>
+      <p:sp>
+        <p:nvSpPr>
+          <p:cNvPr id="92" name="PlaceHolder 2"/>
           <p:cNvSpPr>
             <a:spLocks noGrp="1"/>
           </p:cNvSpPr>
@@ -3331,7 +3161,7 @@
         <p:spPr>
           <a:xfrm>
             <a:off x="311760" y="1152360"/>
-            <a:ext cx="4157640" cy="3416040"/>
+            <a:ext cx="4157280" cy="3415680"/>
           </a:xfrm>
           <a:prstGeom prst="rect">
             <a:avLst/>
@@ -3342,18 +3172,15 @@
             <a:normAutofit/>
           </a:bodyPr>
           <a:p>
-            <a:endParaRPr b="0" lang="en-US" sz="1400" spc="-1" strike="noStrike">
-              <a:solidFill>
-                <a:srgbClr val="000000"/>
-              </a:solidFill>
-              <a:latin typeface="Arial"/>
-            </a:endParaRPr>
-          </a:p>
-        </p:txBody>
-      </p:sp>
-      <p:sp>
-        <p:nvSpPr>
-          <p:cNvPr id="95" name="PlaceHolder 3"/>
+            <a:endParaRPr b="0" lang="en-US" sz="3200" spc="-1" strike="noStrike">
+              <a:latin typeface="Arial"/>
+            </a:endParaRPr>
+          </a:p>
+        </p:txBody>
+      </p:sp>
+      <p:sp>
+        <p:nvSpPr>
+          <p:cNvPr id="93" name="PlaceHolder 3"/>
           <p:cNvSpPr>
             <a:spLocks noGrp="1"/>
           </p:cNvSpPr>
@@ -3363,8 +3190,8 @@
         </p:nvSpPr>
         <p:spPr>
           <a:xfrm>
-            <a:off x="4677840" y="1152360"/>
-            <a:ext cx="4157640" cy="1629360"/>
+            <a:off x="4677120" y="1152360"/>
+            <a:ext cx="4157280" cy="1629000"/>
           </a:xfrm>
           <a:prstGeom prst="rect">
             <a:avLst/>
@@ -3375,18 +3202,15 @@
             <a:normAutofit/>
           </a:bodyPr>
           <a:p>
-            <a:endParaRPr b="0" lang="en-US" sz="1400" spc="-1" strike="noStrike">
-              <a:solidFill>
-                <a:srgbClr val="000000"/>
-              </a:solidFill>
-              <a:latin typeface="Arial"/>
-            </a:endParaRPr>
-          </a:p>
-        </p:txBody>
-      </p:sp>
-      <p:sp>
-        <p:nvSpPr>
-          <p:cNvPr id="96" name="PlaceHolder 4"/>
+            <a:endParaRPr b="0" lang="en-US" sz="3200" spc="-1" strike="noStrike">
+              <a:latin typeface="Arial"/>
+            </a:endParaRPr>
+          </a:p>
+        </p:txBody>
+      </p:sp>
+      <p:sp>
+        <p:nvSpPr>
+          <p:cNvPr id="94" name="PlaceHolder 4"/>
           <p:cNvSpPr>
             <a:spLocks noGrp="1"/>
           </p:cNvSpPr>
@@ -3396,8 +3220,8 @@
         </p:nvSpPr>
         <p:spPr>
           <a:xfrm>
-            <a:off x="4677840" y="2936880"/>
-            <a:ext cx="4157640" cy="1629360"/>
+            <a:off x="4677120" y="2936520"/>
+            <a:ext cx="4157280" cy="1629000"/>
           </a:xfrm>
           <a:prstGeom prst="rect">
             <a:avLst/>
@@ -3408,10 +3232,7 @@
             <a:normAutofit/>
           </a:bodyPr>
           <a:p>
-            <a:endParaRPr b="0" lang="en-US" sz="1400" spc="-1" strike="noStrike">
-              <a:solidFill>
-                <a:srgbClr val="000000"/>
-              </a:solidFill>
+            <a:endParaRPr b="0" lang="en-US" sz="3200" spc="-1" strike="noStrike">
               <a:latin typeface="Arial"/>
             </a:endParaRPr>
           </a:p>
@@ -3441,7 +3262,7 @@
       </p:grpSpPr>
       <p:sp>
         <p:nvSpPr>
-          <p:cNvPr id="97" name="PlaceHolder 1"/>
+          <p:cNvPr id="95" name="PlaceHolder 1"/>
           <p:cNvSpPr>
             <a:spLocks noGrp="1"/>
           </p:cNvSpPr>
@@ -3451,8 +3272,8 @@
         </p:nvSpPr>
         <p:spPr>
           <a:xfrm>
-            <a:off x="311760" y="444960"/>
-            <a:ext cx="8520120" cy="572400"/>
+            <a:off x="311760" y="418320"/>
+            <a:ext cx="8519760" cy="625320"/>
           </a:xfrm>
           <a:prstGeom prst="rect">
             <a:avLst/>
@@ -3461,18 +3282,16 @@
         <p:txBody>
           <a:bodyPr lIns="0" rIns="0" tIns="0" bIns="0" anchor="ctr"/>
           <a:p>
-            <a:endParaRPr b="0" lang="en-US" sz="1400" spc="-1" strike="noStrike">
-              <a:solidFill>
-                <a:srgbClr val="000000"/>
-              </a:solidFill>
-              <a:latin typeface="Arial"/>
-            </a:endParaRPr>
-          </a:p>
-        </p:txBody>
-      </p:sp>
-      <p:sp>
-        <p:nvSpPr>
-          <p:cNvPr id="98" name="PlaceHolder 2"/>
+            <a:pPr algn="ctr"/>
+            <a:endParaRPr b="0" lang="en-US" sz="4400" spc="-1" strike="noStrike">
+              <a:latin typeface="Arial"/>
+            </a:endParaRPr>
+          </a:p>
+        </p:txBody>
+      </p:sp>
+      <p:sp>
+        <p:nvSpPr>
+          <p:cNvPr id="96" name="PlaceHolder 2"/>
           <p:cNvSpPr>
             <a:spLocks noGrp="1"/>
           </p:cNvSpPr>
@@ -3483,7 +3302,7 @@
         <p:spPr>
           <a:xfrm>
             <a:off x="311760" y="1152360"/>
-            <a:ext cx="4157640" cy="1629360"/>
+            <a:ext cx="4157280" cy="1629000"/>
           </a:xfrm>
           <a:prstGeom prst="rect">
             <a:avLst/>
@@ -3494,18 +3313,15 @@
             <a:normAutofit/>
           </a:bodyPr>
           <a:p>
-            <a:endParaRPr b="0" lang="en-US" sz="1400" spc="-1" strike="noStrike">
-              <a:solidFill>
-                <a:srgbClr val="000000"/>
-              </a:solidFill>
-              <a:latin typeface="Arial"/>
-            </a:endParaRPr>
-          </a:p>
-        </p:txBody>
-      </p:sp>
-      <p:sp>
-        <p:nvSpPr>
-          <p:cNvPr id="99" name="PlaceHolder 3"/>
+            <a:endParaRPr b="0" lang="en-US" sz="3200" spc="-1" strike="noStrike">
+              <a:latin typeface="Arial"/>
+            </a:endParaRPr>
+          </a:p>
+        </p:txBody>
+      </p:sp>
+      <p:sp>
+        <p:nvSpPr>
+          <p:cNvPr id="97" name="PlaceHolder 3"/>
           <p:cNvSpPr>
             <a:spLocks noGrp="1"/>
           </p:cNvSpPr>
@@ -3515,8 +3331,8 @@
         </p:nvSpPr>
         <p:spPr>
           <a:xfrm>
-            <a:off x="4677840" y="1152360"/>
-            <a:ext cx="4157640" cy="1629360"/>
+            <a:off x="4677120" y="1152360"/>
+            <a:ext cx="4157280" cy="1629000"/>
           </a:xfrm>
           <a:prstGeom prst="rect">
             <a:avLst/>
@@ -3527,18 +3343,15 @@
             <a:normAutofit/>
           </a:bodyPr>
           <a:p>
-            <a:endParaRPr b="0" lang="en-US" sz="1400" spc="-1" strike="noStrike">
-              <a:solidFill>
-                <a:srgbClr val="000000"/>
-              </a:solidFill>
-              <a:latin typeface="Arial"/>
-            </a:endParaRPr>
-          </a:p>
-        </p:txBody>
-      </p:sp>
-      <p:sp>
-        <p:nvSpPr>
-          <p:cNvPr id="100" name="PlaceHolder 4"/>
+            <a:endParaRPr b="0" lang="en-US" sz="3200" spc="-1" strike="noStrike">
+              <a:latin typeface="Arial"/>
+            </a:endParaRPr>
+          </a:p>
+        </p:txBody>
+      </p:sp>
+      <p:sp>
+        <p:nvSpPr>
+          <p:cNvPr id="98" name="PlaceHolder 4"/>
           <p:cNvSpPr>
             <a:spLocks noGrp="1"/>
           </p:cNvSpPr>
@@ -3548,8 +3361,8 @@
         </p:nvSpPr>
         <p:spPr>
           <a:xfrm>
-            <a:off x="311760" y="2936880"/>
-            <a:ext cx="8520120" cy="1629360"/>
+            <a:off x="311760" y="2936520"/>
+            <a:ext cx="8519760" cy="1629000"/>
           </a:xfrm>
           <a:prstGeom prst="rect">
             <a:avLst/>
@@ -3560,10 +3373,7 @@
             <a:normAutofit/>
           </a:bodyPr>
           <a:p>
-            <a:endParaRPr b="0" lang="en-US" sz="1400" spc="-1" strike="noStrike">
-              <a:solidFill>
-                <a:srgbClr val="000000"/>
-              </a:solidFill>
+            <a:endParaRPr b="0" lang="en-US" sz="3200" spc="-1" strike="noStrike">
               <a:latin typeface="Arial"/>
             </a:endParaRPr>
           </a:p>
@@ -3593,7 +3403,7 @@
       </p:grpSpPr>
       <p:sp>
         <p:nvSpPr>
-          <p:cNvPr id="101" name="PlaceHolder 1"/>
+          <p:cNvPr id="99" name="PlaceHolder 1"/>
           <p:cNvSpPr>
             <a:spLocks noGrp="1"/>
           </p:cNvSpPr>
@@ -3603,8 +3413,8 @@
         </p:nvSpPr>
         <p:spPr>
           <a:xfrm>
-            <a:off x="311760" y="444960"/>
-            <a:ext cx="8520120" cy="572400"/>
+            <a:off x="311760" y="418320"/>
+            <a:ext cx="8519760" cy="625320"/>
           </a:xfrm>
           <a:prstGeom prst="rect">
             <a:avLst/>
@@ -3613,18 +3423,16 @@
         <p:txBody>
           <a:bodyPr lIns="0" rIns="0" tIns="0" bIns="0" anchor="ctr"/>
           <a:p>
-            <a:endParaRPr b="0" lang="en-US" sz="1400" spc="-1" strike="noStrike">
-              <a:solidFill>
-                <a:srgbClr val="000000"/>
-              </a:solidFill>
-              <a:latin typeface="Arial"/>
-            </a:endParaRPr>
-          </a:p>
-        </p:txBody>
-      </p:sp>
-      <p:sp>
-        <p:nvSpPr>
-          <p:cNvPr id="102" name="PlaceHolder 2"/>
+            <a:pPr algn="ctr"/>
+            <a:endParaRPr b="0" lang="en-US" sz="4400" spc="-1" strike="noStrike">
+              <a:latin typeface="Arial"/>
+            </a:endParaRPr>
+          </a:p>
+        </p:txBody>
+      </p:sp>
+      <p:sp>
+        <p:nvSpPr>
+          <p:cNvPr id="100" name="PlaceHolder 2"/>
           <p:cNvSpPr>
             <a:spLocks noGrp="1"/>
           </p:cNvSpPr>
@@ -3635,7 +3443,7 @@
         <p:spPr>
           <a:xfrm>
             <a:off x="311760" y="1152360"/>
-            <a:ext cx="8520120" cy="1629360"/>
+            <a:ext cx="8519760" cy="1629000"/>
           </a:xfrm>
           <a:prstGeom prst="rect">
             <a:avLst/>
@@ -3646,18 +3454,15 @@
             <a:normAutofit/>
           </a:bodyPr>
           <a:p>
-            <a:endParaRPr b="0" lang="en-US" sz="1400" spc="-1" strike="noStrike">
-              <a:solidFill>
-                <a:srgbClr val="000000"/>
-              </a:solidFill>
-              <a:latin typeface="Arial"/>
-            </a:endParaRPr>
-          </a:p>
-        </p:txBody>
-      </p:sp>
-      <p:sp>
-        <p:nvSpPr>
-          <p:cNvPr id="103" name="PlaceHolder 3"/>
+            <a:endParaRPr b="0" lang="en-US" sz="3200" spc="-1" strike="noStrike">
+              <a:latin typeface="Arial"/>
+            </a:endParaRPr>
+          </a:p>
+        </p:txBody>
+      </p:sp>
+      <p:sp>
+        <p:nvSpPr>
+          <p:cNvPr id="101" name="PlaceHolder 3"/>
           <p:cNvSpPr>
             <a:spLocks noGrp="1"/>
           </p:cNvSpPr>
@@ -3667,8 +3472,8 @@
         </p:nvSpPr>
         <p:spPr>
           <a:xfrm>
-            <a:off x="311760" y="2936880"/>
-            <a:ext cx="8520120" cy="1629360"/>
+            <a:off x="311760" y="2936520"/>
+            <a:ext cx="8519760" cy="1629000"/>
           </a:xfrm>
           <a:prstGeom prst="rect">
             <a:avLst/>
@@ -3679,10 +3484,7 @@
             <a:normAutofit/>
           </a:bodyPr>
           <a:p>
-            <a:endParaRPr b="0" lang="en-US" sz="1400" spc="-1" strike="noStrike">
-              <a:solidFill>
-                <a:srgbClr val="000000"/>
-              </a:solidFill>
+            <a:endParaRPr b="0" lang="en-US" sz="3200" spc="-1" strike="noStrike">
               <a:latin typeface="Arial"/>
             </a:endParaRPr>
           </a:p>
@@ -3712,7 +3514,7 @@
       </p:grpSpPr>
       <p:sp>
         <p:nvSpPr>
-          <p:cNvPr id="104" name="PlaceHolder 1"/>
+          <p:cNvPr id="102" name="PlaceHolder 1"/>
           <p:cNvSpPr>
             <a:spLocks noGrp="1"/>
           </p:cNvSpPr>
@@ -3722,8 +3524,8 @@
         </p:nvSpPr>
         <p:spPr>
           <a:xfrm>
-            <a:off x="311760" y="444960"/>
-            <a:ext cx="8520120" cy="572400"/>
+            <a:off x="311760" y="418320"/>
+            <a:ext cx="8519760" cy="625320"/>
           </a:xfrm>
           <a:prstGeom prst="rect">
             <a:avLst/>
@@ -3732,18 +3534,16 @@
         <p:txBody>
           <a:bodyPr lIns="0" rIns="0" tIns="0" bIns="0" anchor="ctr"/>
           <a:p>
-            <a:endParaRPr b="0" lang="en-US" sz="1400" spc="-1" strike="noStrike">
-              <a:solidFill>
-                <a:srgbClr val="000000"/>
-              </a:solidFill>
-              <a:latin typeface="Arial"/>
-            </a:endParaRPr>
-          </a:p>
-        </p:txBody>
-      </p:sp>
-      <p:sp>
-        <p:nvSpPr>
-          <p:cNvPr id="105" name="PlaceHolder 2"/>
+            <a:pPr algn="ctr"/>
+            <a:endParaRPr b="0" lang="en-US" sz="4400" spc="-1" strike="noStrike">
+              <a:latin typeface="Arial"/>
+            </a:endParaRPr>
+          </a:p>
+        </p:txBody>
+      </p:sp>
+      <p:sp>
+        <p:nvSpPr>
+          <p:cNvPr id="103" name="PlaceHolder 2"/>
           <p:cNvSpPr>
             <a:spLocks noGrp="1"/>
           </p:cNvSpPr>
@@ -3754,7 +3554,7 @@
         <p:spPr>
           <a:xfrm>
             <a:off x="311760" y="1152360"/>
-            <a:ext cx="4157640" cy="1629360"/>
+            <a:ext cx="4157280" cy="1629000"/>
           </a:xfrm>
           <a:prstGeom prst="rect">
             <a:avLst/>
@@ -3765,18 +3565,15 @@
             <a:normAutofit/>
           </a:bodyPr>
           <a:p>
-            <a:endParaRPr b="0" lang="en-US" sz="1400" spc="-1" strike="noStrike">
-              <a:solidFill>
-                <a:srgbClr val="000000"/>
-              </a:solidFill>
-              <a:latin typeface="Arial"/>
-            </a:endParaRPr>
-          </a:p>
-        </p:txBody>
-      </p:sp>
-      <p:sp>
-        <p:nvSpPr>
-          <p:cNvPr id="106" name="PlaceHolder 3"/>
+            <a:endParaRPr b="0" lang="en-US" sz="3200" spc="-1" strike="noStrike">
+              <a:latin typeface="Arial"/>
+            </a:endParaRPr>
+          </a:p>
+        </p:txBody>
+      </p:sp>
+      <p:sp>
+        <p:nvSpPr>
+          <p:cNvPr id="104" name="PlaceHolder 3"/>
           <p:cNvSpPr>
             <a:spLocks noGrp="1"/>
           </p:cNvSpPr>
@@ -3786,8 +3583,8 @@
         </p:nvSpPr>
         <p:spPr>
           <a:xfrm>
-            <a:off x="4677840" y="1152360"/>
-            <a:ext cx="4157640" cy="1629360"/>
+            <a:off x="4677120" y="1152360"/>
+            <a:ext cx="4157280" cy="1629000"/>
           </a:xfrm>
           <a:prstGeom prst="rect">
             <a:avLst/>
@@ -3798,18 +3595,15 @@
             <a:normAutofit/>
           </a:bodyPr>
           <a:p>
-            <a:endParaRPr b="0" lang="en-US" sz="1400" spc="-1" strike="noStrike">
-              <a:solidFill>
-                <a:srgbClr val="000000"/>
-              </a:solidFill>
-              <a:latin typeface="Arial"/>
-            </a:endParaRPr>
-          </a:p>
-        </p:txBody>
-      </p:sp>
-      <p:sp>
-        <p:nvSpPr>
-          <p:cNvPr id="107" name="PlaceHolder 4"/>
+            <a:endParaRPr b="0" lang="en-US" sz="3200" spc="-1" strike="noStrike">
+              <a:latin typeface="Arial"/>
+            </a:endParaRPr>
+          </a:p>
+        </p:txBody>
+      </p:sp>
+      <p:sp>
+        <p:nvSpPr>
+          <p:cNvPr id="105" name="PlaceHolder 4"/>
           <p:cNvSpPr>
             <a:spLocks noGrp="1"/>
           </p:cNvSpPr>
@@ -3819,8 +3613,8 @@
         </p:nvSpPr>
         <p:spPr>
           <a:xfrm>
-            <a:off x="4677840" y="2936880"/>
-            <a:ext cx="4157640" cy="1629360"/>
+            <a:off x="4677120" y="2936520"/>
+            <a:ext cx="4157280" cy="1629000"/>
           </a:xfrm>
           <a:prstGeom prst="rect">
             <a:avLst/>
@@ -3831,18 +3625,15 @@
             <a:normAutofit/>
           </a:bodyPr>
           <a:p>
-            <a:endParaRPr b="0" lang="en-US" sz="1400" spc="-1" strike="noStrike">
-              <a:solidFill>
-                <a:srgbClr val="000000"/>
-              </a:solidFill>
-              <a:latin typeface="Arial"/>
-            </a:endParaRPr>
-          </a:p>
-        </p:txBody>
-      </p:sp>
-      <p:sp>
-        <p:nvSpPr>
-          <p:cNvPr id="108" name="PlaceHolder 5"/>
+            <a:endParaRPr b="0" lang="en-US" sz="3200" spc="-1" strike="noStrike">
+              <a:latin typeface="Arial"/>
+            </a:endParaRPr>
+          </a:p>
+        </p:txBody>
+      </p:sp>
+      <p:sp>
+        <p:nvSpPr>
+          <p:cNvPr id="106" name="PlaceHolder 5"/>
           <p:cNvSpPr>
             <a:spLocks noGrp="1"/>
           </p:cNvSpPr>
@@ -3852,8 +3643,8 @@
         </p:nvSpPr>
         <p:spPr>
           <a:xfrm>
-            <a:off x="311760" y="2936880"/>
-            <a:ext cx="4157640" cy="1629360"/>
+            <a:off x="311760" y="2936520"/>
+            <a:ext cx="4157280" cy="1629000"/>
           </a:xfrm>
           <a:prstGeom prst="rect">
             <a:avLst/>
@@ -3864,10 +3655,7 @@
             <a:normAutofit/>
           </a:bodyPr>
           <a:p>
-            <a:endParaRPr b="0" lang="en-US" sz="1400" spc="-1" strike="noStrike">
-              <a:solidFill>
-                <a:srgbClr val="000000"/>
-              </a:solidFill>
+            <a:endParaRPr b="0" lang="en-US" sz="3200" spc="-1" strike="noStrike">
               <a:latin typeface="Arial"/>
             </a:endParaRPr>
           </a:p>
@@ -3897,7 +3685,7 @@
       </p:grpSpPr>
       <p:sp>
         <p:nvSpPr>
-          <p:cNvPr id="109" name="PlaceHolder 1"/>
+          <p:cNvPr id="107" name="PlaceHolder 1"/>
           <p:cNvSpPr>
             <a:spLocks noGrp="1"/>
           </p:cNvSpPr>
@@ -3907,8 +3695,8 @@
         </p:nvSpPr>
         <p:spPr>
           <a:xfrm>
-            <a:off x="311760" y="444960"/>
-            <a:ext cx="8520120" cy="572400"/>
+            <a:off x="311760" y="418320"/>
+            <a:ext cx="8519760" cy="625320"/>
           </a:xfrm>
           <a:prstGeom prst="rect">
             <a:avLst/>
@@ -3917,18 +3705,16 @@
         <p:txBody>
           <a:bodyPr lIns="0" rIns="0" tIns="0" bIns="0" anchor="ctr"/>
           <a:p>
-            <a:endParaRPr b="0" lang="en-US" sz="1400" spc="-1" strike="noStrike">
-              <a:solidFill>
-                <a:srgbClr val="000000"/>
-              </a:solidFill>
-              <a:latin typeface="Arial"/>
-            </a:endParaRPr>
-          </a:p>
-        </p:txBody>
-      </p:sp>
-      <p:sp>
-        <p:nvSpPr>
-          <p:cNvPr id="110" name="PlaceHolder 2"/>
+            <a:pPr algn="ctr"/>
+            <a:endParaRPr b="0" lang="en-US" sz="4400" spc="-1" strike="noStrike">
+              <a:latin typeface="Arial"/>
+            </a:endParaRPr>
+          </a:p>
+        </p:txBody>
+      </p:sp>
+      <p:sp>
+        <p:nvSpPr>
+          <p:cNvPr id="108" name="PlaceHolder 2"/>
           <p:cNvSpPr>
             <a:spLocks noGrp="1"/>
           </p:cNvSpPr>
@@ -3939,7 +3725,7 @@
         <p:spPr>
           <a:xfrm>
             <a:off x="311760" y="1152360"/>
-            <a:ext cx="2743200" cy="1629360"/>
+            <a:ext cx="2743200" cy="1629000"/>
           </a:xfrm>
           <a:prstGeom prst="rect">
             <a:avLst/>
@@ -3950,18 +3736,15 @@
             <a:normAutofit/>
           </a:bodyPr>
           <a:p>
-            <a:endParaRPr b="0" lang="en-US" sz="1400" spc="-1" strike="noStrike">
-              <a:solidFill>
-                <a:srgbClr val="000000"/>
-              </a:solidFill>
-              <a:latin typeface="Arial"/>
-            </a:endParaRPr>
-          </a:p>
-        </p:txBody>
-      </p:sp>
-      <p:sp>
-        <p:nvSpPr>
-          <p:cNvPr id="111" name="PlaceHolder 3"/>
+            <a:endParaRPr b="0" lang="en-US" sz="3200" spc="-1" strike="noStrike">
+              <a:latin typeface="Arial"/>
+            </a:endParaRPr>
+          </a:p>
+        </p:txBody>
+      </p:sp>
+      <p:sp>
+        <p:nvSpPr>
+          <p:cNvPr id="109" name="PlaceHolder 3"/>
           <p:cNvSpPr>
             <a:spLocks noGrp="1"/>
           </p:cNvSpPr>
@@ -3972,7 +3755,7 @@
         <p:spPr>
           <a:xfrm>
             <a:off x="3192480" y="1152360"/>
-            <a:ext cx="2743200" cy="1629360"/>
+            <a:ext cx="2743200" cy="1629000"/>
           </a:xfrm>
           <a:prstGeom prst="rect">
             <a:avLst/>
@@ -3983,18 +3766,15 @@
             <a:normAutofit/>
           </a:bodyPr>
           <a:p>
-            <a:endParaRPr b="0" lang="en-US" sz="1400" spc="-1" strike="noStrike">
-              <a:solidFill>
-                <a:srgbClr val="000000"/>
-              </a:solidFill>
-              <a:latin typeface="Arial"/>
-            </a:endParaRPr>
-          </a:p>
-        </p:txBody>
-      </p:sp>
-      <p:sp>
-        <p:nvSpPr>
-          <p:cNvPr id="112" name="PlaceHolder 4"/>
+            <a:endParaRPr b="0" lang="en-US" sz="3200" spc="-1" strike="noStrike">
+              <a:latin typeface="Arial"/>
+            </a:endParaRPr>
+          </a:p>
+        </p:txBody>
+      </p:sp>
+      <p:sp>
+        <p:nvSpPr>
+          <p:cNvPr id="110" name="PlaceHolder 4"/>
           <p:cNvSpPr>
             <a:spLocks noGrp="1"/>
           </p:cNvSpPr>
@@ -4005,7 +3785,7 @@
         <p:spPr>
           <a:xfrm>
             <a:off x="6073200" y="1152360"/>
-            <a:ext cx="2743200" cy="1629360"/>
+            <a:ext cx="2743200" cy="1629000"/>
           </a:xfrm>
           <a:prstGeom prst="rect">
             <a:avLst/>
@@ -4016,18 +3796,15 @@
             <a:normAutofit/>
           </a:bodyPr>
           <a:p>
-            <a:endParaRPr b="0" lang="en-US" sz="1400" spc="-1" strike="noStrike">
-              <a:solidFill>
-                <a:srgbClr val="000000"/>
-              </a:solidFill>
-              <a:latin typeface="Arial"/>
-            </a:endParaRPr>
-          </a:p>
-        </p:txBody>
-      </p:sp>
-      <p:sp>
-        <p:nvSpPr>
-          <p:cNvPr id="113" name="PlaceHolder 5"/>
+            <a:endParaRPr b="0" lang="en-US" sz="3200" spc="-1" strike="noStrike">
+              <a:latin typeface="Arial"/>
+            </a:endParaRPr>
+          </a:p>
+        </p:txBody>
+      </p:sp>
+      <p:sp>
+        <p:nvSpPr>
+          <p:cNvPr id="111" name="PlaceHolder 5"/>
           <p:cNvSpPr>
             <a:spLocks noGrp="1"/>
           </p:cNvSpPr>
@@ -4037,8 +3814,8 @@
         </p:nvSpPr>
         <p:spPr>
           <a:xfrm>
-            <a:off x="6073200" y="2936880"/>
-            <a:ext cx="2743200" cy="1629360"/>
+            <a:off x="6073200" y="2936520"/>
+            <a:ext cx="2743200" cy="1629000"/>
           </a:xfrm>
           <a:prstGeom prst="rect">
             <a:avLst/>
@@ -4049,18 +3826,15 @@
             <a:normAutofit/>
           </a:bodyPr>
           <a:p>
-            <a:endParaRPr b="0" lang="en-US" sz="1400" spc="-1" strike="noStrike">
-              <a:solidFill>
-                <a:srgbClr val="000000"/>
-              </a:solidFill>
-              <a:latin typeface="Arial"/>
-            </a:endParaRPr>
-          </a:p>
-        </p:txBody>
-      </p:sp>
-      <p:sp>
-        <p:nvSpPr>
-          <p:cNvPr id="114" name="PlaceHolder 6"/>
+            <a:endParaRPr b="0" lang="en-US" sz="3200" spc="-1" strike="noStrike">
+              <a:latin typeface="Arial"/>
+            </a:endParaRPr>
+          </a:p>
+        </p:txBody>
+      </p:sp>
+      <p:sp>
+        <p:nvSpPr>
+          <p:cNvPr id="112" name="PlaceHolder 6"/>
           <p:cNvSpPr>
             <a:spLocks noGrp="1"/>
           </p:cNvSpPr>
@@ -4070,8 +3844,8 @@
         </p:nvSpPr>
         <p:spPr>
           <a:xfrm>
-            <a:off x="3192480" y="2936880"/>
-            <a:ext cx="2743200" cy="1629360"/>
+            <a:off x="3192480" y="2936520"/>
+            <a:ext cx="2743200" cy="1629000"/>
           </a:xfrm>
           <a:prstGeom prst="rect">
             <a:avLst/>
@@ -4082,18 +3856,15 @@
             <a:normAutofit/>
           </a:bodyPr>
           <a:p>
-            <a:endParaRPr b="0" lang="en-US" sz="1400" spc="-1" strike="noStrike">
-              <a:solidFill>
-                <a:srgbClr val="000000"/>
-              </a:solidFill>
-              <a:latin typeface="Arial"/>
-            </a:endParaRPr>
-          </a:p>
-        </p:txBody>
-      </p:sp>
-      <p:sp>
-        <p:nvSpPr>
-          <p:cNvPr id="115" name="PlaceHolder 7"/>
+            <a:endParaRPr b="0" lang="en-US" sz="3200" spc="-1" strike="noStrike">
+              <a:latin typeface="Arial"/>
+            </a:endParaRPr>
+          </a:p>
+        </p:txBody>
+      </p:sp>
+      <p:sp>
+        <p:nvSpPr>
+          <p:cNvPr id="113" name="PlaceHolder 7"/>
           <p:cNvSpPr>
             <a:spLocks noGrp="1"/>
           </p:cNvSpPr>
@@ -4103,8 +3874,8 @@
         </p:nvSpPr>
         <p:spPr>
           <a:xfrm>
-            <a:off x="311760" y="2936880"/>
-            <a:ext cx="2743200" cy="1629360"/>
+            <a:off x="311760" y="2936520"/>
+            <a:ext cx="2743200" cy="1629000"/>
           </a:xfrm>
           <a:prstGeom prst="rect">
             <a:avLst/>
@@ -4115,10 +3886,7 @@
             <a:normAutofit/>
           </a:bodyPr>
           <a:p>
-            <a:endParaRPr b="0" lang="en-US" sz="1400" spc="-1" strike="noStrike">
-              <a:solidFill>
-                <a:srgbClr val="000000"/>
-              </a:solidFill>
+            <a:endParaRPr b="0" lang="en-US" sz="3200" spc="-1" strike="noStrike">
               <a:latin typeface="Arial"/>
             </a:endParaRPr>
           </a:p>
@@ -4148,7 +3916,7 @@
       </p:grpSpPr>
       <p:sp>
         <p:nvSpPr>
-          <p:cNvPr id="7" name="PlaceHolder 1"/>
+          <p:cNvPr id="6" name="PlaceHolder 1"/>
           <p:cNvSpPr>
             <a:spLocks noGrp="1"/>
           </p:cNvSpPr>
@@ -4158,8 +3926,8 @@
         </p:nvSpPr>
         <p:spPr>
           <a:xfrm>
-            <a:off x="311760" y="444960"/>
-            <a:ext cx="8520120" cy="572400"/>
+            <a:off x="311760" y="418320"/>
+            <a:ext cx="8519760" cy="625320"/>
           </a:xfrm>
           <a:prstGeom prst="rect">
             <a:avLst/>
@@ -4168,18 +3936,16 @@
         <p:txBody>
           <a:bodyPr lIns="0" rIns="0" tIns="0" bIns="0" anchor="ctr"/>
           <a:p>
-            <a:endParaRPr b="0" lang="en-US" sz="1400" spc="-1" strike="noStrike">
-              <a:solidFill>
-                <a:srgbClr val="000000"/>
-              </a:solidFill>
-              <a:latin typeface="Arial"/>
-            </a:endParaRPr>
-          </a:p>
-        </p:txBody>
-      </p:sp>
-      <p:sp>
-        <p:nvSpPr>
-          <p:cNvPr id="8" name="PlaceHolder 2"/>
+            <a:pPr algn="ctr"/>
+            <a:endParaRPr b="0" lang="en-US" sz="4400" spc="-1" strike="noStrike">
+              <a:latin typeface="Arial"/>
+            </a:endParaRPr>
+          </a:p>
+        </p:txBody>
+      </p:sp>
+      <p:sp>
+        <p:nvSpPr>
+          <p:cNvPr id="7" name="PlaceHolder 2"/>
           <p:cNvSpPr>
             <a:spLocks noGrp="1"/>
           </p:cNvSpPr>
@@ -4190,7 +3956,7 @@
         <p:spPr>
           <a:xfrm>
             <a:off x="311760" y="1152360"/>
-            <a:ext cx="4157640" cy="3416040"/>
+            <a:ext cx="4157280" cy="3415680"/>
           </a:xfrm>
           <a:prstGeom prst="rect">
             <a:avLst/>
@@ -4201,18 +3967,15 @@
             <a:normAutofit/>
           </a:bodyPr>
           <a:p>
-            <a:endParaRPr b="0" lang="en-US" sz="1400" spc="-1" strike="noStrike">
-              <a:solidFill>
-                <a:srgbClr val="000000"/>
-              </a:solidFill>
-              <a:latin typeface="Arial"/>
-            </a:endParaRPr>
-          </a:p>
-        </p:txBody>
-      </p:sp>
-      <p:sp>
-        <p:nvSpPr>
-          <p:cNvPr id="9" name="PlaceHolder 3"/>
+            <a:endParaRPr b="0" lang="en-US" sz="3200" spc="-1" strike="noStrike">
+              <a:latin typeface="Arial"/>
+            </a:endParaRPr>
+          </a:p>
+        </p:txBody>
+      </p:sp>
+      <p:sp>
+        <p:nvSpPr>
+          <p:cNvPr id="8" name="PlaceHolder 3"/>
           <p:cNvSpPr>
             <a:spLocks noGrp="1"/>
           </p:cNvSpPr>
@@ -4222,8 +3985,8 @@
         </p:nvSpPr>
         <p:spPr>
           <a:xfrm>
-            <a:off x="4677840" y="1152360"/>
-            <a:ext cx="4157640" cy="3416040"/>
+            <a:off x="4677120" y="1152360"/>
+            <a:ext cx="4157280" cy="3415680"/>
           </a:xfrm>
           <a:prstGeom prst="rect">
             <a:avLst/>
@@ -4234,10 +3997,7 @@
             <a:normAutofit/>
           </a:bodyPr>
           <a:p>
-            <a:endParaRPr b="0" lang="en-US" sz="1400" spc="-1" strike="noStrike">
-              <a:solidFill>
-                <a:srgbClr val="000000"/>
-              </a:solidFill>
+            <a:endParaRPr b="0" lang="en-US" sz="3200" spc="-1" strike="noStrike">
               <a:latin typeface="Arial"/>
             </a:endParaRPr>
           </a:p>
@@ -4267,7 +4027,7 @@
       </p:grpSpPr>
       <p:sp>
         <p:nvSpPr>
-          <p:cNvPr id="10" name="PlaceHolder 1"/>
+          <p:cNvPr id="9" name="PlaceHolder 1"/>
           <p:cNvSpPr>
             <a:spLocks noGrp="1"/>
           </p:cNvSpPr>
@@ -4277,8 +4037,8 @@
         </p:nvSpPr>
         <p:spPr>
           <a:xfrm>
-            <a:off x="311760" y="444960"/>
-            <a:ext cx="8520120" cy="572400"/>
+            <a:off x="311760" y="418320"/>
+            <a:ext cx="8519760" cy="625320"/>
           </a:xfrm>
           <a:prstGeom prst="rect">
             <a:avLst/>
@@ -4287,10 +4047,8 @@
         <p:txBody>
           <a:bodyPr lIns="0" rIns="0" tIns="0" bIns="0" anchor="ctr"/>
           <a:p>
-            <a:endParaRPr b="0" lang="en-US" sz="1400" spc="-1" strike="noStrike">
-              <a:solidFill>
-                <a:srgbClr val="000000"/>
-              </a:solidFill>
+            <a:pPr algn="ctr"/>
+            <a:endParaRPr b="0" lang="en-US" sz="4400" spc="-1" strike="noStrike">
               <a:latin typeface="Arial"/>
             </a:endParaRPr>
           </a:p>
@@ -4320,7 +4078,7 @@
       </p:grpSpPr>
       <p:sp>
         <p:nvSpPr>
-          <p:cNvPr id="11" name="PlaceHolder 1"/>
+          <p:cNvPr id="10" name="PlaceHolder 1"/>
           <p:cNvSpPr>
             <a:spLocks noGrp="1"/>
           </p:cNvSpPr>
@@ -4331,7 +4089,7 @@
         <p:spPr>
           <a:xfrm>
             <a:off x="311760" y="444960"/>
-            <a:ext cx="8520120" cy="2654640"/>
+            <a:ext cx="8519760" cy="2652840"/>
           </a:xfrm>
           <a:prstGeom prst="rect">
             <a:avLst/>
@@ -4371,7 +4129,7 @@
       </p:grpSpPr>
       <p:sp>
         <p:nvSpPr>
-          <p:cNvPr id="12" name="PlaceHolder 1"/>
+          <p:cNvPr id="11" name="PlaceHolder 1"/>
           <p:cNvSpPr>
             <a:spLocks noGrp="1"/>
           </p:cNvSpPr>
@@ -4381,8 +4139,8 @@
         </p:nvSpPr>
         <p:spPr>
           <a:xfrm>
-            <a:off x="311760" y="444960"/>
-            <a:ext cx="8520120" cy="572400"/>
+            <a:off x="311760" y="418320"/>
+            <a:ext cx="8519760" cy="625320"/>
           </a:xfrm>
           <a:prstGeom prst="rect">
             <a:avLst/>
@@ -4391,18 +4149,16 @@
         <p:txBody>
           <a:bodyPr lIns="0" rIns="0" tIns="0" bIns="0" anchor="ctr"/>
           <a:p>
-            <a:endParaRPr b="0" lang="en-US" sz="1400" spc="-1" strike="noStrike">
-              <a:solidFill>
-                <a:srgbClr val="000000"/>
-              </a:solidFill>
-              <a:latin typeface="Arial"/>
-            </a:endParaRPr>
-          </a:p>
-        </p:txBody>
-      </p:sp>
-      <p:sp>
-        <p:nvSpPr>
-          <p:cNvPr id="13" name="PlaceHolder 2"/>
+            <a:pPr algn="ctr"/>
+            <a:endParaRPr b="0" lang="en-US" sz="4400" spc="-1" strike="noStrike">
+              <a:latin typeface="Arial"/>
+            </a:endParaRPr>
+          </a:p>
+        </p:txBody>
+      </p:sp>
+      <p:sp>
+        <p:nvSpPr>
+          <p:cNvPr id="12" name="PlaceHolder 2"/>
           <p:cNvSpPr>
             <a:spLocks noGrp="1"/>
           </p:cNvSpPr>
@@ -4413,7 +4169,7 @@
         <p:spPr>
           <a:xfrm>
             <a:off x="311760" y="1152360"/>
-            <a:ext cx="4157640" cy="1629360"/>
+            <a:ext cx="4157280" cy="1629000"/>
           </a:xfrm>
           <a:prstGeom prst="rect">
             <a:avLst/>
@@ -4424,18 +4180,15 @@
             <a:normAutofit/>
           </a:bodyPr>
           <a:p>
-            <a:endParaRPr b="0" lang="en-US" sz="1400" spc="-1" strike="noStrike">
-              <a:solidFill>
-                <a:srgbClr val="000000"/>
-              </a:solidFill>
-              <a:latin typeface="Arial"/>
-            </a:endParaRPr>
-          </a:p>
-        </p:txBody>
-      </p:sp>
-      <p:sp>
-        <p:nvSpPr>
-          <p:cNvPr id="14" name="PlaceHolder 3"/>
+            <a:endParaRPr b="0" lang="en-US" sz="3200" spc="-1" strike="noStrike">
+              <a:latin typeface="Arial"/>
+            </a:endParaRPr>
+          </a:p>
+        </p:txBody>
+      </p:sp>
+      <p:sp>
+        <p:nvSpPr>
+          <p:cNvPr id="13" name="PlaceHolder 3"/>
           <p:cNvSpPr>
             <a:spLocks noGrp="1"/>
           </p:cNvSpPr>
@@ -4445,8 +4198,8 @@
         </p:nvSpPr>
         <p:spPr>
           <a:xfrm>
-            <a:off x="311760" y="2936880"/>
-            <a:ext cx="4157640" cy="1629360"/>
+            <a:off x="311760" y="2936520"/>
+            <a:ext cx="4157280" cy="1629000"/>
           </a:xfrm>
           <a:prstGeom prst="rect">
             <a:avLst/>
@@ -4457,18 +4210,15 @@
             <a:normAutofit/>
           </a:bodyPr>
           <a:p>
-            <a:endParaRPr b="0" lang="en-US" sz="1400" spc="-1" strike="noStrike">
-              <a:solidFill>
-                <a:srgbClr val="000000"/>
-              </a:solidFill>
-              <a:latin typeface="Arial"/>
-            </a:endParaRPr>
-          </a:p>
-        </p:txBody>
-      </p:sp>
-      <p:sp>
-        <p:nvSpPr>
-          <p:cNvPr id="15" name="PlaceHolder 4"/>
+            <a:endParaRPr b="0" lang="en-US" sz="3200" spc="-1" strike="noStrike">
+              <a:latin typeface="Arial"/>
+            </a:endParaRPr>
+          </a:p>
+        </p:txBody>
+      </p:sp>
+      <p:sp>
+        <p:nvSpPr>
+          <p:cNvPr id="14" name="PlaceHolder 4"/>
           <p:cNvSpPr>
             <a:spLocks noGrp="1"/>
           </p:cNvSpPr>
@@ -4478,8 +4228,8 @@
         </p:nvSpPr>
         <p:spPr>
           <a:xfrm>
-            <a:off x="4677840" y="1152360"/>
-            <a:ext cx="4157640" cy="3416040"/>
+            <a:off x="4677120" y="1152360"/>
+            <a:ext cx="4157280" cy="3415680"/>
           </a:xfrm>
           <a:prstGeom prst="rect">
             <a:avLst/>
@@ -4490,10 +4240,7 @@
             <a:normAutofit/>
           </a:bodyPr>
           <a:p>
-            <a:endParaRPr b="0" lang="en-US" sz="1400" spc="-1" strike="noStrike">
-              <a:solidFill>
-                <a:srgbClr val="000000"/>
-              </a:solidFill>
+            <a:endParaRPr b="0" lang="en-US" sz="3200" spc="-1" strike="noStrike">
               <a:latin typeface="Arial"/>
             </a:endParaRPr>
           </a:p>
@@ -4523,7 +4270,7 @@
       </p:grpSpPr>
       <p:sp>
         <p:nvSpPr>
-          <p:cNvPr id="16" name="PlaceHolder 1"/>
+          <p:cNvPr id="15" name="PlaceHolder 1"/>
           <p:cNvSpPr>
             <a:spLocks noGrp="1"/>
           </p:cNvSpPr>
@@ -4533,8 +4280,8 @@
         </p:nvSpPr>
         <p:spPr>
           <a:xfrm>
-            <a:off x="311760" y="444960"/>
-            <a:ext cx="8520120" cy="572400"/>
+            <a:off x="311760" y="418320"/>
+            <a:ext cx="8519760" cy="625320"/>
           </a:xfrm>
           <a:prstGeom prst="rect">
             <a:avLst/>
@@ -4543,18 +4290,16 @@
         <p:txBody>
           <a:bodyPr lIns="0" rIns="0" tIns="0" bIns="0" anchor="ctr"/>
           <a:p>
-            <a:endParaRPr b="0" lang="en-US" sz="1400" spc="-1" strike="noStrike">
-              <a:solidFill>
-                <a:srgbClr val="000000"/>
-              </a:solidFill>
-              <a:latin typeface="Arial"/>
-            </a:endParaRPr>
-          </a:p>
-        </p:txBody>
-      </p:sp>
-      <p:sp>
-        <p:nvSpPr>
-          <p:cNvPr id="17" name="PlaceHolder 2"/>
+            <a:pPr algn="ctr"/>
+            <a:endParaRPr b="0" lang="en-US" sz="4400" spc="-1" strike="noStrike">
+              <a:latin typeface="Arial"/>
+            </a:endParaRPr>
+          </a:p>
+        </p:txBody>
+      </p:sp>
+      <p:sp>
+        <p:nvSpPr>
+          <p:cNvPr id="16" name="PlaceHolder 2"/>
           <p:cNvSpPr>
             <a:spLocks noGrp="1"/>
           </p:cNvSpPr>
@@ -4565,7 +4310,7 @@
         <p:spPr>
           <a:xfrm>
             <a:off x="311760" y="1152360"/>
-            <a:ext cx="4157640" cy="3416040"/>
+            <a:ext cx="4157280" cy="3415680"/>
           </a:xfrm>
           <a:prstGeom prst="rect">
             <a:avLst/>
@@ -4576,18 +4321,15 @@
             <a:normAutofit/>
           </a:bodyPr>
           <a:p>
-            <a:endParaRPr b="0" lang="en-US" sz="1400" spc="-1" strike="noStrike">
-              <a:solidFill>
-                <a:srgbClr val="000000"/>
-              </a:solidFill>
-              <a:latin typeface="Arial"/>
-            </a:endParaRPr>
-          </a:p>
-        </p:txBody>
-      </p:sp>
-      <p:sp>
-        <p:nvSpPr>
-          <p:cNvPr id="18" name="PlaceHolder 3"/>
+            <a:endParaRPr b="0" lang="en-US" sz="3200" spc="-1" strike="noStrike">
+              <a:latin typeface="Arial"/>
+            </a:endParaRPr>
+          </a:p>
+        </p:txBody>
+      </p:sp>
+      <p:sp>
+        <p:nvSpPr>
+          <p:cNvPr id="17" name="PlaceHolder 3"/>
           <p:cNvSpPr>
             <a:spLocks noGrp="1"/>
           </p:cNvSpPr>
@@ -4597,8 +4339,8 @@
         </p:nvSpPr>
         <p:spPr>
           <a:xfrm>
-            <a:off x="4677840" y="1152360"/>
-            <a:ext cx="4157640" cy="1629360"/>
+            <a:off x="4677120" y="1152360"/>
+            <a:ext cx="4157280" cy="1629000"/>
           </a:xfrm>
           <a:prstGeom prst="rect">
             <a:avLst/>
@@ -4609,18 +4351,15 @@
             <a:normAutofit/>
           </a:bodyPr>
           <a:p>
-            <a:endParaRPr b="0" lang="en-US" sz="1400" spc="-1" strike="noStrike">
-              <a:solidFill>
-                <a:srgbClr val="000000"/>
-              </a:solidFill>
-              <a:latin typeface="Arial"/>
-            </a:endParaRPr>
-          </a:p>
-        </p:txBody>
-      </p:sp>
-      <p:sp>
-        <p:nvSpPr>
-          <p:cNvPr id="19" name="PlaceHolder 4"/>
+            <a:endParaRPr b="0" lang="en-US" sz="3200" spc="-1" strike="noStrike">
+              <a:latin typeface="Arial"/>
+            </a:endParaRPr>
+          </a:p>
+        </p:txBody>
+      </p:sp>
+      <p:sp>
+        <p:nvSpPr>
+          <p:cNvPr id="18" name="PlaceHolder 4"/>
           <p:cNvSpPr>
             <a:spLocks noGrp="1"/>
           </p:cNvSpPr>
@@ -4630,8 +4369,8 @@
         </p:nvSpPr>
         <p:spPr>
           <a:xfrm>
-            <a:off x="4677840" y="2936880"/>
-            <a:ext cx="4157640" cy="1629360"/>
+            <a:off x="4677120" y="2936520"/>
+            <a:ext cx="4157280" cy="1629000"/>
           </a:xfrm>
           <a:prstGeom prst="rect">
             <a:avLst/>
@@ -4642,10 +4381,7 @@
             <a:normAutofit/>
           </a:bodyPr>
           <a:p>
-            <a:endParaRPr b="0" lang="en-US" sz="1400" spc="-1" strike="noStrike">
-              <a:solidFill>
-                <a:srgbClr val="000000"/>
-              </a:solidFill>
+            <a:endParaRPr b="0" lang="en-US" sz="3200" spc="-1" strike="noStrike">
               <a:latin typeface="Arial"/>
             </a:endParaRPr>
           </a:p>
@@ -4675,7 +4411,7 @@
       </p:grpSpPr>
       <p:sp>
         <p:nvSpPr>
-          <p:cNvPr id="20" name="PlaceHolder 1"/>
+          <p:cNvPr id="19" name="PlaceHolder 1"/>
           <p:cNvSpPr>
             <a:spLocks noGrp="1"/>
           </p:cNvSpPr>
@@ -4685,8 +4421,8 @@
         </p:nvSpPr>
         <p:spPr>
           <a:xfrm>
-            <a:off x="311760" y="444960"/>
-            <a:ext cx="8520120" cy="572400"/>
+            <a:off x="311760" y="418320"/>
+            <a:ext cx="8519760" cy="625320"/>
           </a:xfrm>
           <a:prstGeom prst="rect">
             <a:avLst/>
@@ -4695,18 +4431,16 @@
         <p:txBody>
           <a:bodyPr lIns="0" rIns="0" tIns="0" bIns="0" anchor="ctr"/>
           <a:p>
-            <a:endParaRPr b="0" lang="en-US" sz="1400" spc="-1" strike="noStrike">
-              <a:solidFill>
-                <a:srgbClr val="000000"/>
-              </a:solidFill>
-              <a:latin typeface="Arial"/>
-            </a:endParaRPr>
-          </a:p>
-        </p:txBody>
-      </p:sp>
-      <p:sp>
-        <p:nvSpPr>
-          <p:cNvPr id="21" name="PlaceHolder 2"/>
+            <a:pPr algn="ctr"/>
+            <a:endParaRPr b="0" lang="en-US" sz="4400" spc="-1" strike="noStrike">
+              <a:latin typeface="Arial"/>
+            </a:endParaRPr>
+          </a:p>
+        </p:txBody>
+      </p:sp>
+      <p:sp>
+        <p:nvSpPr>
+          <p:cNvPr id="20" name="PlaceHolder 2"/>
           <p:cNvSpPr>
             <a:spLocks noGrp="1"/>
           </p:cNvSpPr>
@@ -4717,7 +4451,7 @@
         <p:spPr>
           <a:xfrm>
             <a:off x="311760" y="1152360"/>
-            <a:ext cx="4157640" cy="1629360"/>
+            <a:ext cx="4157280" cy="1629000"/>
           </a:xfrm>
           <a:prstGeom prst="rect">
             <a:avLst/>
@@ -4728,18 +4462,15 @@
             <a:normAutofit/>
           </a:bodyPr>
           <a:p>
-            <a:endParaRPr b="0" lang="en-US" sz="1400" spc="-1" strike="noStrike">
-              <a:solidFill>
-                <a:srgbClr val="000000"/>
-              </a:solidFill>
-              <a:latin typeface="Arial"/>
-            </a:endParaRPr>
-          </a:p>
-        </p:txBody>
-      </p:sp>
-      <p:sp>
-        <p:nvSpPr>
-          <p:cNvPr id="22" name="PlaceHolder 3"/>
+            <a:endParaRPr b="0" lang="en-US" sz="3200" spc="-1" strike="noStrike">
+              <a:latin typeface="Arial"/>
+            </a:endParaRPr>
+          </a:p>
+        </p:txBody>
+      </p:sp>
+      <p:sp>
+        <p:nvSpPr>
+          <p:cNvPr id="21" name="PlaceHolder 3"/>
           <p:cNvSpPr>
             <a:spLocks noGrp="1"/>
           </p:cNvSpPr>
@@ -4749,8 +4480,8 @@
         </p:nvSpPr>
         <p:spPr>
           <a:xfrm>
-            <a:off x="4677840" y="1152360"/>
-            <a:ext cx="4157640" cy="1629360"/>
+            <a:off x="4677120" y="1152360"/>
+            <a:ext cx="4157280" cy="1629000"/>
           </a:xfrm>
           <a:prstGeom prst="rect">
             <a:avLst/>
@@ -4761,18 +4492,15 @@
             <a:normAutofit/>
           </a:bodyPr>
           <a:p>
-            <a:endParaRPr b="0" lang="en-US" sz="1400" spc="-1" strike="noStrike">
-              <a:solidFill>
-                <a:srgbClr val="000000"/>
-              </a:solidFill>
-              <a:latin typeface="Arial"/>
-            </a:endParaRPr>
-          </a:p>
-        </p:txBody>
-      </p:sp>
-      <p:sp>
-        <p:nvSpPr>
-          <p:cNvPr id="23" name="PlaceHolder 4"/>
+            <a:endParaRPr b="0" lang="en-US" sz="3200" spc="-1" strike="noStrike">
+              <a:latin typeface="Arial"/>
+            </a:endParaRPr>
+          </a:p>
+        </p:txBody>
+      </p:sp>
+      <p:sp>
+        <p:nvSpPr>
+          <p:cNvPr id="22" name="PlaceHolder 4"/>
           <p:cNvSpPr>
             <a:spLocks noGrp="1"/>
           </p:cNvSpPr>
@@ -4782,8 +4510,8 @@
         </p:nvSpPr>
         <p:spPr>
           <a:xfrm>
-            <a:off x="311760" y="2936880"/>
-            <a:ext cx="8520120" cy="1629360"/>
+            <a:off x="311760" y="2936520"/>
+            <a:ext cx="8519760" cy="1629000"/>
           </a:xfrm>
           <a:prstGeom prst="rect">
             <a:avLst/>
@@ -4794,10 +4522,7 @@
             <a:normAutofit/>
           </a:bodyPr>
           <a:p>
-            <a:endParaRPr b="0" lang="en-US" sz="1400" spc="-1" strike="noStrike">
-              <a:solidFill>
-                <a:srgbClr val="000000"/>
-              </a:solidFill>
+            <a:endParaRPr b="0" lang="en-US" sz="3200" spc="-1" strike="noStrike">
               <a:latin typeface="Arial"/>
             </a:endParaRPr>
           </a:p>
@@ -4844,29 +4569,23 @@
         </p:nvSpPr>
         <p:spPr>
           <a:xfrm>
-            <a:off x="311760" y="744480"/>
-            <a:ext cx="8520120" cy="2052360"/>
-          </a:xfrm>
-          <a:prstGeom prst="rect">
-            <a:avLst/>
-          </a:prstGeom>
-        </p:spPr>
-        <p:txBody>
-          <a:bodyPr tIns="91440" bIns="91440" anchor="b"/>
+            <a:off x="311760" y="444960"/>
+            <a:ext cx="8519760" cy="572040"/>
+          </a:xfrm>
+          <a:prstGeom prst="rect">
+            <a:avLst/>
+          </a:prstGeom>
+        </p:spPr>
+        <p:txBody>
+          <a:bodyPr lIns="0" rIns="0" tIns="0" bIns="0" anchor="ctr"/>
           <a:p>
             <a:r>
-              <a:rPr b="0" lang="en-US" sz="5200" spc="-1" strike="noStrike">
-                <a:solidFill>
-                  <a:srgbClr val="000000"/>
-                </a:solidFill>
+              <a:rPr b="0" lang="en-US" sz="1800" spc="-1" strike="noStrike">
                 <a:latin typeface="Arial"/>
               </a:rPr>
               <a:t>Click to edit the title text format</a:t>
             </a:r>
-            <a:endParaRPr b="0" lang="en-US" sz="5200" spc="-1" strike="noStrike">
-              <a:solidFill>
-                <a:srgbClr val="000000"/>
-              </a:solidFill>
+            <a:endParaRPr b="0" lang="en-US" sz="1800" spc="-1" strike="noStrike">
               <a:latin typeface="Arial"/>
             </a:endParaRPr>
           </a:p>
@@ -4875,49 +4594,6 @@
       <p:sp>
         <p:nvSpPr>
           <p:cNvPr id="1" name="PlaceHolder 2"/>
-          <p:cNvSpPr>
-            <a:spLocks noGrp="1"/>
-          </p:cNvSpPr>
-          <p:nvPr>
-            <p:ph type="sldNum"/>
-          </p:nvPr>
-        </p:nvSpPr>
-        <p:spPr>
-          <a:xfrm>
-            <a:off x="8472600" y="4663080"/>
-            <a:ext cx="548280" cy="393120"/>
-          </a:xfrm>
-          <a:prstGeom prst="rect">
-            <a:avLst/>
-          </a:prstGeom>
-        </p:spPr>
-        <p:txBody>
-          <a:bodyPr tIns="91440" bIns="91440" anchor="ctr"/>
-          <a:p>
-            <a:pPr>
-              <a:lnSpc>
-                <a:spcPct val="100000"/>
-              </a:lnSpc>
-            </a:pPr>
-            <a:fld id="{FB20E1B7-DDE0-4C3F-B92F-7E8D39AD86AE}" type="slidenum">
-              <a:rPr b="0" lang="en-US" sz="1400" spc="-1" strike="noStrike">
-                <a:solidFill>
-                  <a:srgbClr val="000000"/>
-                </a:solidFill>
-                <a:latin typeface="Arial"/>
-                <a:ea typeface="Arial"/>
-              </a:rPr>
-              <a:t>&lt;number&gt;</a:t>
-            </a:fld>
-            <a:endParaRPr b="0" lang="en-US" sz="1400" spc="-1" strike="noStrike">
-              <a:latin typeface="Times New Roman"/>
-            </a:endParaRPr>
-          </a:p>
-        </p:txBody>
-      </p:sp>
-      <p:sp>
-        <p:nvSpPr>
-          <p:cNvPr id="2" name="PlaceHolder 3"/>
           <p:cNvSpPr>
             <a:spLocks noGrp="1"/>
           </p:cNvSpPr>
@@ -4951,18 +4627,12 @@
               <a:buChar char=""/>
             </a:pPr>
             <a:r>
-              <a:rPr b="0" lang="en-US" sz="1400" spc="-1" strike="noStrike">
-                <a:solidFill>
-                  <a:srgbClr val="000000"/>
-                </a:solidFill>
+              <a:rPr b="0" lang="en-US" sz="3200" spc="-1" strike="noStrike">
                 <a:latin typeface="Arial"/>
               </a:rPr>
               <a:t>Click to edit the outline text format</a:t>
             </a:r>
-            <a:endParaRPr b="0" lang="en-US" sz="1400" spc="-1" strike="noStrike">
-              <a:solidFill>
-                <a:srgbClr val="000000"/>
-              </a:solidFill>
+            <a:endParaRPr b="0" lang="en-US" sz="3200" spc="-1" strike="noStrike">
               <a:latin typeface="Arial"/>
             </a:endParaRPr>
           </a:p>
@@ -4979,18 +4649,12 @@
               <a:buChar char=""/>
             </a:pPr>
             <a:r>
-              <a:rPr b="0" lang="en-US" sz="1400" spc="-1" strike="noStrike">
-                <a:solidFill>
-                  <a:srgbClr val="000000"/>
-                </a:solidFill>
+              <a:rPr b="0" lang="en-US" sz="2800" spc="-1" strike="noStrike">
                 <a:latin typeface="Arial"/>
               </a:rPr>
               <a:t>Second Outline Level</a:t>
             </a:r>
-            <a:endParaRPr b="0" lang="en-US" sz="1400" spc="-1" strike="noStrike">
-              <a:solidFill>
-                <a:srgbClr val="000000"/>
-              </a:solidFill>
+            <a:endParaRPr b="0" lang="en-US" sz="2800" spc="-1" strike="noStrike">
               <a:latin typeface="Arial"/>
             </a:endParaRPr>
           </a:p>
@@ -5007,18 +4671,12 @@
               <a:buChar char=""/>
             </a:pPr>
             <a:r>
-              <a:rPr b="0" lang="en-US" sz="1400" spc="-1" strike="noStrike">
-                <a:solidFill>
-                  <a:srgbClr val="000000"/>
-                </a:solidFill>
+              <a:rPr b="0" lang="en-US" sz="2400" spc="-1" strike="noStrike">
                 <a:latin typeface="Arial"/>
               </a:rPr>
               <a:t>Third Outline Level</a:t>
             </a:r>
-            <a:endParaRPr b="0" lang="en-US" sz="1400" spc="-1" strike="noStrike">
-              <a:solidFill>
-                <a:srgbClr val="000000"/>
-              </a:solidFill>
+            <a:endParaRPr b="0" lang="en-US" sz="2400" spc="-1" strike="noStrike">
               <a:latin typeface="Arial"/>
             </a:endParaRPr>
           </a:p>
@@ -5035,18 +4693,12 @@
               <a:buChar char=""/>
             </a:pPr>
             <a:r>
-              <a:rPr b="0" lang="en-US" sz="1400" spc="-1" strike="noStrike">
-                <a:solidFill>
-                  <a:srgbClr val="000000"/>
-                </a:solidFill>
+              <a:rPr b="0" lang="en-US" sz="2000" spc="-1" strike="noStrike">
                 <a:latin typeface="Arial"/>
               </a:rPr>
               <a:t>Fourth Outline Level</a:t>
             </a:r>
-            <a:endParaRPr b="0" lang="en-US" sz="1400" spc="-1" strike="noStrike">
-              <a:solidFill>
-                <a:srgbClr val="000000"/>
-              </a:solidFill>
+            <a:endParaRPr b="0" lang="en-US" sz="2000" spc="-1" strike="noStrike">
               <a:latin typeface="Arial"/>
             </a:endParaRPr>
           </a:p>
@@ -5064,17 +4716,11 @@
             </a:pPr>
             <a:r>
               <a:rPr b="0" lang="en-US" sz="2000" spc="-1" strike="noStrike">
-                <a:solidFill>
-                  <a:srgbClr val="000000"/>
-                </a:solidFill>
                 <a:latin typeface="Arial"/>
               </a:rPr>
               <a:t>Fifth Outline Level</a:t>
             </a:r>
             <a:endParaRPr b="0" lang="en-US" sz="2000" spc="-1" strike="noStrike">
-              <a:solidFill>
-                <a:srgbClr val="000000"/>
-              </a:solidFill>
               <a:latin typeface="Arial"/>
             </a:endParaRPr>
           </a:p>
@@ -5092,17 +4738,11 @@
             </a:pPr>
             <a:r>
               <a:rPr b="0" lang="en-US" sz="2000" spc="-1" strike="noStrike">
-                <a:solidFill>
-                  <a:srgbClr val="000000"/>
-                </a:solidFill>
                 <a:latin typeface="Arial"/>
               </a:rPr>
               <a:t>Sixth Outline Level</a:t>
             </a:r>
             <a:endParaRPr b="0" lang="en-US" sz="2000" spc="-1" strike="noStrike">
-              <a:solidFill>
-                <a:srgbClr val="000000"/>
-              </a:solidFill>
               <a:latin typeface="Arial"/>
             </a:endParaRPr>
           </a:p>
@@ -5120,17 +4760,11 @@
             </a:pPr>
             <a:r>
               <a:rPr b="0" lang="en-US" sz="2000" spc="-1" strike="noStrike">
-                <a:solidFill>
-                  <a:srgbClr val="000000"/>
-                </a:solidFill>
                 <a:latin typeface="Arial"/>
               </a:rPr>
               <a:t>Seventh Outline Level</a:t>
             </a:r>
             <a:endParaRPr b="0" lang="en-US" sz="2000" spc="-1" strike="noStrike">
-              <a:solidFill>
-                <a:srgbClr val="000000"/>
-              </a:solidFill>
               <a:latin typeface="Arial"/>
             </a:endParaRPr>
           </a:p>
@@ -5182,7 +4816,7 @@
       </p:grpSpPr>
       <p:sp>
         <p:nvSpPr>
-          <p:cNvPr id="39" name="PlaceHolder 1"/>
+          <p:cNvPr id="38" name="PlaceHolder 1"/>
           <p:cNvSpPr>
             <a:spLocks noGrp="1"/>
           </p:cNvSpPr>
@@ -5193,36 +4827,30 @@
         <p:spPr>
           <a:xfrm>
             <a:off x="311760" y="444960"/>
-            <a:ext cx="8520120" cy="572400"/>
-          </a:xfrm>
-          <a:prstGeom prst="rect">
-            <a:avLst/>
-          </a:prstGeom>
-        </p:spPr>
-        <p:txBody>
-          <a:bodyPr tIns="91440" bIns="91440"/>
+            <a:ext cx="8519760" cy="572040"/>
+          </a:xfrm>
+          <a:prstGeom prst="rect">
+            <a:avLst/>
+          </a:prstGeom>
+        </p:spPr>
+        <p:txBody>
+          <a:bodyPr lIns="0" rIns="0" tIns="0" bIns="0" anchor="ctr"/>
           <a:p>
             <a:r>
-              <a:rPr b="0" lang="en-US" sz="2800" spc="-1" strike="noStrike">
-                <a:solidFill>
-                  <a:srgbClr val="000000"/>
-                </a:solidFill>
+              <a:rPr b="0" lang="en-US" sz="1800" spc="-1" strike="noStrike">
                 <a:latin typeface="Arial"/>
               </a:rPr>
               <a:t>Click to edit the title text format</a:t>
             </a:r>
-            <a:endParaRPr b="0" lang="en-US" sz="2800" spc="-1" strike="noStrike">
-              <a:solidFill>
-                <a:srgbClr val="000000"/>
-              </a:solidFill>
-              <a:latin typeface="Arial"/>
-            </a:endParaRPr>
-          </a:p>
-        </p:txBody>
-      </p:sp>
-      <p:sp>
-        <p:nvSpPr>
-          <p:cNvPr id="40" name="PlaceHolder 2"/>
+            <a:endParaRPr b="0" lang="en-US" sz="1800" spc="-1" strike="noStrike">
+              <a:latin typeface="Arial"/>
+            </a:endParaRPr>
+          </a:p>
+        </p:txBody>
+      </p:sp>
+      <p:sp>
+        <p:nvSpPr>
+          <p:cNvPr id="39" name="PlaceHolder 2"/>
           <p:cNvSpPr>
             <a:spLocks noGrp="1"/>
           </p:cNvSpPr>
@@ -5233,14 +4861,16 @@
         <p:spPr>
           <a:xfrm>
             <a:off x="311760" y="1152360"/>
-            <a:ext cx="8520120" cy="3416040"/>
-          </a:xfrm>
-          <a:prstGeom prst="rect">
-            <a:avLst/>
-          </a:prstGeom>
-        </p:spPr>
-        <p:txBody>
-          <a:bodyPr tIns="91440" bIns="91440"/>
+            <a:ext cx="8519760" cy="3415680"/>
+          </a:xfrm>
+          <a:prstGeom prst="rect">
+            <a:avLst/>
+          </a:prstGeom>
+        </p:spPr>
+        <p:txBody>
+          <a:bodyPr lIns="0" rIns="0" tIns="0" bIns="0">
+            <a:normAutofit/>
+          </a:bodyPr>
           <a:p>
             <a:pPr marL="432000" indent="-324000">
               <a:spcBef>
@@ -5255,17 +4885,11 @@
             </a:pPr>
             <a:r>
               <a:rPr b="0" lang="en-US" sz="1800" spc="-1" strike="noStrike">
-                <a:solidFill>
-                  <a:srgbClr val="000000"/>
-                </a:solidFill>
                 <a:latin typeface="Arial"/>
               </a:rPr>
               <a:t>Click to edit the outline text format</a:t>
             </a:r>
             <a:endParaRPr b="0" lang="en-US" sz="1800" spc="-1" strike="noStrike">
-              <a:solidFill>
-                <a:srgbClr val="000000"/>
-              </a:solidFill>
               <a:latin typeface="Arial"/>
             </a:endParaRPr>
           </a:p>
@@ -5283,17 +4907,11 @@
             </a:pPr>
             <a:r>
               <a:rPr b="0" lang="en-US" sz="1800" spc="-1" strike="noStrike">
-                <a:solidFill>
-                  <a:srgbClr val="000000"/>
-                </a:solidFill>
                 <a:latin typeface="Arial"/>
               </a:rPr>
               <a:t>Second Outline Level</a:t>
             </a:r>
             <a:endParaRPr b="0" lang="en-US" sz="1800" spc="-1" strike="noStrike">
-              <a:solidFill>
-                <a:srgbClr val="000000"/>
-              </a:solidFill>
               <a:latin typeface="Arial"/>
             </a:endParaRPr>
           </a:p>
@@ -5311,17 +4929,11 @@
             </a:pPr>
             <a:r>
               <a:rPr b="0" lang="en-US" sz="1800" spc="-1" strike="noStrike">
-                <a:solidFill>
-                  <a:srgbClr val="000000"/>
-                </a:solidFill>
                 <a:latin typeface="Arial"/>
               </a:rPr>
               <a:t>Third Outline Level</a:t>
             </a:r>
             <a:endParaRPr b="0" lang="en-US" sz="1800" spc="-1" strike="noStrike">
-              <a:solidFill>
-                <a:srgbClr val="000000"/>
-              </a:solidFill>
               <a:latin typeface="Arial"/>
             </a:endParaRPr>
           </a:p>
@@ -5339,17 +4951,11 @@
             </a:pPr>
             <a:r>
               <a:rPr b="0" lang="en-US" sz="1800" spc="-1" strike="noStrike">
-                <a:solidFill>
-                  <a:srgbClr val="000000"/>
-                </a:solidFill>
                 <a:latin typeface="Arial"/>
               </a:rPr>
               <a:t>Fourth Outline Level</a:t>
             </a:r>
             <a:endParaRPr b="0" lang="en-US" sz="1800" spc="-1" strike="noStrike">
-              <a:solidFill>
-                <a:srgbClr val="000000"/>
-              </a:solidFill>
               <a:latin typeface="Arial"/>
             </a:endParaRPr>
           </a:p>
@@ -5367,17 +4973,11 @@
             </a:pPr>
             <a:r>
               <a:rPr b="0" lang="en-US" sz="1800" spc="-1" strike="noStrike">
-                <a:solidFill>
-                  <a:srgbClr val="000000"/>
-                </a:solidFill>
                 <a:latin typeface="Arial"/>
               </a:rPr>
               <a:t>Fifth Outline Level</a:t>
             </a:r>
             <a:endParaRPr b="0" lang="en-US" sz="1800" spc="-1" strike="noStrike">
-              <a:solidFill>
-                <a:srgbClr val="000000"/>
-              </a:solidFill>
               <a:latin typeface="Arial"/>
             </a:endParaRPr>
           </a:p>
@@ -5395,17 +4995,11 @@
             </a:pPr>
             <a:r>
               <a:rPr b="0" lang="en-US" sz="1800" spc="-1" strike="noStrike">
-                <a:solidFill>
-                  <a:srgbClr val="000000"/>
-                </a:solidFill>
                 <a:latin typeface="Arial"/>
               </a:rPr>
               <a:t>Sixth Outline Level</a:t>
             </a:r>
             <a:endParaRPr b="0" lang="en-US" sz="1800" spc="-1" strike="noStrike">
-              <a:solidFill>
-                <a:srgbClr val="000000"/>
-              </a:solidFill>
               <a:latin typeface="Arial"/>
             </a:endParaRPr>
           </a:p>
@@ -5423,61 +5017,12 @@
             </a:pPr>
             <a:r>
               <a:rPr b="0" lang="en-US" sz="1800" spc="-1" strike="noStrike">
-                <a:solidFill>
-                  <a:srgbClr val="000000"/>
-                </a:solidFill>
                 <a:latin typeface="Arial"/>
               </a:rPr>
               <a:t>Seventh Outline Level</a:t>
             </a:r>
             <a:endParaRPr b="0" lang="en-US" sz="1800" spc="-1" strike="noStrike">
-              <a:solidFill>
-                <a:srgbClr val="000000"/>
-              </a:solidFill>
-              <a:latin typeface="Arial"/>
-            </a:endParaRPr>
-          </a:p>
-        </p:txBody>
-      </p:sp>
-      <p:sp>
-        <p:nvSpPr>
-          <p:cNvPr id="41" name="PlaceHolder 3"/>
-          <p:cNvSpPr>
-            <a:spLocks noGrp="1"/>
-          </p:cNvSpPr>
-          <p:nvPr>
-            <p:ph type="sldNum"/>
-          </p:nvPr>
-        </p:nvSpPr>
-        <p:spPr>
-          <a:xfrm>
-            <a:off x="8472600" y="4663080"/>
-            <a:ext cx="548280" cy="393120"/>
-          </a:xfrm>
-          <a:prstGeom prst="rect">
-            <a:avLst/>
-          </a:prstGeom>
-        </p:spPr>
-        <p:txBody>
-          <a:bodyPr tIns="91440" bIns="91440" anchor="ctr"/>
-          <a:p>
-            <a:pPr>
-              <a:lnSpc>
-                <a:spcPct val="100000"/>
-              </a:lnSpc>
-            </a:pPr>
-            <a:fld id="{744A5518-96F2-4C6D-BB25-4286BC5F365D}" type="slidenum">
-              <a:rPr b="0" lang="en-US" sz="1400" spc="-1" strike="noStrike">
-                <a:solidFill>
-                  <a:srgbClr val="000000"/>
-                </a:solidFill>
-                <a:latin typeface="Arial"/>
-                <a:ea typeface="Arial"/>
-              </a:rPr>
-              <a:t>&lt;number&gt;</a:t>
-            </a:fld>
-            <a:endParaRPr b="0" lang="en-US" sz="1400" spc="-1" strike="noStrike">
-              <a:latin typeface="Times New Roman"/>
+              <a:latin typeface="Arial"/>
             </a:endParaRPr>
           </a:p>
         </p:txBody>
@@ -5528,7 +5073,7 @@
       </p:grpSpPr>
       <p:sp>
         <p:nvSpPr>
-          <p:cNvPr id="78" name="PlaceHolder 1"/>
+          <p:cNvPr id="76" name="PlaceHolder 1"/>
           <p:cNvSpPr>
             <a:spLocks noGrp="1"/>
           </p:cNvSpPr>
@@ -5538,8 +5083,8 @@
         </p:nvSpPr>
         <p:spPr>
           <a:xfrm>
-            <a:off x="311760" y="444960"/>
-            <a:ext cx="8519760" cy="572040"/>
+            <a:off x="457200" y="205200"/>
+            <a:ext cx="8229240" cy="858600"/>
           </a:xfrm>
           <a:prstGeom prst="rect">
             <a:avLst/>
@@ -5548,27 +5093,22 @@
         <p:txBody>
           <a:bodyPr lIns="0" rIns="0" tIns="0" bIns="0" anchor="ctr"/>
           <a:p>
+            <a:pPr algn="ctr"/>
             <a:r>
-              <a:rPr b="0" lang="en-US" sz="2800" spc="-1" strike="noStrike">
-                <a:solidFill>
-                  <a:srgbClr val="000000"/>
-                </a:solidFill>
+              <a:rPr b="0" lang="en-US" sz="4400" spc="-1" strike="noStrike">
                 <a:latin typeface="Arial"/>
               </a:rPr>
               <a:t>Click to edit the title text format</a:t>
             </a:r>
-            <a:endParaRPr b="0" lang="en-US" sz="2800" spc="-1" strike="noStrike">
-              <a:solidFill>
-                <a:srgbClr val="000000"/>
-              </a:solidFill>
-              <a:latin typeface="Arial"/>
-            </a:endParaRPr>
-          </a:p>
-        </p:txBody>
-      </p:sp>
-      <p:sp>
-        <p:nvSpPr>
-          <p:cNvPr id="79" name="PlaceHolder 2"/>
+            <a:endParaRPr b="0" lang="en-US" sz="4400" spc="-1" strike="noStrike">
+              <a:latin typeface="Arial"/>
+            </a:endParaRPr>
+          </a:p>
+        </p:txBody>
+      </p:sp>
+      <p:sp>
+        <p:nvSpPr>
+          <p:cNvPr id="77" name="PlaceHolder 2"/>
           <p:cNvSpPr>
             <a:spLocks noGrp="1"/>
           </p:cNvSpPr>
@@ -5578,8 +5118,8 @@
         </p:nvSpPr>
         <p:spPr>
           <a:xfrm>
-            <a:off x="311760" y="1152360"/>
-            <a:ext cx="8519760" cy="3415680"/>
+            <a:off x="457200" y="1203480"/>
+            <a:ext cx="8229240" cy="2982960"/>
           </a:xfrm>
           <a:prstGeom prst="rect">
             <a:avLst/>
@@ -5602,18 +5142,12 @@
               <a:buChar char=""/>
             </a:pPr>
             <a:r>
-              <a:rPr b="0" lang="en-US" sz="1800" spc="-1" strike="noStrike">
-                <a:solidFill>
-                  <a:srgbClr val="000000"/>
-                </a:solidFill>
+              <a:rPr b="0" lang="en-US" sz="3200" spc="-1" strike="noStrike">
                 <a:latin typeface="Arial"/>
               </a:rPr>
               <a:t>Click to edit the outline text format</a:t>
             </a:r>
-            <a:endParaRPr b="0" lang="en-US" sz="1800" spc="-1" strike="noStrike">
-              <a:solidFill>
-                <a:srgbClr val="000000"/>
-              </a:solidFill>
+            <a:endParaRPr b="0" lang="en-US" sz="3200" spc="-1" strike="noStrike">
               <a:latin typeface="Arial"/>
             </a:endParaRPr>
           </a:p>
@@ -5630,18 +5164,12 @@
               <a:buChar char=""/>
             </a:pPr>
             <a:r>
-              <a:rPr b="0" lang="en-US" sz="1800" spc="-1" strike="noStrike">
-                <a:solidFill>
-                  <a:srgbClr val="000000"/>
-                </a:solidFill>
+              <a:rPr b="0" lang="en-US" sz="2800" spc="-1" strike="noStrike">
                 <a:latin typeface="Arial"/>
               </a:rPr>
               <a:t>Second Outline Level</a:t>
             </a:r>
-            <a:endParaRPr b="0" lang="en-US" sz="1800" spc="-1" strike="noStrike">
-              <a:solidFill>
-                <a:srgbClr val="000000"/>
-              </a:solidFill>
+            <a:endParaRPr b="0" lang="en-US" sz="2800" spc="-1" strike="noStrike">
               <a:latin typeface="Arial"/>
             </a:endParaRPr>
           </a:p>
@@ -5658,18 +5186,12 @@
               <a:buChar char=""/>
             </a:pPr>
             <a:r>
-              <a:rPr b="0" lang="en-US" sz="1800" spc="-1" strike="noStrike">
-                <a:solidFill>
-                  <a:srgbClr val="000000"/>
-                </a:solidFill>
+              <a:rPr b="0" lang="en-US" sz="2400" spc="-1" strike="noStrike">
                 <a:latin typeface="Arial"/>
               </a:rPr>
               <a:t>Third Outline Level</a:t>
             </a:r>
-            <a:endParaRPr b="0" lang="en-US" sz="1800" spc="-1" strike="noStrike">
-              <a:solidFill>
-                <a:srgbClr val="000000"/>
-              </a:solidFill>
+            <a:endParaRPr b="0" lang="en-US" sz="2400" spc="-1" strike="noStrike">
               <a:latin typeface="Arial"/>
             </a:endParaRPr>
           </a:p>
@@ -5686,18 +5208,12 @@
               <a:buChar char=""/>
             </a:pPr>
             <a:r>
-              <a:rPr b="0" lang="en-US" sz="1800" spc="-1" strike="noStrike">
-                <a:solidFill>
-                  <a:srgbClr val="000000"/>
-                </a:solidFill>
+              <a:rPr b="0" lang="en-US" sz="2000" spc="-1" strike="noStrike">
                 <a:latin typeface="Arial"/>
               </a:rPr>
               <a:t>Fourth Outline Level</a:t>
             </a:r>
-            <a:endParaRPr b="0" lang="en-US" sz="1800" spc="-1" strike="noStrike">
-              <a:solidFill>
-                <a:srgbClr val="000000"/>
-              </a:solidFill>
+            <a:endParaRPr b="0" lang="en-US" sz="2000" spc="-1" strike="noStrike">
               <a:latin typeface="Arial"/>
             </a:endParaRPr>
           </a:p>
@@ -5714,18 +5230,12 @@
               <a:buChar char=""/>
             </a:pPr>
             <a:r>
-              <a:rPr b="0" lang="en-US" sz="1800" spc="-1" strike="noStrike">
-                <a:solidFill>
-                  <a:srgbClr val="000000"/>
-                </a:solidFill>
+              <a:rPr b="0" lang="en-US" sz="2000" spc="-1" strike="noStrike">
                 <a:latin typeface="Arial"/>
               </a:rPr>
               <a:t>Fifth Outline Level</a:t>
             </a:r>
-            <a:endParaRPr b="0" lang="en-US" sz="1800" spc="-1" strike="noStrike">
-              <a:solidFill>
-                <a:srgbClr val="000000"/>
-              </a:solidFill>
+            <a:endParaRPr b="0" lang="en-US" sz="2000" spc="-1" strike="noStrike">
               <a:latin typeface="Arial"/>
             </a:endParaRPr>
           </a:p>
@@ -5742,18 +5252,12 @@
               <a:buChar char=""/>
             </a:pPr>
             <a:r>
-              <a:rPr b="0" lang="en-US" sz="1800" spc="-1" strike="noStrike">
-                <a:solidFill>
-                  <a:srgbClr val="000000"/>
-                </a:solidFill>
+              <a:rPr b="0" lang="en-US" sz="2000" spc="-1" strike="noStrike">
                 <a:latin typeface="Arial"/>
               </a:rPr>
               <a:t>Sixth Outline Level</a:t>
             </a:r>
-            <a:endParaRPr b="0" lang="en-US" sz="1800" spc="-1" strike="noStrike">
-              <a:solidFill>
-                <a:srgbClr val="000000"/>
-              </a:solidFill>
+            <a:endParaRPr b="0" lang="en-US" sz="2000" spc="-1" strike="noStrike">
               <a:latin typeface="Arial"/>
             </a:endParaRPr>
           </a:p>
@@ -5770,18 +5274,12 @@
               <a:buChar char=""/>
             </a:pPr>
             <a:r>
-              <a:rPr b="0" lang="en-US" sz="1800" spc="-1" strike="noStrike">
-                <a:solidFill>
-                  <a:srgbClr val="000000"/>
-                </a:solidFill>
+              <a:rPr b="0" lang="en-US" sz="2000" spc="-1" strike="noStrike">
                 <a:latin typeface="Arial"/>
               </a:rPr>
               <a:t>Seventh Outline Level</a:t>
             </a:r>
-            <a:endParaRPr b="0" lang="en-US" sz="1800" spc="-1" strike="noStrike">
-              <a:solidFill>
-                <a:srgbClr val="000000"/>
-              </a:solidFill>
+            <a:endParaRPr b="0" lang="en-US" sz="2000" spc="-1" strike="noStrike">
               <a:latin typeface="Arial"/>
             </a:endParaRPr>
           </a:p>
@@ -5826,14 +5324,14 @@
       </p:grpSpPr>
       <p:sp>
         <p:nvSpPr>
-          <p:cNvPr id="121" name="CustomShape 1"/>
+          <p:cNvPr id="119" name="CustomShape 1"/>
           <p:cNvSpPr/>
           <p:nvPr/>
         </p:nvSpPr>
         <p:spPr>
           <a:xfrm>
             <a:off x="0" y="0"/>
-            <a:ext cx="9143640" cy="5143320"/>
+            <a:ext cx="9143280" cy="5142960"/>
           </a:xfrm>
           <a:prstGeom prst="rect">
             <a:avLst/>
@@ -5857,14 +5355,14 @@
       </p:sp>
       <p:sp>
         <p:nvSpPr>
-          <p:cNvPr id="122" name="TextShape 2"/>
-          <p:cNvSpPr txBox="1"/>
+          <p:cNvPr id="120" name="CustomShape 2"/>
+          <p:cNvSpPr/>
           <p:nvPr/>
         </p:nvSpPr>
         <p:spPr>
           <a:xfrm>
             <a:off x="0" y="1762920"/>
-            <a:ext cx="5556600" cy="905040"/>
+            <a:ext cx="5556240" cy="904680"/>
           </a:xfrm>
           <a:prstGeom prst="rect">
             <a:avLst/>
@@ -5874,8 +5372,14 @@
             <a:noFill/>
           </a:ln>
         </p:spPr>
-        <p:txBody>
-          <a:bodyPr tIns="91440" bIns="91440" anchor="b"/>
+        <p:style>
+          <a:lnRef idx="0"/>
+          <a:fillRef idx="0"/>
+          <a:effectRef idx="0"/>
+          <a:fontRef idx="minor"/>
+        </p:style>
+        <p:txBody>
+          <a:bodyPr lIns="90000" rIns="90000" tIns="91440" bIns="91440" anchor="b"/>
           <a:p>
             <a:pPr algn="ctr">
               <a:lnSpc>
@@ -5893,24 +5397,21 @@
               <a:t>Burgers’ Zoo</a:t>
             </a:r>
             <a:endParaRPr b="0" lang="en-US" sz="4800" spc="-1" strike="noStrike">
-              <a:solidFill>
-                <a:srgbClr val="000000"/>
-              </a:solidFill>
-              <a:latin typeface="Arial"/>
-            </a:endParaRPr>
-          </a:p>
-        </p:txBody>
-      </p:sp>
-      <p:sp>
-        <p:nvSpPr>
-          <p:cNvPr id="123" name="TextShape 3"/>
-          <p:cNvSpPr txBox="1"/>
+              <a:latin typeface="Arial"/>
+            </a:endParaRPr>
+          </a:p>
+        </p:txBody>
+      </p:sp>
+      <p:sp>
+        <p:nvSpPr>
+          <p:cNvPr id="121" name="CustomShape 3"/>
+          <p:cNvSpPr/>
           <p:nvPr/>
         </p:nvSpPr>
         <p:spPr>
           <a:xfrm>
             <a:off x="641880" y="2668320"/>
-            <a:ext cx="3960720" cy="792360"/>
+            <a:ext cx="3960360" cy="792000"/>
           </a:xfrm>
           <a:prstGeom prst="rect">
             <a:avLst/>
@@ -5920,8 +5421,14 @@
             <a:noFill/>
           </a:ln>
         </p:spPr>
-        <p:txBody>
-          <a:bodyPr tIns="91440" bIns="91440"/>
+        <p:style>
+          <a:lnRef idx="0"/>
+          <a:fillRef idx="0"/>
+          <a:effectRef idx="0"/>
+          <a:fontRef idx="minor"/>
+        </p:style>
+        <p:txBody>
+          <a:bodyPr lIns="90000" rIns="90000" tIns="91440" bIns="91440"/>
           <a:p>
             <a:pPr algn="ctr">
               <a:lnSpc>
@@ -6069,19 +5576,19 @@
       </p:sp>
       <p:pic>
         <p:nvPicPr>
-          <p:cNvPr id="124" name="Shape 57" descr=""/>
+          <p:cNvPr id="122" name="Shape 57" descr=""/>
           <p:cNvPicPr/>
           <p:nvPr/>
         </p:nvPicPr>
         <p:blipFill>
           <a:blip r:embed="rId1"/>
-          <a:srcRect l="55147" t="-3185" r="0" b="0"/>
+          <a:srcRect l="55154" t="-3185" r="0" b="0"/>
           <a:stretch/>
         </p:blipFill>
         <p:spPr>
           <a:xfrm>
             <a:off x="6570000" y="-163800"/>
-            <a:ext cx="2574000" cy="5307120"/>
+            <a:ext cx="2573640" cy="5306760"/>
           </a:xfrm>
           <a:prstGeom prst="rect">
             <a:avLst/>
@@ -6140,42 +5647,6 @@
           <a:chExt cx="0" cy="0"/>
         </a:xfrm>
       </p:grpSpPr>
-      <p:sp>
-        <p:nvSpPr>
-          <p:cNvPr id="164" name="CustomShape 1"/>
-          <p:cNvSpPr/>
-          <p:nvPr/>
-        </p:nvSpPr>
-        <p:spPr>
-          <a:xfrm>
-            <a:off x="0" y="0"/>
-            <a:ext cx="9143640" cy="5143320"/>
-          </a:xfrm>
-          <a:prstGeom prst="rect">
-            <a:avLst/>
-          </a:prstGeom>
-          <a:solidFill>
-            <a:srgbClr val="a4c512"/>
-          </a:solidFill>
-          <a:ln>
-            <a:round/>
-          </a:ln>
-        </p:spPr>
-        <p:style>
-          <a:lnRef idx="2">
-            <a:schemeClr val="accent1">
-              <a:shade val="50000"/>
-            </a:schemeClr>
-          </a:lnRef>
-          <a:fillRef idx="1">
-            <a:schemeClr val="accent1"/>
-          </a:fillRef>
-          <a:effectRef idx="0">
-            <a:schemeClr val="accent1"/>
-          </a:effectRef>
-          <a:fontRef idx="minor"/>
-        </p:style>
-      </p:sp>
       <p:pic>
         <p:nvPicPr>
           <p:cNvPr id="165" name="Shape 129" descr=""/>
@@ -6189,7 +5660,7 @@
         <p:spPr>
           <a:xfrm>
             <a:off x="5491080" y="0"/>
-            <a:ext cx="3652920" cy="5142960"/>
+            <a:ext cx="3652560" cy="5142600"/>
           </a:xfrm>
           <a:prstGeom prst="rect">
             <a:avLst/>
@@ -6201,14 +5672,14 @@
       </p:pic>
       <p:sp>
         <p:nvSpPr>
-          <p:cNvPr id="166" name="TextShape 2"/>
-          <p:cNvSpPr txBox="1"/>
+          <p:cNvPr id="166" name="CustomShape 1"/>
+          <p:cNvSpPr/>
           <p:nvPr/>
         </p:nvSpPr>
         <p:spPr>
           <a:xfrm>
             <a:off x="623520" y="444960"/>
-            <a:ext cx="8520120" cy="572400"/>
+            <a:ext cx="8519760" cy="572040"/>
           </a:xfrm>
           <a:prstGeom prst="rect">
             <a:avLst/>
@@ -6218,8 +5689,14 @@
             <a:noFill/>
           </a:ln>
         </p:spPr>
-        <p:txBody>
-          <a:bodyPr tIns="91440" bIns="91440"/>
+        <p:style>
+          <a:lnRef idx="0"/>
+          <a:fillRef idx="0"/>
+          <a:effectRef idx="0"/>
+          <a:fontRef idx="minor"/>
+        </p:style>
+        <p:txBody>
+          <a:bodyPr lIns="90000" rIns="90000" tIns="91440" bIns="91440"/>
           <a:p>
             <a:pPr>
               <a:lnSpc>
@@ -6229,32 +5706,29 @@
             <a:r>
               <a:rPr b="1" lang="en-US" sz="3600" spc="-1" strike="noStrike">
                 <a:solidFill>
-                  <a:srgbClr val="ffffff"/>
+                  <a:srgbClr val="a4c512"/>
                 </a:solidFill>
                 <a:latin typeface="Alegreya Sans"/>
                 <a:ea typeface="Alegreya Sans"/>
               </a:rPr>
-              <a:t>Architectuur IOT</a:t>
+              <a:t>Oplossing</a:t>
             </a:r>
             <a:endParaRPr b="0" lang="en-US" sz="3600" spc="-1" strike="noStrike">
-              <a:solidFill>
-                <a:srgbClr val="000000"/>
-              </a:solidFill>
-              <a:latin typeface="Arial"/>
-            </a:endParaRPr>
-          </a:p>
-        </p:txBody>
-      </p:sp>
-      <p:sp>
-        <p:nvSpPr>
-          <p:cNvPr id="167" name="TextShape 3"/>
-          <p:cNvSpPr txBox="1"/>
+              <a:latin typeface="Arial"/>
+            </a:endParaRPr>
+          </a:p>
+        </p:txBody>
+      </p:sp>
+      <p:sp>
+        <p:nvSpPr>
+          <p:cNvPr id="167" name="CustomShape 2"/>
+          <p:cNvSpPr/>
           <p:nvPr/>
         </p:nvSpPr>
         <p:spPr>
           <a:xfrm>
             <a:off x="623520" y="1152360"/>
-            <a:ext cx="5438520" cy="3416040"/>
+            <a:ext cx="5438160" cy="3415680"/>
           </a:xfrm>
           <a:prstGeom prst="rect">
             <a:avLst/>
@@ -6264,50 +5738,109 @@
             <a:noFill/>
           </a:ln>
         </p:spPr>
-        <p:txBody>
-          <a:bodyPr tIns="91440" bIns="91440"/>
-          <a:p>
-            <a:endParaRPr b="0" lang="en-US" sz="1400" spc="-1" strike="noStrike">
-              <a:solidFill>
-                <a:srgbClr val="000000"/>
-              </a:solidFill>
-              <a:latin typeface="Arial"/>
-            </a:endParaRPr>
-          </a:p>
-        </p:txBody>
-      </p:sp>
-      <p:pic>
-        <p:nvPicPr>
-          <p:cNvPr id="168" name="" descr=""/>
-          <p:cNvPicPr/>
-          <p:nvPr/>
-        </p:nvPicPr>
-        <p:blipFill>
-          <a:blip r:embed="rId2"/>
-          <a:stretch/>
-        </p:blipFill>
-        <p:spPr>
-          <a:xfrm>
-            <a:off x="0" y="1097280"/>
-            <a:ext cx="9144000" cy="4046400"/>
-          </a:xfrm>
-          <a:prstGeom prst="rect">
-            <a:avLst/>
-          </a:prstGeom>
-          <a:ln>
-            <a:noFill/>
-          </a:ln>
-        </p:spPr>
-      </p:pic>
+        <p:style>
+          <a:lnRef idx="0"/>
+          <a:fillRef idx="0"/>
+          <a:effectRef idx="0"/>
+          <a:fontRef idx="minor"/>
+        </p:style>
+        <p:txBody>
+          <a:bodyPr lIns="90000" rIns="90000" tIns="91440" bIns="91440"/>
+          <a:p>
+            <a:pPr marL="285840" indent="-285120">
+              <a:lnSpc>
+                <a:spcPct val="100000"/>
+              </a:lnSpc>
+              <a:spcAft>
+                <a:spcPts val="1599"/>
+              </a:spcAft>
+              <a:buClr>
+                <a:srgbClr val="595959"/>
+              </a:buClr>
+              <a:buFont typeface="StarSymbol"/>
+              <a:buChar char="-"/>
+            </a:pPr>
+            <a:r>
+              <a:rPr b="0" lang="en-US" sz="1800" spc="-1" strike="noStrike">
+                <a:solidFill>
+                  <a:srgbClr val="595959"/>
+                </a:solidFill>
+                <a:latin typeface="Arial"/>
+                <a:ea typeface="Arial"/>
+              </a:rPr>
+              <a:t>NRF netwerk</a:t>
+            </a:r>
+            <a:endParaRPr b="0" lang="en-US" sz="1800" spc="-1" strike="noStrike">
+              <a:latin typeface="Arial"/>
+            </a:endParaRPr>
+          </a:p>
+          <a:p>
+            <a:pPr marL="285840" indent="-285120">
+              <a:lnSpc>
+                <a:spcPct val="100000"/>
+              </a:lnSpc>
+              <a:spcAft>
+                <a:spcPts val="1599"/>
+              </a:spcAft>
+              <a:buClr>
+                <a:srgbClr val="595959"/>
+              </a:buClr>
+              <a:buFont typeface="StarSymbol"/>
+              <a:buChar char="-"/>
+            </a:pPr>
+            <a:r>
+              <a:rPr b="0" lang="en-US" sz="1800" spc="-1" strike="noStrike">
+                <a:solidFill>
+                  <a:srgbClr val="595959"/>
+                </a:solidFill>
+                <a:latin typeface="Arial"/>
+                <a:ea typeface="Arial"/>
+              </a:rPr>
+              <a:t>Poten verbinden met een gateway</a:t>
+            </a:r>
+            <a:endParaRPr b="0" lang="en-US" sz="1800" spc="-1" strike="noStrike">
+              <a:latin typeface="Arial"/>
+            </a:endParaRPr>
+          </a:p>
+          <a:p>
+            <a:pPr marL="285840" indent="-285120">
+              <a:lnSpc>
+                <a:spcPct val="100000"/>
+              </a:lnSpc>
+              <a:spcAft>
+                <a:spcPts val="1599"/>
+              </a:spcAft>
+              <a:buClr>
+                <a:srgbClr val="595959"/>
+              </a:buClr>
+              <a:buFont typeface="StarSymbol"/>
+              <a:buChar char="-"/>
+            </a:pPr>
+            <a:r>
+              <a:rPr b="0" lang="en-US" sz="1800" spc="-1" strike="noStrike">
+                <a:solidFill>
+                  <a:srgbClr val="595959"/>
+                </a:solidFill>
+                <a:latin typeface="Arial"/>
+                <a:ea typeface="Arial"/>
+              </a:rPr>
+              <a:t>Mesh netwerk van repeaters (poten)</a:t>
+            </a:r>
+            <a:endParaRPr b="0" lang="en-US" sz="1800" spc="-1" strike="noStrike">
+              <a:latin typeface="Arial"/>
+            </a:endParaRPr>
+          </a:p>
+        </p:txBody>
+      </p:sp>
     </p:spTree>
   </p:cSld>
   <p:timing>
     <p:tnLst>
       <p:par>
-        <p:cTn id="19" dur="indefinite" restart="never" nodeType="tmRoot">
+        <p:cTn id="17" dur="indefinite" restart="never" nodeType="tmRoot">
           <p:childTnLst>
             <p:seq>
-              <p:cTn id="20" nodeType="mainSeq"/>
+              <p:cTn id="18" nodeType="mainSeq"/>
               <p:prevCondLst>
                 <p:cond delay="0" evt="onPrev">
                   <p:tgtEl>
@@ -6350,14 +5883,14 @@
       </p:grpSpPr>
       <p:sp>
         <p:nvSpPr>
-          <p:cNvPr id="169" name="CustomShape 1"/>
+          <p:cNvPr id="168" name="CustomShape 1"/>
           <p:cNvSpPr/>
           <p:nvPr/>
         </p:nvSpPr>
         <p:spPr>
           <a:xfrm>
             <a:off x="0" y="0"/>
-            <a:ext cx="9143640" cy="5143320"/>
+            <a:ext cx="9143280" cy="5142960"/>
           </a:xfrm>
           <a:prstGeom prst="rect">
             <a:avLst/>
@@ -6386,7 +5919,7 @@
       </p:sp>
       <p:pic>
         <p:nvPicPr>
-          <p:cNvPr id="170" name="Shape 129" descr=""/>
+          <p:cNvPr id="169" name="Shape 129" descr=""/>
           <p:cNvPicPr/>
           <p:nvPr/>
         </p:nvPicPr>
@@ -6397,7 +5930,7 @@
         <p:spPr>
           <a:xfrm>
             <a:off x="5491080" y="0"/>
-            <a:ext cx="3652920" cy="5142960"/>
+            <a:ext cx="3652560" cy="5142600"/>
           </a:xfrm>
           <a:prstGeom prst="rect">
             <a:avLst/>
@@ -6409,14 +5942,14 @@
       </p:pic>
       <p:sp>
         <p:nvSpPr>
-          <p:cNvPr id="171" name="TextShape 2"/>
-          <p:cNvSpPr txBox="1"/>
+          <p:cNvPr id="170" name="CustomShape 2"/>
+          <p:cNvSpPr/>
           <p:nvPr/>
         </p:nvSpPr>
         <p:spPr>
           <a:xfrm>
             <a:off x="623520" y="444960"/>
-            <a:ext cx="8520120" cy="572400"/>
+            <a:ext cx="8519760" cy="572040"/>
           </a:xfrm>
           <a:prstGeom prst="rect">
             <a:avLst/>
@@ -6426,8 +5959,14 @@
             <a:noFill/>
           </a:ln>
         </p:spPr>
-        <p:txBody>
-          <a:bodyPr tIns="91440" bIns="91440"/>
+        <p:style>
+          <a:lnRef idx="0"/>
+          <a:fillRef idx="0"/>
+          <a:effectRef idx="0"/>
+          <a:fontRef idx="minor"/>
+        </p:style>
+        <p:txBody>
+          <a:bodyPr lIns="90000" rIns="90000" tIns="91440" bIns="91440"/>
           <a:p>
             <a:pPr>
               <a:lnSpc>
@@ -6442,27 +5981,24 @@
                 <a:latin typeface="Alegreya Sans"/>
                 <a:ea typeface="Alegreya Sans"/>
               </a:rPr>
-              <a:t>Testing</a:t>
+              <a:t>Architectuur IOT</a:t>
             </a:r>
             <a:endParaRPr b="0" lang="en-US" sz="3600" spc="-1" strike="noStrike">
-              <a:solidFill>
-                <a:srgbClr val="000000"/>
-              </a:solidFill>
-              <a:latin typeface="Arial"/>
-            </a:endParaRPr>
-          </a:p>
-        </p:txBody>
-      </p:sp>
-      <p:sp>
-        <p:nvSpPr>
-          <p:cNvPr id="172" name="TextShape 3"/>
-          <p:cNvSpPr txBox="1"/>
+              <a:latin typeface="Arial"/>
+            </a:endParaRPr>
+          </a:p>
+        </p:txBody>
+      </p:sp>
+      <p:sp>
+        <p:nvSpPr>
+          <p:cNvPr id="171" name="CustomShape 3"/>
+          <p:cNvSpPr/>
           <p:nvPr/>
         </p:nvSpPr>
         <p:spPr>
           <a:xfrm>
             <a:off x="623520" y="1152360"/>
-            <a:ext cx="5438520" cy="3416040"/>
+            <a:ext cx="5438160" cy="3415680"/>
           </a:xfrm>
           <a:prstGeom prst="rect">
             <a:avLst/>
@@ -6472,174 +6008,45 @@
             <a:noFill/>
           </a:ln>
         </p:spPr>
-        <p:txBody>
-          <a:bodyPr tIns="91440" bIns="91440"/>
-          <a:p>
-            <a:pPr marL="285840" indent="-285480">
-              <a:lnSpc>
-                <a:spcPct val="100000"/>
-              </a:lnSpc>
-              <a:spcAft>
-                <a:spcPts val="1599"/>
-              </a:spcAft>
-              <a:buClr>
-                <a:srgbClr val="ffffff"/>
-              </a:buClr>
-              <a:buFont typeface="StarSymbol"/>
-              <a:buChar char="-"/>
-            </a:pPr>
-            <a:r>
-              <a:rPr b="0" lang="en-US" sz="1800" spc="-1" strike="noStrike">
-                <a:solidFill>
-                  <a:srgbClr val="ffffff"/>
-                </a:solidFill>
-                <a:latin typeface="Arial"/>
-                <a:ea typeface="Arial"/>
-              </a:rPr>
-              <a:t>Field Trial</a:t>
-            </a:r>
-            <a:endParaRPr b="0" lang="en-US" sz="1800" spc="-1" strike="noStrike">
-              <a:solidFill>
-                <a:srgbClr val="000000"/>
-              </a:solidFill>
-              <a:latin typeface="Arial"/>
-            </a:endParaRPr>
-          </a:p>
-          <a:p>
-            <a:pPr lvl="1" marL="285840" indent="-285480">
-              <a:lnSpc>
-                <a:spcPct val="100000"/>
-              </a:lnSpc>
-              <a:spcAft>
-                <a:spcPts val="1599"/>
-              </a:spcAft>
-              <a:buClr>
-                <a:srgbClr val="ffffff"/>
-              </a:buClr>
-              <a:buFont typeface="StarSymbol"/>
-              <a:buChar char="-"/>
-            </a:pPr>
-            <a:r>
-              <a:rPr b="0" lang="en-US" sz="1400" spc="-1" strike="noStrike">
-                <a:solidFill>
-                  <a:srgbClr val="ffffff"/>
-                </a:solidFill>
-                <a:latin typeface="Arial"/>
-                <a:ea typeface="Arial"/>
-              </a:rPr>
-              <a:t>6 pootjes</a:t>
-            </a:r>
-            <a:endParaRPr b="0" lang="en-US" sz="1400" spc="-1" strike="noStrike">
-              <a:solidFill>
-                <a:srgbClr val="000000"/>
-              </a:solidFill>
-              <a:latin typeface="Arial"/>
-            </a:endParaRPr>
-          </a:p>
-          <a:p>
-            <a:pPr lvl="1" marL="285840" indent="-285480">
-              <a:lnSpc>
-                <a:spcPct val="100000"/>
-              </a:lnSpc>
-              <a:spcAft>
-                <a:spcPts val="1599"/>
-              </a:spcAft>
-              <a:buClr>
-                <a:srgbClr val="ffffff"/>
-              </a:buClr>
-              <a:buFont typeface="StarSymbol"/>
-              <a:buChar char="-"/>
-            </a:pPr>
-            <a:r>
-              <a:rPr b="0" lang="en-US" sz="1400" spc="-1" strike="noStrike">
-                <a:solidFill>
-                  <a:srgbClr val="ffffff"/>
-                </a:solidFill>
-                <a:latin typeface="Arial"/>
-                <a:ea typeface="Arial"/>
-              </a:rPr>
-              <a:t>Locatie: Mangrove</a:t>
-            </a:r>
-            <a:endParaRPr b="0" lang="en-US" sz="1400" spc="-1" strike="noStrike">
-              <a:solidFill>
-                <a:srgbClr val="000000"/>
-              </a:solidFill>
-              <a:latin typeface="Arial"/>
-            </a:endParaRPr>
-          </a:p>
-          <a:p>
-            <a:pPr lvl="1" marL="285840" indent="-285480">
-              <a:lnSpc>
-                <a:spcPct val="100000"/>
-              </a:lnSpc>
-              <a:spcAft>
-                <a:spcPts val="1599"/>
-              </a:spcAft>
-              <a:buClr>
-                <a:srgbClr val="ffffff"/>
-              </a:buClr>
-              <a:buFont typeface="StarSymbol"/>
-              <a:buChar char="-"/>
-            </a:pPr>
-            <a:r>
-              <a:rPr b="0" lang="en-US" sz="1400" spc="-1" strike="noStrike">
-                <a:solidFill>
-                  <a:srgbClr val="ffffff"/>
-                </a:solidFill>
-                <a:latin typeface="Arial"/>
-                <a:ea typeface="Arial"/>
-              </a:rPr>
-              <a:t>Educatie + Kids Club</a:t>
-            </a:r>
-            <a:endParaRPr b="0" lang="en-US" sz="1400" spc="-1" strike="noStrike">
-              <a:solidFill>
-                <a:srgbClr val="000000"/>
-              </a:solidFill>
-              <a:latin typeface="Arial"/>
-            </a:endParaRPr>
-          </a:p>
-          <a:p>
-            <a:pPr lvl="1" marL="285840" indent="-285480">
-              <a:lnSpc>
-                <a:spcPct val="100000"/>
-              </a:lnSpc>
-              <a:spcAft>
-                <a:spcPts val="1599"/>
-              </a:spcAft>
-              <a:buClr>
-                <a:srgbClr val="ffffff"/>
-              </a:buClr>
-              <a:buFont typeface="StarSymbol"/>
-              <a:buChar char="-"/>
-            </a:pPr>
-            <a:r>
-              <a:rPr b="0" lang="en-US" sz="1400" spc="-1" strike="noStrike">
-                <a:solidFill>
-                  <a:srgbClr val="ffffff"/>
-                </a:solidFill>
-                <a:latin typeface="Arial"/>
-                <a:ea typeface="Arial"/>
-              </a:rPr>
-              <a:t>Technische Dienst</a:t>
-            </a:r>
-            <a:endParaRPr b="0" lang="en-US" sz="1400" spc="-1" strike="noStrike">
-              <a:solidFill>
-                <a:srgbClr val="000000"/>
-              </a:solidFill>
-              <a:latin typeface="Arial"/>
-            </a:endParaRPr>
-          </a:p>
-        </p:txBody>
-      </p:sp>
+        <p:style>
+          <a:lnRef idx="0"/>
+          <a:fillRef idx="0"/>
+          <a:effectRef idx="0"/>
+          <a:fontRef idx="minor"/>
+        </p:style>
+      </p:sp>
+      <p:pic>
+        <p:nvPicPr>
+          <p:cNvPr id="172" name="" descr=""/>
+          <p:cNvPicPr/>
+          <p:nvPr/>
+        </p:nvPicPr>
+        <p:blipFill>
+          <a:blip r:embed="rId2"/>
+          <a:stretch/>
+        </p:blipFill>
+        <p:spPr>
+          <a:xfrm>
+            <a:off x="0" y="1097280"/>
+            <a:ext cx="9143640" cy="4046040"/>
+          </a:xfrm>
+          <a:prstGeom prst="rect">
+            <a:avLst/>
+          </a:prstGeom>
+          <a:ln>
+            <a:noFill/>
+          </a:ln>
+        </p:spPr>
+      </p:pic>
     </p:spTree>
   </p:cSld>
   <p:timing>
     <p:tnLst>
       <p:par>
-        <p:cTn id="21" dur="indefinite" restart="never" nodeType="tmRoot">
+        <p:cTn id="19" dur="indefinite" restart="never" nodeType="tmRoot">
           <p:childTnLst>
             <p:seq>
-              <p:cTn id="22" nodeType="mainSeq"/>
+              <p:cTn id="20" nodeType="mainSeq"/>
               <p:prevCondLst>
                 <p:cond delay="0" evt="onPrev">
                   <p:tgtEl>
@@ -6689,13 +6096,13 @@
         <p:spPr>
           <a:xfrm>
             <a:off x="0" y="0"/>
-            <a:ext cx="9143640" cy="5142960"/>
+            <a:ext cx="9143280" cy="5142960"/>
           </a:xfrm>
           <a:prstGeom prst="rect">
             <a:avLst/>
           </a:prstGeom>
           <a:solidFill>
-            <a:srgbClr val="1799cd"/>
+            <a:srgbClr val="a4c512"/>
           </a:solidFill>
           <a:ln>
             <a:round/>
@@ -6718,7 +6125,7 @@
       </p:sp>
       <p:pic>
         <p:nvPicPr>
-          <p:cNvPr id="174" name="Shape 171" descr=""/>
+          <p:cNvPr id="174" name="Shape 129" descr=""/>
           <p:cNvPicPr/>
           <p:nvPr/>
         </p:nvPicPr>
@@ -6728,8 +6135,8 @@
         </p:blipFill>
         <p:spPr>
           <a:xfrm>
-            <a:off x="6100920" y="0"/>
-            <a:ext cx="3043080" cy="5142960"/>
+            <a:off x="5491080" y="0"/>
+            <a:ext cx="3652560" cy="5142600"/>
           </a:xfrm>
           <a:prstGeom prst="rect">
             <a:avLst/>
@@ -6747,8 +6154,8 @@
         </p:nvSpPr>
         <p:spPr>
           <a:xfrm>
-            <a:off x="253440" y="1760400"/>
-            <a:ext cx="6301080" cy="1621800"/>
+            <a:off x="623520" y="444960"/>
+            <a:ext cx="8519760" cy="572040"/>
           </a:xfrm>
           <a:prstGeom prst="rect">
             <a:avLst/>
@@ -6765,9 +6172,9 @@
           <a:fontRef idx="minor"/>
         </p:style>
         <p:txBody>
-          <a:bodyPr tIns="91440" bIns="91440"/>
-          <a:p>
-            <a:pPr algn="ctr">
+          <a:bodyPr lIns="90000" rIns="90000" tIns="91440" bIns="91440"/>
+          <a:p>
+            <a:pPr>
               <a:lnSpc>
                 <a:spcPct val="100000"/>
               </a:lnSpc>
@@ -6780,31 +6187,178 @@
                 <a:latin typeface="Alegreya Sans"/>
                 <a:ea typeface="Alegreya Sans"/>
               </a:rPr>
-              <a:t>Vragen?</a:t>
+              <a:t>Testing</a:t>
             </a:r>
-            <a:br/>
+            <a:endParaRPr b="0" lang="en-US" sz="3600" spc="-1" strike="noStrike">
+              <a:latin typeface="Arial"/>
+            </a:endParaRPr>
+          </a:p>
+        </p:txBody>
+      </p:sp>
+      <p:sp>
+        <p:nvSpPr>
+          <p:cNvPr id="176" name="CustomShape 3"/>
+          <p:cNvSpPr/>
+          <p:nvPr/>
+        </p:nvSpPr>
+        <p:spPr>
+          <a:xfrm>
+            <a:off x="623520" y="1152360"/>
+            <a:ext cx="5438160" cy="3415680"/>
+          </a:xfrm>
+          <a:prstGeom prst="rect">
+            <a:avLst/>
+          </a:prstGeom>
+          <a:noFill/>
+          <a:ln>
+            <a:noFill/>
+          </a:ln>
+        </p:spPr>
+        <p:style>
+          <a:lnRef idx="0"/>
+          <a:fillRef idx="0"/>
+          <a:effectRef idx="0"/>
+          <a:fontRef idx="minor"/>
+        </p:style>
+        <p:txBody>
+          <a:bodyPr lIns="90000" rIns="90000" tIns="91440" bIns="91440"/>
+          <a:p>
+            <a:pPr marL="285840" indent="-285120">
+              <a:lnSpc>
+                <a:spcPct val="100000"/>
+              </a:lnSpc>
+              <a:spcAft>
+                <a:spcPts val="1599"/>
+              </a:spcAft>
+              <a:buClr>
+                <a:srgbClr val="ffffff"/>
+              </a:buClr>
+              <a:buFont typeface="StarSymbol"/>
+              <a:buChar char="-"/>
+            </a:pPr>
             <a:r>
-              <a:rPr b="1" lang="en-US" sz="3600" spc="-1" strike="noStrike">
+              <a:rPr b="0" lang="en-US" sz="1800" spc="-1" strike="noStrike">
                 <a:solidFill>
                   <a:srgbClr val="ffffff"/>
                 </a:solidFill>
-                <a:latin typeface="Alegreya Sans"/>
-                <a:ea typeface="Alegreya Sans"/>
+                <a:latin typeface="Arial"/>
+                <a:ea typeface="Arial"/>
               </a:rPr>
-              <a:t>Opmerkingen?</a:t>
+              <a:t>Field Trial</a:t>
             </a:r>
-            <a:br/>
+            <a:endParaRPr b="0" lang="en-US" sz="1800" spc="-1" strike="noStrike">
+              <a:latin typeface="Arial"/>
+            </a:endParaRPr>
+          </a:p>
+          <a:p>
+            <a:pPr lvl="1" marL="285840" indent="-285120">
+              <a:lnSpc>
+                <a:spcPct val="100000"/>
+              </a:lnSpc>
+              <a:spcAft>
+                <a:spcPts val="1599"/>
+              </a:spcAft>
+              <a:buClr>
+                <a:srgbClr val="ffffff"/>
+              </a:buClr>
+              <a:buFont typeface="StarSymbol"/>
+              <a:buChar char="-"/>
+            </a:pPr>
             <a:r>
-              <a:rPr b="1" lang="en-US" sz="3600" spc="-1" strike="noStrike">
+              <a:rPr b="0" lang="en-US" sz="1400" spc="-1" strike="noStrike">
                 <a:solidFill>
                   <a:srgbClr val="ffffff"/>
                 </a:solidFill>
-                <a:latin typeface="Alegreya Sans"/>
-                <a:ea typeface="Alegreya Sans"/>
+                <a:latin typeface="Arial"/>
+                <a:ea typeface="Arial"/>
               </a:rPr>
-              <a:t>Suggesties?</a:t>
+              <a:t>6 pootjes</a:t>
             </a:r>
-            <a:endParaRPr b="0" lang="en-US" sz="3600" spc="-1" strike="noStrike">
+            <a:endParaRPr b="0" lang="en-US" sz="1400" spc="-1" strike="noStrike">
+              <a:latin typeface="Arial"/>
+            </a:endParaRPr>
+          </a:p>
+          <a:p>
+            <a:pPr lvl="1" marL="285840" indent="-285120">
+              <a:lnSpc>
+                <a:spcPct val="100000"/>
+              </a:lnSpc>
+              <a:spcAft>
+                <a:spcPts val="1599"/>
+              </a:spcAft>
+              <a:buClr>
+                <a:srgbClr val="ffffff"/>
+              </a:buClr>
+              <a:buFont typeface="StarSymbol"/>
+              <a:buChar char="-"/>
+            </a:pPr>
+            <a:r>
+              <a:rPr b="0" lang="en-US" sz="1400" spc="-1" strike="noStrike">
+                <a:solidFill>
+                  <a:srgbClr val="ffffff"/>
+                </a:solidFill>
+                <a:latin typeface="Arial"/>
+                <a:ea typeface="Arial"/>
+              </a:rPr>
+              <a:t>Locatie: Mangrove</a:t>
+            </a:r>
+            <a:endParaRPr b="0" lang="en-US" sz="1400" spc="-1" strike="noStrike">
+              <a:latin typeface="Arial"/>
+            </a:endParaRPr>
+          </a:p>
+          <a:p>
+            <a:pPr lvl="1" marL="285840" indent="-285120">
+              <a:lnSpc>
+                <a:spcPct val="100000"/>
+              </a:lnSpc>
+              <a:spcAft>
+                <a:spcPts val="1599"/>
+              </a:spcAft>
+              <a:buClr>
+                <a:srgbClr val="ffffff"/>
+              </a:buClr>
+              <a:buFont typeface="StarSymbol"/>
+              <a:buChar char="-"/>
+            </a:pPr>
+            <a:r>
+              <a:rPr b="0" lang="en-US" sz="1400" spc="-1" strike="noStrike">
+                <a:solidFill>
+                  <a:srgbClr val="ffffff"/>
+                </a:solidFill>
+                <a:latin typeface="Arial"/>
+                <a:ea typeface="Arial"/>
+              </a:rPr>
+              <a:t>Educatie + Kids Club</a:t>
+            </a:r>
+            <a:endParaRPr b="0" lang="en-US" sz="1400" spc="-1" strike="noStrike">
+              <a:latin typeface="Arial"/>
+            </a:endParaRPr>
+          </a:p>
+          <a:p>
+            <a:pPr lvl="1" marL="285840" indent="-285120">
+              <a:lnSpc>
+                <a:spcPct val="100000"/>
+              </a:lnSpc>
+              <a:spcAft>
+                <a:spcPts val="1599"/>
+              </a:spcAft>
+              <a:buClr>
+                <a:srgbClr val="ffffff"/>
+              </a:buClr>
+              <a:buFont typeface="StarSymbol"/>
+              <a:buChar char="-"/>
+            </a:pPr>
+            <a:r>
+              <a:rPr b="0" lang="en-US" sz="1400" spc="-1" strike="noStrike">
+                <a:solidFill>
+                  <a:srgbClr val="ffffff"/>
+                </a:solidFill>
+                <a:latin typeface="Arial"/>
+                <a:ea typeface="Arial"/>
+              </a:rPr>
+              <a:t>Technische Dienst</a:t>
+            </a:r>
+            <a:endParaRPr b="0" lang="en-US" sz="1400" spc="-1" strike="noStrike">
               <a:latin typeface="Arial"/>
             </a:endParaRPr>
           </a:p>
@@ -6815,10 +6369,10 @@
   <p:timing>
     <p:tnLst>
       <p:par>
-        <p:cTn id="23" dur="indefinite" restart="never" nodeType="tmRoot">
+        <p:cTn id="21" dur="indefinite" restart="never" nodeType="tmRoot">
           <p:childTnLst>
             <p:seq>
-              <p:cTn id="24" nodeType="mainSeq"/>
+              <p:cTn id="22" nodeType="mainSeq"/>
               <p:prevCondLst>
                 <p:cond delay="0" evt="onPrev">
                   <p:tgtEl>
@@ -6861,26 +6415,80 @@
       </p:grpSpPr>
       <p:sp>
         <p:nvSpPr>
-          <p:cNvPr id="176" name="CustomShape 1"/>
+          <p:cNvPr id="177" name="CustomShape 1"/>
           <p:cNvSpPr/>
           <p:nvPr/>
         </p:nvSpPr>
         <p:spPr>
           <a:xfrm>
             <a:off x="0" y="0"/>
-            <a:ext cx="9143640" cy="5143320"/>
+            <a:ext cx="9143280" cy="5142600"/>
           </a:xfrm>
           <a:prstGeom prst="rect">
             <a:avLst/>
           </a:prstGeom>
           <a:solidFill>
-            <a:srgbClr val="ba1816"/>
+            <a:srgbClr val="1799cd"/>
           </a:solidFill>
-          <a:ln w="9360">
-            <a:solidFill>
-              <a:schemeClr val="dk2"/>
-            </a:solidFill>
+          <a:ln>
             <a:round/>
+          </a:ln>
+        </p:spPr>
+        <p:style>
+          <a:lnRef idx="2">
+            <a:schemeClr val="accent1">
+              <a:shade val="50000"/>
+            </a:schemeClr>
+          </a:lnRef>
+          <a:fillRef idx="1">
+            <a:schemeClr val="accent1"/>
+          </a:fillRef>
+          <a:effectRef idx="0">
+            <a:schemeClr val="accent1"/>
+          </a:effectRef>
+          <a:fontRef idx="minor"/>
+        </p:style>
+      </p:sp>
+      <p:pic>
+        <p:nvPicPr>
+          <p:cNvPr id="178" name="Shape 171" descr=""/>
+          <p:cNvPicPr/>
+          <p:nvPr/>
+        </p:nvPicPr>
+        <p:blipFill>
+          <a:blip r:embed="rId1"/>
+          <a:stretch/>
+        </p:blipFill>
+        <p:spPr>
+          <a:xfrm>
+            <a:off x="6100920" y="0"/>
+            <a:ext cx="3042720" cy="5142600"/>
+          </a:xfrm>
+          <a:prstGeom prst="rect">
+            <a:avLst/>
+          </a:prstGeom>
+          <a:ln>
+            <a:noFill/>
+          </a:ln>
+        </p:spPr>
+      </p:pic>
+      <p:sp>
+        <p:nvSpPr>
+          <p:cNvPr id="179" name="CustomShape 2"/>
+          <p:cNvSpPr/>
+          <p:nvPr/>
+        </p:nvSpPr>
+        <p:spPr>
+          <a:xfrm>
+            <a:off x="253440" y="1760400"/>
+            <a:ext cx="6300720" cy="1621440"/>
+          </a:xfrm>
+          <a:prstGeom prst="rect">
+            <a:avLst/>
+          </a:prstGeom>
+          <a:noFill/>
+          <a:ln>
+            <a:noFill/>
           </a:ln>
         </p:spPr>
         <p:style>
@@ -6889,28 +6497,8 @@
           <a:effectRef idx="0"/>
           <a:fontRef idx="minor"/>
         </p:style>
-      </p:sp>
-      <p:sp>
-        <p:nvSpPr>
-          <p:cNvPr id="177" name="TextShape 2"/>
-          <p:cNvSpPr txBox="1"/>
-          <p:nvPr/>
-        </p:nvSpPr>
-        <p:spPr>
-          <a:xfrm>
-            <a:off x="0" y="1762920"/>
-            <a:ext cx="5556600" cy="905040"/>
-          </a:xfrm>
-          <a:prstGeom prst="rect">
-            <a:avLst/>
-          </a:prstGeom>
-          <a:noFill/>
-          <a:ln>
-            <a:noFill/>
-          </a:ln>
-        </p:spPr>
-        <p:txBody>
-          <a:bodyPr tIns="91440" bIns="91440" anchor="b"/>
+        <p:txBody>
+          <a:bodyPr lIns="90000" rIns="90000" tIns="91440" bIns="91440"/>
           <a:p>
             <a:pPr algn="ctr">
               <a:lnSpc>
@@ -6918,215 +6506,52 @@
               </a:lnSpc>
             </a:pPr>
             <a:r>
-              <a:rPr b="1" lang="en-US" sz="4800" spc="-1" strike="noStrike">
+              <a:rPr b="1" lang="en-US" sz="3600" spc="-1" strike="noStrike">
                 <a:solidFill>
                   <a:srgbClr val="ffffff"/>
                 </a:solidFill>
                 <a:latin typeface="Alegreya Sans"/>
                 <a:ea typeface="Alegreya Sans"/>
               </a:rPr>
-              <a:t>Burgers’ Zoo</a:t>
+              <a:t>Vragen?</a:t>
             </a:r>
-            <a:endParaRPr b="0" lang="en-US" sz="4800" spc="-1" strike="noStrike">
-              <a:solidFill>
-                <a:srgbClr val="000000"/>
-              </a:solidFill>
-              <a:latin typeface="Arial"/>
-            </a:endParaRPr>
-          </a:p>
-        </p:txBody>
-      </p:sp>
-      <p:sp>
-        <p:nvSpPr>
-          <p:cNvPr id="178" name="TextShape 3"/>
-          <p:cNvSpPr txBox="1"/>
-          <p:nvPr/>
-        </p:nvSpPr>
-        <p:spPr>
-          <a:xfrm>
-            <a:off x="641880" y="2668320"/>
-            <a:ext cx="3960720" cy="792360"/>
-          </a:xfrm>
-          <a:prstGeom prst="rect">
-            <a:avLst/>
-          </a:prstGeom>
-          <a:noFill/>
-          <a:ln>
-            <a:noFill/>
-          </a:ln>
-        </p:spPr>
-        <p:txBody>
-          <a:bodyPr tIns="91440" bIns="91440"/>
-          <a:p>
-            <a:pPr algn="ctr">
-              <a:lnSpc>
-                <a:spcPct val="100000"/>
-              </a:lnSpc>
-            </a:pPr>
+            <a:br/>
             <a:r>
-              <a:rPr b="0" lang="en-US" sz="2400" spc="-1" strike="noStrike">
+              <a:rPr b="1" lang="en-US" sz="3600" spc="-1" strike="noStrike">
                 <a:solidFill>
-                  <a:srgbClr val="cccccc"/>
+                  <a:srgbClr val="ffffff"/>
                 </a:solidFill>
-                <a:latin typeface="Arial"/>
-                <a:ea typeface="Arial"/>
+                <a:latin typeface="Alegreya Sans"/>
+                <a:ea typeface="Alegreya Sans"/>
               </a:rPr>
-              <a:t>Burgers’ Zoo Groep 2</a:t>
+              <a:t>Opmerkingen?</a:t>
             </a:r>
-            <a:endParaRPr b="0" lang="en-US" sz="2400" spc="-1" strike="noStrike">
-              <a:latin typeface="Arial"/>
-            </a:endParaRPr>
-          </a:p>
-          <a:p>
-            <a:pPr algn="ctr">
-              <a:lnSpc>
-                <a:spcPct val="100000"/>
-              </a:lnSpc>
-            </a:pPr>
-            <a:endParaRPr b="0" lang="en-US" sz="2400" spc="-1" strike="noStrike">
-              <a:latin typeface="Arial"/>
-            </a:endParaRPr>
-          </a:p>
-          <a:p>
-            <a:pPr algn="ctr">
-              <a:lnSpc>
-                <a:spcPct val="100000"/>
-              </a:lnSpc>
-            </a:pPr>
+            <a:br/>
             <a:r>
-              <a:rPr b="0" lang="en-US" sz="1400" spc="-1" strike="noStrike">
+              <a:rPr b="1" lang="en-US" sz="3600" spc="-1" strike="noStrike">
                 <a:solidFill>
-                  <a:srgbClr val="cccccc"/>
+                  <a:srgbClr val="ffffff"/>
                 </a:solidFill>
-                <a:latin typeface="Arial"/>
-                <a:ea typeface="Arial"/>
+                <a:latin typeface="Alegreya Sans"/>
+                <a:ea typeface="Alegreya Sans"/>
               </a:rPr>
-              <a:t>Nick van der Burg</a:t>
+              <a:t>Suggesties?</a:t>
             </a:r>
-            <a:endParaRPr b="0" lang="en-US" sz="1400" spc="-1" strike="noStrike">
-              <a:latin typeface="Arial"/>
-            </a:endParaRPr>
-          </a:p>
-          <a:p>
-            <a:pPr algn="ctr">
-              <a:lnSpc>
-                <a:spcPct val="100000"/>
-              </a:lnSpc>
-            </a:pPr>
-            <a:r>
-              <a:rPr b="0" lang="en-US" sz="1400" spc="-1" strike="noStrike">
-                <a:solidFill>
-                  <a:srgbClr val="cccccc"/>
-                </a:solidFill>
-                <a:latin typeface="Arial"/>
-                <a:ea typeface="Arial"/>
-              </a:rPr>
-              <a:t>Arne heil</a:t>
-            </a:r>
-            <a:endParaRPr b="0" lang="en-US" sz="1400" spc="-1" strike="noStrike">
-              <a:latin typeface="Arial"/>
-            </a:endParaRPr>
-          </a:p>
-          <a:p>
-            <a:pPr algn="ctr">
-              <a:lnSpc>
-                <a:spcPct val="100000"/>
-              </a:lnSpc>
-            </a:pPr>
-            <a:r>
-              <a:rPr b="0" lang="en-US" sz="1400" spc="-1" strike="noStrike">
-                <a:solidFill>
-                  <a:srgbClr val="cccccc"/>
-                </a:solidFill>
-                <a:latin typeface="Arial"/>
-                <a:ea typeface="Arial"/>
-              </a:rPr>
-              <a:t>Wessel Hendriks</a:t>
-            </a:r>
-            <a:endParaRPr b="0" lang="en-US" sz="1400" spc="-1" strike="noStrike">
-              <a:latin typeface="Arial"/>
-            </a:endParaRPr>
-          </a:p>
-          <a:p>
-            <a:pPr algn="ctr">
-              <a:lnSpc>
-                <a:spcPct val="100000"/>
-              </a:lnSpc>
-            </a:pPr>
-            <a:r>
-              <a:rPr b="0" lang="en-US" sz="1400" spc="-1" strike="noStrike">
-                <a:solidFill>
-                  <a:srgbClr val="cccccc"/>
-                </a:solidFill>
-                <a:latin typeface="Arial"/>
-                <a:ea typeface="Arial"/>
-              </a:rPr>
-              <a:t>Sebastiaan Vonk</a:t>
-            </a:r>
-            <a:endParaRPr b="0" lang="en-US" sz="1400" spc="-1" strike="noStrike">
-              <a:latin typeface="Arial"/>
-            </a:endParaRPr>
-          </a:p>
-          <a:p>
-            <a:pPr>
-              <a:lnSpc>
-                <a:spcPct val="90000"/>
-              </a:lnSpc>
-              <a:spcBef>
-                <a:spcPts val="859"/>
-              </a:spcBef>
-            </a:pPr>
-            <a:endParaRPr b="0" lang="en-US" sz="1400" spc="-1" strike="noStrike">
-              <a:latin typeface="Arial"/>
-            </a:endParaRPr>
-          </a:p>
-        </p:txBody>
-      </p:sp>
-      <p:pic>
-        <p:nvPicPr>
-          <p:cNvPr id="179" name="Shape 57" descr=""/>
-          <p:cNvPicPr/>
-          <p:nvPr/>
-        </p:nvPicPr>
-        <p:blipFill>
-          <a:blip r:embed="rId1">
-            <a:extLst>
-              <a:ext uri="{BEBA8EAE-BF5A-486C-A8C5-ECC9F3942E4B}">
-                <a14:imgProps xmlns:a14="http://schemas.microsoft.com/office/drawing/2010/main">
-                  <a14:imgLayer r:embed="rId2">
-                    <a14:imgEffect>
-                      <a14:saturation sat="0"/>
-                    </a14:imgEffect>
-                  </a14:imgLayer>
-                </a14:imgProps>
-              </a:ext>
-            </a:extLst>
-          </a:blip>
-          <a:srcRect l="55137" t="-3184" r="0" b="0"/>
-          <a:stretch/>
-        </p:blipFill>
-        <p:spPr>
-          <a:xfrm>
-            <a:off x="6570000" y="-174600"/>
-            <a:ext cx="2574000" cy="5317560"/>
-          </a:xfrm>
-          <a:prstGeom prst="rect">
-            <a:avLst/>
-          </a:prstGeom>
-          <a:ln>
-            <a:noFill/>
-          </a:ln>
-        </p:spPr>
-      </p:pic>
+            <a:endParaRPr b="0" lang="en-US" sz="3600" spc="-1" strike="noStrike">
+              <a:latin typeface="Arial"/>
+            </a:endParaRPr>
+          </a:p>
+        </p:txBody>
+      </p:sp>
     </p:spTree>
   </p:cSld>
   <p:timing>
     <p:tnLst>
       <p:par>
-        <p:cTn id="25" dur="indefinite" restart="never" nodeType="tmRoot">
+        <p:cTn id="23" dur="indefinite" restart="never" nodeType="tmRoot">
           <p:childTnLst>
             <p:seq>
-              <p:cTn id="26" nodeType="mainSeq"/>
+              <p:cTn id="24" nodeType="mainSeq"/>
               <p:prevCondLst>
                 <p:cond delay="0" evt="onPrev">
                   <p:tgtEl>
@@ -7167,39 +6592,47 @@
           <a:chExt cx="0" cy="0"/>
         </a:xfrm>
       </p:grpSpPr>
-      <p:pic>
-        <p:nvPicPr>
-          <p:cNvPr id="180" name="Shape 62" descr=""/>
-          <p:cNvPicPr/>
+      <p:sp>
+        <p:nvSpPr>
+          <p:cNvPr id="180" name="CustomShape 1"/>
+          <p:cNvSpPr/>
           <p:nvPr/>
-        </p:nvPicPr>
-        <p:blipFill>
-          <a:blip r:embed="rId1"/>
-          <a:stretch/>
-        </p:blipFill>
-        <p:spPr>
-          <a:xfrm>
-            <a:off x="16560" y="0"/>
-            <a:ext cx="9143640" cy="5143320"/>
-          </a:xfrm>
-          <a:prstGeom prst="rect">
-            <a:avLst/>
-          </a:prstGeom>
-          <a:ln>
-            <a:noFill/>
+        </p:nvSpPr>
+        <p:spPr>
+          <a:xfrm>
+            <a:off x="0" y="0"/>
+            <a:ext cx="9143280" cy="5142960"/>
+          </a:xfrm>
+          <a:prstGeom prst="rect">
+            <a:avLst/>
+          </a:prstGeom>
+          <a:solidFill>
+            <a:srgbClr val="ba1816"/>
+          </a:solidFill>
+          <a:ln w="9360">
+            <a:solidFill>
+              <a:schemeClr val="dk2"/>
+            </a:solidFill>
+            <a:round/>
           </a:ln>
         </p:spPr>
-      </p:pic>
-      <p:sp>
-        <p:nvSpPr>
-          <p:cNvPr id="181" name="TextShape 1"/>
-          <p:cNvSpPr txBox="1"/>
+        <p:style>
+          <a:lnRef idx="0"/>
+          <a:fillRef idx="0"/>
+          <a:effectRef idx="0"/>
+          <a:fontRef idx="minor"/>
+        </p:style>
+      </p:sp>
+      <p:sp>
+        <p:nvSpPr>
+          <p:cNvPr id="181" name="CustomShape 2"/>
+          <p:cNvSpPr/>
           <p:nvPr/>
         </p:nvSpPr>
         <p:spPr>
           <a:xfrm>
-            <a:off x="623520" y="444960"/>
-            <a:ext cx="8520120" cy="572400"/>
+            <a:off x="0" y="1762920"/>
+            <a:ext cx="5556240" cy="904680"/>
           </a:xfrm>
           <a:prstGeom prst="rect">
             <a:avLst/>
@@ -7209,43 +6642,46 @@
             <a:noFill/>
           </a:ln>
         </p:spPr>
-        <p:txBody>
-          <a:bodyPr tIns="91440" bIns="91440"/>
-          <a:p>
-            <a:pPr>
+        <p:style>
+          <a:lnRef idx="0"/>
+          <a:fillRef idx="0"/>
+          <a:effectRef idx="0"/>
+          <a:fontRef idx="minor"/>
+        </p:style>
+        <p:txBody>
+          <a:bodyPr lIns="90000" rIns="90000" tIns="91440" bIns="91440" anchor="b"/>
+          <a:p>
+            <a:pPr algn="ctr">
               <a:lnSpc>
                 <a:spcPct val="100000"/>
               </a:lnSpc>
             </a:pPr>
             <a:r>
-              <a:rPr b="1" lang="en-US" sz="3600" spc="-1" strike="noStrike">
+              <a:rPr b="1" lang="en-US" sz="4800" spc="-1" strike="noStrike">
                 <a:solidFill>
-                  <a:srgbClr val="ea661c"/>
+                  <a:srgbClr val="ffffff"/>
                 </a:solidFill>
                 <a:latin typeface="Alegreya Sans"/>
                 <a:ea typeface="Alegreya Sans"/>
               </a:rPr>
-              <a:t>Inhoud</a:t>
+              <a:t>Burgers’ Zoo</a:t>
             </a:r>
-            <a:endParaRPr b="0" lang="en-US" sz="3600" spc="-1" strike="noStrike">
-              <a:solidFill>
-                <a:srgbClr val="000000"/>
-              </a:solidFill>
-              <a:latin typeface="Arial"/>
-            </a:endParaRPr>
-          </a:p>
-        </p:txBody>
-      </p:sp>
-      <p:sp>
-        <p:nvSpPr>
-          <p:cNvPr id="182" name="TextShape 2"/>
-          <p:cNvSpPr txBox="1"/>
+            <a:endParaRPr b="0" lang="en-US" sz="4800" spc="-1" strike="noStrike">
+              <a:latin typeface="Arial"/>
+            </a:endParaRPr>
+          </a:p>
+        </p:txBody>
+      </p:sp>
+      <p:sp>
+        <p:nvSpPr>
+          <p:cNvPr id="182" name="CustomShape 3"/>
+          <p:cNvSpPr/>
           <p:nvPr/>
         </p:nvSpPr>
         <p:spPr>
           <a:xfrm>
-            <a:off x="623520" y="1152360"/>
-            <a:ext cx="8520120" cy="3416040"/>
+            <a:off x="641880" y="2668320"/>
+            <a:ext cx="3960360" cy="792000"/>
           </a:xfrm>
           <a:prstGeom prst="rect">
             <a:avLst/>
@@ -7255,159 +6691,184 @@
             <a:noFill/>
           </a:ln>
         </p:spPr>
-        <p:txBody>
-          <a:bodyPr tIns="91440" bIns="91440"/>
-          <a:p>
-            <a:pPr marL="457200" indent="-228240">
+        <p:style>
+          <a:lnRef idx="0"/>
+          <a:fillRef idx="0"/>
+          <a:effectRef idx="0"/>
+          <a:fontRef idx="minor"/>
+        </p:style>
+        <p:txBody>
+          <a:bodyPr lIns="90000" rIns="90000" tIns="91440" bIns="91440"/>
+          <a:p>
+            <a:pPr algn="ctr">
               <a:lnSpc>
                 <a:spcPct val="100000"/>
               </a:lnSpc>
-              <a:spcAft>
-                <a:spcPts val="1599"/>
-              </a:spcAft>
-              <a:buClr>
-                <a:srgbClr val="595959"/>
-              </a:buClr>
-              <a:buFont typeface="Wingdings" charset="2"/>
-              <a:buChar char=""/>
             </a:pPr>
             <a:r>
-              <a:rPr b="0" lang="en-US" sz="1800" spc="-1" strike="noStrike">
+              <a:rPr b="0" lang="en-US" sz="2400" spc="-1" strike="noStrike">
                 <a:solidFill>
-                  <a:srgbClr val="595959"/>
+                  <a:srgbClr val="cccccc"/>
                 </a:solidFill>
                 <a:latin typeface="Arial"/>
                 <a:ea typeface="Arial"/>
               </a:rPr>
-              <a:t>Ons idee</a:t>
+              <a:t>Burgers’ Zoo Groep 2</a:t>
             </a:r>
-            <a:endParaRPr b="0" lang="en-US" sz="1800" spc="-1" strike="noStrike">
-              <a:solidFill>
-                <a:srgbClr val="000000"/>
-              </a:solidFill>
-              <a:latin typeface="Arial"/>
-            </a:endParaRPr>
-          </a:p>
-          <a:p>
-            <a:pPr marL="457200" indent="-228240">
+            <a:endParaRPr b="0" lang="en-US" sz="2400" spc="-1" strike="noStrike">
+              <a:latin typeface="Arial"/>
+            </a:endParaRPr>
+          </a:p>
+          <a:p>
+            <a:pPr algn="ctr">
               <a:lnSpc>
                 <a:spcPct val="100000"/>
               </a:lnSpc>
-              <a:spcAft>
-                <a:spcPts val="1599"/>
-              </a:spcAft>
-              <a:buClr>
-                <a:srgbClr val="595959"/>
-              </a:buClr>
-              <a:buFont typeface="Wingdings" charset="2"/>
-              <a:buChar char=""/>
+            </a:pPr>
+            <a:endParaRPr b="0" lang="en-US" sz="2400" spc="-1" strike="noStrike">
+              <a:latin typeface="Arial"/>
+            </a:endParaRPr>
+          </a:p>
+          <a:p>
+            <a:pPr algn="ctr">
+              <a:lnSpc>
+                <a:spcPct val="100000"/>
+              </a:lnSpc>
             </a:pPr>
             <a:r>
-              <a:rPr b="0" lang="en-US" sz="1800" spc="-1" strike="noStrike">
+              <a:rPr b="0" lang="en-US" sz="1400" spc="-1" strike="noStrike">
                 <a:solidFill>
-                  <a:srgbClr val="595959"/>
+                  <a:srgbClr val="cccccc"/>
                 </a:solidFill>
                 <a:latin typeface="Arial"/>
                 <a:ea typeface="Arial"/>
               </a:rPr>
-              <a:t>Hypothese</a:t>
+              <a:t>Nick van der Burg</a:t>
             </a:r>
-            <a:endParaRPr b="0" lang="en-US" sz="1800" spc="-1" strike="noStrike">
-              <a:solidFill>
-                <a:srgbClr val="000000"/>
-              </a:solidFill>
-              <a:latin typeface="Arial"/>
-            </a:endParaRPr>
-          </a:p>
-          <a:p>
-            <a:pPr marL="457200" indent="-228240">
+            <a:endParaRPr b="0" lang="en-US" sz="1400" spc="-1" strike="noStrike">
+              <a:latin typeface="Arial"/>
+            </a:endParaRPr>
+          </a:p>
+          <a:p>
+            <a:pPr algn="ctr">
               <a:lnSpc>
                 <a:spcPct val="100000"/>
               </a:lnSpc>
-              <a:spcAft>
-                <a:spcPts val="1599"/>
-              </a:spcAft>
-              <a:buClr>
-                <a:srgbClr val="595959"/>
-              </a:buClr>
-              <a:buFont typeface="Wingdings" charset="2"/>
-              <a:buChar char=""/>
             </a:pPr>
             <a:r>
-              <a:rPr b="0" lang="en-US" sz="1800" spc="-1" strike="noStrike">
+              <a:rPr b="0" lang="en-US" sz="1400" spc="-1" strike="noStrike">
                 <a:solidFill>
-                  <a:srgbClr val="595959"/>
+                  <a:srgbClr val="cccccc"/>
                 </a:solidFill>
                 <a:latin typeface="Arial"/>
                 <a:ea typeface="Arial"/>
               </a:rPr>
-              <a:t>Hoe ziet dat eruit?</a:t>
+              <a:t>Arne heil</a:t>
             </a:r>
-            <a:endParaRPr b="0" lang="en-US" sz="1800" spc="-1" strike="noStrike">
-              <a:solidFill>
-                <a:srgbClr val="000000"/>
-              </a:solidFill>
-              <a:latin typeface="Arial"/>
-            </a:endParaRPr>
-          </a:p>
-          <a:p>
-            <a:pPr marL="457200" indent="-228240">
+            <a:endParaRPr b="0" lang="en-US" sz="1400" spc="-1" strike="noStrike">
+              <a:latin typeface="Arial"/>
+            </a:endParaRPr>
+          </a:p>
+          <a:p>
+            <a:pPr algn="ctr">
               <a:lnSpc>
                 <a:spcPct val="100000"/>
               </a:lnSpc>
-              <a:spcAft>
-                <a:spcPts val="1599"/>
-              </a:spcAft>
-              <a:buClr>
-                <a:srgbClr val="595959"/>
-              </a:buClr>
-              <a:buFont typeface="Wingdings" charset="2"/>
-              <a:buChar char=""/>
             </a:pPr>
             <a:r>
-              <a:rPr b="0" lang="en-US" sz="1800" spc="-1" strike="noStrike">
+              <a:rPr b="0" lang="en-US" sz="1400" spc="-1" strike="noStrike">
                 <a:solidFill>
-                  <a:srgbClr val="595959"/>
+                  <a:srgbClr val="cccccc"/>
                 </a:solidFill>
                 <a:latin typeface="Arial"/>
                 <a:ea typeface="Arial"/>
               </a:rPr>
-              <a:t>Field trial (gebruikers test)</a:t>
+              <a:t>Wessel Hendriks</a:t>
             </a:r>
-            <a:endParaRPr b="0" lang="en-US" sz="1800" spc="-1" strike="noStrike">
-              <a:solidFill>
-                <a:srgbClr val="000000"/>
-              </a:solidFill>
-              <a:latin typeface="Arial"/>
-            </a:endParaRPr>
-          </a:p>
-          <a:p>
-            <a:pPr>
+            <a:endParaRPr b="0" lang="en-US" sz="1400" spc="-1" strike="noStrike">
+              <a:latin typeface="Arial"/>
+            </a:endParaRPr>
+          </a:p>
+          <a:p>
+            <a:pPr algn="ctr">
               <a:lnSpc>
                 <a:spcPct val="100000"/>
               </a:lnSpc>
-              <a:spcAft>
-                <a:spcPts val="1599"/>
-              </a:spcAft>
             </a:pPr>
-            <a:endParaRPr b="0" lang="en-US" sz="1800" spc="-1" strike="noStrike">
-              <a:solidFill>
-                <a:srgbClr val="000000"/>
-              </a:solidFill>
-              <a:latin typeface="Arial"/>
-            </a:endParaRPr>
-          </a:p>
-        </p:txBody>
-      </p:sp>
+            <a:r>
+              <a:rPr b="0" lang="en-US" sz="1400" spc="-1" strike="noStrike">
+                <a:solidFill>
+                  <a:srgbClr val="cccccc"/>
+                </a:solidFill>
+                <a:latin typeface="Arial"/>
+                <a:ea typeface="Arial"/>
+              </a:rPr>
+              <a:t>Sebastiaan Vonk</a:t>
+            </a:r>
+            <a:endParaRPr b="0" lang="en-US" sz="1400" spc="-1" strike="noStrike">
+              <a:latin typeface="Arial"/>
+            </a:endParaRPr>
+          </a:p>
+          <a:p>
+            <a:pPr>
+              <a:lnSpc>
+                <a:spcPct val="90000"/>
+              </a:lnSpc>
+              <a:spcBef>
+                <a:spcPts val="859"/>
+              </a:spcBef>
+            </a:pPr>
+            <a:endParaRPr b="0" lang="en-US" sz="1400" spc="-1" strike="noStrike">
+              <a:latin typeface="Arial"/>
+            </a:endParaRPr>
+          </a:p>
+        </p:txBody>
+      </p:sp>
+      <p:pic>
+        <p:nvPicPr>
+          <p:cNvPr id="183" name="Shape 57" descr=""/>
+          <p:cNvPicPr/>
+          <p:nvPr/>
+        </p:nvPicPr>
+        <p:blipFill>
+          <a:blip r:embed="rId1">
+            <a:extLst>
+              <a:ext uri="{BEBA8EAE-BF5A-486C-A8C5-ECC9F3942E4B}">
+                <a14:imgProps xmlns:a14="http://schemas.microsoft.com/office/drawing/2010/main">
+                  <a14:imgLayer r:embed="">
+                    <a14:imgEffect>
+                      <a14:saturation sat="0"/>
+                    </a14:imgEffect>
+                  </a14:imgLayer>
+                </a14:imgProps>
+              </a:ext>
+            </a:extLst>
+          </a:blip>
+          <a:srcRect l="55137" t="-3184" r="0" b="0"/>
+          <a:stretch/>
+        </p:blipFill>
+        <p:spPr>
+          <a:xfrm>
+            <a:off x="6570000" y="-174600"/>
+            <a:ext cx="2573640" cy="5317200"/>
+          </a:xfrm>
+          <a:prstGeom prst="rect">
+            <a:avLst/>
+          </a:prstGeom>
+          <a:ln>
+            <a:noFill/>
+          </a:ln>
+        </p:spPr>
+      </p:pic>
     </p:spTree>
   </p:cSld>
   <p:timing>
     <p:tnLst>
       <p:par>
-        <p:cTn id="27" dur="indefinite" restart="never" nodeType="tmRoot">
+        <p:cTn id="25" dur="indefinite" restart="never" nodeType="tmRoot">
           <p:childTnLst>
             <p:seq>
-              <p:cTn id="28" nodeType="mainSeq"/>
+              <p:cTn id="26" nodeType="mainSeq"/>
               <p:prevCondLst>
                 <p:cond delay="0" evt="onPrev">
                   <p:tgtEl>
@@ -7450,7 +6911,7 @@
       </p:grpSpPr>
       <p:pic>
         <p:nvPicPr>
-          <p:cNvPr id="183" name="Shape 69" descr=""/>
+          <p:cNvPr id="184" name="Shape 62" descr=""/>
           <p:cNvPicPr/>
           <p:nvPr/>
         </p:nvPicPr>
@@ -7460,8 +6921,8 @@
         </p:blipFill>
         <p:spPr>
           <a:xfrm>
-            <a:off x="3287520" y="0"/>
-            <a:ext cx="5856480" cy="5142960"/>
+            <a:off x="16560" y="0"/>
+            <a:ext cx="9143280" cy="5142960"/>
           </a:xfrm>
           <a:prstGeom prst="rect">
             <a:avLst/>
@@ -7473,14 +6934,14 @@
       </p:pic>
       <p:sp>
         <p:nvSpPr>
-          <p:cNvPr id="184" name="TextShape 1"/>
-          <p:cNvSpPr txBox="1"/>
+          <p:cNvPr id="185" name="CustomShape 1"/>
+          <p:cNvSpPr/>
           <p:nvPr/>
         </p:nvSpPr>
         <p:spPr>
           <a:xfrm>
             <a:off x="623520" y="444960"/>
-            <a:ext cx="8520120" cy="572400"/>
+            <a:ext cx="8519760" cy="572040"/>
           </a:xfrm>
           <a:prstGeom prst="rect">
             <a:avLst/>
@@ -7490,8 +6951,14 @@
             <a:noFill/>
           </a:ln>
         </p:spPr>
-        <p:txBody>
-          <a:bodyPr tIns="91440" bIns="91440"/>
+        <p:style>
+          <a:lnRef idx="0"/>
+          <a:fillRef idx="0"/>
+          <a:effectRef idx="0"/>
+          <a:fontRef idx="minor"/>
+        </p:style>
+        <p:txBody>
+          <a:bodyPr lIns="90000" rIns="90000" tIns="91440" bIns="91440"/>
           <a:p>
             <a:pPr>
               <a:lnSpc>
@@ -7501,32 +6968,29 @@
             <a:r>
               <a:rPr b="1" lang="en-US" sz="3600" spc="-1" strike="noStrike">
                 <a:solidFill>
-                  <a:srgbClr val="f8b214"/>
+                  <a:srgbClr val="ea661c"/>
                 </a:solidFill>
                 <a:latin typeface="Alegreya Sans"/>
                 <a:ea typeface="Alegreya Sans"/>
               </a:rPr>
-              <a:t>Ons idee</a:t>
+              <a:t>Inhoud</a:t>
             </a:r>
             <a:endParaRPr b="0" lang="en-US" sz="3600" spc="-1" strike="noStrike">
-              <a:solidFill>
-                <a:srgbClr val="000000"/>
-              </a:solidFill>
-              <a:latin typeface="Arial"/>
-            </a:endParaRPr>
-          </a:p>
-        </p:txBody>
-      </p:sp>
-      <p:sp>
-        <p:nvSpPr>
-          <p:cNvPr id="185" name="TextShape 2"/>
-          <p:cNvSpPr txBox="1"/>
+              <a:latin typeface="Arial"/>
+            </a:endParaRPr>
+          </a:p>
+        </p:txBody>
+      </p:sp>
+      <p:sp>
+        <p:nvSpPr>
+          <p:cNvPr id="186" name="CustomShape 2"/>
+          <p:cNvSpPr/>
           <p:nvPr/>
         </p:nvSpPr>
         <p:spPr>
           <a:xfrm>
             <a:off x="623520" y="1152360"/>
-            <a:ext cx="8520120" cy="3416040"/>
+            <a:ext cx="8519760" cy="3415680"/>
           </a:xfrm>
           <a:prstGeom prst="rect">
             <a:avLst/>
@@ -7536,16 +7000,27 @@
             <a:noFill/>
           </a:ln>
         </p:spPr>
-        <p:txBody>
-          <a:bodyPr tIns="91440" bIns="91440"/>
-          <a:p>
-            <a:pPr>
+        <p:style>
+          <a:lnRef idx="0"/>
+          <a:fillRef idx="0"/>
+          <a:effectRef idx="0"/>
+          <a:fontRef idx="minor"/>
+        </p:style>
+        <p:txBody>
+          <a:bodyPr lIns="90000" rIns="90000" tIns="91440" bIns="91440"/>
+          <a:p>
+            <a:pPr marL="457200" indent="-227880">
               <a:lnSpc>
                 <a:spcPct val="100000"/>
               </a:lnSpc>
               <a:spcAft>
                 <a:spcPts val="1599"/>
               </a:spcAft>
+              <a:buClr>
+                <a:srgbClr val="595959"/>
+              </a:buClr>
+              <a:buFont typeface="Wingdings" charset="2"/>
+              <a:buChar char=""/>
             </a:pPr>
             <a:r>
               <a:rPr b="0" lang="en-US" sz="1800" spc="-1" strike="noStrike">
@@ -7555,17 +7030,14 @@
                 <a:latin typeface="Arial"/>
                 <a:ea typeface="Arial"/>
               </a:rPr>
-              <a:t>De robuustheid van het systeem</a:t>
+              <a:t>Ons idee</a:t>
             </a:r>
             <a:endParaRPr b="0" lang="en-US" sz="1800" spc="-1" strike="noStrike">
-              <a:solidFill>
-                <a:srgbClr val="000000"/>
-              </a:solidFill>
-              <a:latin typeface="Arial"/>
-            </a:endParaRPr>
-          </a:p>
-          <a:p>
-            <a:pPr marL="285840" indent="-285480">
+              <a:latin typeface="Arial"/>
+            </a:endParaRPr>
+          </a:p>
+          <a:p>
+            <a:pPr marL="457200" indent="-227880">
               <a:lnSpc>
                 <a:spcPct val="100000"/>
               </a:lnSpc>
@@ -7575,8 +7047,8 @@
               <a:buClr>
                 <a:srgbClr val="595959"/>
               </a:buClr>
-              <a:buFont typeface="Arial"/>
-              <a:buChar char="•"/>
+              <a:buFont typeface="Wingdings" charset="2"/>
+              <a:buChar char=""/>
             </a:pPr>
             <a:r>
               <a:rPr b="0" lang="en-US" sz="1800" spc="-1" strike="noStrike">
@@ -7586,17 +7058,14 @@
                 <a:latin typeface="Arial"/>
                 <a:ea typeface="Arial"/>
               </a:rPr>
-              <a:t>Hoe zorgen we ervoor dat het blijft werken?</a:t>
+              <a:t>Hypothese</a:t>
             </a:r>
             <a:endParaRPr b="0" lang="en-US" sz="1800" spc="-1" strike="noStrike">
-              <a:solidFill>
-                <a:srgbClr val="000000"/>
-              </a:solidFill>
-              <a:latin typeface="Arial"/>
-            </a:endParaRPr>
-          </a:p>
-          <a:p>
-            <a:pPr marL="285840" indent="-285480">
+              <a:latin typeface="Arial"/>
+            </a:endParaRPr>
+          </a:p>
+          <a:p>
+            <a:pPr marL="457200" indent="-227880">
               <a:lnSpc>
                 <a:spcPct val="100000"/>
               </a:lnSpc>
@@ -7606,8 +7075,8 @@
               <a:buClr>
                 <a:srgbClr val="595959"/>
               </a:buClr>
-              <a:buFont typeface="Arial"/>
-              <a:buChar char="•"/>
+              <a:buFont typeface="Wingdings" charset="2"/>
+              <a:buChar char=""/>
             </a:pPr>
             <a:r>
               <a:rPr b="0" lang="en-US" sz="1800" spc="-1" strike="noStrike">
@@ -7617,45 +7086,50 @@
                 <a:latin typeface="Arial"/>
                 <a:ea typeface="Arial"/>
               </a:rPr>
-              <a:t>En wat als het ineens stopt met werken?</a:t>
+              <a:t>Hoe ziet dat eruit?</a:t>
             </a:r>
             <a:endParaRPr b="0" lang="en-US" sz="1800" spc="-1" strike="noStrike">
-              <a:solidFill>
-                <a:srgbClr val="000000"/>
-              </a:solidFill>
+              <a:latin typeface="Arial"/>
+            </a:endParaRPr>
+          </a:p>
+          <a:p>
+            <a:pPr marL="457200" indent="-227880">
+              <a:lnSpc>
+                <a:spcPct val="100000"/>
+              </a:lnSpc>
+              <a:spcAft>
+                <a:spcPts val="1599"/>
+              </a:spcAft>
+              <a:buClr>
+                <a:srgbClr val="595959"/>
+              </a:buClr>
+              <a:buFont typeface="Wingdings" charset="2"/>
+              <a:buChar char=""/>
+            </a:pPr>
+            <a:r>
+              <a:rPr b="0" lang="en-US" sz="1800" spc="-1" strike="noStrike">
+                <a:solidFill>
+                  <a:srgbClr val="595959"/>
+                </a:solidFill>
+                <a:latin typeface="Arial"/>
+                <a:ea typeface="Arial"/>
+              </a:rPr>
+              <a:t>Field trial (gebruikers test)</a:t>
+            </a:r>
+            <a:endParaRPr b="0" lang="en-US" sz="1800" spc="-1" strike="noStrike">
               <a:latin typeface="Arial"/>
             </a:endParaRPr>
           </a:p>
           <a:p>
             <a:pPr>
               <a:lnSpc>
-                <a:spcPct val="150000"/>
+                <a:spcPct val="100000"/>
               </a:lnSpc>
               <a:spcAft>
                 <a:spcPts val="1599"/>
               </a:spcAft>
             </a:pPr>
             <a:endParaRPr b="0" lang="en-US" sz="1800" spc="-1" strike="noStrike">
-              <a:solidFill>
-                <a:srgbClr val="000000"/>
-              </a:solidFill>
-              <a:latin typeface="Arial"/>
-            </a:endParaRPr>
-          </a:p>
-          <a:p>
-            <a:pPr>
-              <a:lnSpc>
-                <a:spcPct val="150000"/>
-              </a:lnSpc>
-              <a:spcAft>
-                <a:spcPts val="1599"/>
-              </a:spcAft>
-            </a:pPr>
-            <a:br/>
-            <a:endParaRPr b="0" lang="en-US" sz="1800" spc="-1" strike="noStrike">
-              <a:solidFill>
-                <a:srgbClr val="000000"/>
-              </a:solidFill>
               <a:latin typeface="Arial"/>
             </a:endParaRPr>
           </a:p>
@@ -7666,10 +7140,10 @@
   <p:timing>
     <p:tnLst>
       <p:par>
-        <p:cTn id="29" dur="indefinite" restart="never" nodeType="tmRoot">
+        <p:cTn id="27" dur="indefinite" restart="never" nodeType="tmRoot">
           <p:childTnLst>
             <p:seq>
-              <p:cTn id="30" nodeType="mainSeq"/>
+              <p:cTn id="28" nodeType="mainSeq"/>
               <p:prevCondLst>
                 <p:cond delay="0" evt="onPrev">
                   <p:tgtEl>
@@ -7710,16 +7184,272 @@
           <a:chExt cx="0" cy="0"/>
         </a:xfrm>
       </p:grpSpPr>
-      <p:sp>
-        <p:nvSpPr>
-          <p:cNvPr id="186" name="CustomShape 1"/>
+      <p:pic>
+        <p:nvPicPr>
+          <p:cNvPr id="187" name="Shape 69" descr=""/>
+          <p:cNvPicPr/>
+          <p:nvPr/>
+        </p:nvPicPr>
+        <p:blipFill>
+          <a:blip r:embed="rId1"/>
+          <a:stretch/>
+        </p:blipFill>
+        <p:spPr>
+          <a:xfrm>
+            <a:off x="3287520" y="0"/>
+            <a:ext cx="5856120" cy="5142600"/>
+          </a:xfrm>
+          <a:prstGeom prst="rect">
+            <a:avLst/>
+          </a:prstGeom>
+          <a:ln>
+            <a:noFill/>
+          </a:ln>
+        </p:spPr>
+      </p:pic>
+      <p:sp>
+        <p:nvSpPr>
+          <p:cNvPr id="188" name="CustomShape 1"/>
           <p:cNvSpPr/>
           <p:nvPr/>
         </p:nvSpPr>
         <p:spPr>
           <a:xfrm>
+            <a:off x="623520" y="444960"/>
+            <a:ext cx="8519760" cy="572040"/>
+          </a:xfrm>
+          <a:prstGeom prst="rect">
+            <a:avLst/>
+          </a:prstGeom>
+          <a:noFill/>
+          <a:ln>
+            <a:noFill/>
+          </a:ln>
+        </p:spPr>
+        <p:style>
+          <a:lnRef idx="0"/>
+          <a:fillRef idx="0"/>
+          <a:effectRef idx="0"/>
+          <a:fontRef idx="minor"/>
+        </p:style>
+        <p:txBody>
+          <a:bodyPr lIns="90000" rIns="90000" tIns="91440" bIns="91440"/>
+          <a:p>
+            <a:pPr>
+              <a:lnSpc>
+                <a:spcPct val="100000"/>
+              </a:lnSpc>
+            </a:pPr>
+            <a:r>
+              <a:rPr b="1" lang="en-US" sz="3600" spc="-1" strike="noStrike">
+                <a:solidFill>
+                  <a:srgbClr val="f8b214"/>
+                </a:solidFill>
+                <a:latin typeface="Alegreya Sans"/>
+                <a:ea typeface="Alegreya Sans"/>
+              </a:rPr>
+              <a:t>Ons idee</a:t>
+            </a:r>
+            <a:endParaRPr b="0" lang="en-US" sz="3600" spc="-1" strike="noStrike">
+              <a:latin typeface="Arial"/>
+            </a:endParaRPr>
+          </a:p>
+        </p:txBody>
+      </p:sp>
+      <p:sp>
+        <p:nvSpPr>
+          <p:cNvPr id="189" name="CustomShape 2"/>
+          <p:cNvSpPr/>
+          <p:nvPr/>
+        </p:nvSpPr>
+        <p:spPr>
+          <a:xfrm>
+            <a:off x="623520" y="1152360"/>
+            <a:ext cx="8519760" cy="3415680"/>
+          </a:xfrm>
+          <a:prstGeom prst="rect">
+            <a:avLst/>
+          </a:prstGeom>
+          <a:noFill/>
+          <a:ln>
+            <a:noFill/>
+          </a:ln>
+        </p:spPr>
+        <p:style>
+          <a:lnRef idx="0"/>
+          <a:fillRef idx="0"/>
+          <a:effectRef idx="0"/>
+          <a:fontRef idx="minor"/>
+        </p:style>
+        <p:txBody>
+          <a:bodyPr lIns="90000" rIns="90000" tIns="91440" bIns="91440"/>
+          <a:p>
+            <a:pPr>
+              <a:lnSpc>
+                <a:spcPct val="100000"/>
+              </a:lnSpc>
+              <a:spcAft>
+                <a:spcPts val="1599"/>
+              </a:spcAft>
+            </a:pPr>
+            <a:r>
+              <a:rPr b="0" lang="en-US" sz="1800" spc="-1" strike="noStrike">
+                <a:solidFill>
+                  <a:srgbClr val="595959"/>
+                </a:solidFill>
+                <a:latin typeface="Arial"/>
+                <a:ea typeface="Arial"/>
+              </a:rPr>
+              <a:t>De robuustheid van het systeem</a:t>
+            </a:r>
+            <a:endParaRPr b="0" lang="en-US" sz="1800" spc="-1" strike="noStrike">
+              <a:latin typeface="Arial"/>
+            </a:endParaRPr>
+          </a:p>
+          <a:p>
+            <a:pPr marL="285840" indent="-285120">
+              <a:lnSpc>
+                <a:spcPct val="100000"/>
+              </a:lnSpc>
+              <a:spcAft>
+                <a:spcPts val="1599"/>
+              </a:spcAft>
+              <a:buClr>
+                <a:srgbClr val="595959"/>
+              </a:buClr>
+              <a:buFont typeface="Arial"/>
+              <a:buChar char="•"/>
+            </a:pPr>
+            <a:r>
+              <a:rPr b="0" lang="en-US" sz="1800" spc="-1" strike="noStrike">
+                <a:solidFill>
+                  <a:srgbClr val="595959"/>
+                </a:solidFill>
+                <a:latin typeface="Arial"/>
+                <a:ea typeface="Arial"/>
+              </a:rPr>
+              <a:t>Hoe zorgen we ervoor dat het blijft werken?</a:t>
+            </a:r>
+            <a:endParaRPr b="0" lang="en-US" sz="1800" spc="-1" strike="noStrike">
+              <a:latin typeface="Arial"/>
+            </a:endParaRPr>
+          </a:p>
+          <a:p>
+            <a:pPr marL="285840" indent="-285120">
+              <a:lnSpc>
+                <a:spcPct val="100000"/>
+              </a:lnSpc>
+              <a:spcAft>
+                <a:spcPts val="1599"/>
+              </a:spcAft>
+              <a:buClr>
+                <a:srgbClr val="595959"/>
+              </a:buClr>
+              <a:buFont typeface="Arial"/>
+              <a:buChar char="•"/>
+            </a:pPr>
+            <a:r>
+              <a:rPr b="0" lang="en-US" sz="1800" spc="-1" strike="noStrike">
+                <a:solidFill>
+                  <a:srgbClr val="595959"/>
+                </a:solidFill>
+                <a:latin typeface="Arial"/>
+                <a:ea typeface="Arial"/>
+              </a:rPr>
+              <a:t>En wat als het ineens stopt met werken?</a:t>
+            </a:r>
+            <a:endParaRPr b="0" lang="en-US" sz="1800" spc="-1" strike="noStrike">
+              <a:latin typeface="Arial"/>
+            </a:endParaRPr>
+          </a:p>
+          <a:p>
+            <a:pPr>
+              <a:lnSpc>
+                <a:spcPct val="150000"/>
+              </a:lnSpc>
+              <a:spcAft>
+                <a:spcPts val="1599"/>
+              </a:spcAft>
+            </a:pPr>
+            <a:endParaRPr b="0" lang="en-US" sz="1800" spc="-1" strike="noStrike">
+              <a:latin typeface="Arial"/>
+            </a:endParaRPr>
+          </a:p>
+          <a:p>
+            <a:pPr>
+              <a:lnSpc>
+                <a:spcPct val="150000"/>
+              </a:lnSpc>
+              <a:spcAft>
+                <a:spcPts val="1599"/>
+              </a:spcAft>
+            </a:pPr>
+            <a:br/>
+            <a:endParaRPr b="0" lang="en-US" sz="1800" spc="-1" strike="noStrike">
+              <a:latin typeface="Arial"/>
+            </a:endParaRPr>
+          </a:p>
+        </p:txBody>
+      </p:sp>
+    </p:spTree>
+  </p:cSld>
+  <p:timing>
+    <p:tnLst>
+      <p:par>
+        <p:cTn id="29" dur="indefinite" restart="never" nodeType="tmRoot">
+          <p:childTnLst>
+            <p:seq>
+              <p:cTn id="30" nodeType="mainSeq"/>
+              <p:prevCondLst>
+                <p:cond delay="0" evt="onPrev">
+                  <p:tgtEl>
+                    <p:sldTgt/>
+                  </p:tgtEl>
+                </p:cond>
+              </p:prevCondLst>
+              <p:nextCondLst>
+                <p:cond delay="0" evt="onNext">
+                  <p:tgtEl>
+                    <p:sldTgt/>
+                  </p:tgtEl>
+                </p:cond>
+              </p:nextCondLst>
+            </p:seq>
+          </p:childTnLst>
+        </p:cTn>
+      </p:par>
+    </p:tnLst>
+  </p:timing>
+</p:sld>
+</file>
+
+<file path=ppt/slides/slide17.xml><?xml version="1.0" encoding="utf-8"?>
+<p:sld xmlns:a="http://schemas.openxmlformats.org/drawingml/2006/main" xmlns:p="http://schemas.openxmlformats.org/presentationml/2006/main" xmlns:r="http://schemas.openxmlformats.org/officeDocument/2006/relationships" xmlns:p14="http://schemas.microsoft.com/office/powerpoint/2010/main" xmlns:p15="http://schemas.microsoft.com/office/powerpoint/2012/main" xmlns:mc="http://schemas.openxmlformats.org/markup-compatibility/2006">
+  <p:cSld>
+    <p:spTree>
+      <p:nvGrpSpPr>
+        <p:cNvPr id="1" name=""/>
+        <p:cNvGrpSpPr/>
+        <p:nvPr/>
+      </p:nvGrpSpPr>
+      <p:grpSpPr>
+        <a:xfrm>
+          <a:off x="0" y="0"/>
+          <a:ext cx="0" cy="0"/>
+          <a:chOff x="0" y="0"/>
+          <a:chExt cx="0" cy="0"/>
+        </a:xfrm>
+      </p:grpSpPr>
+      <p:sp>
+        <p:nvSpPr>
+          <p:cNvPr id="190" name="CustomShape 1"/>
+          <p:cNvSpPr/>
+          <p:nvPr/>
+        </p:nvSpPr>
+        <p:spPr>
+          <a:xfrm>
             <a:off x="0" y="-10080"/>
-            <a:ext cx="9143640" cy="5163120"/>
+            <a:ext cx="9143280" cy="5162760"/>
           </a:xfrm>
           <a:prstGeom prst="rect">
             <a:avLst/>
@@ -7740,14 +7470,14 @@
       </p:sp>
       <p:sp>
         <p:nvSpPr>
-          <p:cNvPr id="187" name="TextShape 2"/>
-          <p:cNvSpPr txBox="1"/>
+          <p:cNvPr id="191" name="CustomShape 2"/>
+          <p:cNvSpPr/>
           <p:nvPr/>
         </p:nvSpPr>
         <p:spPr>
           <a:xfrm>
             <a:off x="623520" y="444960"/>
-            <a:ext cx="8520120" cy="572400"/>
+            <a:ext cx="8519760" cy="572040"/>
           </a:xfrm>
           <a:prstGeom prst="rect">
             <a:avLst/>
@@ -7757,8 +7487,14 @@
             <a:noFill/>
           </a:ln>
         </p:spPr>
-        <p:txBody>
-          <a:bodyPr tIns="91440" bIns="91440"/>
+        <p:style>
+          <a:lnRef idx="0"/>
+          <a:fillRef idx="0"/>
+          <a:effectRef idx="0"/>
+          <a:fontRef idx="minor"/>
+        </p:style>
+        <p:txBody>
+          <a:bodyPr lIns="90000" rIns="90000" tIns="91440" bIns="91440"/>
           <a:p>
             <a:pPr>
               <a:lnSpc>
@@ -7776,9 +7512,6 @@
               <a:t>Hypothese</a:t>
             </a:r>
             <a:endParaRPr b="0" lang="en-US" sz="3600" spc="-1" strike="noStrike">
-              <a:solidFill>
-                <a:srgbClr val="000000"/>
-              </a:solidFill>
               <a:latin typeface="Arial"/>
             </a:endParaRPr>
           </a:p>
@@ -7786,7 +7519,7 @@
       </p:sp>
       <p:pic>
         <p:nvPicPr>
-          <p:cNvPr id="188" name="Shape 78" descr=""/>
+          <p:cNvPr id="192" name="Shape 78" descr=""/>
           <p:cNvPicPr/>
           <p:nvPr/>
         </p:nvPicPr>
@@ -7797,7 +7530,7 @@
         <p:spPr>
           <a:xfrm>
             <a:off x="3194280" y="-42840"/>
-            <a:ext cx="5949360" cy="5224680"/>
+            <a:ext cx="5949000" cy="5224320"/>
           </a:xfrm>
           <a:prstGeom prst="rect">
             <a:avLst/>
@@ -7809,14 +7542,14 @@
       </p:pic>
       <p:sp>
         <p:nvSpPr>
-          <p:cNvPr id="189" name="TextShape 3"/>
-          <p:cNvSpPr txBox="1"/>
+          <p:cNvPr id="193" name="CustomShape 3"/>
+          <p:cNvSpPr/>
           <p:nvPr/>
         </p:nvSpPr>
         <p:spPr>
           <a:xfrm>
             <a:off x="623520" y="1152360"/>
-            <a:ext cx="5905440" cy="3416040"/>
+            <a:ext cx="5905080" cy="3415680"/>
           </a:xfrm>
           <a:prstGeom prst="rect">
             <a:avLst/>
@@ -7826,8 +7559,14 @@
             <a:noFill/>
           </a:ln>
         </p:spPr>
-        <p:txBody>
-          <a:bodyPr tIns="91440" bIns="91440"/>
+        <p:style>
+          <a:lnRef idx="0"/>
+          <a:fillRef idx="0"/>
+          <a:effectRef idx="0"/>
+          <a:fontRef idx="minor"/>
+        </p:style>
+        <p:txBody>
+          <a:bodyPr lIns="90000" rIns="90000" tIns="91440" bIns="91440"/>
           <a:p>
             <a:pPr>
               <a:lnSpc>
@@ -7930,9 +7669,6 @@
               <a:t>.</a:t>
             </a:r>
             <a:endParaRPr b="0" lang="en-US" sz="1800" spc="-1" strike="noStrike">
-              <a:solidFill>
-                <a:srgbClr val="000000"/>
-              </a:solidFill>
               <a:latin typeface="Arial"/>
             </a:endParaRPr>
           </a:p>
@@ -7943,9 +7679,6 @@
               </a:lnSpc>
             </a:pPr>
             <a:endParaRPr b="0" lang="en-US" sz="1800" spc="-1" strike="noStrike">
-              <a:solidFill>
-                <a:srgbClr val="000000"/>
-              </a:solidFill>
               <a:latin typeface="Arial"/>
             </a:endParaRPr>
           </a:p>
@@ -7960,258 +7693,6 @@
           <p:childTnLst>
             <p:seq>
               <p:cTn id="32" nodeType="mainSeq"/>
-              <p:prevCondLst>
-                <p:cond delay="0" evt="onPrev">
-                  <p:tgtEl>
-                    <p:sldTgt/>
-                  </p:tgtEl>
-                </p:cond>
-              </p:prevCondLst>
-              <p:nextCondLst>
-                <p:cond delay="0" evt="onNext">
-                  <p:tgtEl>
-                    <p:sldTgt/>
-                  </p:tgtEl>
-                </p:cond>
-              </p:nextCondLst>
-            </p:seq>
-          </p:childTnLst>
-        </p:cTn>
-      </p:par>
-    </p:tnLst>
-  </p:timing>
-</p:sld>
-</file>
-
-<file path=ppt/slides/slide17.xml><?xml version="1.0" encoding="utf-8"?>
-<p:sld xmlns:a="http://schemas.openxmlformats.org/drawingml/2006/main" xmlns:p="http://schemas.openxmlformats.org/presentationml/2006/main" xmlns:r="http://schemas.openxmlformats.org/officeDocument/2006/relationships" xmlns:p14="http://schemas.microsoft.com/office/powerpoint/2010/main" xmlns:p15="http://schemas.microsoft.com/office/powerpoint/2012/main" xmlns:mc="http://schemas.openxmlformats.org/markup-compatibility/2006">
-  <p:cSld>
-    <p:spTree>
-      <p:nvGrpSpPr>
-        <p:cNvPr id="1" name=""/>
-        <p:cNvGrpSpPr/>
-        <p:nvPr/>
-      </p:nvGrpSpPr>
-      <p:grpSpPr>
-        <a:xfrm>
-          <a:off x="0" y="0"/>
-          <a:ext cx="0" cy="0"/>
-          <a:chOff x="0" y="0"/>
-          <a:chExt cx="0" cy="0"/>
-        </a:xfrm>
-      </p:grpSpPr>
-      <p:pic>
-        <p:nvPicPr>
-          <p:cNvPr id="190" name="Shape 84" descr=""/>
-          <p:cNvPicPr/>
-          <p:nvPr/>
-        </p:nvPicPr>
-        <p:blipFill>
-          <a:blip r:embed="rId1"/>
-          <a:stretch/>
-        </p:blipFill>
-        <p:spPr>
-          <a:xfrm>
-            <a:off x="5076360" y="0"/>
-            <a:ext cx="4827960" cy="5212080"/>
-          </a:xfrm>
-          <a:prstGeom prst="rect">
-            <a:avLst/>
-          </a:prstGeom>
-          <a:ln>
-            <a:noFill/>
-          </a:ln>
-        </p:spPr>
-      </p:pic>
-      <p:sp>
-        <p:nvSpPr>
-          <p:cNvPr id="191" name="TextShape 1"/>
-          <p:cNvSpPr txBox="1"/>
-          <p:nvPr/>
-        </p:nvSpPr>
-        <p:spPr>
-          <a:xfrm>
-            <a:off x="623520" y="444960"/>
-            <a:ext cx="8520120" cy="572400"/>
-          </a:xfrm>
-          <a:prstGeom prst="rect">
-            <a:avLst/>
-          </a:prstGeom>
-          <a:noFill/>
-          <a:ln>
-            <a:noFill/>
-          </a:ln>
-        </p:spPr>
-        <p:txBody>
-          <a:bodyPr tIns="91440" bIns="91440"/>
-          <a:p>
-            <a:pPr>
-              <a:lnSpc>
-                <a:spcPct val="100000"/>
-              </a:lnSpc>
-            </a:pPr>
-            <a:r>
-              <a:rPr b="1" lang="en-US" sz="3600" spc="-1" strike="noStrike">
-                <a:solidFill>
-                  <a:srgbClr val="7f8724"/>
-                </a:solidFill>
-                <a:latin typeface="Alegreya Sans"/>
-                <a:ea typeface="Alegreya Sans"/>
-              </a:rPr>
-              <a:t>Hoe ziet dat eruit?</a:t>
-            </a:r>
-            <a:endParaRPr b="0" lang="en-US" sz="3600" spc="-1" strike="noStrike">
-              <a:solidFill>
-                <a:srgbClr val="000000"/>
-              </a:solidFill>
-              <a:latin typeface="Arial"/>
-            </a:endParaRPr>
-          </a:p>
-        </p:txBody>
-      </p:sp>
-      <p:sp>
-        <p:nvSpPr>
-          <p:cNvPr id="192" name="TextShape 2"/>
-          <p:cNvSpPr txBox="1"/>
-          <p:nvPr/>
-        </p:nvSpPr>
-        <p:spPr>
-          <a:xfrm>
-            <a:off x="623520" y="1152360"/>
-            <a:ext cx="8520120" cy="3416040"/>
-          </a:xfrm>
-          <a:prstGeom prst="rect">
-            <a:avLst/>
-          </a:prstGeom>
-          <a:noFill/>
-          <a:ln>
-            <a:noFill/>
-          </a:ln>
-        </p:spPr>
-        <p:txBody>
-          <a:bodyPr tIns="91440" bIns="91440"/>
-          <a:p>
-            <a:pPr>
-              <a:lnSpc>
-                <a:spcPct val="100000"/>
-              </a:lnSpc>
-            </a:pPr>
-            <a:endParaRPr b="0" lang="en-US" sz="1400" spc="-1" strike="noStrike">
-              <a:solidFill>
-                <a:srgbClr val="000000"/>
-              </a:solidFill>
-              <a:latin typeface="Arial"/>
-            </a:endParaRPr>
-          </a:p>
-          <a:p>
-            <a:pPr>
-              <a:lnSpc>
-                <a:spcPct val="100000"/>
-              </a:lnSpc>
-            </a:pPr>
-            <a:endParaRPr b="0" lang="en-US" sz="1400" spc="-1" strike="noStrike">
-              <a:solidFill>
-                <a:srgbClr val="000000"/>
-              </a:solidFill>
-              <a:latin typeface="Arial"/>
-            </a:endParaRPr>
-          </a:p>
-        </p:txBody>
-      </p:sp>
-      <p:sp>
-        <p:nvSpPr>
-          <p:cNvPr id="193" name="CustomShape 3"/>
-          <p:cNvSpPr/>
-          <p:nvPr/>
-        </p:nvSpPr>
-        <p:spPr>
-          <a:xfrm>
-            <a:off x="775800" y="1305000"/>
-            <a:ext cx="8520120" cy="3416040"/>
-          </a:xfrm>
-          <a:prstGeom prst="rect">
-            <a:avLst/>
-          </a:prstGeom>
-          <a:noFill/>
-          <a:ln>
-            <a:noFill/>
-          </a:ln>
-        </p:spPr>
-        <p:style>
-          <a:lnRef idx="0"/>
-          <a:fillRef idx="0"/>
-          <a:effectRef idx="0"/>
-          <a:fontRef idx="minor"/>
-        </p:style>
-        <p:txBody>
-          <a:bodyPr tIns="91440" bIns="91440"/>
-          <a:p>
-            <a:pPr marL="457200" indent="-228240">
-              <a:lnSpc>
-                <a:spcPct val="100000"/>
-              </a:lnSpc>
-              <a:spcAft>
-                <a:spcPts val="1599"/>
-              </a:spcAft>
-              <a:buClr>
-                <a:srgbClr val="595959"/>
-              </a:buClr>
-              <a:buFont typeface="Wingdings" charset="2"/>
-              <a:buChar char=""/>
-            </a:pPr>
-            <a:r>
-              <a:rPr b="0" lang="en-US" sz="1800" spc="-1" strike="noStrike">
-                <a:solidFill>
-                  <a:srgbClr val="595959"/>
-                </a:solidFill>
-                <a:latin typeface="Arial"/>
-                <a:ea typeface="Arial"/>
-              </a:rPr>
-              <a:t>Kaart overzicht</a:t>
-            </a:r>
-            <a:endParaRPr b="0" lang="en-US" sz="1800" spc="-1" strike="noStrike">
-              <a:latin typeface="Arial"/>
-            </a:endParaRPr>
-          </a:p>
-          <a:p>
-            <a:pPr marL="457200" indent="-228240">
-              <a:lnSpc>
-                <a:spcPct val="100000"/>
-              </a:lnSpc>
-              <a:spcAft>
-                <a:spcPts val="1599"/>
-              </a:spcAft>
-              <a:buClr>
-                <a:srgbClr val="595959"/>
-              </a:buClr>
-              <a:buFont typeface="Wingdings" charset="2"/>
-              <a:buChar char=""/>
-            </a:pPr>
-            <a:r>
-              <a:rPr b="0" lang="en-US" sz="1800" spc="-1" strike="noStrike">
-                <a:solidFill>
-                  <a:srgbClr val="595959"/>
-                </a:solidFill>
-                <a:latin typeface="Arial"/>
-                <a:ea typeface="Arial"/>
-              </a:rPr>
-              <a:t>Detail info</a:t>
-            </a:r>
-            <a:endParaRPr b="0" lang="en-US" sz="1800" spc="-1" strike="noStrike">
-              <a:latin typeface="Arial"/>
-            </a:endParaRPr>
-          </a:p>
-        </p:txBody>
-      </p:sp>
-    </p:spTree>
-  </p:cSld>
-  <p:timing>
-    <p:tnLst>
-      <p:par>
-        <p:cTn id="33" dur="indefinite" restart="never" nodeType="tmRoot">
-          <p:childTnLst>
-            <p:seq>
-              <p:cTn id="34" nodeType="mainSeq"/>
               <p:prevCondLst>
                 <p:cond delay="0" evt="onPrev">
                   <p:tgtEl>
@@ -8254,7 +7735,7 @@
       </p:grpSpPr>
       <p:pic>
         <p:nvPicPr>
-          <p:cNvPr id="194" name="Afbeelding 6" descr=""/>
+          <p:cNvPr id="194" name="Shape 84" descr=""/>
           <p:cNvPicPr/>
           <p:nvPr/>
         </p:nvPicPr>
@@ -8264,8 +7745,8 @@
         </p:blipFill>
         <p:spPr>
           <a:xfrm>
-            <a:off x="0" y="0"/>
-            <a:ext cx="9143640" cy="5143320"/>
+            <a:off x="5076360" y="0"/>
+            <a:ext cx="4827600" cy="5211720"/>
           </a:xfrm>
           <a:prstGeom prst="rect">
             <a:avLst/>
@@ -8275,15 +7756,198 @@
           </a:ln>
         </p:spPr>
       </p:pic>
+      <p:sp>
+        <p:nvSpPr>
+          <p:cNvPr id="195" name="CustomShape 1"/>
+          <p:cNvSpPr/>
+          <p:nvPr/>
+        </p:nvSpPr>
+        <p:spPr>
+          <a:xfrm>
+            <a:off x="623520" y="444960"/>
+            <a:ext cx="8519760" cy="572040"/>
+          </a:xfrm>
+          <a:prstGeom prst="rect">
+            <a:avLst/>
+          </a:prstGeom>
+          <a:noFill/>
+          <a:ln>
+            <a:noFill/>
+          </a:ln>
+        </p:spPr>
+        <p:style>
+          <a:lnRef idx="0"/>
+          <a:fillRef idx="0"/>
+          <a:effectRef idx="0"/>
+          <a:fontRef idx="minor"/>
+        </p:style>
+        <p:txBody>
+          <a:bodyPr lIns="90000" rIns="90000" tIns="91440" bIns="91440"/>
+          <a:p>
+            <a:pPr>
+              <a:lnSpc>
+                <a:spcPct val="100000"/>
+              </a:lnSpc>
+            </a:pPr>
+            <a:r>
+              <a:rPr b="1" lang="en-US" sz="3600" spc="-1" strike="noStrike">
+                <a:solidFill>
+                  <a:srgbClr val="7f8724"/>
+                </a:solidFill>
+                <a:latin typeface="Alegreya Sans"/>
+                <a:ea typeface="Alegreya Sans"/>
+              </a:rPr>
+              <a:t>Hoe ziet dat eruit?</a:t>
+            </a:r>
+            <a:endParaRPr b="0" lang="en-US" sz="3600" spc="-1" strike="noStrike">
+              <a:latin typeface="Arial"/>
+            </a:endParaRPr>
+          </a:p>
+        </p:txBody>
+      </p:sp>
+      <p:sp>
+        <p:nvSpPr>
+          <p:cNvPr id="196" name="CustomShape 2"/>
+          <p:cNvSpPr/>
+          <p:nvPr/>
+        </p:nvSpPr>
+        <p:spPr>
+          <a:xfrm>
+            <a:off x="623520" y="1152360"/>
+            <a:ext cx="8519760" cy="3415680"/>
+          </a:xfrm>
+          <a:prstGeom prst="rect">
+            <a:avLst/>
+          </a:prstGeom>
+          <a:noFill/>
+          <a:ln>
+            <a:noFill/>
+          </a:ln>
+        </p:spPr>
+        <p:style>
+          <a:lnRef idx="0"/>
+          <a:fillRef idx="0"/>
+          <a:effectRef idx="0"/>
+          <a:fontRef idx="minor"/>
+        </p:style>
+        <p:txBody>
+          <a:bodyPr lIns="90000" rIns="90000" tIns="91440" bIns="91440"/>
+          <a:p>
+            <a:pPr>
+              <a:lnSpc>
+                <a:spcPct val="100000"/>
+              </a:lnSpc>
+            </a:pPr>
+            <a:endParaRPr b="0" lang="en-US" sz="1800" spc="-1" strike="noStrike">
+              <a:latin typeface="Arial"/>
+            </a:endParaRPr>
+          </a:p>
+          <a:p>
+            <a:pPr>
+              <a:lnSpc>
+                <a:spcPct val="100000"/>
+              </a:lnSpc>
+            </a:pPr>
+            <a:endParaRPr b="0" lang="en-US" sz="1800" spc="-1" strike="noStrike">
+              <a:latin typeface="Arial"/>
+            </a:endParaRPr>
+          </a:p>
+        </p:txBody>
+      </p:sp>
+      <p:sp>
+        <p:nvSpPr>
+          <p:cNvPr id="197" name="CustomShape 3"/>
+          <p:cNvSpPr/>
+          <p:nvPr/>
+        </p:nvSpPr>
+        <p:spPr>
+          <a:xfrm>
+            <a:off x="775800" y="1305000"/>
+            <a:ext cx="8519760" cy="3415680"/>
+          </a:xfrm>
+          <a:prstGeom prst="rect">
+            <a:avLst/>
+          </a:prstGeom>
+          <a:noFill/>
+          <a:ln>
+            <a:noFill/>
+          </a:ln>
+        </p:spPr>
+        <p:style>
+          <a:lnRef idx="0"/>
+          <a:fillRef idx="0"/>
+          <a:effectRef idx="0"/>
+          <a:fontRef idx="minor"/>
+        </p:style>
+        <p:txBody>
+          <a:bodyPr lIns="90000" rIns="90000" tIns="91440" bIns="91440"/>
+          <a:p>
+            <a:pPr marL="457200" indent="-227880">
+              <a:lnSpc>
+                <a:spcPct val="100000"/>
+              </a:lnSpc>
+              <a:spcAft>
+                <a:spcPts val="1599"/>
+              </a:spcAft>
+              <a:buClr>
+                <a:srgbClr val="595959"/>
+              </a:buClr>
+              <a:buFont typeface="Wingdings" charset="2"/>
+              <a:buChar char=""/>
+            </a:pPr>
+            <a:r>
+              <a:rPr b="0" lang="en-US" sz="1800" spc="-1" strike="noStrike">
+                <a:solidFill>
+                  <a:srgbClr val="595959"/>
+                </a:solidFill>
+                <a:latin typeface="Arial"/>
+                <a:ea typeface="Arial"/>
+              </a:rPr>
+              <a:t>Kaart overzicht</a:t>
+            </a:r>
+            <a:endParaRPr b="0" lang="en-US" sz="1800" spc="-1" strike="noStrike">
+              <a:latin typeface="Arial"/>
+            </a:endParaRPr>
+          </a:p>
+          <a:p>
+            <a:pPr marL="457200" indent="-227880">
+              <a:lnSpc>
+                <a:spcPct val="100000"/>
+              </a:lnSpc>
+              <a:spcAft>
+                <a:spcPts val="1599"/>
+              </a:spcAft>
+              <a:buClr>
+                <a:srgbClr val="595959"/>
+              </a:buClr>
+              <a:buFont typeface="Wingdings" charset="2"/>
+              <a:buChar char=""/>
+            </a:pPr>
+            <a:r>
+              <a:rPr b="0" lang="en-US" sz="1800" spc="-1" strike="noStrike">
+                <a:solidFill>
+                  <a:srgbClr val="595959"/>
+                </a:solidFill>
+                <a:latin typeface="Arial"/>
+                <a:ea typeface="Arial"/>
+              </a:rPr>
+              <a:t>Detail info</a:t>
+            </a:r>
+            <a:endParaRPr b="0" lang="en-US" sz="1800" spc="-1" strike="noStrike">
+              <a:latin typeface="Arial"/>
+            </a:endParaRPr>
+          </a:p>
+        </p:txBody>
+      </p:sp>
     </p:spTree>
   </p:cSld>
   <p:timing>
     <p:tnLst>
       <p:par>
-        <p:cTn id="35" dur="indefinite" restart="never" nodeType="tmRoot">
+        <p:cTn id="33" dur="indefinite" restart="never" nodeType="tmRoot">
           <p:childTnLst>
             <p:seq>
-              <p:cTn id="36" nodeType="mainSeq"/>
+              <p:cTn id="34" nodeType="mainSeq"/>
               <p:prevCondLst>
                 <p:cond delay="0" evt="onPrev">
                   <p:tgtEl>
@@ -8324,71 +7988,9 @@
           <a:chExt cx="0" cy="0"/>
         </a:xfrm>
       </p:grpSpPr>
-      <p:sp>
-        <p:nvSpPr>
-          <p:cNvPr id="195" name="TextShape 1"/>
-          <p:cNvSpPr txBox="1"/>
-          <p:nvPr/>
-        </p:nvSpPr>
-        <p:spPr>
-          <a:xfrm>
-            <a:off x="311760" y="444960"/>
-            <a:ext cx="8520120" cy="572400"/>
-          </a:xfrm>
-          <a:prstGeom prst="rect">
-            <a:avLst/>
-          </a:prstGeom>
-          <a:noFill/>
-          <a:ln>
-            <a:noFill/>
-          </a:ln>
-        </p:spPr>
-        <p:txBody>
-          <a:bodyPr tIns="91440" bIns="91440"/>
-          <a:p>
-            <a:endParaRPr b="0" lang="en-US" sz="1400" spc="-1" strike="noStrike">
-              <a:solidFill>
-                <a:srgbClr val="000000"/>
-              </a:solidFill>
-              <a:latin typeface="Arial"/>
-            </a:endParaRPr>
-          </a:p>
-        </p:txBody>
-      </p:sp>
-      <p:sp>
-        <p:nvSpPr>
-          <p:cNvPr id="196" name="TextShape 2"/>
-          <p:cNvSpPr txBox="1"/>
-          <p:nvPr/>
-        </p:nvSpPr>
-        <p:spPr>
-          <a:xfrm>
-            <a:off x="311760" y="1152360"/>
-            <a:ext cx="8520120" cy="3416040"/>
-          </a:xfrm>
-          <a:prstGeom prst="rect">
-            <a:avLst/>
-          </a:prstGeom>
-          <a:noFill/>
-          <a:ln>
-            <a:noFill/>
-          </a:ln>
-        </p:spPr>
-        <p:txBody>
-          <a:bodyPr tIns="91440" bIns="91440"/>
-          <a:p>
-            <a:endParaRPr b="0" lang="en-US" sz="1400" spc="-1" strike="noStrike">
-              <a:solidFill>
-                <a:srgbClr val="000000"/>
-              </a:solidFill>
-              <a:latin typeface="Arial"/>
-            </a:endParaRPr>
-          </a:p>
-        </p:txBody>
-      </p:sp>
       <p:pic>
         <p:nvPicPr>
-          <p:cNvPr id="197" name="Afbeelding 4" descr=""/>
+          <p:cNvPr id="198" name="Afbeelding 6" descr=""/>
           <p:cNvPicPr/>
           <p:nvPr/>
         </p:nvPicPr>
@@ -8399,7 +8001,7 @@
         <p:spPr>
           <a:xfrm>
             <a:off x="0" y="0"/>
-            <a:ext cx="9143640" cy="5143320"/>
+            <a:ext cx="9143280" cy="5142960"/>
           </a:xfrm>
           <a:prstGeom prst="rect">
             <a:avLst/>
@@ -8414,10 +8016,10 @@
   <p:timing>
     <p:tnLst>
       <p:par>
-        <p:cTn id="37" dur="indefinite" restart="never" nodeType="tmRoot">
+        <p:cTn id="35" dur="indefinite" restart="never" nodeType="tmRoot">
           <p:childTnLst>
             <p:seq>
-              <p:cTn id="38" nodeType="mainSeq"/>
+              <p:cTn id="36" nodeType="mainSeq"/>
               <p:prevCondLst>
                 <p:cond delay="0" evt="onPrev">
                   <p:tgtEl>
@@ -8460,7 +8062,7 @@
       </p:grpSpPr>
       <p:pic>
         <p:nvPicPr>
-          <p:cNvPr id="125" name="Shape 62" descr=""/>
+          <p:cNvPr id="123" name="Shape 62" descr=""/>
           <p:cNvPicPr/>
           <p:nvPr/>
         </p:nvPicPr>
@@ -8471,7 +8073,7 @@
         <p:spPr>
           <a:xfrm>
             <a:off x="16560" y="0"/>
-            <a:ext cx="9143640" cy="5143320"/>
+            <a:ext cx="9143280" cy="5142960"/>
           </a:xfrm>
           <a:prstGeom prst="rect">
             <a:avLst/>
@@ -8483,14 +8085,14 @@
       </p:pic>
       <p:sp>
         <p:nvSpPr>
-          <p:cNvPr id="126" name="TextShape 1"/>
-          <p:cNvSpPr txBox="1"/>
+          <p:cNvPr id="124" name="CustomShape 1"/>
+          <p:cNvSpPr/>
           <p:nvPr/>
         </p:nvSpPr>
         <p:spPr>
           <a:xfrm>
             <a:off x="623520" y="444960"/>
-            <a:ext cx="8520120" cy="572400"/>
+            <a:ext cx="8519760" cy="572040"/>
           </a:xfrm>
           <a:prstGeom prst="rect">
             <a:avLst/>
@@ -8500,8 +8102,14 @@
             <a:noFill/>
           </a:ln>
         </p:spPr>
-        <p:txBody>
-          <a:bodyPr tIns="91440" bIns="91440"/>
+        <p:style>
+          <a:lnRef idx="0"/>
+          <a:fillRef idx="0"/>
+          <a:effectRef idx="0"/>
+          <a:fontRef idx="minor"/>
+        </p:style>
+        <p:txBody>
+          <a:bodyPr lIns="90000" rIns="90000" tIns="91440" bIns="91440"/>
           <a:p>
             <a:pPr>
               <a:lnSpc>
@@ -8519,24 +8127,21 @@
               <a:t>Inhoud</a:t>
             </a:r>
             <a:endParaRPr b="0" lang="en-US" sz="3600" spc="-1" strike="noStrike">
-              <a:solidFill>
-                <a:srgbClr val="000000"/>
-              </a:solidFill>
-              <a:latin typeface="Arial"/>
-            </a:endParaRPr>
-          </a:p>
-        </p:txBody>
-      </p:sp>
-      <p:sp>
-        <p:nvSpPr>
-          <p:cNvPr id="127" name="TextShape 2"/>
-          <p:cNvSpPr txBox="1"/>
+              <a:latin typeface="Arial"/>
+            </a:endParaRPr>
+          </a:p>
+        </p:txBody>
+      </p:sp>
+      <p:sp>
+        <p:nvSpPr>
+          <p:cNvPr id="125" name="CustomShape 2"/>
+          <p:cNvSpPr/>
           <p:nvPr/>
         </p:nvSpPr>
         <p:spPr>
           <a:xfrm>
             <a:off x="623520" y="1152360"/>
-            <a:ext cx="8520120" cy="3416040"/>
+            <a:ext cx="8519760" cy="3415680"/>
           </a:xfrm>
           <a:prstGeom prst="rect">
             <a:avLst/>
@@ -8546,10 +8151,16 @@
             <a:noFill/>
           </a:ln>
         </p:spPr>
-        <p:txBody>
-          <a:bodyPr tIns="91440" bIns="91440"/>
-          <a:p>
-            <a:pPr marL="457200" indent="-228240">
+        <p:style>
+          <a:lnRef idx="0"/>
+          <a:fillRef idx="0"/>
+          <a:effectRef idx="0"/>
+          <a:fontRef idx="minor"/>
+        </p:style>
+        <p:txBody>
+          <a:bodyPr lIns="90000" rIns="90000" tIns="91440" bIns="91440"/>
+          <a:p>
+            <a:pPr marL="457200" indent="-227880">
               <a:lnSpc>
                 <a:spcPct val="100000"/>
               </a:lnSpc>
@@ -8573,14 +8184,11 @@
               <a:t>Opdracht beschrijving</a:t>
             </a:r>
             <a:endParaRPr b="0" lang="en-US" sz="1800" spc="-1" strike="noStrike">
-              <a:solidFill>
-                <a:srgbClr val="000000"/>
-              </a:solidFill>
-              <a:latin typeface="Arial"/>
-            </a:endParaRPr>
-          </a:p>
-          <a:p>
-            <a:pPr marL="457200" indent="-228240">
+              <a:latin typeface="Arial"/>
+            </a:endParaRPr>
+          </a:p>
+          <a:p>
+            <a:pPr marL="457200" indent="-227880">
               <a:lnSpc>
                 <a:spcPct val="100000"/>
               </a:lnSpc>
@@ -8604,14 +8212,11 @@
               <a:t>Concept Uitleg</a:t>
             </a:r>
             <a:endParaRPr b="0" lang="en-US" sz="1800" spc="-1" strike="noStrike">
-              <a:solidFill>
-                <a:srgbClr val="000000"/>
-              </a:solidFill>
-              <a:latin typeface="Arial"/>
-            </a:endParaRPr>
-          </a:p>
-          <a:p>
-            <a:pPr marL="457200" indent="-228240">
+              <a:latin typeface="Arial"/>
+            </a:endParaRPr>
+          </a:p>
+          <a:p>
+            <a:pPr marL="457200" indent="-227880">
               <a:lnSpc>
                 <a:spcPct val="100000"/>
               </a:lnSpc>
@@ -8635,14 +8240,11 @@
               <a:t>Onze oplossing</a:t>
             </a:r>
             <a:endParaRPr b="0" lang="en-US" sz="1800" spc="-1" strike="noStrike">
-              <a:solidFill>
-                <a:srgbClr val="000000"/>
-              </a:solidFill>
-              <a:latin typeface="Arial"/>
-            </a:endParaRPr>
-          </a:p>
-          <a:p>
-            <a:pPr marL="457200" indent="-228240">
+              <a:latin typeface="Arial"/>
+            </a:endParaRPr>
+          </a:p>
+          <a:p>
+            <a:pPr marL="457200" indent="-227880">
               <a:lnSpc>
                 <a:spcPct val="100000"/>
               </a:lnSpc>
@@ -8666,14 +8268,11 @@
               <a:t>Technische haalbaarheid</a:t>
             </a:r>
             <a:endParaRPr b="0" lang="en-US" sz="1800" spc="-1" strike="noStrike">
-              <a:solidFill>
-                <a:srgbClr val="000000"/>
-              </a:solidFill>
-              <a:latin typeface="Arial"/>
-            </a:endParaRPr>
-          </a:p>
-          <a:p>
-            <a:pPr marL="457200" indent="-228240">
+              <a:latin typeface="Arial"/>
+            </a:endParaRPr>
+          </a:p>
+          <a:p>
+            <a:pPr marL="457200" indent="-227880">
               <a:lnSpc>
                 <a:spcPct val="100000"/>
               </a:lnSpc>
@@ -8697,9 +8296,6 @@
               <a:t>Testing</a:t>
             </a:r>
             <a:endParaRPr b="0" lang="en-US" sz="1800" spc="-1" strike="noStrike">
-              <a:solidFill>
-                <a:srgbClr val="000000"/>
-              </a:solidFill>
               <a:latin typeface="Arial"/>
             </a:endParaRPr>
           </a:p>
@@ -8756,14 +8352,138 @@
       </p:grpSpPr>
       <p:sp>
         <p:nvSpPr>
-          <p:cNvPr id="198" name="CustomShape 1"/>
+          <p:cNvPr id="199" name="CustomShape 1"/>
           <p:cNvSpPr/>
           <p:nvPr/>
         </p:nvSpPr>
         <p:spPr>
           <a:xfrm>
+            <a:off x="311760" y="444960"/>
+            <a:ext cx="8519760" cy="572040"/>
+          </a:xfrm>
+          <a:prstGeom prst="rect">
+            <a:avLst/>
+          </a:prstGeom>
+          <a:noFill/>
+          <a:ln>
+            <a:noFill/>
+          </a:ln>
+        </p:spPr>
+        <p:style>
+          <a:lnRef idx="0"/>
+          <a:fillRef idx="0"/>
+          <a:effectRef idx="0"/>
+          <a:fontRef idx="minor"/>
+        </p:style>
+      </p:sp>
+      <p:sp>
+        <p:nvSpPr>
+          <p:cNvPr id="200" name="CustomShape 2"/>
+          <p:cNvSpPr/>
+          <p:nvPr/>
+        </p:nvSpPr>
+        <p:spPr>
+          <a:xfrm>
+            <a:off x="311760" y="1152360"/>
+            <a:ext cx="8519760" cy="3415680"/>
+          </a:xfrm>
+          <a:prstGeom prst="rect">
+            <a:avLst/>
+          </a:prstGeom>
+          <a:noFill/>
+          <a:ln>
+            <a:noFill/>
+          </a:ln>
+        </p:spPr>
+        <p:style>
+          <a:lnRef idx="0"/>
+          <a:fillRef idx="0"/>
+          <a:effectRef idx="0"/>
+          <a:fontRef idx="minor"/>
+        </p:style>
+      </p:sp>
+      <p:pic>
+        <p:nvPicPr>
+          <p:cNvPr id="201" name="Afbeelding 4" descr=""/>
+          <p:cNvPicPr/>
+          <p:nvPr/>
+        </p:nvPicPr>
+        <p:blipFill>
+          <a:blip r:embed="rId1"/>
+          <a:stretch/>
+        </p:blipFill>
+        <p:spPr>
+          <a:xfrm>
             <a:off x="0" y="0"/>
-            <a:ext cx="9143640" cy="5142960"/>
+            <a:ext cx="9143280" cy="5142960"/>
+          </a:xfrm>
+          <a:prstGeom prst="rect">
+            <a:avLst/>
+          </a:prstGeom>
+          <a:ln>
+            <a:noFill/>
+          </a:ln>
+        </p:spPr>
+      </p:pic>
+    </p:spTree>
+  </p:cSld>
+  <p:timing>
+    <p:tnLst>
+      <p:par>
+        <p:cTn id="37" dur="indefinite" restart="never" nodeType="tmRoot">
+          <p:childTnLst>
+            <p:seq>
+              <p:cTn id="38" nodeType="mainSeq"/>
+              <p:prevCondLst>
+                <p:cond delay="0" evt="onPrev">
+                  <p:tgtEl>
+                    <p:sldTgt/>
+                  </p:tgtEl>
+                </p:cond>
+              </p:prevCondLst>
+              <p:nextCondLst>
+                <p:cond delay="0" evt="onNext">
+                  <p:tgtEl>
+                    <p:sldTgt/>
+                  </p:tgtEl>
+                </p:cond>
+              </p:nextCondLst>
+            </p:seq>
+          </p:childTnLst>
+        </p:cTn>
+      </p:par>
+    </p:tnLst>
+  </p:timing>
+</p:sld>
+</file>
+
+<file path=ppt/slides/slide21.xml><?xml version="1.0" encoding="utf-8"?>
+<p:sld xmlns:a="http://schemas.openxmlformats.org/drawingml/2006/main" xmlns:p="http://schemas.openxmlformats.org/presentationml/2006/main" xmlns:r="http://schemas.openxmlformats.org/officeDocument/2006/relationships" xmlns:p14="http://schemas.microsoft.com/office/powerpoint/2010/main" xmlns:p15="http://schemas.microsoft.com/office/powerpoint/2012/main" xmlns:mc="http://schemas.openxmlformats.org/markup-compatibility/2006">
+  <p:cSld>
+    <p:spTree>
+      <p:nvGrpSpPr>
+        <p:cNvPr id="1" name=""/>
+        <p:cNvGrpSpPr/>
+        <p:nvPr/>
+      </p:nvGrpSpPr>
+      <p:grpSpPr>
+        <a:xfrm>
+          <a:off x="0" y="0"/>
+          <a:ext cx="0" cy="0"/>
+          <a:chOff x="0" y="0"/>
+          <a:chExt cx="0" cy="0"/>
+        </a:xfrm>
+      </p:grpSpPr>
+      <p:sp>
+        <p:nvSpPr>
+          <p:cNvPr id="202" name="CustomShape 1"/>
+          <p:cNvSpPr/>
+          <p:nvPr/>
+        </p:nvSpPr>
+        <p:spPr>
+          <a:xfrm>
+            <a:off x="0" y="0"/>
+            <a:ext cx="9143280" cy="5142600"/>
           </a:xfrm>
           <a:prstGeom prst="rect">
             <a:avLst/>
@@ -8792,7 +8512,7 @@
       </p:sp>
       <p:pic>
         <p:nvPicPr>
-          <p:cNvPr id="199" name="Shape 171" descr=""/>
+          <p:cNvPr id="203" name="Shape 171" descr=""/>
           <p:cNvPicPr/>
           <p:nvPr/>
         </p:nvPicPr>
@@ -8803,7 +8523,7 @@
         <p:spPr>
           <a:xfrm>
             <a:off x="6100920" y="0"/>
-            <a:ext cx="3043080" cy="5142960"/>
+            <a:ext cx="3042720" cy="5142600"/>
           </a:xfrm>
           <a:prstGeom prst="rect">
             <a:avLst/>
@@ -8815,14 +8535,14 @@
       </p:pic>
       <p:sp>
         <p:nvSpPr>
-          <p:cNvPr id="200" name="CustomShape 2"/>
+          <p:cNvPr id="204" name="CustomShape 2"/>
           <p:cNvSpPr/>
           <p:nvPr/>
         </p:nvSpPr>
         <p:spPr>
           <a:xfrm>
             <a:off x="253440" y="1760400"/>
-            <a:ext cx="6301080" cy="1621800"/>
+            <a:ext cx="6300720" cy="1621440"/>
           </a:xfrm>
           <a:prstGeom prst="rect">
             <a:avLst/>
@@ -8839,7 +8559,7 @@
           <a:fontRef idx="minor"/>
         </p:style>
         <p:txBody>
-          <a:bodyPr tIns="91440" bIns="91440"/>
+          <a:bodyPr lIns="90000" rIns="90000" tIns="91440" bIns="91440"/>
           <a:p>
             <a:pPr algn="ctr">
               <a:lnSpc>
@@ -8935,7 +8655,7 @@
       </p:grpSpPr>
       <p:pic>
         <p:nvPicPr>
-          <p:cNvPr id="128" name="Shape 69" descr=""/>
+          <p:cNvPr id="126" name="Shape 69" descr=""/>
           <p:cNvPicPr/>
           <p:nvPr/>
         </p:nvPicPr>
@@ -8946,7 +8666,7 @@
         <p:spPr>
           <a:xfrm>
             <a:off x="3287520" y="0"/>
-            <a:ext cx="5856480" cy="5142960"/>
+            <a:ext cx="5856120" cy="5142600"/>
           </a:xfrm>
           <a:prstGeom prst="rect">
             <a:avLst/>
@@ -8958,14 +8678,14 @@
       </p:pic>
       <p:sp>
         <p:nvSpPr>
-          <p:cNvPr id="129" name="TextShape 1"/>
-          <p:cNvSpPr txBox="1"/>
+          <p:cNvPr id="127" name="CustomShape 1"/>
+          <p:cNvSpPr/>
           <p:nvPr/>
         </p:nvSpPr>
         <p:spPr>
           <a:xfrm>
             <a:off x="623520" y="444960"/>
-            <a:ext cx="8520120" cy="572400"/>
+            <a:ext cx="8519760" cy="572040"/>
           </a:xfrm>
           <a:prstGeom prst="rect">
             <a:avLst/>
@@ -8975,8 +8695,14 @@
             <a:noFill/>
           </a:ln>
         </p:spPr>
-        <p:txBody>
-          <a:bodyPr tIns="91440" bIns="91440"/>
+        <p:style>
+          <a:lnRef idx="0"/>
+          <a:fillRef idx="0"/>
+          <a:effectRef idx="0"/>
+          <a:fontRef idx="minor"/>
+        </p:style>
+        <p:txBody>
+          <a:bodyPr lIns="90000" rIns="90000" tIns="91440" bIns="91440"/>
           <a:p>
             <a:pPr>
               <a:lnSpc>
@@ -8994,24 +8720,21 @@
               <a:t>Concept</a:t>
             </a:r>
             <a:endParaRPr b="0" lang="en-US" sz="3600" spc="-1" strike="noStrike">
-              <a:solidFill>
-                <a:srgbClr val="000000"/>
-              </a:solidFill>
-              <a:latin typeface="Arial"/>
-            </a:endParaRPr>
-          </a:p>
-        </p:txBody>
-      </p:sp>
-      <p:sp>
-        <p:nvSpPr>
-          <p:cNvPr id="130" name="TextShape 2"/>
-          <p:cNvSpPr txBox="1"/>
+              <a:latin typeface="Arial"/>
+            </a:endParaRPr>
+          </a:p>
+        </p:txBody>
+      </p:sp>
+      <p:sp>
+        <p:nvSpPr>
+          <p:cNvPr id="128" name="CustomShape 2"/>
+          <p:cNvSpPr/>
           <p:nvPr/>
         </p:nvSpPr>
         <p:spPr>
           <a:xfrm>
             <a:off x="623520" y="1152360"/>
-            <a:ext cx="8520120" cy="3416040"/>
+            <a:ext cx="8519760" cy="3415680"/>
           </a:xfrm>
           <a:prstGeom prst="rect">
             <a:avLst/>
@@ -9021,10 +8744,16 @@
             <a:noFill/>
           </a:ln>
         </p:spPr>
-        <p:txBody>
-          <a:bodyPr tIns="91440" bIns="91440"/>
-          <a:p>
-            <a:pPr marL="285840" indent="-285480">
+        <p:style>
+          <a:lnRef idx="0"/>
+          <a:fillRef idx="0"/>
+          <a:effectRef idx="0"/>
+          <a:fontRef idx="minor"/>
+        </p:style>
+        <p:txBody>
+          <a:bodyPr lIns="90000" rIns="90000" tIns="91440" bIns="91440"/>
+          <a:p>
+            <a:pPr marL="285840" indent="-285120">
               <a:lnSpc>
                 <a:spcPct val="150000"/>
               </a:lnSpc>
@@ -9048,14 +8777,11 @@
               <a:t>Mobiliteitsprobleem</a:t>
             </a:r>
             <a:endParaRPr b="0" lang="en-US" sz="1800" spc="-1" strike="noStrike">
-              <a:solidFill>
-                <a:srgbClr val="000000"/>
-              </a:solidFill>
-              <a:latin typeface="Arial"/>
-            </a:endParaRPr>
-          </a:p>
-          <a:p>
-            <a:pPr marL="285840" indent="-285480">
+              <a:latin typeface="Arial"/>
+            </a:endParaRPr>
+          </a:p>
+          <a:p>
+            <a:pPr marL="285840" indent="-285120">
               <a:lnSpc>
                 <a:spcPct val="150000"/>
               </a:lnSpc>
@@ -9079,9 +8805,6 @@
               <a:t>Terugkeer probleem</a:t>
             </a:r>
             <a:endParaRPr b="0" lang="en-US" sz="1800" spc="-1" strike="noStrike">
-              <a:solidFill>
-                <a:srgbClr val="000000"/>
-              </a:solidFill>
               <a:latin typeface="Arial"/>
             </a:endParaRPr>
           </a:p>
@@ -9095,9 +8818,6 @@
               </a:spcAft>
             </a:pPr>
             <a:endParaRPr b="0" lang="en-US" sz="1800" spc="-1" strike="noStrike">
-              <a:solidFill>
-                <a:srgbClr val="000000"/>
-              </a:solidFill>
               <a:latin typeface="Arial"/>
             </a:endParaRPr>
           </a:p>
@@ -9112,9 +8832,6 @@
             </a:pPr>
             <a:br/>
             <a:endParaRPr b="0" lang="en-US" sz="1800" spc="-1" strike="noStrike">
-              <a:solidFill>
-                <a:srgbClr val="000000"/>
-              </a:solidFill>
               <a:latin typeface="Arial"/>
             </a:endParaRPr>
           </a:p>
@@ -9122,7 +8839,7 @@
       </p:sp>
       <p:pic>
         <p:nvPicPr>
-          <p:cNvPr id="131" name="Shape 62" descr=""/>
+          <p:cNvPr id="129" name="Shape 62" descr=""/>
           <p:cNvPicPr/>
           <p:nvPr/>
         </p:nvPicPr>
@@ -9133,7 +8850,7 @@
         <p:spPr>
           <a:xfrm>
             <a:off x="2273040" y="3278880"/>
-            <a:ext cx="1749960" cy="1749960"/>
+            <a:ext cx="1749600" cy="1749600"/>
           </a:xfrm>
           <a:prstGeom prst="rect">
             <a:avLst/>
@@ -9145,7 +8862,7 @@
       </p:pic>
       <p:pic>
         <p:nvPicPr>
-          <p:cNvPr id="132" name="Shape 64" descr=""/>
+          <p:cNvPr id="130" name="Shape 64" descr=""/>
           <p:cNvPicPr/>
           <p:nvPr/>
         </p:nvPicPr>
@@ -9156,7 +8873,7 @@
         <p:spPr>
           <a:xfrm>
             <a:off x="1188720" y="3785040"/>
-            <a:ext cx="1152360" cy="1152360"/>
+            <a:ext cx="1152000" cy="1152000"/>
           </a:xfrm>
           <a:prstGeom prst="rect">
             <a:avLst/>
@@ -9168,7 +8885,7 @@
       </p:pic>
       <p:pic>
         <p:nvPicPr>
-          <p:cNvPr id="133" name="Shape 63" descr=""/>
+          <p:cNvPr id="131" name="Shape 63" descr=""/>
           <p:cNvPicPr/>
           <p:nvPr/>
         </p:nvPicPr>
@@ -9179,7 +8896,7 @@
         <p:spPr>
           <a:xfrm>
             <a:off x="186840" y="4297680"/>
-            <a:ext cx="910080" cy="639720"/>
+            <a:ext cx="909720" cy="639360"/>
           </a:xfrm>
           <a:prstGeom prst="rect">
             <a:avLst/>
@@ -9240,7 +8957,7 @@
       </p:grpSpPr>
       <p:pic>
         <p:nvPicPr>
-          <p:cNvPr id="134" name="Afbeelding 95" descr=""/>
+          <p:cNvPr id="132" name="Afbeelding 95" descr=""/>
           <p:cNvPicPr/>
           <p:nvPr/>
         </p:nvPicPr>
@@ -9251,7 +8968,7 @@
         <p:spPr>
           <a:xfrm>
             <a:off x="0" y="0"/>
-            <a:ext cx="9143640" cy="5228280"/>
+            <a:ext cx="9143280" cy="5227920"/>
           </a:xfrm>
           <a:prstGeom prst="rect">
             <a:avLst/>
@@ -9263,14 +8980,14 @@
       </p:pic>
       <p:sp>
         <p:nvSpPr>
-          <p:cNvPr id="135" name="CustomShape 1"/>
+          <p:cNvPr id="133" name="CustomShape 1"/>
           <p:cNvSpPr/>
           <p:nvPr/>
         </p:nvSpPr>
         <p:spPr>
           <a:xfrm>
             <a:off x="4501080" y="3287160"/>
-            <a:ext cx="180360" cy="232200"/>
+            <a:ext cx="180000" cy="231840"/>
           </a:xfrm>
           <a:prstGeom prst="rect">
             <a:avLst/>
@@ -9289,14 +9006,14 @@
       </p:sp>
       <p:sp>
         <p:nvSpPr>
-          <p:cNvPr id="136" name="CustomShape 2"/>
+          <p:cNvPr id="134" name="CustomShape 2"/>
           <p:cNvSpPr/>
           <p:nvPr/>
         </p:nvSpPr>
         <p:spPr>
           <a:xfrm>
             <a:off x="4501080" y="3287160"/>
-            <a:ext cx="2082240" cy="1650240"/>
+            <a:ext cx="2081880" cy="1649880"/>
           </a:xfrm>
           <a:prstGeom prst="rect">
             <a:avLst/>
@@ -9315,14 +9032,14 @@
       </p:sp>
       <p:sp>
         <p:nvSpPr>
-          <p:cNvPr id="137" name="CustomShape 3"/>
+          <p:cNvPr id="135" name="CustomShape 3"/>
           <p:cNvSpPr/>
           <p:nvPr/>
         </p:nvSpPr>
         <p:spPr>
           <a:xfrm>
             <a:off x="4501080" y="3287160"/>
-            <a:ext cx="180360" cy="232200"/>
+            <a:ext cx="180000" cy="231840"/>
           </a:xfrm>
           <a:prstGeom prst="rect">
             <a:avLst/>
@@ -9341,7 +9058,7 @@
       </p:sp>
       <p:pic>
         <p:nvPicPr>
-          <p:cNvPr id="138" name="Shape 71" descr=""/>
+          <p:cNvPr id="136" name="Shape 71" descr=""/>
           <p:cNvPicPr/>
           <p:nvPr/>
         </p:nvPicPr>
@@ -9352,7 +9069,7 @@
         <p:spPr>
           <a:xfrm>
             <a:off x="4640760" y="404640"/>
-            <a:ext cx="1866240" cy="1523160"/>
+            <a:ext cx="1865880" cy="1522800"/>
           </a:xfrm>
           <a:prstGeom prst="rect">
             <a:avLst/>
@@ -9364,7 +9081,7 @@
       </p:pic>
       <p:pic>
         <p:nvPicPr>
-          <p:cNvPr id="139" name="Shape 69" descr=""/>
+          <p:cNvPr id="137" name="Shape 69" descr=""/>
           <p:cNvPicPr/>
           <p:nvPr/>
         </p:nvPicPr>
@@ -9375,7 +9092,7 @@
         <p:spPr>
           <a:xfrm>
             <a:off x="6994800" y="1134360"/>
-            <a:ext cx="1857960" cy="2111400"/>
+            <a:ext cx="1857600" cy="2111040"/>
           </a:xfrm>
           <a:prstGeom prst="rect">
             <a:avLst/>
@@ -9387,7 +9104,7 @@
       </p:pic>
       <p:pic>
         <p:nvPicPr>
-          <p:cNvPr id="140" name="Shape 70" descr=""/>
+          <p:cNvPr id="138" name="Shape 70" descr=""/>
           <p:cNvPicPr/>
           <p:nvPr/>
         </p:nvPicPr>
@@ -9398,7 +9115,7 @@
         <p:spPr>
           <a:xfrm>
             <a:off x="6369120" y="3443760"/>
-            <a:ext cx="1617480" cy="1467360"/>
+            <a:ext cx="1617120" cy="1467000"/>
           </a:xfrm>
           <a:prstGeom prst="rect">
             <a:avLst/>
@@ -9410,7 +9127,7 @@
       </p:pic>
       <p:pic>
         <p:nvPicPr>
-          <p:cNvPr id="141" name="Shape 72" descr=""/>
+          <p:cNvPr id="139" name="Shape 72" descr=""/>
           <p:cNvPicPr/>
           <p:nvPr/>
         </p:nvPicPr>
@@ -9421,7 +9138,7 @@
         <p:spPr>
           <a:xfrm>
             <a:off x="627840" y="1635480"/>
-            <a:ext cx="2932200" cy="3232800"/>
+            <a:ext cx="2931840" cy="3232440"/>
           </a:xfrm>
           <a:prstGeom prst="rect">
             <a:avLst/>
@@ -9482,14 +9199,14 @@
       </p:grpSpPr>
       <p:sp>
         <p:nvSpPr>
-          <p:cNvPr id="142" name="CustomShape 1"/>
+          <p:cNvPr id="140" name="CustomShape 1"/>
           <p:cNvSpPr/>
           <p:nvPr/>
         </p:nvSpPr>
         <p:spPr>
           <a:xfrm>
             <a:off x="0" y="-10080"/>
-            <a:ext cx="9143640" cy="5163120"/>
+            <a:ext cx="9143280" cy="5162760"/>
           </a:xfrm>
           <a:prstGeom prst="rect">
             <a:avLst/>
@@ -9510,14 +9227,14 @@
       </p:sp>
       <p:sp>
         <p:nvSpPr>
-          <p:cNvPr id="143" name="TextShape 2"/>
-          <p:cNvSpPr txBox="1"/>
+          <p:cNvPr id="141" name="CustomShape 2"/>
+          <p:cNvSpPr/>
           <p:nvPr/>
         </p:nvSpPr>
         <p:spPr>
           <a:xfrm>
             <a:off x="623520" y="444960"/>
-            <a:ext cx="8520120" cy="572400"/>
+            <a:ext cx="8519760" cy="572040"/>
           </a:xfrm>
           <a:prstGeom prst="rect">
             <a:avLst/>
@@ -9527,8 +9244,14 @@
             <a:noFill/>
           </a:ln>
         </p:spPr>
-        <p:txBody>
-          <a:bodyPr tIns="91440" bIns="91440"/>
+        <p:style>
+          <a:lnRef idx="0"/>
+          <a:fillRef idx="0"/>
+          <a:effectRef idx="0"/>
+          <a:fontRef idx="minor"/>
+        </p:style>
+        <p:txBody>
+          <a:bodyPr lIns="90000" rIns="90000" tIns="91440" bIns="91440"/>
           <a:p>
             <a:pPr>
               <a:lnSpc>
@@ -9546,9 +9269,6 @@
               <a:t>Terugkeer probleem</a:t>
             </a:r>
             <a:endParaRPr b="0" lang="en-US" sz="3600" spc="-1" strike="noStrike">
-              <a:solidFill>
-                <a:srgbClr val="000000"/>
-              </a:solidFill>
               <a:latin typeface="Arial"/>
             </a:endParaRPr>
           </a:p>
@@ -9556,7 +9276,7 @@
       </p:sp>
       <p:pic>
         <p:nvPicPr>
-          <p:cNvPr id="144" name="Shape 78" descr=""/>
+          <p:cNvPr id="142" name="Shape 78" descr=""/>
           <p:cNvPicPr/>
           <p:nvPr/>
         </p:nvPicPr>
@@ -9567,7 +9287,7 @@
         <p:spPr>
           <a:xfrm>
             <a:off x="3194280" y="-42840"/>
-            <a:ext cx="5949360" cy="5224680"/>
+            <a:ext cx="5949000" cy="5224320"/>
           </a:xfrm>
           <a:prstGeom prst="rect">
             <a:avLst/>
@@ -9579,14 +9299,14 @@
       </p:pic>
       <p:sp>
         <p:nvSpPr>
-          <p:cNvPr id="145" name="TextShape 3"/>
-          <p:cNvSpPr txBox="1"/>
+          <p:cNvPr id="143" name="CustomShape 3"/>
+          <p:cNvSpPr/>
           <p:nvPr/>
         </p:nvSpPr>
         <p:spPr>
           <a:xfrm>
             <a:off x="623520" y="1152360"/>
-            <a:ext cx="5905440" cy="3416040"/>
+            <a:ext cx="5905080" cy="3415680"/>
           </a:xfrm>
           <a:prstGeom prst="rect">
             <a:avLst/>
@@ -9596,10 +9316,16 @@
             <a:noFill/>
           </a:ln>
         </p:spPr>
-        <p:txBody>
-          <a:bodyPr tIns="91440" bIns="91440"/>
-          <a:p>
-            <a:pPr marL="285840" indent="-285480">
+        <p:style>
+          <a:lnRef idx="0"/>
+          <a:fillRef idx="0"/>
+          <a:effectRef idx="0"/>
+          <a:fontRef idx="minor"/>
+        </p:style>
+        <p:txBody>
+          <a:bodyPr lIns="90000" rIns="90000" tIns="91440" bIns="91440"/>
+          <a:p>
+            <a:pPr marL="285840" indent="-285120">
               <a:lnSpc>
                 <a:spcPct val="100000"/>
               </a:lnSpc>
@@ -9620,9 +9346,6 @@
               <a:t>Kinderen stimuleren om terug te komen</a:t>
             </a:r>
             <a:endParaRPr b="0" lang="en-US" sz="1800" spc="-1" strike="noStrike">
-              <a:solidFill>
-                <a:srgbClr val="000000"/>
-              </a:solidFill>
               <a:latin typeface="Arial"/>
             </a:endParaRPr>
           </a:p>
@@ -9633,9 +9356,6 @@
               </a:lnSpc>
             </a:pPr>
             <a:endParaRPr b="0" lang="en-US" sz="1800" spc="-1" strike="noStrike">
-              <a:solidFill>
-                <a:srgbClr val="000000"/>
-              </a:solidFill>
               <a:latin typeface="Arial"/>
             </a:endParaRPr>
           </a:p>
@@ -9643,7 +9363,7 @@
       </p:sp>
       <p:pic>
         <p:nvPicPr>
-          <p:cNvPr id="146" name="Shape 83" descr=""/>
+          <p:cNvPr id="144" name="Shape 83" descr=""/>
           <p:cNvPicPr/>
           <p:nvPr/>
         </p:nvPicPr>
@@ -9654,7 +9374,7 @@
         <p:spPr>
           <a:xfrm>
             <a:off x="190800" y="2078280"/>
-            <a:ext cx="5295240" cy="2931120"/>
+            <a:ext cx="5294880" cy="2930760"/>
           </a:xfrm>
           <a:prstGeom prst="rect">
             <a:avLst/>
@@ -9715,7 +9435,7 @@
       </p:grpSpPr>
       <p:pic>
         <p:nvPicPr>
-          <p:cNvPr id="147" name="Shape 84" descr=""/>
+          <p:cNvPr id="145" name="Shape 84" descr=""/>
           <p:cNvPicPr/>
           <p:nvPr/>
         </p:nvPicPr>
@@ -9726,7 +9446,7 @@
         <p:spPr>
           <a:xfrm>
             <a:off x="5076360" y="0"/>
-            <a:ext cx="4827960" cy="5212080"/>
+            <a:ext cx="4827600" cy="5211720"/>
           </a:xfrm>
           <a:prstGeom prst="rect">
             <a:avLst/>
@@ -9738,14 +9458,14 @@
       </p:pic>
       <p:sp>
         <p:nvSpPr>
-          <p:cNvPr id="148" name="TextShape 1"/>
-          <p:cNvSpPr txBox="1"/>
+          <p:cNvPr id="146" name="CustomShape 1"/>
+          <p:cNvSpPr/>
           <p:nvPr/>
         </p:nvSpPr>
         <p:spPr>
           <a:xfrm>
             <a:off x="623520" y="444960"/>
-            <a:ext cx="8520120" cy="572400"/>
+            <a:ext cx="8519760" cy="572040"/>
           </a:xfrm>
           <a:prstGeom prst="rect">
             <a:avLst/>
@@ -9755,8 +9475,14 @@
             <a:noFill/>
           </a:ln>
         </p:spPr>
-        <p:txBody>
-          <a:bodyPr tIns="91440" bIns="91440"/>
+        <p:style>
+          <a:lnRef idx="0"/>
+          <a:fillRef idx="0"/>
+          <a:effectRef idx="0"/>
+          <a:fontRef idx="minor"/>
+        </p:style>
+        <p:txBody>
+          <a:bodyPr lIns="90000" rIns="90000" tIns="91440" bIns="91440"/>
           <a:p>
             <a:pPr>
               <a:lnSpc>
@@ -9774,73 +9500,21 @@
               <a:t>Admin app</a:t>
             </a:r>
             <a:endParaRPr b="0" lang="en-US" sz="3600" spc="-1" strike="noStrike">
-              <a:solidFill>
-                <a:srgbClr val="000000"/>
-              </a:solidFill>
-              <a:latin typeface="Arial"/>
-            </a:endParaRPr>
-          </a:p>
-        </p:txBody>
-      </p:sp>
-      <p:sp>
-        <p:nvSpPr>
-          <p:cNvPr id="149" name="TextShape 2"/>
-          <p:cNvSpPr txBox="1"/>
-          <p:nvPr/>
-        </p:nvSpPr>
-        <p:spPr>
-          <a:xfrm>
-            <a:off x="623520" y="1152360"/>
-            <a:ext cx="8520120" cy="3416040"/>
-          </a:xfrm>
-          <a:prstGeom prst="rect">
-            <a:avLst/>
-          </a:prstGeom>
-          <a:noFill/>
-          <a:ln>
-            <a:noFill/>
-          </a:ln>
-        </p:spPr>
-        <p:txBody>
-          <a:bodyPr tIns="91440" bIns="91440"/>
-          <a:p>
-            <a:pPr>
-              <a:lnSpc>
-                <a:spcPct val="100000"/>
-              </a:lnSpc>
-            </a:pPr>
-            <a:endParaRPr b="0" lang="en-US" sz="1400" spc="-1" strike="noStrike">
-              <a:solidFill>
-                <a:srgbClr val="000000"/>
-              </a:solidFill>
-              <a:latin typeface="Arial"/>
-            </a:endParaRPr>
-          </a:p>
-          <a:p>
-            <a:pPr>
-              <a:lnSpc>
-                <a:spcPct val="100000"/>
-              </a:lnSpc>
-            </a:pPr>
-            <a:endParaRPr b="0" lang="en-US" sz="1400" spc="-1" strike="noStrike">
-              <a:solidFill>
-                <a:srgbClr val="000000"/>
-              </a:solidFill>
-              <a:latin typeface="Arial"/>
-            </a:endParaRPr>
-          </a:p>
-        </p:txBody>
-      </p:sp>
-      <p:sp>
-        <p:nvSpPr>
-          <p:cNvPr id="150" name="CustomShape 3"/>
+              <a:latin typeface="Arial"/>
+            </a:endParaRPr>
+          </a:p>
+        </p:txBody>
+      </p:sp>
+      <p:sp>
+        <p:nvSpPr>
+          <p:cNvPr id="147" name="CustomShape 2"/>
           <p:cNvSpPr/>
           <p:nvPr/>
         </p:nvSpPr>
         <p:spPr>
           <a:xfrm>
-            <a:off x="775800" y="1305000"/>
-            <a:ext cx="8520120" cy="3416040"/>
+            <a:off x="623520" y="1152360"/>
+            <a:ext cx="8519760" cy="3415680"/>
           </a:xfrm>
           <a:prstGeom prst="rect">
             <a:avLst/>
@@ -9856,10 +9530,59 @@
           <a:effectRef idx="0"/>
           <a:fontRef idx="minor"/>
         </p:style>
+        <p:txBody>
+          <a:bodyPr lIns="90000" rIns="90000" tIns="91440" bIns="91440"/>
+          <a:p>
+            <a:pPr>
+              <a:lnSpc>
+                <a:spcPct val="100000"/>
+              </a:lnSpc>
+            </a:pPr>
+            <a:endParaRPr b="0" lang="en-US" sz="1800" spc="-1" strike="noStrike">
+              <a:latin typeface="Arial"/>
+            </a:endParaRPr>
+          </a:p>
+          <a:p>
+            <a:pPr>
+              <a:lnSpc>
+                <a:spcPct val="100000"/>
+              </a:lnSpc>
+            </a:pPr>
+            <a:endParaRPr b="0" lang="en-US" sz="1800" spc="-1" strike="noStrike">
+              <a:latin typeface="Arial"/>
+            </a:endParaRPr>
+          </a:p>
+        </p:txBody>
+      </p:sp>
+      <p:sp>
+        <p:nvSpPr>
+          <p:cNvPr id="148" name="CustomShape 3"/>
+          <p:cNvSpPr/>
+          <p:nvPr/>
+        </p:nvSpPr>
+        <p:spPr>
+          <a:xfrm>
+            <a:off x="775800" y="1305000"/>
+            <a:ext cx="8519760" cy="3415680"/>
+          </a:xfrm>
+          <a:prstGeom prst="rect">
+            <a:avLst/>
+          </a:prstGeom>
+          <a:noFill/>
+          <a:ln>
+            <a:noFill/>
+          </a:ln>
+        </p:spPr>
+        <p:style>
+          <a:lnRef idx="0"/>
+          <a:fillRef idx="0"/>
+          <a:effectRef idx="0"/>
+          <a:fontRef idx="minor"/>
+        </p:style>
       </p:sp>
       <p:pic>
         <p:nvPicPr>
-          <p:cNvPr id="151" name="Shape 103" descr=""/>
+          <p:cNvPr id="149" name="Shape 103" descr=""/>
           <p:cNvPicPr/>
           <p:nvPr/>
         </p:nvPicPr>
@@ -9870,7 +9593,7 @@
         <p:spPr>
           <a:xfrm>
             <a:off x="276840" y="1828800"/>
-            <a:ext cx="5436360" cy="3009240"/>
+            <a:ext cx="5436000" cy="3008880"/>
           </a:xfrm>
           <a:prstGeom prst="rect">
             <a:avLst/>
@@ -9931,7 +9654,7 @@
       </p:grpSpPr>
       <p:pic>
         <p:nvPicPr>
-          <p:cNvPr id="152" name="Shape 84" descr=""/>
+          <p:cNvPr id="150" name="Shape 84" descr=""/>
           <p:cNvPicPr/>
           <p:nvPr/>
         </p:nvPicPr>
@@ -9942,7 +9665,7 @@
         <p:spPr>
           <a:xfrm>
             <a:off x="5076360" y="0"/>
-            <a:ext cx="4827960" cy="5212080"/>
+            <a:ext cx="4827600" cy="5211720"/>
           </a:xfrm>
           <a:prstGeom prst="rect">
             <a:avLst/>
@@ -9954,14 +9677,14 @@
       </p:pic>
       <p:sp>
         <p:nvSpPr>
-          <p:cNvPr id="153" name="TextShape 1"/>
-          <p:cNvSpPr txBox="1"/>
+          <p:cNvPr id="151" name="CustomShape 1"/>
+          <p:cNvSpPr/>
           <p:nvPr/>
         </p:nvSpPr>
         <p:spPr>
           <a:xfrm>
             <a:off x="623520" y="444960"/>
-            <a:ext cx="8520120" cy="572400"/>
+            <a:ext cx="8519760" cy="572040"/>
           </a:xfrm>
           <a:prstGeom prst="rect">
             <a:avLst/>
@@ -9971,8 +9694,14 @@
             <a:noFill/>
           </a:ln>
         </p:spPr>
-        <p:txBody>
-          <a:bodyPr tIns="91440" bIns="91440"/>
+        <p:style>
+          <a:lnRef idx="0"/>
+          <a:fillRef idx="0"/>
+          <a:effectRef idx="0"/>
+          <a:fontRef idx="minor"/>
+        </p:style>
+        <p:txBody>
+          <a:bodyPr lIns="90000" rIns="90000" tIns="91440" bIns="91440"/>
           <a:p>
             <a:pPr>
               <a:lnSpc>
@@ -9990,73 +9719,21 @@
               <a:t>Web architectuur</a:t>
             </a:r>
             <a:endParaRPr b="0" lang="en-US" sz="3600" spc="-1" strike="noStrike">
-              <a:solidFill>
-                <a:srgbClr val="000000"/>
-              </a:solidFill>
-              <a:latin typeface="Arial"/>
-            </a:endParaRPr>
-          </a:p>
-        </p:txBody>
-      </p:sp>
-      <p:sp>
-        <p:nvSpPr>
-          <p:cNvPr id="154" name="TextShape 2"/>
-          <p:cNvSpPr txBox="1"/>
-          <p:nvPr/>
-        </p:nvSpPr>
-        <p:spPr>
-          <a:xfrm>
-            <a:off x="623520" y="1152360"/>
-            <a:ext cx="8520120" cy="3416040"/>
-          </a:xfrm>
-          <a:prstGeom prst="rect">
-            <a:avLst/>
-          </a:prstGeom>
-          <a:noFill/>
-          <a:ln>
-            <a:noFill/>
-          </a:ln>
-        </p:spPr>
-        <p:txBody>
-          <a:bodyPr tIns="91440" bIns="91440"/>
-          <a:p>
-            <a:pPr>
-              <a:lnSpc>
-                <a:spcPct val="100000"/>
-              </a:lnSpc>
-            </a:pPr>
-            <a:endParaRPr b="0" lang="en-US" sz="1400" spc="-1" strike="noStrike">
-              <a:solidFill>
-                <a:srgbClr val="000000"/>
-              </a:solidFill>
-              <a:latin typeface="Arial"/>
-            </a:endParaRPr>
-          </a:p>
-          <a:p>
-            <a:pPr>
-              <a:lnSpc>
-                <a:spcPct val="100000"/>
-              </a:lnSpc>
-            </a:pPr>
-            <a:endParaRPr b="0" lang="en-US" sz="1400" spc="-1" strike="noStrike">
-              <a:solidFill>
-                <a:srgbClr val="000000"/>
-              </a:solidFill>
-              <a:latin typeface="Arial"/>
-            </a:endParaRPr>
-          </a:p>
-        </p:txBody>
-      </p:sp>
-      <p:sp>
-        <p:nvSpPr>
-          <p:cNvPr id="155" name="CustomShape 3"/>
+              <a:latin typeface="Arial"/>
+            </a:endParaRPr>
+          </a:p>
+        </p:txBody>
+      </p:sp>
+      <p:sp>
+        <p:nvSpPr>
+          <p:cNvPr id="152" name="CustomShape 2"/>
           <p:cNvSpPr/>
           <p:nvPr/>
         </p:nvSpPr>
         <p:spPr>
           <a:xfrm>
-            <a:off x="775800" y="1305000"/>
-            <a:ext cx="8520120" cy="3416040"/>
+            <a:off x="623520" y="1152360"/>
+            <a:ext cx="8519760" cy="3415680"/>
           </a:xfrm>
           <a:prstGeom prst="rect">
             <a:avLst/>
@@ -10072,10 +9749,59 @@
           <a:effectRef idx="0"/>
           <a:fontRef idx="minor"/>
         </p:style>
+        <p:txBody>
+          <a:bodyPr lIns="90000" rIns="90000" tIns="91440" bIns="91440"/>
+          <a:p>
+            <a:pPr>
+              <a:lnSpc>
+                <a:spcPct val="100000"/>
+              </a:lnSpc>
+            </a:pPr>
+            <a:endParaRPr b="0" lang="en-US" sz="1800" spc="-1" strike="noStrike">
+              <a:latin typeface="Arial"/>
+            </a:endParaRPr>
+          </a:p>
+          <a:p>
+            <a:pPr>
+              <a:lnSpc>
+                <a:spcPct val="100000"/>
+              </a:lnSpc>
+            </a:pPr>
+            <a:endParaRPr b="0" lang="en-US" sz="1800" spc="-1" strike="noStrike">
+              <a:latin typeface="Arial"/>
+            </a:endParaRPr>
+          </a:p>
+        </p:txBody>
+      </p:sp>
+      <p:sp>
+        <p:nvSpPr>
+          <p:cNvPr id="153" name="CustomShape 3"/>
+          <p:cNvSpPr/>
+          <p:nvPr/>
+        </p:nvSpPr>
+        <p:spPr>
+          <a:xfrm>
+            <a:off x="775800" y="1305000"/>
+            <a:ext cx="8519760" cy="3415680"/>
+          </a:xfrm>
+          <a:prstGeom prst="rect">
+            <a:avLst/>
+          </a:prstGeom>
+          <a:noFill/>
+          <a:ln>
+            <a:noFill/>
+          </a:ln>
+        </p:spPr>
+        <p:style>
+          <a:lnRef idx="0"/>
+          <a:fillRef idx="0"/>
+          <a:effectRef idx="0"/>
+          <a:fontRef idx="minor"/>
+        </p:style>
       </p:sp>
       <p:pic>
         <p:nvPicPr>
-          <p:cNvPr id="156" name="" descr=""/>
+          <p:cNvPr id="154" name="" descr=""/>
           <p:cNvPicPr/>
           <p:nvPr/>
         </p:nvPicPr>
@@ -10086,7 +9812,7 @@
         <p:spPr>
           <a:xfrm>
             <a:off x="251640" y="1463040"/>
-            <a:ext cx="4686120" cy="3419280"/>
+            <a:ext cx="4685760" cy="3418920"/>
           </a:xfrm>
           <a:prstGeom prst="rect">
             <a:avLst/>
@@ -10147,14 +9873,186 @@
       </p:grpSpPr>
       <p:sp>
         <p:nvSpPr>
-          <p:cNvPr id="157" name="CustomShape 1"/>
+          <p:cNvPr id="155" name="TextShape 1"/>
+          <p:cNvSpPr txBox="1"/>
+          <p:nvPr/>
+        </p:nvSpPr>
+        <p:spPr>
+          <a:xfrm>
+            <a:off x="311760" y="418320"/>
+            <a:ext cx="8519760" cy="625320"/>
+          </a:xfrm>
+          <a:prstGeom prst="rect">
+            <a:avLst/>
+          </a:prstGeom>
+          <a:noFill/>
+          <a:ln>
+            <a:noFill/>
+          </a:ln>
+        </p:spPr>
+        <p:txBody>
+          <a:bodyPr lIns="0" rIns="0" tIns="0" bIns="0" anchor="ctr"/>
+          <a:p>
+            <a:pPr algn="ctr"/>
+            <a:r>
+              <a:rPr b="0" lang="en-US" sz="4400" spc="-1" strike="noStrike">
+                <a:latin typeface="Arial"/>
+              </a:rPr>
+              <a:t>Tools</a:t>
+            </a:r>
+            <a:endParaRPr b="0" lang="en-US" sz="4400" spc="-1" strike="noStrike">
+              <a:latin typeface="Arial"/>
+            </a:endParaRPr>
+          </a:p>
+        </p:txBody>
+      </p:sp>
+      <p:pic>
+        <p:nvPicPr>
+          <p:cNvPr id="156" name="" descr=""/>
+          <p:cNvPicPr/>
+          <p:nvPr/>
+        </p:nvPicPr>
+        <p:blipFill>
+          <a:blip r:embed="rId1"/>
+          <a:stretch/>
+        </p:blipFill>
+        <p:spPr>
+          <a:xfrm>
+            <a:off x="6400800" y="2828880"/>
+            <a:ext cx="2468880" cy="2108880"/>
+          </a:xfrm>
+          <a:prstGeom prst="rect">
+            <a:avLst/>
+          </a:prstGeom>
+          <a:ln>
+            <a:noFill/>
+          </a:ln>
+        </p:spPr>
+      </p:pic>
+      <p:pic>
+        <p:nvPicPr>
+          <p:cNvPr id="157" name="" descr=""/>
+          <p:cNvPicPr/>
+          <p:nvPr/>
+        </p:nvPicPr>
+        <p:blipFill>
+          <a:blip r:embed="rId2"/>
+          <a:stretch/>
+        </p:blipFill>
+        <p:spPr>
+          <a:xfrm>
+            <a:off x="182880" y="3931920"/>
+            <a:ext cx="4105080" cy="1114200"/>
+          </a:xfrm>
+          <a:prstGeom prst="rect">
+            <a:avLst/>
+          </a:prstGeom>
+          <a:ln>
+            <a:noFill/>
+          </a:ln>
+        </p:spPr>
+      </p:pic>
+      <p:pic>
+        <p:nvPicPr>
+          <p:cNvPr id="158" name="" descr=""/>
+          <p:cNvPicPr/>
+          <p:nvPr/>
+        </p:nvPicPr>
+        <p:blipFill>
+          <a:blip r:embed="rId3"/>
+          <a:stretch/>
+        </p:blipFill>
+        <p:spPr>
+          <a:xfrm>
+            <a:off x="74880" y="202320"/>
+            <a:ext cx="4154040" cy="3772800"/>
+          </a:xfrm>
+          <a:prstGeom prst="rect">
+            <a:avLst/>
+          </a:prstGeom>
+          <a:ln>
+            <a:noFill/>
+          </a:ln>
+        </p:spPr>
+      </p:pic>
+      <p:pic>
+        <p:nvPicPr>
+          <p:cNvPr id="159" name="" descr=""/>
+          <p:cNvPicPr/>
+          <p:nvPr/>
+        </p:nvPicPr>
+        <p:blipFill>
+          <a:blip r:embed="rId4"/>
+          <a:stretch/>
+        </p:blipFill>
+        <p:spPr>
+          <a:xfrm>
+            <a:off x="6535440" y="0"/>
+            <a:ext cx="2882880" cy="2560320"/>
+          </a:xfrm>
+          <a:prstGeom prst="rect">
+            <a:avLst/>
+          </a:prstGeom>
+          <a:ln>
+            <a:noFill/>
+          </a:ln>
+        </p:spPr>
+      </p:pic>
+      <p:pic>
+        <p:nvPicPr>
+          <p:cNvPr id="160" name="" descr=""/>
+          <p:cNvPicPr/>
+          <p:nvPr/>
+        </p:nvPicPr>
+        <p:blipFill>
+          <a:blip r:embed="rId5"/>
+          <a:stretch/>
+        </p:blipFill>
+        <p:spPr>
+          <a:xfrm>
+            <a:off x="3421080" y="1371600"/>
+            <a:ext cx="3326040" cy="2034360"/>
+          </a:xfrm>
+          <a:prstGeom prst="rect">
+            <a:avLst/>
+          </a:prstGeom>
+          <a:ln>
+            <a:noFill/>
+          </a:ln>
+        </p:spPr>
+      </p:pic>
+    </p:spTree>
+  </p:cSld>
+</p:sld>
+</file>
+
+<file path=ppt/slides/slide9.xml><?xml version="1.0" encoding="utf-8"?>
+<p:sld xmlns:a="http://schemas.openxmlformats.org/drawingml/2006/main" xmlns:p="http://schemas.openxmlformats.org/presentationml/2006/main" xmlns:r="http://schemas.openxmlformats.org/officeDocument/2006/relationships" xmlns:p14="http://schemas.microsoft.com/office/powerpoint/2010/main" xmlns:p15="http://schemas.microsoft.com/office/powerpoint/2012/main" xmlns:mc="http://schemas.openxmlformats.org/markup-compatibility/2006">
+  <p:cSld>
+    <p:spTree>
+      <p:nvGrpSpPr>
+        <p:cNvPr id="1" name=""/>
+        <p:cNvGrpSpPr/>
+        <p:nvPr/>
+      </p:nvGrpSpPr>
+      <p:grpSpPr>
+        <a:xfrm>
+          <a:off x="0" y="0"/>
+          <a:ext cx="0" cy="0"/>
+          <a:chOff x="0" y="0"/>
+          <a:chExt cx="0" cy="0"/>
+        </a:xfrm>
+      </p:grpSpPr>
+      <p:sp>
+        <p:nvSpPr>
+          <p:cNvPr id="161" name="CustomShape 1"/>
           <p:cNvSpPr/>
           <p:nvPr/>
         </p:nvSpPr>
         <p:spPr>
           <a:xfrm>
             <a:off x="0" y="-19800"/>
-            <a:ext cx="9143640" cy="5163120"/>
+            <a:ext cx="9143280" cy="5162760"/>
           </a:xfrm>
           <a:prstGeom prst="rect">
             <a:avLst/>
@@ -10175,14 +10073,14 @@
       </p:sp>
       <p:sp>
         <p:nvSpPr>
-          <p:cNvPr id="158" name="TextShape 2"/>
-          <p:cNvSpPr txBox="1"/>
+          <p:cNvPr id="162" name="CustomShape 2"/>
+          <p:cNvSpPr/>
           <p:nvPr/>
         </p:nvSpPr>
         <p:spPr>
           <a:xfrm>
             <a:off x="623520" y="444960"/>
-            <a:ext cx="8520120" cy="572400"/>
+            <a:ext cx="8519760" cy="572040"/>
           </a:xfrm>
           <a:prstGeom prst="rect">
             <a:avLst/>
@@ -10192,8 +10090,14 @@
             <a:noFill/>
           </a:ln>
         </p:spPr>
-        <p:txBody>
-          <a:bodyPr tIns="91440" bIns="91440"/>
+        <p:style>
+          <a:lnRef idx="0"/>
+          <a:fillRef idx="0"/>
+          <a:effectRef idx="0"/>
+          <a:fontRef idx="minor"/>
+        </p:style>
+        <p:txBody>
+          <a:bodyPr lIns="90000" rIns="90000" tIns="91440" bIns="91440"/>
           <a:p>
             <a:pPr>
               <a:lnSpc>
@@ -10211,24 +10115,21 @@
               <a:t>Technische haalbaarheid</a:t>
             </a:r>
             <a:endParaRPr b="0" lang="en-US" sz="3600" spc="-1" strike="noStrike">
-              <a:solidFill>
-                <a:srgbClr val="000000"/>
-              </a:solidFill>
-              <a:latin typeface="Arial"/>
-            </a:endParaRPr>
-          </a:p>
-        </p:txBody>
-      </p:sp>
-      <p:sp>
-        <p:nvSpPr>
-          <p:cNvPr id="159" name="TextShape 3"/>
-          <p:cNvSpPr txBox="1"/>
+              <a:latin typeface="Arial"/>
+            </a:endParaRPr>
+          </a:p>
+        </p:txBody>
+      </p:sp>
+      <p:sp>
+        <p:nvSpPr>
+          <p:cNvPr id="163" name="CustomShape 3"/>
+          <p:cNvSpPr/>
           <p:nvPr/>
         </p:nvSpPr>
         <p:spPr>
           <a:xfrm>
             <a:off x="623520" y="1152360"/>
-            <a:ext cx="7374240" cy="3416040"/>
+            <a:ext cx="7373880" cy="3415680"/>
           </a:xfrm>
           <a:prstGeom prst="rect">
             <a:avLst/>
@@ -10238,8 +10139,14 @@
             <a:noFill/>
           </a:ln>
         </p:spPr>
-        <p:txBody>
-          <a:bodyPr tIns="91440" bIns="91440"/>
+        <p:style>
+          <a:lnRef idx="0"/>
+          <a:fillRef idx="0"/>
+          <a:effectRef idx="0"/>
+          <a:fontRef idx="minor"/>
+        </p:style>
+        <p:txBody>
+          <a:bodyPr lIns="90000" rIns="90000" tIns="91440" bIns="91440"/>
           <a:p>
             <a:pPr>
               <a:lnSpc>
@@ -10257,14 +10164,11 @@
               <a:t>Enkele probleemfactoren</a:t>
             </a:r>
             <a:endParaRPr b="0" lang="en-US" sz="1800" spc="-1" strike="noStrike">
-              <a:solidFill>
-                <a:srgbClr val="000000"/>
-              </a:solidFill>
-              <a:latin typeface="Arial"/>
-            </a:endParaRPr>
-          </a:p>
-          <a:p>
-            <a:pPr lvl="4" marL="285840" indent="-285480">
+              <a:latin typeface="Arial"/>
+            </a:endParaRPr>
+          </a:p>
+          <a:p>
+            <a:pPr lvl="4" marL="285840" indent="-285120">
               <a:lnSpc>
                 <a:spcPct val="100000"/>
               </a:lnSpc>
@@ -10285,14 +10189,11 @@
               <a:t>Park is groot</a:t>
             </a:r>
             <a:endParaRPr b="0" lang="en-US" sz="1400" spc="-1" strike="noStrike">
-              <a:solidFill>
-                <a:srgbClr val="000000"/>
-              </a:solidFill>
-              <a:latin typeface="Arial"/>
-            </a:endParaRPr>
-          </a:p>
-          <a:p>
-            <a:pPr lvl="4" marL="285840" indent="-285480">
+              <a:latin typeface="Arial"/>
+            </a:endParaRPr>
+          </a:p>
+          <a:p>
+            <a:pPr lvl="4" marL="285840" indent="-285120">
               <a:lnSpc>
                 <a:spcPct val="100000"/>
               </a:lnSpc>
@@ -10313,14 +10214,11 @@
               <a:t>Geen Wi-Fi in het park</a:t>
             </a:r>
             <a:endParaRPr b="0" lang="en-US" sz="1400" spc="-1" strike="noStrike">
-              <a:solidFill>
-                <a:srgbClr val="000000"/>
-              </a:solidFill>
-              <a:latin typeface="Arial"/>
-            </a:endParaRPr>
-          </a:p>
-          <a:p>
-            <a:pPr lvl="4" marL="285840" indent="-285480">
+              <a:latin typeface="Arial"/>
+            </a:endParaRPr>
+          </a:p>
+          <a:p>
+            <a:pPr lvl="4" marL="285840" indent="-285120">
               <a:lnSpc>
                 <a:spcPct val="100000"/>
               </a:lnSpc>
@@ -10341,9 +10239,6 @@
               <a:t>Weersomstandigheden (warm, vochtig, nat)</a:t>
             </a:r>
             <a:endParaRPr b="0" lang="en-US" sz="1400" spc="-1" strike="noStrike">
-              <a:solidFill>
-                <a:srgbClr val="000000"/>
-              </a:solidFill>
               <a:latin typeface="Arial"/>
             </a:endParaRPr>
           </a:p>
@@ -10351,7 +10246,7 @@
       </p:sp>
       <p:pic>
         <p:nvPicPr>
-          <p:cNvPr id="160" name="Shape 124" descr=""/>
+          <p:cNvPr id="164" name="Shape 124" descr=""/>
           <p:cNvPicPr/>
           <p:nvPr/>
         </p:nvPicPr>
@@ -10362,7 +10257,7 @@
         <p:spPr>
           <a:xfrm>
             <a:off x="4339080" y="-30240"/>
-            <a:ext cx="4861440" cy="5203440"/>
+            <a:ext cx="4861080" cy="5203080"/>
           </a:xfrm>
           <a:prstGeom prst="rect">
             <a:avLst/>
@@ -10381,240 +10276,6 @@
           <p:childTnLst>
             <p:seq>
               <p:cTn id="16" nodeType="mainSeq"/>
-              <p:prevCondLst>
-                <p:cond delay="0" evt="onPrev">
-                  <p:tgtEl>
-                    <p:sldTgt/>
-                  </p:tgtEl>
-                </p:cond>
-              </p:prevCondLst>
-              <p:nextCondLst>
-                <p:cond delay="0" evt="onNext">
-                  <p:tgtEl>
-                    <p:sldTgt/>
-                  </p:tgtEl>
-                </p:cond>
-              </p:nextCondLst>
-            </p:seq>
-          </p:childTnLst>
-        </p:cTn>
-      </p:par>
-    </p:tnLst>
-  </p:timing>
-</p:sld>
-</file>
-
-<file path=ppt/slides/slide9.xml><?xml version="1.0" encoding="utf-8"?>
-<p:sld xmlns:a="http://schemas.openxmlformats.org/drawingml/2006/main" xmlns:p="http://schemas.openxmlformats.org/presentationml/2006/main" xmlns:r="http://schemas.openxmlformats.org/officeDocument/2006/relationships" xmlns:p14="http://schemas.microsoft.com/office/powerpoint/2010/main" xmlns:p15="http://schemas.microsoft.com/office/powerpoint/2012/main" xmlns:mc="http://schemas.openxmlformats.org/markup-compatibility/2006">
-  <p:cSld>
-    <p:spTree>
-      <p:nvGrpSpPr>
-        <p:cNvPr id="1" name=""/>
-        <p:cNvGrpSpPr/>
-        <p:nvPr/>
-      </p:nvGrpSpPr>
-      <p:grpSpPr>
-        <a:xfrm>
-          <a:off x="0" y="0"/>
-          <a:ext cx="0" cy="0"/>
-          <a:chOff x="0" y="0"/>
-          <a:chExt cx="0" cy="0"/>
-        </a:xfrm>
-      </p:grpSpPr>
-      <p:pic>
-        <p:nvPicPr>
-          <p:cNvPr id="161" name="Shape 129" descr=""/>
-          <p:cNvPicPr/>
-          <p:nvPr/>
-        </p:nvPicPr>
-        <p:blipFill>
-          <a:blip r:embed="rId1"/>
-          <a:stretch/>
-        </p:blipFill>
-        <p:spPr>
-          <a:xfrm>
-            <a:off x="5491080" y="0"/>
-            <a:ext cx="3652920" cy="5142960"/>
-          </a:xfrm>
-          <a:prstGeom prst="rect">
-            <a:avLst/>
-          </a:prstGeom>
-          <a:ln>
-            <a:noFill/>
-          </a:ln>
-        </p:spPr>
-      </p:pic>
-      <p:sp>
-        <p:nvSpPr>
-          <p:cNvPr id="162" name="TextShape 1"/>
-          <p:cNvSpPr txBox="1"/>
-          <p:nvPr/>
-        </p:nvSpPr>
-        <p:spPr>
-          <a:xfrm>
-            <a:off x="623520" y="444960"/>
-            <a:ext cx="8520120" cy="572400"/>
-          </a:xfrm>
-          <a:prstGeom prst="rect">
-            <a:avLst/>
-          </a:prstGeom>
-          <a:noFill/>
-          <a:ln>
-            <a:noFill/>
-          </a:ln>
-        </p:spPr>
-        <p:txBody>
-          <a:bodyPr tIns="91440" bIns="91440"/>
-          <a:p>
-            <a:pPr>
-              <a:lnSpc>
-                <a:spcPct val="100000"/>
-              </a:lnSpc>
-            </a:pPr>
-            <a:r>
-              <a:rPr b="1" lang="en-US" sz="3600" spc="-1" strike="noStrike">
-                <a:solidFill>
-                  <a:srgbClr val="a4c512"/>
-                </a:solidFill>
-                <a:latin typeface="Alegreya Sans"/>
-                <a:ea typeface="Alegreya Sans"/>
-              </a:rPr>
-              <a:t>Oplossing</a:t>
-            </a:r>
-            <a:endParaRPr b="0" lang="en-US" sz="3600" spc="-1" strike="noStrike">
-              <a:solidFill>
-                <a:srgbClr val="000000"/>
-              </a:solidFill>
-              <a:latin typeface="Arial"/>
-            </a:endParaRPr>
-          </a:p>
-        </p:txBody>
-      </p:sp>
-      <p:sp>
-        <p:nvSpPr>
-          <p:cNvPr id="163" name="TextShape 2"/>
-          <p:cNvSpPr txBox="1"/>
-          <p:nvPr/>
-        </p:nvSpPr>
-        <p:spPr>
-          <a:xfrm>
-            <a:off x="623520" y="1152360"/>
-            <a:ext cx="5438520" cy="3416040"/>
-          </a:xfrm>
-          <a:prstGeom prst="rect">
-            <a:avLst/>
-          </a:prstGeom>
-          <a:noFill/>
-          <a:ln>
-            <a:noFill/>
-          </a:ln>
-        </p:spPr>
-        <p:txBody>
-          <a:bodyPr tIns="91440" bIns="91440"/>
-          <a:p>
-            <a:pPr marL="285840" indent="-285480">
-              <a:lnSpc>
-                <a:spcPct val="100000"/>
-              </a:lnSpc>
-              <a:spcAft>
-                <a:spcPts val="1599"/>
-              </a:spcAft>
-              <a:buClr>
-                <a:srgbClr val="595959"/>
-              </a:buClr>
-              <a:buFont typeface="StarSymbol"/>
-              <a:buChar char="-"/>
-            </a:pPr>
-            <a:r>
-              <a:rPr b="0" lang="en-US" sz="1800" spc="-1" strike="noStrike">
-                <a:solidFill>
-                  <a:srgbClr val="595959"/>
-                </a:solidFill>
-                <a:latin typeface="Arial"/>
-                <a:ea typeface="Arial"/>
-              </a:rPr>
-              <a:t>NRF netwerk</a:t>
-            </a:r>
-            <a:endParaRPr b="0" lang="en-US" sz="1800" spc="-1" strike="noStrike">
-              <a:solidFill>
-                <a:srgbClr val="000000"/>
-              </a:solidFill>
-              <a:latin typeface="Arial"/>
-            </a:endParaRPr>
-          </a:p>
-          <a:p>
-            <a:pPr marL="285840" indent="-285480">
-              <a:lnSpc>
-                <a:spcPct val="100000"/>
-              </a:lnSpc>
-              <a:spcAft>
-                <a:spcPts val="1599"/>
-              </a:spcAft>
-              <a:buClr>
-                <a:srgbClr val="595959"/>
-              </a:buClr>
-              <a:buFont typeface="StarSymbol"/>
-              <a:buChar char="-"/>
-            </a:pPr>
-            <a:r>
-              <a:rPr b="0" lang="en-US" sz="1800" spc="-1" strike="noStrike">
-                <a:solidFill>
-                  <a:srgbClr val="595959"/>
-                </a:solidFill>
-                <a:latin typeface="Arial"/>
-                <a:ea typeface="Arial"/>
-              </a:rPr>
-              <a:t>Poten verbinden met een gateway</a:t>
-            </a:r>
-            <a:endParaRPr b="0" lang="en-US" sz="1800" spc="-1" strike="noStrike">
-              <a:solidFill>
-                <a:srgbClr val="000000"/>
-              </a:solidFill>
-              <a:latin typeface="Arial"/>
-            </a:endParaRPr>
-          </a:p>
-          <a:p>
-            <a:pPr marL="285840" indent="-285480">
-              <a:lnSpc>
-                <a:spcPct val="100000"/>
-              </a:lnSpc>
-              <a:spcAft>
-                <a:spcPts val="1599"/>
-              </a:spcAft>
-              <a:buClr>
-                <a:srgbClr val="595959"/>
-              </a:buClr>
-              <a:buFont typeface="StarSymbol"/>
-              <a:buChar char="-"/>
-            </a:pPr>
-            <a:r>
-              <a:rPr b="0" lang="en-US" sz="1800" spc="-1" strike="noStrike">
-                <a:solidFill>
-                  <a:srgbClr val="595959"/>
-                </a:solidFill>
-                <a:latin typeface="Arial"/>
-                <a:ea typeface="Arial"/>
-              </a:rPr>
-              <a:t>Mesh netwerk van repeaters (poten)</a:t>
-            </a:r>
-            <a:endParaRPr b="0" lang="en-US" sz="1800" spc="-1" strike="noStrike">
-              <a:solidFill>
-                <a:srgbClr val="000000"/>
-              </a:solidFill>
-              <a:latin typeface="Arial"/>
-            </a:endParaRPr>
-          </a:p>
-        </p:txBody>
-      </p:sp>
-    </p:spTree>
-  </p:cSld>
-  <p:timing>
-    <p:tnLst>
-      <p:par>
-        <p:cTn id="17" dur="indefinite" restart="never" nodeType="tmRoot">
-          <p:childTnLst>
-            <p:seq>
-              <p:cTn id="18" nodeType="mainSeq"/>
               <p:prevCondLst>
                 <p:cond delay="0" evt="onPrev">
                   <p:tgtEl>

--- a/groepsprocess/Presentaties/Tussenpresentatie (groep 1 & 2).pptx
+++ b/groepsprocess/Presentaties/Tussenpresentatie (groep 1 & 2).pptx
@@ -31,6 +31,8 @@
     <p:sldId id="274" r:id="rId24"/>
     <p:sldId id="275" r:id="rId25"/>
     <p:sldId id="276" r:id="rId26"/>
+    <p:sldId id="277" r:id="rId27"/>
+    <p:sldId id="278" r:id="rId28"/>
   </p:sldIdLst>
   <p:sldSz cx="9144000" cy="5143500"/>
   <p:notesSz cx="6858000" cy="9144000"/>
@@ -114,7 +116,7 @@
               <a:rPr b="0" lang="en-US" sz="1400" spc="-1" strike="noStrike">
                 <a:latin typeface="Times New Roman"/>
               </a:rPr>
-              <a:t>&lt;header&gt;</a:t>
+              <a:t> </a:t>
             </a:r>
             <a:endParaRPr b="0" lang="en-US" sz="1400" spc="-1" strike="noStrike">
               <a:latin typeface="Times New Roman"/>
@@ -149,7 +151,7 @@
               <a:rPr b="0" lang="en-US" sz="1400" spc="-1" strike="noStrike">
                 <a:latin typeface="Times New Roman"/>
               </a:rPr>
-              <a:t>&lt;date/time&gt;</a:t>
+              <a:t> </a:t>
             </a:r>
             <a:endParaRPr b="0" lang="en-US" sz="1400" spc="-1" strike="noStrike">
               <a:latin typeface="Times New Roman"/>
@@ -183,7 +185,7 @@
               <a:rPr b="0" lang="en-US" sz="1400" spc="-1" strike="noStrike">
                 <a:latin typeface="Times New Roman"/>
               </a:rPr>
-              <a:t>&lt;footer&gt;</a:t>
+              <a:t> </a:t>
             </a:r>
             <a:endParaRPr b="0" lang="en-US" sz="1400" spc="-1" strike="noStrike">
               <a:latin typeface="Times New Roman"/>
@@ -214,11 +216,11 @@
           <a:bodyPr lIns="0" rIns="0" tIns="0" bIns="0" anchor="b"/>
           <a:p>
             <a:pPr algn="r"/>
-            <a:fld id="{3CA22486-0736-4F27-9238-029948F08859}" type="slidenum">
+            <a:fld id="{C25F6727-8C39-4695-9B17-C007B24886A6}" type="slidenum">
               <a:rPr b="0" lang="en-US" sz="1400" spc="-1" strike="noStrike">
                 <a:latin typeface="Times New Roman"/>
               </a:rPr>
-              <a:t>&lt;number&gt;</a:t>
+              <a:t>1</a:t>
             </a:fld>
             <a:endParaRPr b="0" lang="en-US" sz="1400" spc="-1" strike="noStrike">
               <a:latin typeface="Times New Roman"/>
@@ -230,170 +232,6 @@
   </p:cSld>
   <p:clrMap bg1="lt1" bg2="lt2" tx1="dk1" tx2="dk2" accent1="accent1" accent2="accent2" accent3="accent3" accent4="accent4" accent5="accent5" accent6="accent6" hlink="hlink" folHlink="folHlink"/>
 </p:notesMaster>
-</file>
-
-<file path=ppt/notesSlides/notesSlide16.xml><?xml version="1.0" encoding="utf-8"?>
-<p:notes xmlns:a="http://schemas.openxmlformats.org/drawingml/2006/main" xmlns:p="http://schemas.openxmlformats.org/presentationml/2006/main" xmlns:r="http://schemas.openxmlformats.org/officeDocument/2006/relationships" xmlns:p14="http://schemas.microsoft.com/office/powerpoint/2010/main" xmlns:p15="http://schemas.microsoft.com/office/powerpoint/2012/main" xmlns:mc="http://schemas.openxmlformats.org/markup-compatibility/2006">
-  <p:cSld>
-    <p:spTree>
-      <p:nvGrpSpPr>
-        <p:cNvPr id="1" name=""/>
-        <p:cNvGrpSpPr/>
-        <p:nvPr/>
-      </p:nvGrpSpPr>
-      <p:grpSpPr>
-        <a:xfrm>
-          <a:off x="0" y="0"/>
-          <a:ext cx="0" cy="0"/>
-          <a:chOff x="0" y="0"/>
-          <a:chExt cx="0" cy="0"/>
-        </a:xfrm>
-      </p:grpSpPr>
-      <p:sp>
-        <p:nvSpPr>
-          <p:cNvPr id="205" name="PlaceHolder 1"/>
-          <p:cNvSpPr>
-            <a:spLocks noGrp="1"/>
-          </p:cNvSpPr>
-          <p:nvPr>
-            <p:ph type="body"/>
-          </p:nvPr>
-        </p:nvSpPr>
-        <p:spPr>
-          <a:xfrm>
-            <a:off x="685800" y="4343400"/>
-            <a:ext cx="5485680" cy="4114080"/>
-          </a:xfrm>
-          <a:prstGeom prst="rect">
-            <a:avLst/>
-          </a:prstGeom>
-        </p:spPr>
-        <p:txBody>
-          <a:bodyPr lIns="0" rIns="0" tIns="91440" bIns="91440"/>
-          <a:p>
-            <a:pPr marL="216000" indent="-215640">
-              <a:lnSpc>
-                <a:spcPct val="100000"/>
-              </a:lnSpc>
-            </a:pPr>
-            <a:r>
-              <a:rPr b="0" lang="en-US" sz="1100" spc="-1" strike="noStrike">
-                <a:latin typeface="Arial"/>
-              </a:rPr>
-              <a:t>Stel dat het gehele systeem functioneel prima werkt. Hartstikke mooi, maar wat nou als één van die poten het om wat voor reden dan ook niet meer doet.</a:t>
-            </a:r>
-            <a:endParaRPr b="0" lang="en-US" sz="1100" spc="-1" strike="noStrike">
-              <a:latin typeface="Arial"/>
-            </a:endParaRPr>
-          </a:p>
-          <a:p>
-            <a:pPr marL="216000" indent="-215640">
-              <a:lnSpc>
-                <a:spcPct val="100000"/>
-              </a:lnSpc>
-            </a:pPr>
-            <a:r>
-              <a:rPr b="0" lang="en-US" sz="1100" spc="-1" strike="noStrike">
-                <a:latin typeface="Arial"/>
-              </a:rPr>
-              <a:t>Dan wil een kind zijn pasje scannen bij die poot en krijgt totaal geen reactie van het apparaat. Dat kind raakt hoogstwaarschijnlijk gefrustreerd en gaat denken dat het niet werkt.</a:t>
-            </a:r>
-            <a:endParaRPr b="0" lang="en-US" sz="1100" spc="-1" strike="noStrike">
-              <a:latin typeface="Arial"/>
-            </a:endParaRPr>
-          </a:p>
-          <a:p>
-            <a:pPr marL="216000" indent="-215640">
-              <a:lnSpc>
-                <a:spcPct val="100000"/>
-              </a:lnSpc>
-            </a:pPr>
-            <a:endParaRPr b="0" lang="en-US" sz="1100" spc="-1" strike="noStrike">
-              <a:latin typeface="Arial"/>
-            </a:endParaRPr>
-          </a:p>
-          <a:p>
-            <a:pPr marL="216000" indent="-215640">
-              <a:lnSpc>
-                <a:spcPct val="100000"/>
-              </a:lnSpc>
-            </a:pPr>
-            <a:r>
-              <a:rPr b="0" lang="en-US" sz="1100" spc="-1" strike="noStrike">
-                <a:latin typeface="Arial"/>
-              </a:rPr>
-              <a:t>Dit kan resulteren in een kind dat niet meer mee wil doen met een speurtocht. Wat uiteindelijk kan leiden tot een kind dat het niet meer leuk vind om naar de dierentuin te gaan om kennis op te doen.</a:t>
-            </a:r>
-            <a:endParaRPr b="0" lang="en-US" sz="1100" spc="-1" strike="noStrike">
-              <a:latin typeface="Arial"/>
-            </a:endParaRPr>
-          </a:p>
-        </p:txBody>
-      </p:sp>
-    </p:spTree>
-  </p:cSld>
-</p:notes>
-</file>
-
-<file path=ppt/notesSlides/notesSlide17.xml><?xml version="1.0" encoding="utf-8"?>
-<p:notes xmlns:a="http://schemas.openxmlformats.org/drawingml/2006/main" xmlns:p="http://schemas.openxmlformats.org/presentationml/2006/main" xmlns:r="http://schemas.openxmlformats.org/officeDocument/2006/relationships" xmlns:p14="http://schemas.microsoft.com/office/powerpoint/2010/main" xmlns:p15="http://schemas.microsoft.com/office/powerpoint/2012/main" xmlns:mc="http://schemas.openxmlformats.org/markup-compatibility/2006">
-  <p:cSld>
-    <p:spTree>
-      <p:nvGrpSpPr>
-        <p:cNvPr id="1" name=""/>
-        <p:cNvGrpSpPr/>
-        <p:nvPr/>
-      </p:nvGrpSpPr>
-      <p:grpSpPr>
-        <a:xfrm>
-          <a:off x="0" y="0"/>
-          <a:ext cx="0" cy="0"/>
-          <a:chOff x="0" y="0"/>
-          <a:chExt cx="0" cy="0"/>
-        </a:xfrm>
-      </p:grpSpPr>
-      <p:sp>
-        <p:nvSpPr>
-          <p:cNvPr id="206" name="PlaceHolder 1"/>
-          <p:cNvSpPr>
-            <a:spLocks noGrp="1"/>
-          </p:cNvSpPr>
-          <p:nvPr>
-            <p:ph type="body"/>
-          </p:nvPr>
-        </p:nvSpPr>
-        <p:spPr>
-          <a:xfrm>
-            <a:off x="685800" y="4343400"/>
-            <a:ext cx="5485680" cy="4114080"/>
-          </a:xfrm>
-          <a:prstGeom prst="rect">
-            <a:avLst/>
-          </a:prstGeom>
-        </p:spPr>
-        <p:txBody>
-          <a:bodyPr lIns="0" rIns="0" tIns="91440" bIns="91440"/>
-          <a:p>
-            <a:pPr marL="216000" indent="-215640">
-              <a:lnSpc>
-                <a:spcPct val="100000"/>
-              </a:lnSpc>
-            </a:pPr>
-            <a:r>
-              <a:rPr b="0" lang="en-US" sz="1100" spc="-1" strike="noStrike">
-                <a:latin typeface="Arial"/>
-              </a:rPr>
-              <a:t>Ons idee mondt uit tot deze hypothese of veronderstelling, mocht er iets misgaan met de apparatuur dan kan de technische dienst (of een mogelijke andere partij afhankelijk van de keuze die Burgers’ Zoo maakt over de eigenaarschap van het oplossen van eventuele problemen) alsnog ervoor zorgen dat het systeem werkende blijft en daarmee frustraties van de bezoekers voorkomt.</a:t>
-            </a:r>
-            <a:endParaRPr b="0" lang="en-US" sz="1100" spc="-1" strike="noStrike">
-              <a:latin typeface="Arial"/>
-            </a:endParaRPr>
-          </a:p>
-        </p:txBody>
-      </p:sp>
-    </p:spTree>
-  </p:cSld>
-</p:notes>
 </file>
 
 <file path=ppt/notesSlides/notesSlide18.xml><?xml version="1.0" encoding="utf-8"?>
@@ -415,7 +253,189 @@
       </p:grpSpPr>
       <p:sp>
         <p:nvSpPr>
-          <p:cNvPr id="207" name="PlaceHolder 1"/>
+          <p:cNvPr id="212" name="PlaceHolder 1"/>
+          <p:cNvSpPr>
+            <a:spLocks noGrp="1"/>
+          </p:cNvSpPr>
+          <p:nvPr>
+            <p:ph type="body"/>
+          </p:nvPr>
+        </p:nvSpPr>
+        <p:spPr>
+          <a:xfrm>
+            <a:off x="685800" y="4343400"/>
+            <a:ext cx="5485680" cy="4114080"/>
+          </a:xfrm>
+          <a:prstGeom prst="rect">
+            <a:avLst/>
+          </a:prstGeom>
+        </p:spPr>
+        <p:txBody>
+          <a:bodyPr lIns="0" rIns="0" tIns="91440" bIns="91440"/>
+          <a:p>
+            <a:pPr marL="216000" indent="-215640">
+              <a:lnSpc>
+                <a:spcPct val="100000"/>
+              </a:lnSpc>
+            </a:pPr>
+            <a:r>
+              <a:rPr b="0" lang="en-US" sz="1100" spc="-1" strike="noStrike">
+                <a:latin typeface="Arial"/>
+              </a:rPr>
+              <a:t>Stel dat het gehele systeem functioneel prima werkt. Hartstikke mooi, maar wat nou als één van die poten het om wat voor reden dan ook niet </a:t>
+            </a:r>
+            <a:r>
+              <a:rPr b="0" lang="en-US" sz="1100" spc="-1" strike="noStrike">
+                <a:latin typeface="Arial"/>
+              </a:rPr>
+              <a:t>meer doet.</a:t>
+            </a:r>
+            <a:endParaRPr b="0" lang="en-US" sz="1100" spc="-1" strike="noStrike">
+              <a:latin typeface="Arial"/>
+            </a:endParaRPr>
+          </a:p>
+          <a:p>
+            <a:pPr marL="216000" indent="-215640">
+              <a:lnSpc>
+                <a:spcPct val="100000"/>
+              </a:lnSpc>
+            </a:pPr>
+            <a:r>
+              <a:rPr b="0" lang="en-US" sz="1100" spc="-1" strike="noStrike">
+                <a:latin typeface="Arial"/>
+              </a:rPr>
+              <a:t>Dan wil een kind zijn pasje scannen bij die poot en krijgt totaal geen reactie van het apparaat. Dat kind raakt hoogstwaarschijnlijk gefrustreerd en </a:t>
+            </a:r>
+            <a:r>
+              <a:rPr b="0" lang="en-US" sz="1100" spc="-1" strike="noStrike">
+                <a:latin typeface="Arial"/>
+              </a:rPr>
+              <a:t>gaat denken dat het niet werkt.</a:t>
+            </a:r>
+            <a:endParaRPr b="0" lang="en-US" sz="1100" spc="-1" strike="noStrike">
+              <a:latin typeface="Arial"/>
+            </a:endParaRPr>
+          </a:p>
+          <a:p>
+            <a:pPr marL="216000" indent="-215640">
+              <a:lnSpc>
+                <a:spcPct val="100000"/>
+              </a:lnSpc>
+            </a:pPr>
+            <a:endParaRPr b="0" lang="en-US" sz="1100" spc="-1" strike="noStrike">
+              <a:latin typeface="Arial"/>
+            </a:endParaRPr>
+          </a:p>
+          <a:p>
+            <a:pPr marL="216000" indent="-215640">
+              <a:lnSpc>
+                <a:spcPct val="100000"/>
+              </a:lnSpc>
+            </a:pPr>
+            <a:r>
+              <a:rPr b="0" lang="en-US" sz="1100" spc="-1" strike="noStrike">
+                <a:latin typeface="Arial"/>
+              </a:rPr>
+              <a:t>Dit kan resulteren in een kind dat niet meer mee wil doen met een speurtocht. Wat uiteindelijk kan leiden tot een kind dat het niet meer leuk vind </a:t>
+            </a:r>
+            <a:r>
+              <a:rPr b="0" lang="en-US" sz="1100" spc="-1" strike="noStrike">
+                <a:latin typeface="Arial"/>
+              </a:rPr>
+              <a:t>om naar de dierentuin te gaan om kennis op te doen.</a:t>
+            </a:r>
+            <a:endParaRPr b="0" lang="en-US" sz="1100" spc="-1" strike="noStrike">
+              <a:latin typeface="Arial"/>
+            </a:endParaRPr>
+          </a:p>
+        </p:txBody>
+      </p:sp>
+    </p:spTree>
+  </p:cSld>
+</p:notes>
+</file>
+
+<file path=ppt/notesSlides/notesSlide19.xml><?xml version="1.0" encoding="utf-8"?>
+<p:notes xmlns:a="http://schemas.openxmlformats.org/drawingml/2006/main" xmlns:p="http://schemas.openxmlformats.org/presentationml/2006/main" xmlns:r="http://schemas.openxmlformats.org/officeDocument/2006/relationships" xmlns:p14="http://schemas.microsoft.com/office/powerpoint/2010/main" xmlns:p15="http://schemas.microsoft.com/office/powerpoint/2012/main" xmlns:mc="http://schemas.openxmlformats.org/markup-compatibility/2006">
+  <p:cSld>
+    <p:spTree>
+      <p:nvGrpSpPr>
+        <p:cNvPr id="1" name=""/>
+        <p:cNvGrpSpPr/>
+        <p:nvPr/>
+      </p:nvGrpSpPr>
+      <p:grpSpPr>
+        <a:xfrm>
+          <a:off x="0" y="0"/>
+          <a:ext cx="0" cy="0"/>
+          <a:chOff x="0" y="0"/>
+          <a:chExt cx="0" cy="0"/>
+        </a:xfrm>
+      </p:grpSpPr>
+      <p:sp>
+        <p:nvSpPr>
+          <p:cNvPr id="213" name="PlaceHolder 1"/>
+          <p:cNvSpPr>
+            <a:spLocks noGrp="1"/>
+          </p:cNvSpPr>
+          <p:nvPr>
+            <p:ph type="body"/>
+          </p:nvPr>
+        </p:nvSpPr>
+        <p:spPr>
+          <a:xfrm>
+            <a:off x="685800" y="4343400"/>
+            <a:ext cx="5485680" cy="4114080"/>
+          </a:xfrm>
+          <a:prstGeom prst="rect">
+            <a:avLst/>
+          </a:prstGeom>
+        </p:spPr>
+        <p:txBody>
+          <a:bodyPr lIns="0" rIns="0" tIns="91440" bIns="91440"/>
+          <a:p>
+            <a:pPr marL="216000" indent="-215640">
+              <a:lnSpc>
+                <a:spcPct val="100000"/>
+              </a:lnSpc>
+            </a:pPr>
+            <a:r>
+              <a:rPr b="0" lang="en-US" sz="1100" spc="-1" strike="noStrike">
+                <a:latin typeface="Arial"/>
+              </a:rPr>
+              <a:t>Ons idee mondt uit tot deze hypothese of veronderstelling, mocht er iets misgaan met de apparatuur dan kan de technische dienst (of een mogelijke andere partij afhankelijk van de keuze die Burgers’ Zoo maakt over de eigenaarschap van het oplossen van eventuele problemen) alsnog ervoor zorgen dat het systeem werkende blijft en daarmee frustraties van de bezoekers voorkomt.</a:t>
+            </a:r>
+            <a:endParaRPr b="0" lang="en-US" sz="1100" spc="-1" strike="noStrike">
+              <a:latin typeface="Arial"/>
+            </a:endParaRPr>
+          </a:p>
+        </p:txBody>
+      </p:sp>
+    </p:spTree>
+  </p:cSld>
+</p:notes>
+</file>
+
+<file path=ppt/notesSlides/notesSlide20.xml><?xml version="1.0" encoding="utf-8"?>
+<p:notes xmlns:a="http://schemas.openxmlformats.org/drawingml/2006/main" xmlns:p="http://schemas.openxmlformats.org/presentationml/2006/main" xmlns:r="http://schemas.openxmlformats.org/officeDocument/2006/relationships" xmlns:p14="http://schemas.microsoft.com/office/powerpoint/2010/main" xmlns:p15="http://schemas.microsoft.com/office/powerpoint/2012/main" xmlns:mc="http://schemas.openxmlformats.org/markup-compatibility/2006">
+  <p:cSld>
+    <p:spTree>
+      <p:nvGrpSpPr>
+        <p:cNvPr id="1" name=""/>
+        <p:cNvGrpSpPr/>
+        <p:nvPr/>
+      </p:nvGrpSpPr>
+      <p:grpSpPr>
+        <a:xfrm>
+          <a:off x="0" y="0"/>
+          <a:ext cx="0" cy="0"/>
+          <a:chOff x="0" y="0"/>
+          <a:chExt cx="0" cy="0"/>
+        </a:xfrm>
+      </p:grpSpPr>
+      <p:sp>
+        <p:nvSpPr>
+          <p:cNvPr id="214" name="PlaceHolder 1"/>
           <p:cNvSpPr>
             <a:spLocks noGrp="1"/>
           </p:cNvSpPr>
@@ -5649,7 +5669,7 @@
       </p:grpSpPr>
       <p:pic>
         <p:nvPicPr>
-          <p:cNvPr id="165" name="Shape 129" descr=""/>
+          <p:cNvPr id="162" name="Shape 84" descr=""/>
           <p:cNvPicPr/>
           <p:nvPr/>
         </p:nvPicPr>
@@ -5659,8 +5679,8 @@
         </p:blipFill>
         <p:spPr>
           <a:xfrm>
-            <a:off x="5491080" y="0"/>
-            <a:ext cx="3652560" cy="5142600"/>
+            <a:off x="5076360" y="0"/>
+            <a:ext cx="4827600" cy="5211720"/>
           </a:xfrm>
           <a:prstGeom prst="rect">
             <a:avLst/>
@@ -5672,7 +5692,7 @@
       </p:pic>
       <p:sp>
         <p:nvSpPr>
-          <p:cNvPr id="166" name="CustomShape 1"/>
+          <p:cNvPr id="163" name="CustomShape 1"/>
           <p:cNvSpPr/>
           <p:nvPr/>
         </p:nvSpPr>
@@ -5706,12 +5726,12 @@
             <a:r>
               <a:rPr b="1" lang="en-US" sz="3600" spc="-1" strike="noStrike">
                 <a:solidFill>
-                  <a:srgbClr val="a4c512"/>
+                  <a:srgbClr val="7f8724"/>
                 </a:solidFill>
                 <a:latin typeface="Alegreya Sans"/>
                 <a:ea typeface="Alegreya Sans"/>
               </a:rPr>
-              <a:t>Oplossing</a:t>
+              <a:t>Admin app</a:t>
             </a:r>
             <a:endParaRPr b="0" lang="en-US" sz="3600" spc="-1" strike="noStrike">
               <a:latin typeface="Arial"/>
@@ -5721,14 +5741,14 @@
       </p:sp>
       <p:sp>
         <p:nvSpPr>
-          <p:cNvPr id="167" name="CustomShape 2"/>
+          <p:cNvPr id="164" name="CustomShape 2"/>
           <p:cNvSpPr/>
           <p:nvPr/>
         </p:nvSpPr>
         <p:spPr>
           <a:xfrm>
             <a:off x="623520" y="1152360"/>
-            <a:ext cx="5438160" cy="3415680"/>
+            <a:ext cx="8519760" cy="3415680"/>
           </a:xfrm>
           <a:prstGeom prst="rect">
             <a:avLst/>
@@ -5747,100 +5767,85 @@
         <p:txBody>
           <a:bodyPr lIns="90000" rIns="90000" tIns="91440" bIns="91440"/>
           <a:p>
-            <a:pPr marL="285840" indent="-285120">
+            <a:pPr>
               <a:lnSpc>
                 <a:spcPct val="100000"/>
               </a:lnSpc>
-              <a:spcAft>
-                <a:spcPts val="1599"/>
-              </a:spcAft>
-              <a:buClr>
-                <a:srgbClr val="595959"/>
-              </a:buClr>
-              <a:buFont typeface="StarSymbol"/>
-              <a:buChar char="-"/>
             </a:pPr>
-            <a:r>
-              <a:rPr b="0" lang="en-US" sz="1800" spc="-1" strike="noStrike">
-                <a:solidFill>
-                  <a:srgbClr val="595959"/>
-                </a:solidFill>
-                <a:latin typeface="Arial"/>
-                <a:ea typeface="Arial"/>
-              </a:rPr>
-              <a:t>NRF netwerk</a:t>
-            </a:r>
             <a:endParaRPr b="0" lang="en-US" sz="1800" spc="-1" strike="noStrike">
               <a:latin typeface="Arial"/>
             </a:endParaRPr>
           </a:p>
           <a:p>
-            <a:pPr marL="285840" indent="-285120">
+            <a:pPr>
               <a:lnSpc>
                 <a:spcPct val="100000"/>
               </a:lnSpc>
-              <a:spcAft>
-                <a:spcPts val="1599"/>
-              </a:spcAft>
-              <a:buClr>
-                <a:srgbClr val="595959"/>
-              </a:buClr>
-              <a:buFont typeface="StarSymbol"/>
-              <a:buChar char="-"/>
             </a:pPr>
-            <a:r>
-              <a:rPr b="0" lang="en-US" sz="1800" spc="-1" strike="noStrike">
-                <a:solidFill>
-                  <a:srgbClr val="595959"/>
-                </a:solidFill>
-                <a:latin typeface="Arial"/>
-                <a:ea typeface="Arial"/>
-              </a:rPr>
-              <a:t>Poten verbinden met een gateway</a:t>
-            </a:r>
             <a:endParaRPr b="0" lang="en-US" sz="1800" spc="-1" strike="noStrike">
               <a:latin typeface="Arial"/>
             </a:endParaRPr>
           </a:p>
-          <a:p>
-            <a:pPr marL="285840" indent="-285120">
-              <a:lnSpc>
-                <a:spcPct val="100000"/>
-              </a:lnSpc>
-              <a:spcAft>
-                <a:spcPts val="1599"/>
-              </a:spcAft>
-              <a:buClr>
-                <a:srgbClr val="595959"/>
-              </a:buClr>
-              <a:buFont typeface="StarSymbol"/>
-              <a:buChar char="-"/>
-            </a:pPr>
-            <a:r>
-              <a:rPr b="0" lang="en-US" sz="1800" spc="-1" strike="noStrike">
-                <a:solidFill>
-                  <a:srgbClr val="595959"/>
-                </a:solidFill>
-                <a:latin typeface="Arial"/>
-                <a:ea typeface="Arial"/>
-              </a:rPr>
-              <a:t>Mesh netwerk van repeaters (poten)</a:t>
-            </a:r>
-            <a:endParaRPr b="0" lang="en-US" sz="1800" spc="-1" strike="noStrike">
-              <a:latin typeface="Arial"/>
-            </a:endParaRPr>
-          </a:p>
-        </p:txBody>
-      </p:sp>
+        </p:txBody>
+      </p:sp>
+      <p:sp>
+        <p:nvSpPr>
+          <p:cNvPr id="165" name="CustomShape 3"/>
+          <p:cNvSpPr/>
+          <p:nvPr/>
+        </p:nvSpPr>
+        <p:spPr>
+          <a:xfrm>
+            <a:off x="775800" y="1305000"/>
+            <a:ext cx="8519760" cy="3415680"/>
+          </a:xfrm>
+          <a:prstGeom prst="rect">
+            <a:avLst/>
+          </a:prstGeom>
+          <a:noFill/>
+          <a:ln>
+            <a:noFill/>
+          </a:ln>
+        </p:spPr>
+        <p:style>
+          <a:lnRef idx="0"/>
+          <a:fillRef idx="0"/>
+          <a:effectRef idx="0"/>
+          <a:fontRef idx="minor"/>
+        </p:style>
+      </p:sp>
+      <p:pic>
+        <p:nvPicPr>
+          <p:cNvPr id="166" name="Shape 103" descr=""/>
+          <p:cNvPicPr/>
+          <p:nvPr/>
+        </p:nvPicPr>
+        <p:blipFill>
+          <a:blip r:embed="rId2"/>
+          <a:stretch/>
+        </p:blipFill>
+        <p:spPr>
+          <a:xfrm>
+            <a:off x="276840" y="1828800"/>
+            <a:ext cx="5436000" cy="3008880"/>
+          </a:xfrm>
+          <a:prstGeom prst="rect">
+            <a:avLst/>
+          </a:prstGeom>
+          <a:ln>
+            <a:noFill/>
+          </a:ln>
+        </p:spPr>
+      </p:pic>
     </p:spTree>
   </p:cSld>
   <p:timing>
     <p:tnLst>
       <p:par>
-        <p:cTn id="17" dur="indefinite" restart="never" nodeType="tmRoot">
+        <p:cTn id="19" dur="indefinite" restart="never" nodeType="tmRoot">
           <p:childTnLst>
             <p:seq>
-              <p:cTn id="18" nodeType="mainSeq"/>
+              <p:cTn id="20" nodeType="mainSeq"/>
               <p:prevCondLst>
                 <p:cond delay="0" evt="onPrev">
                   <p:tgtEl>
@@ -5883,43 +5888,42 @@
       </p:grpSpPr>
       <p:sp>
         <p:nvSpPr>
-          <p:cNvPr id="168" name="CustomShape 1"/>
-          <p:cNvSpPr/>
+          <p:cNvPr id="167" name="TextShape 1"/>
+          <p:cNvSpPr txBox="1"/>
           <p:nvPr/>
         </p:nvSpPr>
         <p:spPr>
           <a:xfrm>
-            <a:off x="0" y="0"/>
-            <a:ext cx="9143280" cy="5142960"/>
-          </a:xfrm>
-          <a:prstGeom prst="rect">
-            <a:avLst/>
-          </a:prstGeom>
-          <a:solidFill>
-            <a:srgbClr val="a4c512"/>
-          </a:solidFill>
+            <a:off x="311760" y="418320"/>
+            <a:ext cx="8519760" cy="625320"/>
+          </a:xfrm>
+          <a:prstGeom prst="rect">
+            <a:avLst/>
+          </a:prstGeom>
+          <a:noFill/>
           <a:ln>
-            <a:round/>
+            <a:noFill/>
           </a:ln>
         </p:spPr>
-        <p:style>
-          <a:lnRef idx="2">
-            <a:schemeClr val="accent1">
-              <a:shade val="50000"/>
-            </a:schemeClr>
-          </a:lnRef>
-          <a:fillRef idx="1">
-            <a:schemeClr val="accent1"/>
-          </a:fillRef>
-          <a:effectRef idx="0">
-            <a:schemeClr val="accent1"/>
-          </a:effectRef>
-          <a:fontRef idx="minor"/>
-        </p:style>
+        <p:txBody>
+          <a:bodyPr lIns="0" rIns="0" tIns="0" bIns="0" anchor="ctr"/>
+          <a:p>
+            <a:pPr algn="ctr"/>
+            <a:r>
+              <a:rPr b="0" lang="en-US" sz="4400" spc="-1" strike="noStrike">
+                <a:latin typeface="Arial"/>
+              </a:rPr>
+              <a:t>Tools</a:t>
+            </a:r>
+            <a:endParaRPr b="0" lang="en-US" sz="4400" spc="-1" strike="noStrike">
+              <a:latin typeface="Arial"/>
+            </a:endParaRPr>
+          </a:p>
+        </p:txBody>
       </p:sp>
       <p:pic>
         <p:nvPicPr>
-          <p:cNvPr id="169" name="Shape 129" descr=""/>
+          <p:cNvPr id="168" name="" descr=""/>
           <p:cNvPicPr/>
           <p:nvPr/>
         </p:nvPicPr>
@@ -5929,8 +5933,8 @@
         </p:blipFill>
         <p:spPr>
           <a:xfrm>
-            <a:off x="5491080" y="0"/>
-            <a:ext cx="3652560" cy="5142600"/>
+            <a:off x="6400800" y="2828880"/>
+            <a:ext cx="2468880" cy="2108880"/>
           </a:xfrm>
           <a:prstGeom prst="rect">
             <a:avLst/>
@@ -5940,81 +5944,75 @@
           </a:ln>
         </p:spPr>
       </p:pic>
-      <p:sp>
-        <p:nvSpPr>
-          <p:cNvPr id="170" name="CustomShape 2"/>
-          <p:cNvSpPr/>
+      <p:pic>
+        <p:nvPicPr>
+          <p:cNvPr id="169" name="" descr=""/>
+          <p:cNvPicPr/>
           <p:nvPr/>
-        </p:nvSpPr>
-        <p:spPr>
-          <a:xfrm>
-            <a:off x="623520" y="444960"/>
-            <a:ext cx="8519760" cy="572040"/>
-          </a:xfrm>
-          <a:prstGeom prst="rect">
-            <a:avLst/>
-          </a:prstGeom>
-          <a:noFill/>
+        </p:nvPicPr>
+        <p:blipFill>
+          <a:blip r:embed="rId2"/>
+          <a:stretch/>
+        </p:blipFill>
+        <p:spPr>
+          <a:xfrm>
+            <a:off x="182880" y="3931920"/>
+            <a:ext cx="4105080" cy="1114200"/>
+          </a:xfrm>
+          <a:prstGeom prst="rect">
+            <a:avLst/>
+          </a:prstGeom>
           <a:ln>
             <a:noFill/>
           </a:ln>
         </p:spPr>
-        <p:style>
-          <a:lnRef idx="0"/>
-          <a:fillRef idx="0"/>
-          <a:effectRef idx="0"/>
-          <a:fontRef idx="minor"/>
-        </p:style>
-        <p:txBody>
-          <a:bodyPr lIns="90000" rIns="90000" tIns="91440" bIns="91440"/>
-          <a:p>
-            <a:pPr>
-              <a:lnSpc>
-                <a:spcPct val="100000"/>
-              </a:lnSpc>
-            </a:pPr>
-            <a:r>
-              <a:rPr b="1" lang="en-US" sz="3600" spc="-1" strike="noStrike">
-                <a:solidFill>
-                  <a:srgbClr val="ffffff"/>
-                </a:solidFill>
-                <a:latin typeface="Alegreya Sans"/>
-                <a:ea typeface="Alegreya Sans"/>
-              </a:rPr>
-              <a:t>Architectuur IOT</a:t>
-            </a:r>
-            <a:endParaRPr b="0" lang="en-US" sz="3600" spc="-1" strike="noStrike">
-              <a:latin typeface="Arial"/>
-            </a:endParaRPr>
-          </a:p>
-        </p:txBody>
-      </p:sp>
-      <p:sp>
-        <p:nvSpPr>
-          <p:cNvPr id="171" name="CustomShape 3"/>
-          <p:cNvSpPr/>
+      </p:pic>
+      <p:pic>
+        <p:nvPicPr>
+          <p:cNvPr id="170" name="" descr=""/>
+          <p:cNvPicPr/>
           <p:nvPr/>
-        </p:nvSpPr>
-        <p:spPr>
-          <a:xfrm>
-            <a:off x="623520" y="1152360"/>
-            <a:ext cx="5438160" cy="3415680"/>
-          </a:xfrm>
-          <a:prstGeom prst="rect">
-            <a:avLst/>
-          </a:prstGeom>
-          <a:noFill/>
+        </p:nvPicPr>
+        <p:blipFill>
+          <a:blip r:embed="rId3"/>
+          <a:stretch/>
+        </p:blipFill>
+        <p:spPr>
+          <a:xfrm>
+            <a:off x="74880" y="202320"/>
+            <a:ext cx="4154040" cy="3772800"/>
+          </a:xfrm>
+          <a:prstGeom prst="rect">
+            <a:avLst/>
+          </a:prstGeom>
           <a:ln>
             <a:noFill/>
           </a:ln>
         </p:spPr>
-        <p:style>
-          <a:lnRef idx="0"/>
-          <a:fillRef idx="0"/>
-          <a:effectRef idx="0"/>
-          <a:fontRef idx="minor"/>
-        </p:style>
-      </p:sp>
+      </p:pic>
+      <p:pic>
+        <p:nvPicPr>
+          <p:cNvPr id="171" name="" descr=""/>
+          <p:cNvPicPr/>
+          <p:nvPr/>
+        </p:nvPicPr>
+        <p:blipFill>
+          <a:blip r:embed="rId4"/>
+          <a:stretch/>
+        </p:blipFill>
+        <p:spPr>
+          <a:xfrm>
+            <a:off x="6535440" y="0"/>
+            <a:ext cx="2882880" cy="2560320"/>
+          </a:xfrm>
+          <a:prstGeom prst="rect">
+            <a:avLst/>
+          </a:prstGeom>
+          <a:ln>
+            <a:noFill/>
+          </a:ln>
+        </p:spPr>
+      </p:pic>
       <p:pic>
         <p:nvPicPr>
           <p:cNvPr id="172" name="" descr=""/>
@@ -6022,13 +6020,13 @@
           <p:nvPr/>
         </p:nvPicPr>
         <p:blipFill>
-          <a:blip r:embed="rId2"/>
+          <a:blip r:embed="rId5"/>
           <a:stretch/>
         </p:blipFill>
         <p:spPr>
           <a:xfrm>
-            <a:off x="0" y="1097280"/>
-            <a:ext cx="9143640" cy="4046040"/>
+            <a:off x="3421080" y="1371600"/>
+            <a:ext cx="3326040" cy="2034360"/>
           </a:xfrm>
           <a:prstGeom prst="rect">
             <a:avLst/>
@@ -6043,10 +6041,10 @@
   <p:timing>
     <p:tnLst>
       <p:par>
-        <p:cTn id="19" dur="indefinite" restart="never" nodeType="tmRoot">
+        <p:cTn id="21" dur="indefinite" restart="never" nodeType="tmRoot">
           <p:childTnLst>
             <p:seq>
-              <p:cTn id="20" nodeType="mainSeq"/>
+              <p:cTn id="22" nodeType="mainSeq"/>
               <p:prevCondLst>
                 <p:cond delay="0" evt="onPrev">
                   <p:tgtEl>
@@ -6089,43 +6087,36 @@
       </p:grpSpPr>
       <p:sp>
         <p:nvSpPr>
-          <p:cNvPr id="173" name="CustomShape 1"/>
-          <p:cNvSpPr/>
+          <p:cNvPr id="173" name="TextShape 1"/>
+          <p:cNvSpPr txBox="1"/>
           <p:nvPr/>
         </p:nvSpPr>
         <p:spPr>
           <a:xfrm>
-            <a:off x="0" y="0"/>
-            <a:ext cx="9143280" cy="5142960"/>
-          </a:xfrm>
-          <a:prstGeom prst="rect">
-            <a:avLst/>
-          </a:prstGeom>
-          <a:solidFill>
-            <a:srgbClr val="a4c512"/>
-          </a:solidFill>
+            <a:off x="311760" y="418320"/>
+            <a:ext cx="8519760" cy="625320"/>
+          </a:xfrm>
+          <a:prstGeom prst="rect">
+            <a:avLst/>
+          </a:prstGeom>
+          <a:noFill/>
           <a:ln>
-            <a:round/>
+            <a:noFill/>
           </a:ln>
         </p:spPr>
-        <p:style>
-          <a:lnRef idx="2">
-            <a:schemeClr val="accent1">
-              <a:shade val="50000"/>
-            </a:schemeClr>
-          </a:lnRef>
-          <a:fillRef idx="1">
-            <a:schemeClr val="accent1"/>
-          </a:fillRef>
-          <a:effectRef idx="0">
-            <a:schemeClr val="accent1"/>
-          </a:effectRef>
-          <a:fontRef idx="minor"/>
-        </p:style>
+        <p:txBody>
+          <a:bodyPr lIns="0" rIns="0" tIns="0" bIns="0" anchor="ctr"/>
+          <a:p>
+            <a:pPr algn="ctr"/>
+            <a:endParaRPr b="0" lang="en-US" sz="4400" spc="-1" strike="noStrike">
+              <a:latin typeface="Arial"/>
+            </a:endParaRPr>
+          </a:p>
+        </p:txBody>
       </p:sp>
       <p:pic>
         <p:nvPicPr>
-          <p:cNvPr id="174" name="Shape 129" descr=""/>
+          <p:cNvPr id="174" name="" descr=""/>
           <p:cNvPicPr/>
           <p:nvPr/>
         </p:nvPicPr>
@@ -6135,8 +6126,8 @@
         </p:blipFill>
         <p:spPr>
           <a:xfrm>
-            <a:off x="5491080" y="0"/>
-            <a:ext cx="3652560" cy="5142600"/>
+            <a:off x="365760" y="1463040"/>
+            <a:ext cx="2718360" cy="3415680"/>
           </a:xfrm>
           <a:prstGeom prst="rect">
             <a:avLst/>
@@ -6146,233 +6137,61 @@
           </a:ln>
         </p:spPr>
       </p:pic>
-      <p:sp>
-        <p:nvSpPr>
-          <p:cNvPr id="175" name="CustomShape 2"/>
-          <p:cNvSpPr/>
+      <p:pic>
+        <p:nvPicPr>
+          <p:cNvPr id="175" name="" descr=""/>
+          <p:cNvPicPr/>
           <p:nvPr/>
-        </p:nvSpPr>
-        <p:spPr>
-          <a:xfrm>
-            <a:off x="623520" y="444960"/>
-            <a:ext cx="8519760" cy="572040"/>
-          </a:xfrm>
-          <a:prstGeom prst="rect">
-            <a:avLst/>
-          </a:prstGeom>
-          <a:noFill/>
+        </p:nvPicPr>
+        <p:blipFill>
+          <a:blip r:embed="rId2"/>
+          <a:stretch/>
+        </p:blipFill>
+        <p:spPr>
+          <a:xfrm>
+            <a:off x="4754880" y="1371600"/>
+            <a:ext cx="2742840" cy="1885680"/>
+          </a:xfrm>
+          <a:prstGeom prst="rect">
+            <a:avLst/>
+          </a:prstGeom>
           <a:ln>
             <a:noFill/>
           </a:ln>
         </p:spPr>
-        <p:style>
-          <a:lnRef idx="0"/>
-          <a:fillRef idx="0"/>
-          <a:effectRef idx="0"/>
-          <a:fontRef idx="minor"/>
-        </p:style>
-        <p:txBody>
-          <a:bodyPr lIns="90000" rIns="90000" tIns="91440" bIns="91440"/>
-          <a:p>
-            <a:pPr>
-              <a:lnSpc>
-                <a:spcPct val="100000"/>
-              </a:lnSpc>
-            </a:pPr>
-            <a:r>
-              <a:rPr b="1" lang="en-US" sz="3600" spc="-1" strike="noStrike">
-                <a:solidFill>
-                  <a:srgbClr val="ffffff"/>
-                </a:solidFill>
-                <a:latin typeface="Alegreya Sans"/>
-                <a:ea typeface="Alegreya Sans"/>
-              </a:rPr>
-              <a:t>Testing</a:t>
-            </a:r>
-            <a:endParaRPr b="0" lang="en-US" sz="3600" spc="-1" strike="noStrike">
-              <a:latin typeface="Arial"/>
-            </a:endParaRPr>
-          </a:p>
-        </p:txBody>
-      </p:sp>
-      <p:sp>
-        <p:nvSpPr>
-          <p:cNvPr id="176" name="CustomShape 3"/>
-          <p:cNvSpPr/>
+      </p:pic>
+      <p:pic>
+        <p:nvPicPr>
+          <p:cNvPr id="176" name="" descr=""/>
+          <p:cNvPicPr/>
           <p:nvPr/>
-        </p:nvSpPr>
-        <p:spPr>
-          <a:xfrm>
-            <a:off x="623520" y="1152360"/>
-            <a:ext cx="5438160" cy="3415680"/>
-          </a:xfrm>
-          <a:prstGeom prst="rect">
-            <a:avLst/>
-          </a:prstGeom>
-          <a:noFill/>
+        </p:nvPicPr>
+        <p:blipFill>
+          <a:blip r:embed="rId3"/>
+          <a:stretch/>
+        </p:blipFill>
+        <p:spPr>
+          <a:xfrm>
+            <a:off x="5833440" y="3370680"/>
+            <a:ext cx="3224880" cy="2069280"/>
+          </a:xfrm>
+          <a:prstGeom prst="rect">
+            <a:avLst/>
+          </a:prstGeom>
           <a:ln>
             <a:noFill/>
           </a:ln>
         </p:spPr>
-        <p:style>
-          <a:lnRef idx="0"/>
-          <a:fillRef idx="0"/>
-          <a:effectRef idx="0"/>
-          <a:fontRef idx="minor"/>
-        </p:style>
-        <p:txBody>
-          <a:bodyPr lIns="90000" rIns="90000" tIns="91440" bIns="91440"/>
-          <a:p>
-            <a:pPr marL="285840" indent="-285120">
-              <a:lnSpc>
-                <a:spcPct val="100000"/>
-              </a:lnSpc>
-              <a:spcAft>
-                <a:spcPts val="1599"/>
-              </a:spcAft>
-              <a:buClr>
-                <a:srgbClr val="ffffff"/>
-              </a:buClr>
-              <a:buFont typeface="StarSymbol"/>
-              <a:buChar char="-"/>
-            </a:pPr>
-            <a:r>
-              <a:rPr b="0" lang="en-US" sz="1800" spc="-1" strike="noStrike">
-                <a:solidFill>
-                  <a:srgbClr val="ffffff"/>
-                </a:solidFill>
-                <a:latin typeface="Arial"/>
-                <a:ea typeface="Arial"/>
-              </a:rPr>
-              <a:t>Field Trial</a:t>
-            </a:r>
-            <a:endParaRPr b="0" lang="en-US" sz="1800" spc="-1" strike="noStrike">
-              <a:latin typeface="Arial"/>
-            </a:endParaRPr>
-          </a:p>
-          <a:p>
-            <a:pPr lvl="1" marL="285840" indent="-285120">
-              <a:lnSpc>
-                <a:spcPct val="100000"/>
-              </a:lnSpc>
-              <a:spcAft>
-                <a:spcPts val="1599"/>
-              </a:spcAft>
-              <a:buClr>
-                <a:srgbClr val="ffffff"/>
-              </a:buClr>
-              <a:buFont typeface="StarSymbol"/>
-              <a:buChar char="-"/>
-            </a:pPr>
-            <a:r>
-              <a:rPr b="0" lang="en-US" sz="1400" spc="-1" strike="noStrike">
-                <a:solidFill>
-                  <a:srgbClr val="ffffff"/>
-                </a:solidFill>
-                <a:latin typeface="Arial"/>
-                <a:ea typeface="Arial"/>
-              </a:rPr>
-              <a:t>6 pootjes</a:t>
-            </a:r>
-            <a:endParaRPr b="0" lang="en-US" sz="1400" spc="-1" strike="noStrike">
-              <a:latin typeface="Arial"/>
-            </a:endParaRPr>
-          </a:p>
-          <a:p>
-            <a:pPr lvl="1" marL="285840" indent="-285120">
-              <a:lnSpc>
-                <a:spcPct val="100000"/>
-              </a:lnSpc>
-              <a:spcAft>
-                <a:spcPts val="1599"/>
-              </a:spcAft>
-              <a:buClr>
-                <a:srgbClr val="ffffff"/>
-              </a:buClr>
-              <a:buFont typeface="StarSymbol"/>
-              <a:buChar char="-"/>
-            </a:pPr>
-            <a:r>
-              <a:rPr b="0" lang="en-US" sz="1400" spc="-1" strike="noStrike">
-                <a:solidFill>
-                  <a:srgbClr val="ffffff"/>
-                </a:solidFill>
-                <a:latin typeface="Arial"/>
-                <a:ea typeface="Arial"/>
-              </a:rPr>
-              <a:t>Locatie: Mangrove</a:t>
-            </a:r>
-            <a:endParaRPr b="0" lang="en-US" sz="1400" spc="-1" strike="noStrike">
-              <a:latin typeface="Arial"/>
-            </a:endParaRPr>
-          </a:p>
-          <a:p>
-            <a:pPr lvl="1" marL="285840" indent="-285120">
-              <a:lnSpc>
-                <a:spcPct val="100000"/>
-              </a:lnSpc>
-              <a:spcAft>
-                <a:spcPts val="1599"/>
-              </a:spcAft>
-              <a:buClr>
-                <a:srgbClr val="ffffff"/>
-              </a:buClr>
-              <a:buFont typeface="StarSymbol"/>
-              <a:buChar char="-"/>
-            </a:pPr>
-            <a:r>
-              <a:rPr b="0" lang="en-US" sz="1400" spc="-1" strike="noStrike">
-                <a:solidFill>
-                  <a:srgbClr val="ffffff"/>
-                </a:solidFill>
-                <a:latin typeface="Arial"/>
-                <a:ea typeface="Arial"/>
-              </a:rPr>
-              <a:t>Educatie + Kids Club</a:t>
-            </a:r>
-            <a:endParaRPr b="0" lang="en-US" sz="1400" spc="-1" strike="noStrike">
-              <a:latin typeface="Arial"/>
-            </a:endParaRPr>
-          </a:p>
-          <a:p>
-            <a:pPr lvl="1" marL="285840" indent="-285120">
-              <a:lnSpc>
-                <a:spcPct val="100000"/>
-              </a:lnSpc>
-              <a:spcAft>
-                <a:spcPts val="1599"/>
-              </a:spcAft>
-              <a:buClr>
-                <a:srgbClr val="ffffff"/>
-              </a:buClr>
-              <a:buFont typeface="StarSymbol"/>
-              <a:buChar char="-"/>
-            </a:pPr>
-            <a:r>
-              <a:rPr b="0" lang="en-US" sz="1400" spc="-1" strike="noStrike">
-                <a:solidFill>
-                  <a:srgbClr val="ffffff"/>
-                </a:solidFill>
-                <a:latin typeface="Arial"/>
-                <a:ea typeface="Arial"/>
-              </a:rPr>
-              <a:t>Technische Dienst</a:t>
-            </a:r>
-            <a:endParaRPr b="0" lang="en-US" sz="1400" spc="-1" strike="noStrike">
-              <a:latin typeface="Arial"/>
-            </a:endParaRPr>
-          </a:p>
-        </p:txBody>
-      </p:sp>
+      </p:pic>
     </p:spTree>
   </p:cSld>
   <p:timing>
     <p:tnLst>
       <p:par>
-        <p:cTn id="21" dur="indefinite" restart="never" nodeType="tmRoot">
+        <p:cTn id="23" dur="indefinite" restart="never" nodeType="tmRoot">
           <p:childTnLst>
             <p:seq>
-              <p:cTn id="22" nodeType="mainSeq"/>
+              <p:cTn id="24" nodeType="mainSeq"/>
               <p:prevCondLst>
                 <p:cond delay="0" evt="onPrev">
                   <p:tgtEl>
@@ -6422,13 +6241,13 @@
         <p:spPr>
           <a:xfrm>
             <a:off x="0" y="0"/>
-            <a:ext cx="9143280" cy="5142600"/>
+            <a:ext cx="9143280" cy="5142960"/>
           </a:xfrm>
           <a:prstGeom prst="rect">
             <a:avLst/>
           </a:prstGeom>
           <a:solidFill>
-            <a:srgbClr val="1799cd"/>
+            <a:srgbClr val="a4c512"/>
           </a:solidFill>
           <a:ln>
             <a:round/>
@@ -6451,7 +6270,7 @@
       </p:sp>
       <p:pic>
         <p:nvPicPr>
-          <p:cNvPr id="178" name="Shape 171" descr=""/>
+          <p:cNvPr id="178" name="Shape 129" descr=""/>
           <p:cNvPicPr/>
           <p:nvPr/>
         </p:nvPicPr>
@@ -6461,8 +6280,8 @@
         </p:blipFill>
         <p:spPr>
           <a:xfrm>
-            <a:off x="6100920" y="0"/>
-            <a:ext cx="3042720" cy="5142600"/>
+            <a:off x="5491080" y="0"/>
+            <a:ext cx="3652560" cy="5142600"/>
           </a:xfrm>
           <a:prstGeom prst="rect">
             <a:avLst/>
@@ -6480,8 +6299,8 @@
         </p:nvSpPr>
         <p:spPr>
           <a:xfrm>
-            <a:off x="253440" y="1760400"/>
-            <a:ext cx="6300720" cy="1621440"/>
+            <a:off x="623520" y="444960"/>
+            <a:ext cx="8519760" cy="572040"/>
           </a:xfrm>
           <a:prstGeom prst="rect">
             <a:avLst/>
@@ -6500,7 +6319,7 @@
         <p:txBody>
           <a:bodyPr lIns="90000" rIns="90000" tIns="91440" bIns="91440"/>
           <a:p>
-            <a:pPr algn="ctr">
+            <a:pPr>
               <a:lnSpc>
                 <a:spcPct val="100000"/>
               </a:lnSpc>
@@ -6513,31 +6332,178 @@
                 <a:latin typeface="Alegreya Sans"/>
                 <a:ea typeface="Alegreya Sans"/>
               </a:rPr>
-              <a:t>Vragen?</a:t>
+              <a:t>Testing</a:t>
             </a:r>
-            <a:br/>
+            <a:endParaRPr b="0" lang="en-US" sz="3600" spc="-1" strike="noStrike">
+              <a:latin typeface="Arial"/>
+            </a:endParaRPr>
+          </a:p>
+        </p:txBody>
+      </p:sp>
+      <p:sp>
+        <p:nvSpPr>
+          <p:cNvPr id="180" name="CustomShape 3"/>
+          <p:cNvSpPr/>
+          <p:nvPr/>
+        </p:nvSpPr>
+        <p:spPr>
+          <a:xfrm>
+            <a:off x="623520" y="1152360"/>
+            <a:ext cx="5438160" cy="3415680"/>
+          </a:xfrm>
+          <a:prstGeom prst="rect">
+            <a:avLst/>
+          </a:prstGeom>
+          <a:noFill/>
+          <a:ln>
+            <a:noFill/>
+          </a:ln>
+        </p:spPr>
+        <p:style>
+          <a:lnRef idx="0"/>
+          <a:fillRef idx="0"/>
+          <a:effectRef idx="0"/>
+          <a:fontRef idx="minor"/>
+        </p:style>
+        <p:txBody>
+          <a:bodyPr lIns="90000" rIns="90000" tIns="91440" bIns="91440"/>
+          <a:p>
+            <a:pPr marL="285840" indent="-285120">
+              <a:lnSpc>
+                <a:spcPct val="100000"/>
+              </a:lnSpc>
+              <a:spcAft>
+                <a:spcPts val="1599"/>
+              </a:spcAft>
+              <a:buClr>
+                <a:srgbClr val="ffffff"/>
+              </a:buClr>
+              <a:buFont typeface="StarSymbol"/>
+              <a:buChar char="-"/>
+            </a:pPr>
             <a:r>
-              <a:rPr b="1" lang="en-US" sz="3600" spc="-1" strike="noStrike">
+              <a:rPr b="0" lang="en-US" sz="1800" spc="-1" strike="noStrike">
                 <a:solidFill>
                   <a:srgbClr val="ffffff"/>
                 </a:solidFill>
-                <a:latin typeface="Alegreya Sans"/>
-                <a:ea typeface="Alegreya Sans"/>
+                <a:latin typeface="Arial"/>
+                <a:ea typeface="Arial"/>
               </a:rPr>
-              <a:t>Opmerkingen?</a:t>
+              <a:t>Field Trial</a:t>
             </a:r>
-            <a:br/>
+            <a:endParaRPr b="0" lang="en-US" sz="1800" spc="-1" strike="noStrike">
+              <a:latin typeface="Arial"/>
+            </a:endParaRPr>
+          </a:p>
+          <a:p>
+            <a:pPr lvl="1" marL="285840" indent="-285120">
+              <a:lnSpc>
+                <a:spcPct val="100000"/>
+              </a:lnSpc>
+              <a:spcAft>
+                <a:spcPts val="1599"/>
+              </a:spcAft>
+              <a:buClr>
+                <a:srgbClr val="ffffff"/>
+              </a:buClr>
+              <a:buFont typeface="StarSymbol"/>
+              <a:buChar char="-"/>
+            </a:pPr>
             <a:r>
-              <a:rPr b="1" lang="en-US" sz="3600" spc="-1" strike="noStrike">
+              <a:rPr b="0" lang="en-US" sz="1400" spc="-1" strike="noStrike">
                 <a:solidFill>
                   <a:srgbClr val="ffffff"/>
                 </a:solidFill>
-                <a:latin typeface="Alegreya Sans"/>
-                <a:ea typeface="Alegreya Sans"/>
+                <a:latin typeface="Arial"/>
+                <a:ea typeface="Arial"/>
               </a:rPr>
-              <a:t>Suggesties?</a:t>
+              <a:t>6 pootjes</a:t>
             </a:r>
-            <a:endParaRPr b="0" lang="en-US" sz="3600" spc="-1" strike="noStrike">
+            <a:endParaRPr b="0" lang="en-US" sz="1400" spc="-1" strike="noStrike">
+              <a:latin typeface="Arial"/>
+            </a:endParaRPr>
+          </a:p>
+          <a:p>
+            <a:pPr lvl="1" marL="285840" indent="-285120">
+              <a:lnSpc>
+                <a:spcPct val="100000"/>
+              </a:lnSpc>
+              <a:spcAft>
+                <a:spcPts val="1599"/>
+              </a:spcAft>
+              <a:buClr>
+                <a:srgbClr val="ffffff"/>
+              </a:buClr>
+              <a:buFont typeface="StarSymbol"/>
+              <a:buChar char="-"/>
+            </a:pPr>
+            <a:r>
+              <a:rPr b="0" lang="en-US" sz="1400" spc="-1" strike="noStrike">
+                <a:solidFill>
+                  <a:srgbClr val="ffffff"/>
+                </a:solidFill>
+                <a:latin typeface="Arial"/>
+                <a:ea typeface="Arial"/>
+              </a:rPr>
+              <a:t>Locatie: Mangrove</a:t>
+            </a:r>
+            <a:endParaRPr b="0" lang="en-US" sz="1400" spc="-1" strike="noStrike">
+              <a:latin typeface="Arial"/>
+            </a:endParaRPr>
+          </a:p>
+          <a:p>
+            <a:pPr lvl="1" marL="285840" indent="-285120">
+              <a:lnSpc>
+                <a:spcPct val="100000"/>
+              </a:lnSpc>
+              <a:spcAft>
+                <a:spcPts val="1599"/>
+              </a:spcAft>
+              <a:buClr>
+                <a:srgbClr val="ffffff"/>
+              </a:buClr>
+              <a:buFont typeface="StarSymbol"/>
+              <a:buChar char="-"/>
+            </a:pPr>
+            <a:r>
+              <a:rPr b="0" lang="en-US" sz="1400" spc="-1" strike="noStrike">
+                <a:solidFill>
+                  <a:srgbClr val="ffffff"/>
+                </a:solidFill>
+                <a:latin typeface="Arial"/>
+                <a:ea typeface="Arial"/>
+              </a:rPr>
+              <a:t>Educatie + Kids Club</a:t>
+            </a:r>
+            <a:endParaRPr b="0" lang="en-US" sz="1400" spc="-1" strike="noStrike">
+              <a:latin typeface="Arial"/>
+            </a:endParaRPr>
+          </a:p>
+          <a:p>
+            <a:pPr lvl="1" marL="285840" indent="-285120">
+              <a:lnSpc>
+                <a:spcPct val="100000"/>
+              </a:lnSpc>
+              <a:spcAft>
+                <a:spcPts val="1599"/>
+              </a:spcAft>
+              <a:buClr>
+                <a:srgbClr val="ffffff"/>
+              </a:buClr>
+              <a:buFont typeface="StarSymbol"/>
+              <a:buChar char="-"/>
+            </a:pPr>
+            <a:r>
+              <a:rPr b="0" lang="en-US" sz="1400" spc="-1" strike="noStrike">
+                <a:solidFill>
+                  <a:srgbClr val="ffffff"/>
+                </a:solidFill>
+                <a:latin typeface="Arial"/>
+                <a:ea typeface="Arial"/>
+              </a:rPr>
+              <a:t>Technische Dienst</a:t>
+            </a:r>
+            <a:endParaRPr b="0" lang="en-US" sz="1400" spc="-1" strike="noStrike">
               <a:latin typeface="Arial"/>
             </a:endParaRPr>
           </a:p>
@@ -6548,10 +6514,10 @@
   <p:timing>
     <p:tnLst>
       <p:par>
-        <p:cTn id="23" dur="indefinite" restart="never" nodeType="tmRoot">
+        <p:cTn id="25" dur="indefinite" restart="never" nodeType="tmRoot">
           <p:childTnLst>
             <p:seq>
-              <p:cTn id="24" nodeType="mainSeq"/>
+              <p:cTn id="26" nodeType="mainSeq"/>
               <p:prevCondLst>
                 <p:cond delay="0" evt="onPrev">
                   <p:tgtEl>
@@ -6594,26 +6560,80 @@
       </p:grpSpPr>
       <p:sp>
         <p:nvSpPr>
-          <p:cNvPr id="180" name="CustomShape 1"/>
+          <p:cNvPr id="181" name="CustomShape 1"/>
           <p:cNvSpPr/>
           <p:nvPr/>
         </p:nvSpPr>
         <p:spPr>
           <a:xfrm>
             <a:off x="0" y="0"/>
-            <a:ext cx="9143280" cy="5142960"/>
+            <a:ext cx="9143280" cy="5142600"/>
           </a:xfrm>
           <a:prstGeom prst="rect">
             <a:avLst/>
           </a:prstGeom>
           <a:solidFill>
-            <a:srgbClr val="ba1816"/>
+            <a:srgbClr val="1799cd"/>
           </a:solidFill>
-          <a:ln w="9360">
-            <a:solidFill>
-              <a:schemeClr val="dk2"/>
-            </a:solidFill>
+          <a:ln>
             <a:round/>
+          </a:ln>
+        </p:spPr>
+        <p:style>
+          <a:lnRef idx="2">
+            <a:schemeClr val="accent1">
+              <a:shade val="50000"/>
+            </a:schemeClr>
+          </a:lnRef>
+          <a:fillRef idx="1">
+            <a:schemeClr val="accent1"/>
+          </a:fillRef>
+          <a:effectRef idx="0">
+            <a:schemeClr val="accent1"/>
+          </a:effectRef>
+          <a:fontRef idx="minor"/>
+        </p:style>
+      </p:sp>
+      <p:pic>
+        <p:nvPicPr>
+          <p:cNvPr id="182" name="Shape 171" descr=""/>
+          <p:cNvPicPr/>
+          <p:nvPr/>
+        </p:nvPicPr>
+        <p:blipFill>
+          <a:blip r:embed="rId1"/>
+          <a:stretch/>
+        </p:blipFill>
+        <p:spPr>
+          <a:xfrm>
+            <a:off x="6100920" y="0"/>
+            <a:ext cx="3042720" cy="5142600"/>
+          </a:xfrm>
+          <a:prstGeom prst="rect">
+            <a:avLst/>
+          </a:prstGeom>
+          <a:ln>
+            <a:noFill/>
+          </a:ln>
+        </p:spPr>
+      </p:pic>
+      <p:sp>
+        <p:nvSpPr>
+          <p:cNvPr id="183" name="CustomShape 2"/>
+          <p:cNvSpPr/>
+          <p:nvPr/>
+        </p:nvSpPr>
+        <p:spPr>
+          <a:xfrm>
+            <a:off x="253440" y="1760400"/>
+            <a:ext cx="6300720" cy="1621440"/>
+          </a:xfrm>
+          <a:prstGeom prst="rect">
+            <a:avLst/>
+          </a:prstGeom>
+          <a:noFill/>
+          <a:ln>
+            <a:noFill/>
           </a:ln>
         </p:spPr>
         <p:style>
@@ -6622,253 +6642,41 @@
           <a:effectRef idx="0"/>
           <a:fontRef idx="minor"/>
         </p:style>
-      </p:sp>
-      <p:sp>
-        <p:nvSpPr>
-          <p:cNvPr id="181" name="CustomShape 2"/>
-          <p:cNvSpPr/>
-          <p:nvPr/>
-        </p:nvSpPr>
-        <p:spPr>
-          <a:xfrm>
-            <a:off x="0" y="1762920"/>
-            <a:ext cx="5556240" cy="904680"/>
-          </a:xfrm>
-          <a:prstGeom prst="rect">
-            <a:avLst/>
-          </a:prstGeom>
-          <a:noFill/>
-          <a:ln>
-            <a:noFill/>
-          </a:ln>
-        </p:spPr>
-        <p:style>
-          <a:lnRef idx="0"/>
-          <a:fillRef idx="0"/>
-          <a:effectRef idx="0"/>
-          <a:fontRef idx="minor"/>
-        </p:style>
-        <p:txBody>
-          <a:bodyPr lIns="90000" rIns="90000" tIns="91440" bIns="91440" anchor="b"/>
+        <p:txBody>
+          <a:bodyPr lIns="90000" rIns="90000" tIns="91440" bIns="91440"/>
           <a:p>
             <a:pPr algn="ctr">
               <a:lnSpc>
                 <a:spcPct val="100000"/>
               </a:lnSpc>
             </a:pPr>
+            <a:br/>
             <a:r>
-              <a:rPr b="1" lang="en-US" sz="4800" spc="-1" strike="noStrike">
+              <a:rPr b="1" lang="en-US" sz="3600" spc="-1" strike="noStrike">
                 <a:solidFill>
                   <a:srgbClr val="ffffff"/>
                 </a:solidFill>
                 <a:latin typeface="Alegreya Sans"/>
                 <a:ea typeface="Alegreya Sans"/>
               </a:rPr>
-              <a:t>Burgers’ Zoo</a:t>
+              <a:t>Demo</a:t>
             </a:r>
-            <a:endParaRPr b="0" lang="en-US" sz="4800" spc="-1" strike="noStrike">
-              <a:latin typeface="Arial"/>
-            </a:endParaRPr>
-          </a:p>
-        </p:txBody>
-      </p:sp>
-      <p:sp>
-        <p:nvSpPr>
-          <p:cNvPr id="182" name="CustomShape 3"/>
-          <p:cNvSpPr/>
-          <p:nvPr/>
-        </p:nvSpPr>
-        <p:spPr>
-          <a:xfrm>
-            <a:off x="641880" y="2668320"/>
-            <a:ext cx="3960360" cy="792000"/>
-          </a:xfrm>
-          <a:prstGeom prst="rect">
-            <a:avLst/>
-          </a:prstGeom>
-          <a:noFill/>
-          <a:ln>
-            <a:noFill/>
-          </a:ln>
-        </p:spPr>
-        <p:style>
-          <a:lnRef idx="0"/>
-          <a:fillRef idx="0"/>
-          <a:effectRef idx="0"/>
-          <a:fontRef idx="minor"/>
-        </p:style>
-        <p:txBody>
-          <a:bodyPr lIns="90000" rIns="90000" tIns="91440" bIns="91440"/>
-          <a:p>
-            <a:pPr algn="ctr">
-              <a:lnSpc>
-                <a:spcPct val="100000"/>
-              </a:lnSpc>
-            </a:pPr>
-            <a:r>
-              <a:rPr b="0" lang="en-US" sz="2400" spc="-1" strike="noStrike">
-                <a:solidFill>
-                  <a:srgbClr val="cccccc"/>
-                </a:solidFill>
-                <a:latin typeface="Arial"/>
-                <a:ea typeface="Arial"/>
-              </a:rPr>
-              <a:t>Burgers’ Zoo Groep 2</a:t>
-            </a:r>
-            <a:endParaRPr b="0" lang="en-US" sz="2400" spc="-1" strike="noStrike">
-              <a:latin typeface="Arial"/>
-            </a:endParaRPr>
-          </a:p>
-          <a:p>
-            <a:pPr algn="ctr">
-              <a:lnSpc>
-                <a:spcPct val="100000"/>
-              </a:lnSpc>
-            </a:pPr>
-            <a:endParaRPr b="0" lang="en-US" sz="2400" spc="-1" strike="noStrike">
-              <a:latin typeface="Arial"/>
-            </a:endParaRPr>
-          </a:p>
-          <a:p>
-            <a:pPr algn="ctr">
-              <a:lnSpc>
-                <a:spcPct val="100000"/>
-              </a:lnSpc>
-            </a:pPr>
-            <a:r>
-              <a:rPr b="0" lang="en-US" sz="1400" spc="-1" strike="noStrike">
-                <a:solidFill>
-                  <a:srgbClr val="cccccc"/>
-                </a:solidFill>
-                <a:latin typeface="Arial"/>
-                <a:ea typeface="Arial"/>
-              </a:rPr>
-              <a:t>Nick van der Burg</a:t>
-            </a:r>
-            <a:endParaRPr b="0" lang="en-US" sz="1400" spc="-1" strike="noStrike">
-              <a:latin typeface="Arial"/>
-            </a:endParaRPr>
-          </a:p>
-          <a:p>
-            <a:pPr algn="ctr">
-              <a:lnSpc>
-                <a:spcPct val="100000"/>
-              </a:lnSpc>
-            </a:pPr>
-            <a:r>
-              <a:rPr b="0" lang="en-US" sz="1400" spc="-1" strike="noStrike">
-                <a:solidFill>
-                  <a:srgbClr val="cccccc"/>
-                </a:solidFill>
-                <a:latin typeface="Arial"/>
-                <a:ea typeface="Arial"/>
-              </a:rPr>
-              <a:t>Arne heil</a:t>
-            </a:r>
-            <a:endParaRPr b="0" lang="en-US" sz="1400" spc="-1" strike="noStrike">
-              <a:latin typeface="Arial"/>
-            </a:endParaRPr>
-          </a:p>
-          <a:p>
-            <a:pPr algn="ctr">
-              <a:lnSpc>
-                <a:spcPct val="100000"/>
-              </a:lnSpc>
-            </a:pPr>
-            <a:r>
-              <a:rPr b="0" lang="en-US" sz="1400" spc="-1" strike="noStrike">
-                <a:solidFill>
-                  <a:srgbClr val="cccccc"/>
-                </a:solidFill>
-                <a:latin typeface="Arial"/>
-                <a:ea typeface="Arial"/>
-              </a:rPr>
-              <a:t>Wessel Hendriks</a:t>
-            </a:r>
-            <a:endParaRPr b="0" lang="en-US" sz="1400" spc="-1" strike="noStrike">
-              <a:latin typeface="Arial"/>
-            </a:endParaRPr>
-          </a:p>
-          <a:p>
-            <a:pPr algn="ctr">
-              <a:lnSpc>
-                <a:spcPct val="100000"/>
-              </a:lnSpc>
-            </a:pPr>
-            <a:r>
-              <a:rPr b="0" lang="en-US" sz="1400" spc="-1" strike="noStrike">
-                <a:solidFill>
-                  <a:srgbClr val="cccccc"/>
-                </a:solidFill>
-                <a:latin typeface="Arial"/>
-                <a:ea typeface="Arial"/>
-              </a:rPr>
-              <a:t>Sebastiaan Vonk</a:t>
-            </a:r>
-            <a:endParaRPr b="0" lang="en-US" sz="1400" spc="-1" strike="noStrike">
-              <a:latin typeface="Arial"/>
-            </a:endParaRPr>
-          </a:p>
-          <a:p>
-            <a:pPr>
-              <a:lnSpc>
-                <a:spcPct val="90000"/>
-              </a:lnSpc>
-              <a:spcBef>
-                <a:spcPts val="859"/>
-              </a:spcBef>
-            </a:pPr>
-            <a:endParaRPr b="0" lang="en-US" sz="1400" spc="-1" strike="noStrike">
-              <a:latin typeface="Arial"/>
-            </a:endParaRPr>
-          </a:p>
-        </p:txBody>
-      </p:sp>
-      <p:pic>
-        <p:nvPicPr>
-          <p:cNvPr id="183" name="Shape 57" descr=""/>
-          <p:cNvPicPr/>
-          <p:nvPr/>
-        </p:nvPicPr>
-        <p:blipFill>
-          <a:blip r:embed="rId1">
-            <a:extLst>
-              <a:ext uri="{BEBA8EAE-BF5A-486C-A8C5-ECC9F3942E4B}">
-                <a14:imgProps xmlns:a14="http://schemas.microsoft.com/office/drawing/2010/main">
-                  <a14:imgLayer r:embed="">
-                    <a14:imgEffect>
-                      <a14:saturation sat="0"/>
-                    </a14:imgEffect>
-                  </a14:imgLayer>
-                </a14:imgProps>
-              </a:ext>
-            </a:extLst>
-          </a:blip>
-          <a:srcRect l="55137" t="-3184" r="0" b="0"/>
-          <a:stretch/>
-        </p:blipFill>
-        <p:spPr>
-          <a:xfrm>
-            <a:off x="6570000" y="-174600"/>
-            <a:ext cx="2573640" cy="5317200"/>
-          </a:xfrm>
-          <a:prstGeom prst="rect">
-            <a:avLst/>
-          </a:prstGeom>
-          <a:ln>
-            <a:noFill/>
-          </a:ln>
-        </p:spPr>
-      </p:pic>
+            <a:br/>
+            <a:endParaRPr b="0" lang="en-US" sz="3600" spc="-1" strike="noStrike">
+              <a:latin typeface="Arial"/>
+            </a:endParaRPr>
+          </a:p>
+        </p:txBody>
+      </p:sp>
     </p:spTree>
   </p:cSld>
   <p:timing>
     <p:tnLst>
       <p:par>
-        <p:cTn id="25" dur="indefinite" restart="never" nodeType="tmRoot">
+        <p:cTn id="27" dur="indefinite" restart="never" nodeType="tmRoot">
           <p:childTnLst>
             <p:seq>
-              <p:cTn id="26" nodeType="mainSeq"/>
+              <p:cTn id="28" nodeType="mainSeq"/>
               <p:prevCondLst>
                 <p:cond delay="0" evt="onPrev">
                   <p:tgtEl>
@@ -6909,9 +6717,45 @@
           <a:chExt cx="0" cy="0"/>
         </a:xfrm>
       </p:grpSpPr>
+      <p:sp>
+        <p:nvSpPr>
+          <p:cNvPr id="184" name="CustomShape 1"/>
+          <p:cNvSpPr/>
+          <p:nvPr/>
+        </p:nvSpPr>
+        <p:spPr>
+          <a:xfrm>
+            <a:off x="0" y="0"/>
+            <a:ext cx="9143280" cy="5142600"/>
+          </a:xfrm>
+          <a:prstGeom prst="rect">
+            <a:avLst/>
+          </a:prstGeom>
+          <a:solidFill>
+            <a:srgbClr val="1799cd"/>
+          </a:solidFill>
+          <a:ln>
+            <a:round/>
+          </a:ln>
+        </p:spPr>
+        <p:style>
+          <a:lnRef idx="2">
+            <a:schemeClr val="accent1">
+              <a:shade val="50000"/>
+            </a:schemeClr>
+          </a:lnRef>
+          <a:fillRef idx="1">
+            <a:schemeClr val="accent1"/>
+          </a:fillRef>
+          <a:effectRef idx="0">
+            <a:schemeClr val="accent1"/>
+          </a:effectRef>
+          <a:fontRef idx="minor"/>
+        </p:style>
+      </p:sp>
       <p:pic>
         <p:nvPicPr>
-          <p:cNvPr id="184" name="Shape 62" descr=""/>
+          <p:cNvPr id="185" name="Shape 171" descr=""/>
           <p:cNvPicPr/>
           <p:nvPr/>
         </p:nvPicPr>
@@ -6921,8 +6765,8 @@
         </p:blipFill>
         <p:spPr>
           <a:xfrm>
-            <a:off x="16560" y="0"/>
-            <a:ext cx="9143280" cy="5142960"/>
+            <a:off x="6100920" y="0"/>
+            <a:ext cx="3042720" cy="5142600"/>
           </a:xfrm>
           <a:prstGeom prst="rect">
             <a:avLst/>
@@ -6934,14 +6778,14 @@
       </p:pic>
       <p:sp>
         <p:nvSpPr>
-          <p:cNvPr id="185" name="CustomShape 1"/>
+          <p:cNvPr id="186" name="CustomShape 2"/>
           <p:cNvSpPr/>
           <p:nvPr/>
         </p:nvSpPr>
         <p:spPr>
           <a:xfrm>
-            <a:off x="623520" y="444960"/>
-            <a:ext cx="8519760" cy="572040"/>
+            <a:off x="253440" y="1760400"/>
+            <a:ext cx="6300720" cy="1621440"/>
           </a:xfrm>
           <a:prstGeom prst="rect">
             <a:avLst/>
@@ -6960,7 +6804,7 @@
         <p:txBody>
           <a:bodyPr lIns="90000" rIns="90000" tIns="91440" bIns="91440"/>
           <a:p>
-            <a:pPr>
+            <a:pPr algn="ctr">
               <a:lnSpc>
                 <a:spcPct val="100000"/>
               </a:lnSpc>
@@ -6968,168 +6812,36 @@
             <a:r>
               <a:rPr b="1" lang="en-US" sz="3600" spc="-1" strike="noStrike">
                 <a:solidFill>
-                  <a:srgbClr val="ea661c"/>
+                  <a:srgbClr val="ffffff"/>
                 </a:solidFill>
                 <a:latin typeface="Alegreya Sans"/>
                 <a:ea typeface="Alegreya Sans"/>
               </a:rPr>
-              <a:t>Inhoud</a:t>
+              <a:t>Vragen?</a:t>
+            </a:r>
+            <a:br/>
+            <a:r>
+              <a:rPr b="1" lang="en-US" sz="3600" spc="-1" strike="noStrike">
+                <a:solidFill>
+                  <a:srgbClr val="ffffff"/>
+                </a:solidFill>
+                <a:latin typeface="Alegreya Sans"/>
+                <a:ea typeface="Alegreya Sans"/>
+              </a:rPr>
+              <a:t>Opmerkingen?</a:t>
+            </a:r>
+            <a:br/>
+            <a:r>
+              <a:rPr b="1" lang="en-US" sz="3600" spc="-1" strike="noStrike">
+                <a:solidFill>
+                  <a:srgbClr val="ffffff"/>
+                </a:solidFill>
+                <a:latin typeface="Alegreya Sans"/>
+                <a:ea typeface="Alegreya Sans"/>
+              </a:rPr>
+              <a:t>Suggesties?</a:t>
             </a:r>
             <a:endParaRPr b="0" lang="en-US" sz="3600" spc="-1" strike="noStrike">
-              <a:latin typeface="Arial"/>
-            </a:endParaRPr>
-          </a:p>
-        </p:txBody>
-      </p:sp>
-      <p:sp>
-        <p:nvSpPr>
-          <p:cNvPr id="186" name="CustomShape 2"/>
-          <p:cNvSpPr/>
-          <p:nvPr/>
-        </p:nvSpPr>
-        <p:spPr>
-          <a:xfrm>
-            <a:off x="623520" y="1152360"/>
-            <a:ext cx="8519760" cy="3415680"/>
-          </a:xfrm>
-          <a:prstGeom prst="rect">
-            <a:avLst/>
-          </a:prstGeom>
-          <a:noFill/>
-          <a:ln>
-            <a:noFill/>
-          </a:ln>
-        </p:spPr>
-        <p:style>
-          <a:lnRef idx="0"/>
-          <a:fillRef idx="0"/>
-          <a:effectRef idx="0"/>
-          <a:fontRef idx="minor"/>
-        </p:style>
-        <p:txBody>
-          <a:bodyPr lIns="90000" rIns="90000" tIns="91440" bIns="91440"/>
-          <a:p>
-            <a:pPr marL="457200" indent="-227880">
-              <a:lnSpc>
-                <a:spcPct val="100000"/>
-              </a:lnSpc>
-              <a:spcAft>
-                <a:spcPts val="1599"/>
-              </a:spcAft>
-              <a:buClr>
-                <a:srgbClr val="595959"/>
-              </a:buClr>
-              <a:buFont typeface="Wingdings" charset="2"/>
-              <a:buChar char=""/>
-            </a:pPr>
-            <a:r>
-              <a:rPr b="0" lang="en-US" sz="1800" spc="-1" strike="noStrike">
-                <a:solidFill>
-                  <a:srgbClr val="595959"/>
-                </a:solidFill>
-                <a:latin typeface="Arial"/>
-                <a:ea typeface="Arial"/>
-              </a:rPr>
-              <a:t>Ons idee</a:t>
-            </a:r>
-            <a:endParaRPr b="0" lang="en-US" sz="1800" spc="-1" strike="noStrike">
-              <a:latin typeface="Arial"/>
-            </a:endParaRPr>
-          </a:p>
-          <a:p>
-            <a:pPr marL="457200" indent="-227880">
-              <a:lnSpc>
-                <a:spcPct val="100000"/>
-              </a:lnSpc>
-              <a:spcAft>
-                <a:spcPts val="1599"/>
-              </a:spcAft>
-              <a:buClr>
-                <a:srgbClr val="595959"/>
-              </a:buClr>
-              <a:buFont typeface="Wingdings" charset="2"/>
-              <a:buChar char=""/>
-            </a:pPr>
-            <a:r>
-              <a:rPr b="0" lang="en-US" sz="1800" spc="-1" strike="noStrike">
-                <a:solidFill>
-                  <a:srgbClr val="595959"/>
-                </a:solidFill>
-                <a:latin typeface="Arial"/>
-                <a:ea typeface="Arial"/>
-              </a:rPr>
-              <a:t>Hypothese</a:t>
-            </a:r>
-            <a:endParaRPr b="0" lang="en-US" sz="1800" spc="-1" strike="noStrike">
-              <a:latin typeface="Arial"/>
-            </a:endParaRPr>
-          </a:p>
-          <a:p>
-            <a:pPr marL="457200" indent="-227880">
-              <a:lnSpc>
-                <a:spcPct val="100000"/>
-              </a:lnSpc>
-              <a:spcAft>
-                <a:spcPts val="1599"/>
-              </a:spcAft>
-              <a:buClr>
-                <a:srgbClr val="595959"/>
-              </a:buClr>
-              <a:buFont typeface="Wingdings" charset="2"/>
-              <a:buChar char=""/>
-            </a:pPr>
-            <a:r>
-              <a:rPr b="0" lang="en-US" sz="1800" spc="-1" strike="noStrike">
-                <a:solidFill>
-                  <a:srgbClr val="595959"/>
-                </a:solidFill>
-                <a:latin typeface="Arial"/>
-                <a:ea typeface="Arial"/>
-              </a:rPr>
-              <a:t>Hoe ziet dat eruit?</a:t>
-            </a:r>
-            <a:endParaRPr b="0" lang="en-US" sz="1800" spc="-1" strike="noStrike">
-              <a:latin typeface="Arial"/>
-            </a:endParaRPr>
-          </a:p>
-          <a:p>
-            <a:pPr marL="457200" indent="-227880">
-              <a:lnSpc>
-                <a:spcPct val="100000"/>
-              </a:lnSpc>
-              <a:spcAft>
-                <a:spcPts val="1599"/>
-              </a:spcAft>
-              <a:buClr>
-                <a:srgbClr val="595959"/>
-              </a:buClr>
-              <a:buFont typeface="Wingdings" charset="2"/>
-              <a:buChar char=""/>
-            </a:pPr>
-            <a:r>
-              <a:rPr b="0" lang="en-US" sz="1800" spc="-1" strike="noStrike">
-                <a:solidFill>
-                  <a:srgbClr val="595959"/>
-                </a:solidFill>
-                <a:latin typeface="Arial"/>
-                <a:ea typeface="Arial"/>
-              </a:rPr>
-              <a:t>Field trial (gebruikers test)</a:t>
-            </a:r>
-            <a:endParaRPr b="0" lang="en-US" sz="1800" spc="-1" strike="noStrike">
-              <a:latin typeface="Arial"/>
-            </a:endParaRPr>
-          </a:p>
-          <a:p>
-            <a:pPr>
-              <a:lnSpc>
-                <a:spcPct val="100000"/>
-              </a:lnSpc>
-              <a:spcAft>
-                <a:spcPts val="1599"/>
-              </a:spcAft>
-            </a:pPr>
-            <a:endParaRPr b="0" lang="en-US" sz="1800" spc="-1" strike="noStrike">
               <a:latin typeface="Arial"/>
             </a:endParaRPr>
           </a:p>
@@ -7140,10 +6852,10 @@
   <p:timing>
     <p:tnLst>
       <p:par>
-        <p:cTn id="27" dur="indefinite" restart="never" nodeType="tmRoot">
+        <p:cTn id="29" dur="indefinite" restart="never" nodeType="tmRoot">
           <p:childTnLst>
             <p:seq>
-              <p:cTn id="28" nodeType="mainSeq"/>
+              <p:cTn id="30" nodeType="mainSeq"/>
               <p:prevCondLst>
                 <p:cond delay="0" evt="onPrev">
                   <p:tgtEl>
@@ -7184,46 +6896,28 @@
           <a:chExt cx="0" cy="0"/>
         </a:xfrm>
       </p:grpSpPr>
-      <p:pic>
-        <p:nvPicPr>
-          <p:cNvPr id="187" name="Shape 69" descr=""/>
-          <p:cNvPicPr/>
-          <p:nvPr/>
-        </p:nvPicPr>
-        <p:blipFill>
-          <a:blip r:embed="rId1"/>
-          <a:stretch/>
-        </p:blipFill>
-        <p:spPr>
-          <a:xfrm>
-            <a:off x="3287520" y="0"/>
-            <a:ext cx="5856120" cy="5142600"/>
-          </a:xfrm>
-          <a:prstGeom prst="rect">
-            <a:avLst/>
-          </a:prstGeom>
-          <a:ln>
-            <a:noFill/>
-          </a:ln>
-        </p:spPr>
-      </p:pic>
-      <p:sp>
-        <p:nvSpPr>
-          <p:cNvPr id="188" name="CustomShape 1"/>
+      <p:sp>
+        <p:nvSpPr>
+          <p:cNvPr id="187" name="CustomShape 1"/>
           <p:cNvSpPr/>
           <p:nvPr/>
         </p:nvSpPr>
         <p:spPr>
           <a:xfrm>
-            <a:off x="623520" y="444960"/>
-            <a:ext cx="8519760" cy="572040"/>
-          </a:xfrm>
-          <a:prstGeom prst="rect">
-            <a:avLst/>
-          </a:prstGeom>
-          <a:noFill/>
-          <a:ln>
-            <a:noFill/>
+            <a:off x="0" y="0"/>
+            <a:ext cx="9143280" cy="5142960"/>
+          </a:xfrm>
+          <a:prstGeom prst="rect">
+            <a:avLst/>
+          </a:prstGeom>
+          <a:solidFill>
+            <a:srgbClr val="ba1816"/>
+          </a:solidFill>
+          <a:ln w="9360">
+            <a:solidFill>
+              <a:schemeClr val="dk2"/>
+            </a:solidFill>
+            <a:round/>
           </a:ln>
         </p:spPr>
         <p:style>
@@ -7232,40 +6926,17 @@
           <a:effectRef idx="0"/>
           <a:fontRef idx="minor"/>
         </p:style>
-        <p:txBody>
-          <a:bodyPr lIns="90000" rIns="90000" tIns="91440" bIns="91440"/>
-          <a:p>
-            <a:pPr>
-              <a:lnSpc>
-                <a:spcPct val="100000"/>
-              </a:lnSpc>
-            </a:pPr>
-            <a:r>
-              <a:rPr b="1" lang="en-US" sz="3600" spc="-1" strike="noStrike">
-                <a:solidFill>
-                  <a:srgbClr val="f8b214"/>
-                </a:solidFill>
-                <a:latin typeface="Alegreya Sans"/>
-                <a:ea typeface="Alegreya Sans"/>
-              </a:rPr>
-              <a:t>Ons idee</a:t>
-            </a:r>
-            <a:endParaRPr b="0" lang="en-US" sz="3600" spc="-1" strike="noStrike">
-              <a:latin typeface="Arial"/>
-            </a:endParaRPr>
-          </a:p>
-        </p:txBody>
-      </p:sp>
-      <p:sp>
-        <p:nvSpPr>
-          <p:cNvPr id="189" name="CustomShape 2"/>
+      </p:sp>
+      <p:sp>
+        <p:nvSpPr>
+          <p:cNvPr id="188" name="CustomShape 2"/>
           <p:cNvSpPr/>
           <p:nvPr/>
         </p:nvSpPr>
         <p:spPr>
           <a:xfrm>
-            <a:off x="623520" y="1152360"/>
-            <a:ext cx="8519760" cy="3415680"/>
+            <a:off x="0" y="1762920"/>
+            <a:ext cx="5556240" cy="904680"/>
           </a:xfrm>
           <a:prstGeom prst="rect">
             <a:avLst/>
@@ -7282,124 +6953,226 @@
           <a:fontRef idx="minor"/>
         </p:style>
         <p:txBody>
-          <a:bodyPr lIns="90000" rIns="90000" tIns="91440" bIns="91440"/>
-          <a:p>
-            <a:pPr>
+          <a:bodyPr lIns="90000" rIns="90000" tIns="91440" bIns="91440" anchor="b"/>
+          <a:p>
+            <a:pPr algn="ctr">
               <a:lnSpc>
                 <a:spcPct val="100000"/>
               </a:lnSpc>
-              <a:spcAft>
-                <a:spcPts val="1599"/>
-              </a:spcAft>
             </a:pPr>
             <a:r>
-              <a:rPr b="0" lang="en-US" sz="1800" spc="-1" strike="noStrike">
+              <a:rPr b="1" lang="en-US" sz="4800" spc="-1" strike="noStrike">
                 <a:solidFill>
-                  <a:srgbClr val="595959"/>
+                  <a:srgbClr val="ffffff"/>
+                </a:solidFill>
+                <a:latin typeface="Alegreya Sans"/>
+                <a:ea typeface="Alegreya Sans"/>
+              </a:rPr>
+              <a:t>Burgers’ Zoo</a:t>
+            </a:r>
+            <a:endParaRPr b="0" lang="en-US" sz="4800" spc="-1" strike="noStrike">
+              <a:latin typeface="Arial"/>
+            </a:endParaRPr>
+          </a:p>
+        </p:txBody>
+      </p:sp>
+      <p:sp>
+        <p:nvSpPr>
+          <p:cNvPr id="189" name="CustomShape 3"/>
+          <p:cNvSpPr/>
+          <p:nvPr/>
+        </p:nvSpPr>
+        <p:spPr>
+          <a:xfrm>
+            <a:off x="641880" y="2668320"/>
+            <a:ext cx="3960360" cy="792000"/>
+          </a:xfrm>
+          <a:prstGeom prst="rect">
+            <a:avLst/>
+          </a:prstGeom>
+          <a:noFill/>
+          <a:ln>
+            <a:noFill/>
+          </a:ln>
+        </p:spPr>
+        <p:style>
+          <a:lnRef idx="0"/>
+          <a:fillRef idx="0"/>
+          <a:effectRef idx="0"/>
+          <a:fontRef idx="minor"/>
+        </p:style>
+        <p:txBody>
+          <a:bodyPr lIns="90000" rIns="90000" tIns="91440" bIns="91440"/>
+          <a:p>
+            <a:pPr algn="ctr">
+              <a:lnSpc>
+                <a:spcPct val="100000"/>
+              </a:lnSpc>
+            </a:pPr>
+            <a:r>
+              <a:rPr b="0" lang="en-US" sz="2400" spc="-1" strike="noStrike">
+                <a:solidFill>
+                  <a:srgbClr val="cccccc"/>
                 </a:solidFill>
                 <a:latin typeface="Arial"/>
                 <a:ea typeface="Arial"/>
               </a:rPr>
-              <a:t>De robuustheid van het systeem</a:t>
+              <a:t>Burgers’ Zoo Groep 2</a:t>
             </a:r>
-            <a:endParaRPr b="0" lang="en-US" sz="1800" spc="-1" strike="noStrike">
-              <a:latin typeface="Arial"/>
-            </a:endParaRPr>
-          </a:p>
-          <a:p>
-            <a:pPr marL="285840" indent="-285120">
+            <a:endParaRPr b="0" lang="en-US" sz="2400" spc="-1" strike="noStrike">
+              <a:latin typeface="Arial"/>
+            </a:endParaRPr>
+          </a:p>
+          <a:p>
+            <a:pPr algn="ctr">
               <a:lnSpc>
                 <a:spcPct val="100000"/>
               </a:lnSpc>
-              <a:spcAft>
-                <a:spcPts val="1599"/>
-              </a:spcAft>
-              <a:buClr>
-                <a:srgbClr val="595959"/>
-              </a:buClr>
-              <a:buFont typeface="Arial"/>
-              <a:buChar char="•"/>
+            </a:pPr>
+            <a:endParaRPr b="0" lang="en-US" sz="2400" spc="-1" strike="noStrike">
+              <a:latin typeface="Arial"/>
+            </a:endParaRPr>
+          </a:p>
+          <a:p>
+            <a:pPr algn="ctr">
+              <a:lnSpc>
+                <a:spcPct val="100000"/>
+              </a:lnSpc>
             </a:pPr>
             <a:r>
-              <a:rPr b="0" lang="en-US" sz="1800" spc="-1" strike="noStrike">
+              <a:rPr b="0" lang="en-US" sz="1400" spc="-1" strike="noStrike">
                 <a:solidFill>
-                  <a:srgbClr val="595959"/>
+                  <a:srgbClr val="cccccc"/>
                 </a:solidFill>
                 <a:latin typeface="Arial"/>
                 <a:ea typeface="Arial"/>
               </a:rPr>
-              <a:t>Hoe zorgen we ervoor dat het blijft werken?</a:t>
+              <a:t>Nick van der Burg</a:t>
             </a:r>
-            <a:endParaRPr b="0" lang="en-US" sz="1800" spc="-1" strike="noStrike">
-              <a:latin typeface="Arial"/>
-            </a:endParaRPr>
-          </a:p>
-          <a:p>
-            <a:pPr marL="285840" indent="-285120">
+            <a:endParaRPr b="0" lang="en-US" sz="1400" spc="-1" strike="noStrike">
+              <a:latin typeface="Arial"/>
+            </a:endParaRPr>
+          </a:p>
+          <a:p>
+            <a:pPr algn="ctr">
               <a:lnSpc>
                 <a:spcPct val="100000"/>
               </a:lnSpc>
-              <a:spcAft>
-                <a:spcPts val="1599"/>
-              </a:spcAft>
-              <a:buClr>
-                <a:srgbClr val="595959"/>
-              </a:buClr>
-              <a:buFont typeface="Arial"/>
-              <a:buChar char="•"/>
             </a:pPr>
             <a:r>
-              <a:rPr b="0" lang="en-US" sz="1800" spc="-1" strike="noStrike">
+              <a:rPr b="0" lang="en-US" sz="1400" spc="-1" strike="noStrike">
                 <a:solidFill>
-                  <a:srgbClr val="595959"/>
+                  <a:srgbClr val="cccccc"/>
                 </a:solidFill>
                 <a:latin typeface="Arial"/>
                 <a:ea typeface="Arial"/>
               </a:rPr>
-              <a:t>En wat als het ineens stopt met werken?</a:t>
+              <a:t>Arne heil</a:t>
             </a:r>
-            <a:endParaRPr b="0" lang="en-US" sz="1800" spc="-1" strike="noStrike">
+            <a:endParaRPr b="0" lang="en-US" sz="1400" spc="-1" strike="noStrike">
+              <a:latin typeface="Arial"/>
+            </a:endParaRPr>
+          </a:p>
+          <a:p>
+            <a:pPr algn="ctr">
+              <a:lnSpc>
+                <a:spcPct val="100000"/>
+              </a:lnSpc>
+            </a:pPr>
+            <a:r>
+              <a:rPr b="0" lang="en-US" sz="1400" spc="-1" strike="noStrike">
+                <a:solidFill>
+                  <a:srgbClr val="cccccc"/>
+                </a:solidFill>
+                <a:latin typeface="Arial"/>
+                <a:ea typeface="Arial"/>
+              </a:rPr>
+              <a:t>Wessel Hendriks</a:t>
+            </a:r>
+            <a:endParaRPr b="0" lang="en-US" sz="1400" spc="-1" strike="noStrike">
+              <a:latin typeface="Arial"/>
+            </a:endParaRPr>
+          </a:p>
+          <a:p>
+            <a:pPr algn="ctr">
+              <a:lnSpc>
+                <a:spcPct val="100000"/>
+              </a:lnSpc>
+            </a:pPr>
+            <a:r>
+              <a:rPr b="0" lang="en-US" sz="1400" spc="-1" strike="noStrike">
+                <a:solidFill>
+                  <a:srgbClr val="cccccc"/>
+                </a:solidFill>
+                <a:latin typeface="Arial"/>
+                <a:ea typeface="Arial"/>
+              </a:rPr>
+              <a:t>Sebastiaan Vonk</a:t>
+            </a:r>
+            <a:endParaRPr b="0" lang="en-US" sz="1400" spc="-1" strike="noStrike">
               <a:latin typeface="Arial"/>
             </a:endParaRPr>
           </a:p>
           <a:p>
             <a:pPr>
               <a:lnSpc>
-                <a:spcPct val="150000"/>
+                <a:spcPct val="90000"/>
               </a:lnSpc>
-              <a:spcAft>
-                <a:spcPts val="1599"/>
-              </a:spcAft>
+              <a:spcBef>
+                <a:spcPts val="859"/>
+              </a:spcBef>
             </a:pPr>
-            <a:endParaRPr b="0" lang="en-US" sz="1800" spc="-1" strike="noStrike">
-              <a:latin typeface="Arial"/>
-            </a:endParaRPr>
-          </a:p>
-          <a:p>
-            <a:pPr>
-              <a:lnSpc>
-                <a:spcPct val="150000"/>
-              </a:lnSpc>
-              <a:spcAft>
-                <a:spcPts val="1599"/>
-              </a:spcAft>
-            </a:pPr>
-            <a:br/>
-            <a:endParaRPr b="0" lang="en-US" sz="1800" spc="-1" strike="noStrike">
-              <a:latin typeface="Arial"/>
-            </a:endParaRPr>
-          </a:p>
-        </p:txBody>
-      </p:sp>
+            <a:endParaRPr b="0" lang="en-US" sz="1400" spc="-1" strike="noStrike">
+              <a:latin typeface="Arial"/>
+            </a:endParaRPr>
+          </a:p>
+        </p:txBody>
+      </p:sp>
+      <p:pic>
+        <p:nvPicPr>
+          <p:cNvPr id="190" name="Shape 57" descr=""/>
+          <p:cNvPicPr/>
+          <p:nvPr/>
+        </p:nvPicPr>
+        <p:blipFill>
+          <a:blip r:embed="rId1">
+            <a:extLst>
+              <a:ext uri="{BEBA8EAE-BF5A-486C-A8C5-ECC9F3942E4B}">
+                <a14:imgProps xmlns:a14="http://schemas.microsoft.com/office/drawing/2010/main">
+                  <a14:imgLayer r:embed="">
+                    <a14:imgEffect>
+                      <a14:saturation sat="0"/>
+                    </a14:imgEffect>
+                  </a14:imgLayer>
+                </a14:imgProps>
+              </a:ext>
+            </a:extLst>
+          </a:blip>
+          <a:srcRect l="55137" t="-3184" r="0" b="0"/>
+          <a:stretch/>
+        </p:blipFill>
+        <p:spPr>
+          <a:xfrm>
+            <a:off x="6570000" y="-174600"/>
+            <a:ext cx="2573640" cy="5317200"/>
+          </a:xfrm>
+          <a:prstGeom prst="rect">
+            <a:avLst/>
+          </a:prstGeom>
+          <a:ln>
+            <a:noFill/>
+          </a:ln>
+        </p:spPr>
+      </p:pic>
     </p:spTree>
   </p:cSld>
   <p:timing>
     <p:tnLst>
       <p:par>
-        <p:cTn id="29" dur="indefinite" restart="never" nodeType="tmRoot">
+        <p:cTn id="31" dur="indefinite" restart="never" nodeType="tmRoot">
           <p:childTnLst>
             <p:seq>
-              <p:cTn id="30" nodeType="mainSeq"/>
+              <p:cTn id="32" nodeType="mainSeq"/>
               <p:prevCondLst>
                 <p:cond delay="0" evt="onPrev">
                   <p:tgtEl>
@@ -7440,9 +7213,540 @@
           <a:chExt cx="0" cy="0"/>
         </a:xfrm>
       </p:grpSpPr>
-      <p:sp>
-        <p:nvSpPr>
-          <p:cNvPr id="190" name="CustomShape 1"/>
+      <p:pic>
+        <p:nvPicPr>
+          <p:cNvPr id="191" name="Shape 62" descr=""/>
+          <p:cNvPicPr/>
+          <p:nvPr/>
+        </p:nvPicPr>
+        <p:blipFill>
+          <a:blip r:embed="rId1"/>
+          <a:stretch/>
+        </p:blipFill>
+        <p:spPr>
+          <a:xfrm>
+            <a:off x="16560" y="0"/>
+            <a:ext cx="9143280" cy="5142960"/>
+          </a:xfrm>
+          <a:prstGeom prst="rect">
+            <a:avLst/>
+          </a:prstGeom>
+          <a:ln>
+            <a:noFill/>
+          </a:ln>
+        </p:spPr>
+      </p:pic>
+      <p:sp>
+        <p:nvSpPr>
+          <p:cNvPr id="192" name="CustomShape 1"/>
+          <p:cNvSpPr/>
+          <p:nvPr/>
+        </p:nvSpPr>
+        <p:spPr>
+          <a:xfrm>
+            <a:off x="623520" y="444960"/>
+            <a:ext cx="8519760" cy="572040"/>
+          </a:xfrm>
+          <a:prstGeom prst="rect">
+            <a:avLst/>
+          </a:prstGeom>
+          <a:noFill/>
+          <a:ln>
+            <a:noFill/>
+          </a:ln>
+        </p:spPr>
+        <p:style>
+          <a:lnRef idx="0"/>
+          <a:fillRef idx="0"/>
+          <a:effectRef idx="0"/>
+          <a:fontRef idx="minor"/>
+        </p:style>
+        <p:txBody>
+          <a:bodyPr lIns="90000" rIns="90000" tIns="91440" bIns="91440"/>
+          <a:p>
+            <a:pPr>
+              <a:lnSpc>
+                <a:spcPct val="100000"/>
+              </a:lnSpc>
+            </a:pPr>
+            <a:r>
+              <a:rPr b="1" lang="en-US" sz="3600" spc="-1" strike="noStrike">
+                <a:solidFill>
+                  <a:srgbClr val="ea661c"/>
+                </a:solidFill>
+                <a:latin typeface="Alegreya Sans"/>
+                <a:ea typeface="Alegreya Sans"/>
+              </a:rPr>
+              <a:t>Inhoud</a:t>
+            </a:r>
+            <a:endParaRPr b="0" lang="en-US" sz="3600" spc="-1" strike="noStrike">
+              <a:latin typeface="Arial"/>
+            </a:endParaRPr>
+          </a:p>
+        </p:txBody>
+      </p:sp>
+      <p:sp>
+        <p:nvSpPr>
+          <p:cNvPr id="193" name="CustomShape 2"/>
+          <p:cNvSpPr/>
+          <p:nvPr/>
+        </p:nvSpPr>
+        <p:spPr>
+          <a:xfrm>
+            <a:off x="623520" y="1152360"/>
+            <a:ext cx="8519760" cy="3415680"/>
+          </a:xfrm>
+          <a:prstGeom prst="rect">
+            <a:avLst/>
+          </a:prstGeom>
+          <a:noFill/>
+          <a:ln>
+            <a:noFill/>
+          </a:ln>
+        </p:spPr>
+        <p:style>
+          <a:lnRef idx="0"/>
+          <a:fillRef idx="0"/>
+          <a:effectRef idx="0"/>
+          <a:fontRef idx="minor"/>
+        </p:style>
+        <p:txBody>
+          <a:bodyPr lIns="90000" rIns="90000" tIns="91440" bIns="91440"/>
+          <a:p>
+            <a:pPr marL="457200" indent="-227880">
+              <a:lnSpc>
+                <a:spcPct val="100000"/>
+              </a:lnSpc>
+              <a:spcAft>
+                <a:spcPts val="1599"/>
+              </a:spcAft>
+              <a:buClr>
+                <a:srgbClr val="595959"/>
+              </a:buClr>
+              <a:buFont typeface="Wingdings" charset="2"/>
+              <a:buChar char=""/>
+            </a:pPr>
+            <a:r>
+              <a:rPr b="0" lang="en-US" sz="1800" spc="-1" strike="noStrike">
+                <a:solidFill>
+                  <a:srgbClr val="595959"/>
+                </a:solidFill>
+                <a:latin typeface="Arial"/>
+                <a:ea typeface="Arial"/>
+              </a:rPr>
+              <a:t>Ons idee</a:t>
+            </a:r>
+            <a:endParaRPr b="0" lang="en-US" sz="1800" spc="-1" strike="noStrike">
+              <a:latin typeface="Arial"/>
+            </a:endParaRPr>
+          </a:p>
+          <a:p>
+            <a:pPr marL="457200" indent="-227880">
+              <a:lnSpc>
+                <a:spcPct val="100000"/>
+              </a:lnSpc>
+              <a:spcAft>
+                <a:spcPts val="1599"/>
+              </a:spcAft>
+              <a:buClr>
+                <a:srgbClr val="595959"/>
+              </a:buClr>
+              <a:buFont typeface="Wingdings" charset="2"/>
+              <a:buChar char=""/>
+            </a:pPr>
+            <a:r>
+              <a:rPr b="0" lang="en-US" sz="1800" spc="-1" strike="noStrike">
+                <a:solidFill>
+                  <a:srgbClr val="595959"/>
+                </a:solidFill>
+                <a:latin typeface="Arial"/>
+                <a:ea typeface="Arial"/>
+              </a:rPr>
+              <a:t>Hypothese</a:t>
+            </a:r>
+            <a:endParaRPr b="0" lang="en-US" sz="1800" spc="-1" strike="noStrike">
+              <a:latin typeface="Arial"/>
+            </a:endParaRPr>
+          </a:p>
+          <a:p>
+            <a:pPr marL="457200" indent="-227880">
+              <a:lnSpc>
+                <a:spcPct val="100000"/>
+              </a:lnSpc>
+              <a:spcAft>
+                <a:spcPts val="1599"/>
+              </a:spcAft>
+              <a:buClr>
+                <a:srgbClr val="595959"/>
+              </a:buClr>
+              <a:buFont typeface="Wingdings" charset="2"/>
+              <a:buChar char=""/>
+            </a:pPr>
+            <a:r>
+              <a:rPr b="0" lang="en-US" sz="1800" spc="-1" strike="noStrike">
+                <a:solidFill>
+                  <a:srgbClr val="595959"/>
+                </a:solidFill>
+                <a:latin typeface="Arial"/>
+                <a:ea typeface="Arial"/>
+              </a:rPr>
+              <a:t>Hoe ziet dat eruit?</a:t>
+            </a:r>
+            <a:endParaRPr b="0" lang="en-US" sz="1800" spc="-1" strike="noStrike">
+              <a:latin typeface="Arial"/>
+            </a:endParaRPr>
+          </a:p>
+          <a:p>
+            <a:pPr marL="457200" indent="-227880">
+              <a:lnSpc>
+                <a:spcPct val="100000"/>
+              </a:lnSpc>
+              <a:spcAft>
+                <a:spcPts val="1599"/>
+              </a:spcAft>
+              <a:buClr>
+                <a:srgbClr val="595959"/>
+              </a:buClr>
+              <a:buFont typeface="Wingdings" charset="2"/>
+              <a:buChar char=""/>
+            </a:pPr>
+            <a:r>
+              <a:rPr b="0" lang="en-US" sz="1800" spc="-1" strike="noStrike">
+                <a:solidFill>
+                  <a:srgbClr val="595959"/>
+                </a:solidFill>
+                <a:latin typeface="Arial"/>
+                <a:ea typeface="Arial"/>
+              </a:rPr>
+              <a:t>Field trial (gebruikers test)</a:t>
+            </a:r>
+            <a:endParaRPr b="0" lang="en-US" sz="1800" spc="-1" strike="noStrike">
+              <a:latin typeface="Arial"/>
+            </a:endParaRPr>
+          </a:p>
+          <a:p>
+            <a:pPr>
+              <a:lnSpc>
+                <a:spcPct val="100000"/>
+              </a:lnSpc>
+              <a:spcAft>
+                <a:spcPts val="1599"/>
+              </a:spcAft>
+            </a:pPr>
+            <a:endParaRPr b="0" lang="en-US" sz="1800" spc="-1" strike="noStrike">
+              <a:latin typeface="Arial"/>
+            </a:endParaRPr>
+          </a:p>
+        </p:txBody>
+      </p:sp>
+    </p:spTree>
+  </p:cSld>
+  <p:timing>
+    <p:tnLst>
+      <p:par>
+        <p:cTn id="33" dur="indefinite" restart="never" nodeType="tmRoot">
+          <p:childTnLst>
+            <p:seq>
+              <p:cTn id="34" nodeType="mainSeq"/>
+              <p:prevCondLst>
+                <p:cond delay="0" evt="onPrev">
+                  <p:tgtEl>
+                    <p:sldTgt/>
+                  </p:tgtEl>
+                </p:cond>
+              </p:prevCondLst>
+              <p:nextCondLst>
+                <p:cond delay="0" evt="onNext">
+                  <p:tgtEl>
+                    <p:sldTgt/>
+                  </p:tgtEl>
+                </p:cond>
+              </p:nextCondLst>
+            </p:seq>
+          </p:childTnLst>
+        </p:cTn>
+      </p:par>
+    </p:tnLst>
+  </p:timing>
+</p:sld>
+</file>
+
+<file path=ppt/slides/slide18.xml><?xml version="1.0" encoding="utf-8"?>
+<p:sld xmlns:a="http://schemas.openxmlformats.org/drawingml/2006/main" xmlns:p="http://schemas.openxmlformats.org/presentationml/2006/main" xmlns:r="http://schemas.openxmlformats.org/officeDocument/2006/relationships" xmlns:p14="http://schemas.microsoft.com/office/powerpoint/2010/main" xmlns:p15="http://schemas.microsoft.com/office/powerpoint/2012/main" xmlns:mc="http://schemas.openxmlformats.org/markup-compatibility/2006">
+  <p:cSld>
+    <p:spTree>
+      <p:nvGrpSpPr>
+        <p:cNvPr id="1" name=""/>
+        <p:cNvGrpSpPr/>
+        <p:nvPr/>
+      </p:nvGrpSpPr>
+      <p:grpSpPr>
+        <a:xfrm>
+          <a:off x="0" y="0"/>
+          <a:ext cx="0" cy="0"/>
+          <a:chOff x="0" y="0"/>
+          <a:chExt cx="0" cy="0"/>
+        </a:xfrm>
+      </p:grpSpPr>
+      <p:pic>
+        <p:nvPicPr>
+          <p:cNvPr id="194" name="Shape 69" descr=""/>
+          <p:cNvPicPr/>
+          <p:nvPr/>
+        </p:nvPicPr>
+        <p:blipFill>
+          <a:blip r:embed="rId1"/>
+          <a:stretch/>
+        </p:blipFill>
+        <p:spPr>
+          <a:xfrm>
+            <a:off x="3287520" y="0"/>
+            <a:ext cx="5856120" cy="5142600"/>
+          </a:xfrm>
+          <a:prstGeom prst="rect">
+            <a:avLst/>
+          </a:prstGeom>
+          <a:ln>
+            <a:noFill/>
+          </a:ln>
+        </p:spPr>
+      </p:pic>
+      <p:sp>
+        <p:nvSpPr>
+          <p:cNvPr id="195" name="CustomShape 1"/>
+          <p:cNvSpPr/>
+          <p:nvPr/>
+        </p:nvSpPr>
+        <p:spPr>
+          <a:xfrm>
+            <a:off x="623520" y="444960"/>
+            <a:ext cx="8519760" cy="572040"/>
+          </a:xfrm>
+          <a:prstGeom prst="rect">
+            <a:avLst/>
+          </a:prstGeom>
+          <a:noFill/>
+          <a:ln>
+            <a:noFill/>
+          </a:ln>
+        </p:spPr>
+        <p:style>
+          <a:lnRef idx="0"/>
+          <a:fillRef idx="0"/>
+          <a:effectRef idx="0"/>
+          <a:fontRef idx="minor"/>
+        </p:style>
+        <p:txBody>
+          <a:bodyPr lIns="90000" rIns="90000" tIns="91440" bIns="91440"/>
+          <a:p>
+            <a:pPr>
+              <a:lnSpc>
+                <a:spcPct val="100000"/>
+              </a:lnSpc>
+            </a:pPr>
+            <a:r>
+              <a:rPr b="1" lang="en-US" sz="3600" spc="-1" strike="noStrike">
+                <a:solidFill>
+                  <a:srgbClr val="f8b214"/>
+                </a:solidFill>
+                <a:latin typeface="Alegreya Sans"/>
+                <a:ea typeface="Alegreya Sans"/>
+              </a:rPr>
+              <a:t>Ons idee</a:t>
+            </a:r>
+            <a:endParaRPr b="0" lang="en-US" sz="3600" spc="-1" strike="noStrike">
+              <a:latin typeface="Arial"/>
+            </a:endParaRPr>
+          </a:p>
+        </p:txBody>
+      </p:sp>
+      <p:sp>
+        <p:nvSpPr>
+          <p:cNvPr id="196" name="CustomShape 2"/>
+          <p:cNvSpPr/>
+          <p:nvPr/>
+        </p:nvSpPr>
+        <p:spPr>
+          <a:xfrm>
+            <a:off x="623520" y="1152360"/>
+            <a:ext cx="8519760" cy="3415680"/>
+          </a:xfrm>
+          <a:prstGeom prst="rect">
+            <a:avLst/>
+          </a:prstGeom>
+          <a:noFill/>
+          <a:ln>
+            <a:noFill/>
+          </a:ln>
+        </p:spPr>
+        <p:style>
+          <a:lnRef idx="0"/>
+          <a:fillRef idx="0"/>
+          <a:effectRef idx="0"/>
+          <a:fontRef idx="minor"/>
+        </p:style>
+        <p:txBody>
+          <a:bodyPr lIns="90000" rIns="90000" tIns="91440" bIns="91440"/>
+          <a:p>
+            <a:pPr>
+              <a:lnSpc>
+                <a:spcPct val="100000"/>
+              </a:lnSpc>
+              <a:spcAft>
+                <a:spcPts val="1599"/>
+              </a:spcAft>
+            </a:pPr>
+            <a:r>
+              <a:rPr b="0" lang="en-US" sz="1800" spc="-1" strike="noStrike">
+                <a:solidFill>
+                  <a:srgbClr val="595959"/>
+                </a:solidFill>
+                <a:latin typeface="Arial"/>
+                <a:ea typeface="Arial"/>
+              </a:rPr>
+              <a:t>De robuustheid van het systeem</a:t>
+            </a:r>
+            <a:endParaRPr b="0" lang="en-US" sz="1800" spc="-1" strike="noStrike">
+              <a:latin typeface="Arial"/>
+            </a:endParaRPr>
+          </a:p>
+          <a:p>
+            <a:pPr marL="285840" indent="-285120">
+              <a:lnSpc>
+                <a:spcPct val="100000"/>
+              </a:lnSpc>
+              <a:spcAft>
+                <a:spcPts val="1599"/>
+              </a:spcAft>
+              <a:buClr>
+                <a:srgbClr val="595959"/>
+              </a:buClr>
+              <a:buFont typeface="Arial"/>
+              <a:buChar char="•"/>
+            </a:pPr>
+            <a:r>
+              <a:rPr b="0" lang="en-US" sz="1800" spc="-1" strike="noStrike">
+                <a:solidFill>
+                  <a:srgbClr val="595959"/>
+                </a:solidFill>
+                <a:latin typeface="Arial"/>
+                <a:ea typeface="Arial"/>
+              </a:rPr>
+              <a:t>Hoe zorgen we ervoor dat het blijft werken?</a:t>
+            </a:r>
+            <a:endParaRPr b="0" lang="en-US" sz="1800" spc="-1" strike="noStrike">
+              <a:latin typeface="Arial"/>
+            </a:endParaRPr>
+          </a:p>
+          <a:p>
+            <a:pPr marL="285840" indent="-285120">
+              <a:lnSpc>
+                <a:spcPct val="100000"/>
+              </a:lnSpc>
+              <a:spcAft>
+                <a:spcPts val="1599"/>
+              </a:spcAft>
+              <a:buClr>
+                <a:srgbClr val="595959"/>
+              </a:buClr>
+              <a:buFont typeface="Arial"/>
+              <a:buChar char="•"/>
+            </a:pPr>
+            <a:r>
+              <a:rPr b="0" lang="en-US" sz="1800" spc="-1" strike="noStrike">
+                <a:solidFill>
+                  <a:srgbClr val="595959"/>
+                </a:solidFill>
+                <a:latin typeface="Arial"/>
+                <a:ea typeface="Arial"/>
+              </a:rPr>
+              <a:t>En wat als het ineens stopt met werken?</a:t>
+            </a:r>
+            <a:endParaRPr b="0" lang="en-US" sz="1800" spc="-1" strike="noStrike">
+              <a:latin typeface="Arial"/>
+            </a:endParaRPr>
+          </a:p>
+          <a:p>
+            <a:pPr>
+              <a:lnSpc>
+                <a:spcPct val="150000"/>
+              </a:lnSpc>
+              <a:spcAft>
+                <a:spcPts val="1599"/>
+              </a:spcAft>
+            </a:pPr>
+            <a:endParaRPr b="0" lang="en-US" sz="1800" spc="-1" strike="noStrike">
+              <a:latin typeface="Arial"/>
+            </a:endParaRPr>
+          </a:p>
+          <a:p>
+            <a:pPr>
+              <a:lnSpc>
+                <a:spcPct val="150000"/>
+              </a:lnSpc>
+              <a:spcAft>
+                <a:spcPts val="1599"/>
+              </a:spcAft>
+            </a:pPr>
+            <a:br/>
+            <a:endParaRPr b="0" lang="en-US" sz="1800" spc="-1" strike="noStrike">
+              <a:latin typeface="Arial"/>
+            </a:endParaRPr>
+          </a:p>
+        </p:txBody>
+      </p:sp>
+    </p:spTree>
+  </p:cSld>
+  <p:timing>
+    <p:tnLst>
+      <p:par>
+        <p:cTn id="35" dur="indefinite" restart="never" nodeType="tmRoot">
+          <p:childTnLst>
+            <p:seq>
+              <p:cTn id="36" nodeType="mainSeq"/>
+              <p:prevCondLst>
+                <p:cond delay="0" evt="onPrev">
+                  <p:tgtEl>
+                    <p:sldTgt/>
+                  </p:tgtEl>
+                </p:cond>
+              </p:prevCondLst>
+              <p:nextCondLst>
+                <p:cond delay="0" evt="onNext">
+                  <p:tgtEl>
+                    <p:sldTgt/>
+                  </p:tgtEl>
+                </p:cond>
+              </p:nextCondLst>
+            </p:seq>
+          </p:childTnLst>
+        </p:cTn>
+      </p:par>
+    </p:tnLst>
+  </p:timing>
+</p:sld>
+</file>
+
+<file path=ppt/slides/slide19.xml><?xml version="1.0" encoding="utf-8"?>
+<p:sld xmlns:a="http://schemas.openxmlformats.org/drawingml/2006/main" xmlns:p="http://schemas.openxmlformats.org/presentationml/2006/main" xmlns:r="http://schemas.openxmlformats.org/officeDocument/2006/relationships" xmlns:p14="http://schemas.microsoft.com/office/powerpoint/2010/main" xmlns:p15="http://schemas.microsoft.com/office/powerpoint/2012/main" xmlns:mc="http://schemas.openxmlformats.org/markup-compatibility/2006">
+  <p:cSld>
+    <p:spTree>
+      <p:nvGrpSpPr>
+        <p:cNvPr id="1" name=""/>
+        <p:cNvGrpSpPr/>
+        <p:nvPr/>
+      </p:nvGrpSpPr>
+      <p:grpSpPr>
+        <a:xfrm>
+          <a:off x="0" y="0"/>
+          <a:ext cx="0" cy="0"/>
+          <a:chOff x="0" y="0"/>
+          <a:chExt cx="0" cy="0"/>
+        </a:xfrm>
+      </p:grpSpPr>
+      <p:sp>
+        <p:nvSpPr>
+          <p:cNvPr id="197" name="CustomShape 1"/>
           <p:cNvSpPr/>
           <p:nvPr/>
         </p:nvSpPr>
@@ -7470,7 +7774,7 @@
       </p:sp>
       <p:sp>
         <p:nvSpPr>
-          <p:cNvPr id="191" name="CustomShape 2"/>
+          <p:cNvPr id="198" name="CustomShape 2"/>
           <p:cNvSpPr/>
           <p:nvPr/>
         </p:nvSpPr>
@@ -7519,7 +7823,7 @@
       </p:sp>
       <p:pic>
         <p:nvPicPr>
-          <p:cNvPr id="192" name="Shape 78" descr=""/>
+          <p:cNvPr id="199" name="Shape 78" descr=""/>
           <p:cNvPicPr/>
           <p:nvPr/>
         </p:nvPicPr>
@@ -7542,7 +7846,7 @@
       </p:pic>
       <p:sp>
         <p:nvSpPr>
-          <p:cNvPr id="193" name="CustomShape 3"/>
+          <p:cNvPr id="200" name="CustomShape 3"/>
           <p:cNvSpPr/>
           <p:nvPr/>
         </p:nvSpPr>
@@ -7689,337 +7993,10 @@
   <p:timing>
     <p:tnLst>
       <p:par>
-        <p:cTn id="31" dur="indefinite" restart="never" nodeType="tmRoot">
+        <p:cTn id="37" dur="indefinite" restart="never" nodeType="tmRoot">
           <p:childTnLst>
             <p:seq>
-              <p:cTn id="32" nodeType="mainSeq"/>
-              <p:prevCondLst>
-                <p:cond delay="0" evt="onPrev">
-                  <p:tgtEl>
-                    <p:sldTgt/>
-                  </p:tgtEl>
-                </p:cond>
-              </p:prevCondLst>
-              <p:nextCondLst>
-                <p:cond delay="0" evt="onNext">
-                  <p:tgtEl>
-                    <p:sldTgt/>
-                  </p:tgtEl>
-                </p:cond>
-              </p:nextCondLst>
-            </p:seq>
-          </p:childTnLst>
-        </p:cTn>
-      </p:par>
-    </p:tnLst>
-  </p:timing>
-</p:sld>
-</file>
-
-<file path=ppt/slides/slide18.xml><?xml version="1.0" encoding="utf-8"?>
-<p:sld xmlns:a="http://schemas.openxmlformats.org/drawingml/2006/main" xmlns:p="http://schemas.openxmlformats.org/presentationml/2006/main" xmlns:r="http://schemas.openxmlformats.org/officeDocument/2006/relationships" xmlns:p14="http://schemas.microsoft.com/office/powerpoint/2010/main" xmlns:p15="http://schemas.microsoft.com/office/powerpoint/2012/main" xmlns:mc="http://schemas.openxmlformats.org/markup-compatibility/2006">
-  <p:cSld>
-    <p:spTree>
-      <p:nvGrpSpPr>
-        <p:cNvPr id="1" name=""/>
-        <p:cNvGrpSpPr/>
-        <p:nvPr/>
-      </p:nvGrpSpPr>
-      <p:grpSpPr>
-        <a:xfrm>
-          <a:off x="0" y="0"/>
-          <a:ext cx="0" cy="0"/>
-          <a:chOff x="0" y="0"/>
-          <a:chExt cx="0" cy="0"/>
-        </a:xfrm>
-      </p:grpSpPr>
-      <p:pic>
-        <p:nvPicPr>
-          <p:cNvPr id="194" name="Shape 84" descr=""/>
-          <p:cNvPicPr/>
-          <p:nvPr/>
-        </p:nvPicPr>
-        <p:blipFill>
-          <a:blip r:embed="rId1"/>
-          <a:stretch/>
-        </p:blipFill>
-        <p:spPr>
-          <a:xfrm>
-            <a:off x="5076360" y="0"/>
-            <a:ext cx="4827600" cy="5211720"/>
-          </a:xfrm>
-          <a:prstGeom prst="rect">
-            <a:avLst/>
-          </a:prstGeom>
-          <a:ln>
-            <a:noFill/>
-          </a:ln>
-        </p:spPr>
-      </p:pic>
-      <p:sp>
-        <p:nvSpPr>
-          <p:cNvPr id="195" name="CustomShape 1"/>
-          <p:cNvSpPr/>
-          <p:nvPr/>
-        </p:nvSpPr>
-        <p:spPr>
-          <a:xfrm>
-            <a:off x="623520" y="444960"/>
-            <a:ext cx="8519760" cy="572040"/>
-          </a:xfrm>
-          <a:prstGeom prst="rect">
-            <a:avLst/>
-          </a:prstGeom>
-          <a:noFill/>
-          <a:ln>
-            <a:noFill/>
-          </a:ln>
-        </p:spPr>
-        <p:style>
-          <a:lnRef idx="0"/>
-          <a:fillRef idx="0"/>
-          <a:effectRef idx="0"/>
-          <a:fontRef idx="minor"/>
-        </p:style>
-        <p:txBody>
-          <a:bodyPr lIns="90000" rIns="90000" tIns="91440" bIns="91440"/>
-          <a:p>
-            <a:pPr>
-              <a:lnSpc>
-                <a:spcPct val="100000"/>
-              </a:lnSpc>
-            </a:pPr>
-            <a:r>
-              <a:rPr b="1" lang="en-US" sz="3600" spc="-1" strike="noStrike">
-                <a:solidFill>
-                  <a:srgbClr val="7f8724"/>
-                </a:solidFill>
-                <a:latin typeface="Alegreya Sans"/>
-                <a:ea typeface="Alegreya Sans"/>
-              </a:rPr>
-              <a:t>Hoe ziet dat eruit?</a:t>
-            </a:r>
-            <a:endParaRPr b="0" lang="en-US" sz="3600" spc="-1" strike="noStrike">
-              <a:latin typeface="Arial"/>
-            </a:endParaRPr>
-          </a:p>
-        </p:txBody>
-      </p:sp>
-      <p:sp>
-        <p:nvSpPr>
-          <p:cNvPr id="196" name="CustomShape 2"/>
-          <p:cNvSpPr/>
-          <p:nvPr/>
-        </p:nvSpPr>
-        <p:spPr>
-          <a:xfrm>
-            <a:off x="623520" y="1152360"/>
-            <a:ext cx="8519760" cy="3415680"/>
-          </a:xfrm>
-          <a:prstGeom prst="rect">
-            <a:avLst/>
-          </a:prstGeom>
-          <a:noFill/>
-          <a:ln>
-            <a:noFill/>
-          </a:ln>
-        </p:spPr>
-        <p:style>
-          <a:lnRef idx="0"/>
-          <a:fillRef idx="0"/>
-          <a:effectRef idx="0"/>
-          <a:fontRef idx="minor"/>
-        </p:style>
-        <p:txBody>
-          <a:bodyPr lIns="90000" rIns="90000" tIns="91440" bIns="91440"/>
-          <a:p>
-            <a:pPr>
-              <a:lnSpc>
-                <a:spcPct val="100000"/>
-              </a:lnSpc>
-            </a:pPr>
-            <a:endParaRPr b="0" lang="en-US" sz="1800" spc="-1" strike="noStrike">
-              <a:latin typeface="Arial"/>
-            </a:endParaRPr>
-          </a:p>
-          <a:p>
-            <a:pPr>
-              <a:lnSpc>
-                <a:spcPct val="100000"/>
-              </a:lnSpc>
-            </a:pPr>
-            <a:endParaRPr b="0" lang="en-US" sz="1800" spc="-1" strike="noStrike">
-              <a:latin typeface="Arial"/>
-            </a:endParaRPr>
-          </a:p>
-        </p:txBody>
-      </p:sp>
-      <p:sp>
-        <p:nvSpPr>
-          <p:cNvPr id="197" name="CustomShape 3"/>
-          <p:cNvSpPr/>
-          <p:nvPr/>
-        </p:nvSpPr>
-        <p:spPr>
-          <a:xfrm>
-            <a:off x="775800" y="1305000"/>
-            <a:ext cx="8519760" cy="3415680"/>
-          </a:xfrm>
-          <a:prstGeom prst="rect">
-            <a:avLst/>
-          </a:prstGeom>
-          <a:noFill/>
-          <a:ln>
-            <a:noFill/>
-          </a:ln>
-        </p:spPr>
-        <p:style>
-          <a:lnRef idx="0"/>
-          <a:fillRef idx="0"/>
-          <a:effectRef idx="0"/>
-          <a:fontRef idx="minor"/>
-        </p:style>
-        <p:txBody>
-          <a:bodyPr lIns="90000" rIns="90000" tIns="91440" bIns="91440"/>
-          <a:p>
-            <a:pPr marL="457200" indent="-227880">
-              <a:lnSpc>
-                <a:spcPct val="100000"/>
-              </a:lnSpc>
-              <a:spcAft>
-                <a:spcPts val="1599"/>
-              </a:spcAft>
-              <a:buClr>
-                <a:srgbClr val="595959"/>
-              </a:buClr>
-              <a:buFont typeface="Wingdings" charset="2"/>
-              <a:buChar char=""/>
-            </a:pPr>
-            <a:r>
-              <a:rPr b="0" lang="en-US" sz="1800" spc="-1" strike="noStrike">
-                <a:solidFill>
-                  <a:srgbClr val="595959"/>
-                </a:solidFill>
-                <a:latin typeface="Arial"/>
-                <a:ea typeface="Arial"/>
-              </a:rPr>
-              <a:t>Kaart overzicht</a:t>
-            </a:r>
-            <a:endParaRPr b="0" lang="en-US" sz="1800" spc="-1" strike="noStrike">
-              <a:latin typeface="Arial"/>
-            </a:endParaRPr>
-          </a:p>
-          <a:p>
-            <a:pPr marL="457200" indent="-227880">
-              <a:lnSpc>
-                <a:spcPct val="100000"/>
-              </a:lnSpc>
-              <a:spcAft>
-                <a:spcPts val="1599"/>
-              </a:spcAft>
-              <a:buClr>
-                <a:srgbClr val="595959"/>
-              </a:buClr>
-              <a:buFont typeface="Wingdings" charset="2"/>
-              <a:buChar char=""/>
-            </a:pPr>
-            <a:r>
-              <a:rPr b="0" lang="en-US" sz="1800" spc="-1" strike="noStrike">
-                <a:solidFill>
-                  <a:srgbClr val="595959"/>
-                </a:solidFill>
-                <a:latin typeface="Arial"/>
-                <a:ea typeface="Arial"/>
-              </a:rPr>
-              <a:t>Detail info</a:t>
-            </a:r>
-            <a:endParaRPr b="0" lang="en-US" sz="1800" spc="-1" strike="noStrike">
-              <a:latin typeface="Arial"/>
-            </a:endParaRPr>
-          </a:p>
-        </p:txBody>
-      </p:sp>
-    </p:spTree>
-  </p:cSld>
-  <p:timing>
-    <p:tnLst>
-      <p:par>
-        <p:cTn id="33" dur="indefinite" restart="never" nodeType="tmRoot">
-          <p:childTnLst>
-            <p:seq>
-              <p:cTn id="34" nodeType="mainSeq"/>
-              <p:prevCondLst>
-                <p:cond delay="0" evt="onPrev">
-                  <p:tgtEl>
-                    <p:sldTgt/>
-                  </p:tgtEl>
-                </p:cond>
-              </p:prevCondLst>
-              <p:nextCondLst>
-                <p:cond delay="0" evt="onNext">
-                  <p:tgtEl>
-                    <p:sldTgt/>
-                  </p:tgtEl>
-                </p:cond>
-              </p:nextCondLst>
-            </p:seq>
-          </p:childTnLst>
-        </p:cTn>
-      </p:par>
-    </p:tnLst>
-  </p:timing>
-</p:sld>
-</file>
-
-<file path=ppt/slides/slide19.xml><?xml version="1.0" encoding="utf-8"?>
-<p:sld xmlns:a="http://schemas.openxmlformats.org/drawingml/2006/main" xmlns:p="http://schemas.openxmlformats.org/presentationml/2006/main" xmlns:r="http://schemas.openxmlformats.org/officeDocument/2006/relationships" xmlns:p14="http://schemas.microsoft.com/office/powerpoint/2010/main" xmlns:p15="http://schemas.microsoft.com/office/powerpoint/2012/main" xmlns:mc="http://schemas.openxmlformats.org/markup-compatibility/2006">
-  <p:cSld>
-    <p:spTree>
-      <p:nvGrpSpPr>
-        <p:cNvPr id="1" name=""/>
-        <p:cNvGrpSpPr/>
-        <p:nvPr/>
-      </p:nvGrpSpPr>
-      <p:grpSpPr>
-        <a:xfrm>
-          <a:off x="0" y="0"/>
-          <a:ext cx="0" cy="0"/>
-          <a:chOff x="0" y="0"/>
-          <a:chExt cx="0" cy="0"/>
-        </a:xfrm>
-      </p:grpSpPr>
-      <p:pic>
-        <p:nvPicPr>
-          <p:cNvPr id="198" name="Afbeelding 6" descr=""/>
-          <p:cNvPicPr/>
-          <p:nvPr/>
-        </p:nvPicPr>
-        <p:blipFill>
-          <a:blip r:embed="rId1"/>
-          <a:stretch/>
-        </p:blipFill>
-        <p:spPr>
-          <a:xfrm>
-            <a:off x="0" y="0"/>
-            <a:ext cx="9143280" cy="5142960"/>
-          </a:xfrm>
-          <a:prstGeom prst="rect">
-            <a:avLst/>
-          </a:prstGeom>
-          <a:ln>
-            <a:noFill/>
-          </a:ln>
-        </p:spPr>
-      </p:pic>
-    </p:spTree>
-  </p:cSld>
-  <p:timing>
-    <p:tnLst>
-      <p:par>
-        <p:cTn id="35" dur="indefinite" restart="never" nodeType="tmRoot">
-          <p:childTnLst>
-            <p:seq>
-              <p:cTn id="36" nodeType="mainSeq"/>
+              <p:cTn id="38" nodeType="mainSeq"/>
               <p:prevCondLst>
                 <p:cond delay="0" evt="onPrev">
                   <p:tgtEl>
@@ -8350,61 +8327,9 @@
           <a:chExt cx="0" cy="0"/>
         </a:xfrm>
       </p:grpSpPr>
-      <p:sp>
-        <p:nvSpPr>
-          <p:cNvPr id="199" name="CustomShape 1"/>
-          <p:cNvSpPr/>
-          <p:nvPr/>
-        </p:nvSpPr>
-        <p:spPr>
-          <a:xfrm>
-            <a:off x="311760" y="444960"/>
-            <a:ext cx="8519760" cy="572040"/>
-          </a:xfrm>
-          <a:prstGeom prst="rect">
-            <a:avLst/>
-          </a:prstGeom>
-          <a:noFill/>
-          <a:ln>
-            <a:noFill/>
-          </a:ln>
-        </p:spPr>
-        <p:style>
-          <a:lnRef idx="0"/>
-          <a:fillRef idx="0"/>
-          <a:effectRef idx="0"/>
-          <a:fontRef idx="minor"/>
-        </p:style>
-      </p:sp>
-      <p:sp>
-        <p:nvSpPr>
-          <p:cNvPr id="200" name="CustomShape 2"/>
-          <p:cNvSpPr/>
-          <p:nvPr/>
-        </p:nvSpPr>
-        <p:spPr>
-          <a:xfrm>
-            <a:off x="311760" y="1152360"/>
-            <a:ext cx="8519760" cy="3415680"/>
-          </a:xfrm>
-          <a:prstGeom prst="rect">
-            <a:avLst/>
-          </a:prstGeom>
-          <a:noFill/>
-          <a:ln>
-            <a:noFill/>
-          </a:ln>
-        </p:spPr>
-        <p:style>
-          <a:lnRef idx="0"/>
-          <a:fillRef idx="0"/>
-          <a:effectRef idx="0"/>
-          <a:fontRef idx="minor"/>
-        </p:style>
-      </p:sp>
       <p:pic>
         <p:nvPicPr>
-          <p:cNvPr id="201" name="Afbeelding 4" descr=""/>
+          <p:cNvPr id="201" name="Shape 84" descr=""/>
           <p:cNvPicPr/>
           <p:nvPr/>
         </p:nvPicPr>
@@ -8414,8 +8339,8 @@
         </p:blipFill>
         <p:spPr>
           <a:xfrm>
-            <a:off x="0" y="0"/>
-            <a:ext cx="9143280" cy="5142960"/>
+            <a:off x="5076360" y="0"/>
+            <a:ext cx="4827600" cy="5211720"/>
           </a:xfrm>
           <a:prstGeom prst="rect">
             <a:avLst/>
@@ -8425,15 +8350,198 @@
           </a:ln>
         </p:spPr>
       </p:pic>
+      <p:sp>
+        <p:nvSpPr>
+          <p:cNvPr id="202" name="CustomShape 1"/>
+          <p:cNvSpPr/>
+          <p:nvPr/>
+        </p:nvSpPr>
+        <p:spPr>
+          <a:xfrm>
+            <a:off x="623520" y="444960"/>
+            <a:ext cx="8519760" cy="572040"/>
+          </a:xfrm>
+          <a:prstGeom prst="rect">
+            <a:avLst/>
+          </a:prstGeom>
+          <a:noFill/>
+          <a:ln>
+            <a:noFill/>
+          </a:ln>
+        </p:spPr>
+        <p:style>
+          <a:lnRef idx="0"/>
+          <a:fillRef idx="0"/>
+          <a:effectRef idx="0"/>
+          <a:fontRef idx="minor"/>
+        </p:style>
+        <p:txBody>
+          <a:bodyPr lIns="90000" rIns="90000" tIns="91440" bIns="91440"/>
+          <a:p>
+            <a:pPr>
+              <a:lnSpc>
+                <a:spcPct val="100000"/>
+              </a:lnSpc>
+            </a:pPr>
+            <a:r>
+              <a:rPr b="1" lang="en-US" sz="3600" spc="-1" strike="noStrike">
+                <a:solidFill>
+                  <a:srgbClr val="7f8724"/>
+                </a:solidFill>
+                <a:latin typeface="Alegreya Sans"/>
+                <a:ea typeface="Alegreya Sans"/>
+              </a:rPr>
+              <a:t>Hoe ziet dat eruit?</a:t>
+            </a:r>
+            <a:endParaRPr b="0" lang="en-US" sz="3600" spc="-1" strike="noStrike">
+              <a:latin typeface="Arial"/>
+            </a:endParaRPr>
+          </a:p>
+        </p:txBody>
+      </p:sp>
+      <p:sp>
+        <p:nvSpPr>
+          <p:cNvPr id="203" name="CustomShape 2"/>
+          <p:cNvSpPr/>
+          <p:nvPr/>
+        </p:nvSpPr>
+        <p:spPr>
+          <a:xfrm>
+            <a:off x="623520" y="1152360"/>
+            <a:ext cx="8519760" cy="3415680"/>
+          </a:xfrm>
+          <a:prstGeom prst="rect">
+            <a:avLst/>
+          </a:prstGeom>
+          <a:noFill/>
+          <a:ln>
+            <a:noFill/>
+          </a:ln>
+        </p:spPr>
+        <p:style>
+          <a:lnRef idx="0"/>
+          <a:fillRef idx="0"/>
+          <a:effectRef idx="0"/>
+          <a:fontRef idx="minor"/>
+        </p:style>
+        <p:txBody>
+          <a:bodyPr lIns="90000" rIns="90000" tIns="91440" bIns="91440"/>
+          <a:p>
+            <a:pPr>
+              <a:lnSpc>
+                <a:spcPct val="100000"/>
+              </a:lnSpc>
+            </a:pPr>
+            <a:endParaRPr b="0" lang="en-US" sz="1800" spc="-1" strike="noStrike">
+              <a:latin typeface="Arial"/>
+            </a:endParaRPr>
+          </a:p>
+          <a:p>
+            <a:pPr>
+              <a:lnSpc>
+                <a:spcPct val="100000"/>
+              </a:lnSpc>
+            </a:pPr>
+            <a:endParaRPr b="0" lang="en-US" sz="1800" spc="-1" strike="noStrike">
+              <a:latin typeface="Arial"/>
+            </a:endParaRPr>
+          </a:p>
+        </p:txBody>
+      </p:sp>
+      <p:sp>
+        <p:nvSpPr>
+          <p:cNvPr id="204" name="CustomShape 3"/>
+          <p:cNvSpPr/>
+          <p:nvPr/>
+        </p:nvSpPr>
+        <p:spPr>
+          <a:xfrm>
+            <a:off x="775800" y="1305000"/>
+            <a:ext cx="8519760" cy="3415680"/>
+          </a:xfrm>
+          <a:prstGeom prst="rect">
+            <a:avLst/>
+          </a:prstGeom>
+          <a:noFill/>
+          <a:ln>
+            <a:noFill/>
+          </a:ln>
+        </p:spPr>
+        <p:style>
+          <a:lnRef idx="0"/>
+          <a:fillRef idx="0"/>
+          <a:effectRef idx="0"/>
+          <a:fontRef idx="minor"/>
+        </p:style>
+        <p:txBody>
+          <a:bodyPr lIns="90000" rIns="90000" tIns="91440" bIns="91440"/>
+          <a:p>
+            <a:pPr marL="457200" indent="-227880">
+              <a:lnSpc>
+                <a:spcPct val="100000"/>
+              </a:lnSpc>
+              <a:spcAft>
+                <a:spcPts val="1599"/>
+              </a:spcAft>
+              <a:buClr>
+                <a:srgbClr val="595959"/>
+              </a:buClr>
+              <a:buFont typeface="Wingdings" charset="2"/>
+              <a:buChar char=""/>
+            </a:pPr>
+            <a:r>
+              <a:rPr b="0" lang="en-US" sz="1800" spc="-1" strike="noStrike">
+                <a:solidFill>
+                  <a:srgbClr val="595959"/>
+                </a:solidFill>
+                <a:latin typeface="Arial"/>
+                <a:ea typeface="Arial"/>
+              </a:rPr>
+              <a:t>Kaart overzicht</a:t>
+            </a:r>
+            <a:endParaRPr b="0" lang="en-US" sz="1800" spc="-1" strike="noStrike">
+              <a:latin typeface="Arial"/>
+            </a:endParaRPr>
+          </a:p>
+          <a:p>
+            <a:pPr marL="457200" indent="-227880">
+              <a:lnSpc>
+                <a:spcPct val="100000"/>
+              </a:lnSpc>
+              <a:spcAft>
+                <a:spcPts val="1599"/>
+              </a:spcAft>
+              <a:buClr>
+                <a:srgbClr val="595959"/>
+              </a:buClr>
+              <a:buFont typeface="Wingdings" charset="2"/>
+              <a:buChar char=""/>
+            </a:pPr>
+            <a:r>
+              <a:rPr b="0" lang="en-US" sz="1800" spc="-1" strike="noStrike">
+                <a:solidFill>
+                  <a:srgbClr val="595959"/>
+                </a:solidFill>
+                <a:latin typeface="Arial"/>
+                <a:ea typeface="Arial"/>
+              </a:rPr>
+              <a:t>Detail info</a:t>
+            </a:r>
+            <a:endParaRPr b="0" lang="en-US" sz="1800" spc="-1" strike="noStrike">
+              <a:latin typeface="Arial"/>
+            </a:endParaRPr>
+          </a:p>
+        </p:txBody>
+      </p:sp>
     </p:spTree>
   </p:cSld>
   <p:timing>
     <p:tnLst>
       <p:par>
-        <p:cTn id="37" dur="indefinite" restart="never" nodeType="tmRoot">
+        <p:cTn id="39" dur="indefinite" restart="never" nodeType="tmRoot">
           <p:childTnLst>
             <p:seq>
-              <p:cTn id="38" nodeType="mainSeq"/>
+              <p:cTn id="40" nodeType="mainSeq"/>
               <p:prevCondLst>
                 <p:cond delay="0" evt="onPrev">
                   <p:tgtEl>
@@ -8474,9 +8582,205 @@
           <a:chExt cx="0" cy="0"/>
         </a:xfrm>
       </p:grpSpPr>
-      <p:sp>
-        <p:nvSpPr>
-          <p:cNvPr id="202" name="CustomShape 1"/>
+      <p:pic>
+        <p:nvPicPr>
+          <p:cNvPr id="205" name="Afbeelding 6" descr=""/>
+          <p:cNvPicPr/>
+          <p:nvPr/>
+        </p:nvPicPr>
+        <p:blipFill>
+          <a:blip r:embed="rId1"/>
+          <a:stretch/>
+        </p:blipFill>
+        <p:spPr>
+          <a:xfrm>
+            <a:off x="0" y="0"/>
+            <a:ext cx="9143280" cy="5142960"/>
+          </a:xfrm>
+          <a:prstGeom prst="rect">
+            <a:avLst/>
+          </a:prstGeom>
+          <a:ln>
+            <a:noFill/>
+          </a:ln>
+        </p:spPr>
+      </p:pic>
+    </p:spTree>
+  </p:cSld>
+  <p:timing>
+    <p:tnLst>
+      <p:par>
+        <p:cTn id="41" dur="indefinite" restart="never" nodeType="tmRoot">
+          <p:childTnLst>
+            <p:seq>
+              <p:cTn id="42" nodeType="mainSeq"/>
+              <p:prevCondLst>
+                <p:cond delay="0" evt="onPrev">
+                  <p:tgtEl>
+                    <p:sldTgt/>
+                  </p:tgtEl>
+                </p:cond>
+              </p:prevCondLst>
+              <p:nextCondLst>
+                <p:cond delay="0" evt="onNext">
+                  <p:tgtEl>
+                    <p:sldTgt/>
+                  </p:tgtEl>
+                </p:cond>
+              </p:nextCondLst>
+            </p:seq>
+          </p:childTnLst>
+        </p:cTn>
+      </p:par>
+    </p:tnLst>
+  </p:timing>
+</p:sld>
+</file>
+
+<file path=ppt/slides/slide22.xml><?xml version="1.0" encoding="utf-8"?>
+<p:sld xmlns:a="http://schemas.openxmlformats.org/drawingml/2006/main" xmlns:p="http://schemas.openxmlformats.org/presentationml/2006/main" xmlns:r="http://schemas.openxmlformats.org/officeDocument/2006/relationships" xmlns:p14="http://schemas.microsoft.com/office/powerpoint/2010/main" xmlns:p15="http://schemas.microsoft.com/office/powerpoint/2012/main" xmlns:mc="http://schemas.openxmlformats.org/markup-compatibility/2006">
+  <p:cSld>
+    <p:spTree>
+      <p:nvGrpSpPr>
+        <p:cNvPr id="1" name=""/>
+        <p:cNvGrpSpPr/>
+        <p:nvPr/>
+      </p:nvGrpSpPr>
+      <p:grpSpPr>
+        <a:xfrm>
+          <a:off x="0" y="0"/>
+          <a:ext cx="0" cy="0"/>
+          <a:chOff x="0" y="0"/>
+          <a:chExt cx="0" cy="0"/>
+        </a:xfrm>
+      </p:grpSpPr>
+      <p:sp>
+        <p:nvSpPr>
+          <p:cNvPr id="206" name="CustomShape 1"/>
+          <p:cNvSpPr/>
+          <p:nvPr/>
+        </p:nvSpPr>
+        <p:spPr>
+          <a:xfrm>
+            <a:off x="311760" y="444960"/>
+            <a:ext cx="8519760" cy="572040"/>
+          </a:xfrm>
+          <a:prstGeom prst="rect">
+            <a:avLst/>
+          </a:prstGeom>
+          <a:noFill/>
+          <a:ln>
+            <a:noFill/>
+          </a:ln>
+        </p:spPr>
+        <p:style>
+          <a:lnRef idx="0"/>
+          <a:fillRef idx="0"/>
+          <a:effectRef idx="0"/>
+          <a:fontRef idx="minor"/>
+        </p:style>
+      </p:sp>
+      <p:sp>
+        <p:nvSpPr>
+          <p:cNvPr id="207" name="CustomShape 2"/>
+          <p:cNvSpPr/>
+          <p:nvPr/>
+        </p:nvSpPr>
+        <p:spPr>
+          <a:xfrm>
+            <a:off x="311760" y="1152360"/>
+            <a:ext cx="8519760" cy="3415680"/>
+          </a:xfrm>
+          <a:prstGeom prst="rect">
+            <a:avLst/>
+          </a:prstGeom>
+          <a:noFill/>
+          <a:ln>
+            <a:noFill/>
+          </a:ln>
+        </p:spPr>
+        <p:style>
+          <a:lnRef idx="0"/>
+          <a:fillRef idx="0"/>
+          <a:effectRef idx="0"/>
+          <a:fontRef idx="minor"/>
+        </p:style>
+      </p:sp>
+      <p:pic>
+        <p:nvPicPr>
+          <p:cNvPr id="208" name="Afbeelding 4" descr=""/>
+          <p:cNvPicPr/>
+          <p:nvPr/>
+        </p:nvPicPr>
+        <p:blipFill>
+          <a:blip r:embed="rId1"/>
+          <a:stretch/>
+        </p:blipFill>
+        <p:spPr>
+          <a:xfrm>
+            <a:off x="0" y="0"/>
+            <a:ext cx="9143280" cy="5142960"/>
+          </a:xfrm>
+          <a:prstGeom prst="rect">
+            <a:avLst/>
+          </a:prstGeom>
+          <a:ln>
+            <a:noFill/>
+          </a:ln>
+        </p:spPr>
+      </p:pic>
+    </p:spTree>
+  </p:cSld>
+  <p:timing>
+    <p:tnLst>
+      <p:par>
+        <p:cTn id="43" dur="indefinite" restart="never" nodeType="tmRoot">
+          <p:childTnLst>
+            <p:seq>
+              <p:cTn id="44" nodeType="mainSeq"/>
+              <p:prevCondLst>
+                <p:cond delay="0" evt="onPrev">
+                  <p:tgtEl>
+                    <p:sldTgt/>
+                  </p:tgtEl>
+                </p:cond>
+              </p:prevCondLst>
+              <p:nextCondLst>
+                <p:cond delay="0" evt="onNext">
+                  <p:tgtEl>
+                    <p:sldTgt/>
+                  </p:tgtEl>
+                </p:cond>
+              </p:nextCondLst>
+            </p:seq>
+          </p:childTnLst>
+        </p:cTn>
+      </p:par>
+    </p:tnLst>
+  </p:timing>
+</p:sld>
+</file>
+
+<file path=ppt/slides/slide23.xml><?xml version="1.0" encoding="utf-8"?>
+<p:sld xmlns:a="http://schemas.openxmlformats.org/drawingml/2006/main" xmlns:p="http://schemas.openxmlformats.org/presentationml/2006/main" xmlns:r="http://schemas.openxmlformats.org/officeDocument/2006/relationships" xmlns:p14="http://schemas.microsoft.com/office/powerpoint/2010/main" xmlns:p15="http://schemas.microsoft.com/office/powerpoint/2012/main" xmlns:mc="http://schemas.openxmlformats.org/markup-compatibility/2006">
+  <p:cSld>
+    <p:spTree>
+      <p:nvGrpSpPr>
+        <p:cNvPr id="1" name=""/>
+        <p:cNvGrpSpPr/>
+        <p:nvPr/>
+      </p:nvGrpSpPr>
+      <p:grpSpPr>
+        <a:xfrm>
+          <a:off x="0" y="0"/>
+          <a:ext cx="0" cy="0"/>
+          <a:chOff x="0" y="0"/>
+          <a:chExt cx="0" cy="0"/>
+        </a:xfrm>
+      </p:grpSpPr>
+      <p:sp>
+        <p:nvSpPr>
+          <p:cNvPr id="209" name="CustomShape 1"/>
           <p:cNvSpPr/>
           <p:nvPr/>
         </p:nvSpPr>
@@ -8512,7 +8816,7 @@
       </p:sp>
       <p:pic>
         <p:nvPicPr>
-          <p:cNvPr id="203" name="Shape 171" descr=""/>
+          <p:cNvPr id="210" name="Shape 171" descr=""/>
           <p:cNvPicPr/>
           <p:nvPr/>
         </p:nvPicPr>
@@ -8535,7 +8839,7 @@
       </p:pic>
       <p:sp>
         <p:nvSpPr>
-          <p:cNvPr id="204" name="CustomShape 2"/>
+          <p:cNvPr id="211" name="CustomShape 2"/>
           <p:cNvSpPr/>
           <p:nvPr/>
         </p:nvSpPr>
@@ -8609,10 +8913,10 @@
   <p:timing>
     <p:tnLst>
       <p:par>
-        <p:cTn id="39" dur="indefinite" restart="never" nodeType="tmRoot">
+        <p:cTn id="45" dur="indefinite" restart="never" nodeType="tmRoot">
           <p:childTnLst>
             <p:seq>
-              <p:cTn id="40" nodeType="mainSeq"/>
+              <p:cTn id="46" nodeType="mainSeq"/>
               <p:prevCondLst>
                 <p:cond delay="0" evt="onPrev">
                   <p:tgtEl>
@@ -9205,14 +9509,14 @@
         </p:nvSpPr>
         <p:spPr>
           <a:xfrm>
-            <a:off x="0" y="-10080"/>
+            <a:off x="0" y="-19800"/>
             <a:ext cx="9143280" cy="5162760"/>
           </a:xfrm>
           <a:prstGeom prst="rect">
             <a:avLst/>
           </a:prstGeom>
           <a:solidFill>
-            <a:srgbClr val="f8b214"/>
+            <a:srgbClr val="7f8724"/>
           </a:solidFill>
           <a:ln>
             <a:noFill/>
@@ -9266,7 +9570,7 @@
                 <a:latin typeface="Alegreya Sans"/>
                 <a:ea typeface="Alegreya Sans"/>
               </a:rPr>
-              <a:t>Terugkeer probleem</a:t>
+              <a:t>Doel: technische haalbaarheid</a:t>
             </a:r>
             <a:endParaRPr b="0" lang="en-US" sz="3600" spc="-1" strike="noStrike">
               <a:latin typeface="Arial"/>
@@ -9274,9 +9578,133 @@
           </a:p>
         </p:txBody>
       </p:sp>
+      <p:sp>
+        <p:nvSpPr>
+          <p:cNvPr id="142" name="CustomShape 3"/>
+          <p:cNvSpPr/>
+          <p:nvPr/>
+        </p:nvSpPr>
+        <p:spPr>
+          <a:xfrm>
+            <a:off x="623520" y="1152360"/>
+            <a:ext cx="7373880" cy="3415680"/>
+          </a:xfrm>
+          <a:prstGeom prst="rect">
+            <a:avLst/>
+          </a:prstGeom>
+          <a:noFill/>
+          <a:ln>
+            <a:noFill/>
+          </a:ln>
+        </p:spPr>
+        <p:style>
+          <a:lnRef idx="0"/>
+          <a:fillRef idx="0"/>
+          <a:effectRef idx="0"/>
+          <a:fontRef idx="minor"/>
+        </p:style>
+        <p:txBody>
+          <a:bodyPr lIns="90000" rIns="90000" tIns="91440" bIns="91440"/>
+          <a:p>
+            <a:pPr>
+              <a:lnSpc>
+                <a:spcPct val="100000"/>
+              </a:lnSpc>
+            </a:pPr>
+            <a:r>
+              <a:rPr b="1" lang="en-US" sz="1800" spc="-1" strike="noStrike">
+                <a:solidFill>
+                  <a:srgbClr val="ffffff"/>
+                </a:solidFill>
+                <a:latin typeface="Arial"/>
+                <a:ea typeface="Arial"/>
+              </a:rPr>
+              <a:t>Enkele probleemfactoren</a:t>
+            </a:r>
+            <a:endParaRPr b="0" lang="en-US" sz="1800" spc="-1" strike="noStrike">
+              <a:latin typeface="Arial"/>
+            </a:endParaRPr>
+          </a:p>
+          <a:p>
+            <a:pPr lvl="4" marL="285840" indent="-285120">
+              <a:lnSpc>
+                <a:spcPct val="100000"/>
+              </a:lnSpc>
+              <a:buClr>
+                <a:srgbClr val="ffffff"/>
+              </a:buClr>
+              <a:buFont typeface="StarSymbol"/>
+              <a:buChar char="-"/>
+            </a:pPr>
+            <a:r>
+              <a:rPr b="1" lang="en-US" sz="1400" spc="-1" strike="noStrike">
+                <a:solidFill>
+                  <a:srgbClr val="ffffff"/>
+                </a:solidFill>
+                <a:latin typeface="Arial"/>
+                <a:ea typeface="Arial"/>
+              </a:rPr>
+              <a:t>Park is groot</a:t>
+            </a:r>
+            <a:endParaRPr b="0" lang="en-US" sz="1400" spc="-1" strike="noStrike">
+              <a:latin typeface="Arial"/>
+            </a:endParaRPr>
+          </a:p>
+          <a:p>
+            <a:pPr lvl="4" marL="285840" indent="-285120">
+              <a:lnSpc>
+                <a:spcPct val="100000"/>
+              </a:lnSpc>
+              <a:buClr>
+                <a:srgbClr val="ffffff"/>
+              </a:buClr>
+              <a:buFont typeface="StarSymbol"/>
+              <a:buChar char="-"/>
+            </a:pPr>
+            <a:r>
+              <a:rPr b="1" lang="en-US" sz="1400" spc="-1" strike="noStrike">
+                <a:solidFill>
+                  <a:srgbClr val="ffffff"/>
+                </a:solidFill>
+                <a:latin typeface="Arial"/>
+                <a:ea typeface="Arial"/>
+              </a:rPr>
+              <a:t>Geen Wi-Fi in het park</a:t>
+            </a:r>
+            <a:endParaRPr b="0" lang="en-US" sz="1400" spc="-1" strike="noStrike">
+              <a:latin typeface="Arial"/>
+            </a:endParaRPr>
+          </a:p>
+          <a:p>
+            <a:pPr lvl="4" marL="285840" indent="-285120">
+              <a:lnSpc>
+                <a:spcPct val="100000"/>
+              </a:lnSpc>
+              <a:buClr>
+                <a:srgbClr val="ffffff"/>
+              </a:buClr>
+              <a:buFont typeface="StarSymbol"/>
+              <a:buChar char="-"/>
+            </a:pPr>
+            <a:r>
+              <a:rPr b="1" lang="en-US" sz="1400" spc="-1" strike="noStrike">
+                <a:solidFill>
+                  <a:srgbClr val="ffffff"/>
+                </a:solidFill>
+                <a:latin typeface="Arial"/>
+                <a:ea typeface="Arial"/>
+              </a:rPr>
+              <a:t>Weersomstandigheden (warm, luchtvochtigheid, nat)</a:t>
+            </a:r>
+            <a:endParaRPr b="0" lang="en-US" sz="1400" spc="-1" strike="noStrike">
+              <a:latin typeface="Arial"/>
+            </a:endParaRPr>
+          </a:p>
+        </p:txBody>
+      </p:sp>
       <p:pic>
         <p:nvPicPr>
-          <p:cNvPr id="142" name="Shape 78" descr=""/>
+          <p:cNvPr id="143" name="Shape 124" descr=""/>
           <p:cNvPicPr/>
           <p:nvPr/>
         </p:nvPicPr>
@@ -9286,95 +9714,8 @@
         </p:blipFill>
         <p:spPr>
           <a:xfrm>
-            <a:off x="3194280" y="-42840"/>
-            <a:ext cx="5949000" cy="5224320"/>
-          </a:xfrm>
-          <a:prstGeom prst="rect">
-            <a:avLst/>
-          </a:prstGeom>
-          <a:ln>
-            <a:noFill/>
-          </a:ln>
-        </p:spPr>
-      </p:pic>
-      <p:sp>
-        <p:nvSpPr>
-          <p:cNvPr id="143" name="CustomShape 3"/>
-          <p:cNvSpPr/>
-          <p:nvPr/>
-        </p:nvSpPr>
-        <p:spPr>
-          <a:xfrm>
-            <a:off x="623520" y="1152360"/>
-            <a:ext cx="5905080" cy="3415680"/>
-          </a:xfrm>
-          <a:prstGeom prst="rect">
-            <a:avLst/>
-          </a:prstGeom>
-          <a:noFill/>
-          <a:ln>
-            <a:noFill/>
-          </a:ln>
-        </p:spPr>
-        <p:style>
-          <a:lnRef idx="0"/>
-          <a:fillRef idx="0"/>
-          <a:effectRef idx="0"/>
-          <a:fontRef idx="minor"/>
-        </p:style>
-        <p:txBody>
-          <a:bodyPr lIns="90000" rIns="90000" tIns="91440" bIns="91440"/>
-          <a:p>
-            <a:pPr marL="285840" indent="-285120">
-              <a:lnSpc>
-                <a:spcPct val="100000"/>
-              </a:lnSpc>
-              <a:buClr>
-                <a:srgbClr val="595959"/>
-              </a:buClr>
-              <a:buFont typeface="StarSymbol"/>
-              <a:buChar char="-"/>
-            </a:pPr>
-            <a:r>
-              <a:rPr b="0" lang="en-US" sz="1800" spc="-1" strike="noStrike">
-                <a:solidFill>
-                  <a:srgbClr val="ffffff"/>
-                </a:solidFill>
-                <a:latin typeface="Arial"/>
-                <a:ea typeface="Arial"/>
-              </a:rPr>
-              <a:t>Kinderen stimuleren om terug te komen</a:t>
-            </a:r>
-            <a:endParaRPr b="0" lang="en-US" sz="1800" spc="-1" strike="noStrike">
-              <a:latin typeface="Arial"/>
-            </a:endParaRPr>
-          </a:p>
-          <a:p>
-            <a:pPr>
-              <a:lnSpc>
-                <a:spcPct val="100000"/>
-              </a:lnSpc>
-            </a:pPr>
-            <a:endParaRPr b="0" lang="en-US" sz="1800" spc="-1" strike="noStrike">
-              <a:latin typeface="Arial"/>
-            </a:endParaRPr>
-          </a:p>
-        </p:txBody>
-      </p:sp>
-      <p:pic>
-        <p:nvPicPr>
-          <p:cNvPr id="144" name="Shape 83" descr=""/>
-          <p:cNvPicPr/>
-          <p:nvPr/>
-        </p:nvPicPr>
-        <p:blipFill>
-          <a:blip r:embed="rId2"/>
-          <a:stretch/>
-        </p:blipFill>
-        <p:spPr>
-          <a:xfrm>
-            <a:off x="190800" y="2078280"/>
-            <a:ext cx="5294880" cy="2930760"/>
+            <a:off x="4557240" y="2512080"/>
+            <a:ext cx="4861080" cy="5203080"/>
           </a:xfrm>
           <a:prstGeom prst="rect">
             <a:avLst/>
@@ -9435,7 +9776,7 @@
       </p:grpSpPr>
       <p:pic>
         <p:nvPicPr>
-          <p:cNvPr id="145" name="Shape 84" descr=""/>
+          <p:cNvPr id="144" name="Shape 129" descr=""/>
           <p:cNvPicPr/>
           <p:nvPr/>
         </p:nvPicPr>
@@ -9445,8 +9786,8 @@
         </p:blipFill>
         <p:spPr>
           <a:xfrm>
-            <a:off x="5076360" y="0"/>
-            <a:ext cx="4827600" cy="5211720"/>
+            <a:off x="5491080" y="0"/>
+            <a:ext cx="3652560" cy="5142600"/>
           </a:xfrm>
           <a:prstGeom prst="rect">
             <a:avLst/>
@@ -9458,7 +9799,7 @@
       </p:pic>
       <p:sp>
         <p:nvSpPr>
-          <p:cNvPr id="146" name="CustomShape 1"/>
+          <p:cNvPr id="145" name="CustomShape 1"/>
           <p:cNvSpPr/>
           <p:nvPr/>
         </p:nvSpPr>
@@ -9492,12 +9833,12 @@
             <a:r>
               <a:rPr b="1" lang="en-US" sz="3600" spc="-1" strike="noStrike">
                 <a:solidFill>
-                  <a:srgbClr val="7f8724"/>
+                  <a:srgbClr val="a4c512"/>
                 </a:solidFill>
                 <a:latin typeface="Alegreya Sans"/>
                 <a:ea typeface="Alegreya Sans"/>
               </a:rPr>
-              <a:t>Admin app</a:t>
+              <a:t>Oplossing</a:t>
             </a:r>
             <a:endParaRPr b="0" lang="en-US" sz="3600" spc="-1" strike="noStrike">
               <a:latin typeface="Arial"/>
@@ -9507,14 +9848,14 @@
       </p:sp>
       <p:sp>
         <p:nvSpPr>
-          <p:cNvPr id="147" name="CustomShape 2"/>
+          <p:cNvPr id="146" name="CustomShape 2"/>
           <p:cNvSpPr/>
           <p:nvPr/>
         </p:nvSpPr>
         <p:spPr>
           <a:xfrm>
             <a:off x="623520" y="1152360"/>
-            <a:ext cx="8519760" cy="3415680"/>
+            <a:ext cx="5438160" cy="3415680"/>
           </a:xfrm>
           <a:prstGeom prst="rect">
             <a:avLst/>
@@ -9533,76 +9874,91 @@
         <p:txBody>
           <a:bodyPr lIns="90000" rIns="90000" tIns="91440" bIns="91440"/>
           <a:p>
-            <a:pPr>
+            <a:pPr marL="285840" indent="-285120">
               <a:lnSpc>
                 <a:spcPct val="100000"/>
               </a:lnSpc>
+              <a:spcAft>
+                <a:spcPts val="1599"/>
+              </a:spcAft>
+              <a:buClr>
+                <a:srgbClr val="595959"/>
+              </a:buClr>
+              <a:buFont typeface="StarSymbol"/>
+              <a:buChar char="-"/>
             </a:pPr>
+            <a:r>
+              <a:rPr b="0" lang="en-US" sz="1800" spc="-1" strike="noStrike">
+                <a:solidFill>
+                  <a:srgbClr val="595959"/>
+                </a:solidFill>
+                <a:latin typeface="Arial"/>
+                <a:ea typeface="Arial"/>
+              </a:rPr>
+              <a:t>NRF netwerk</a:t>
+            </a:r>
             <a:endParaRPr b="0" lang="en-US" sz="1800" spc="-1" strike="noStrike">
               <a:latin typeface="Arial"/>
             </a:endParaRPr>
           </a:p>
           <a:p>
-            <a:pPr>
+            <a:pPr marL="285840" indent="-285120">
               <a:lnSpc>
                 <a:spcPct val="100000"/>
               </a:lnSpc>
+              <a:spcAft>
+                <a:spcPts val="1599"/>
+              </a:spcAft>
+              <a:buClr>
+                <a:srgbClr val="595959"/>
+              </a:buClr>
+              <a:buFont typeface="StarSymbol"/>
+              <a:buChar char="-"/>
             </a:pPr>
+            <a:r>
+              <a:rPr b="0" lang="en-US" sz="1800" spc="-1" strike="noStrike">
+                <a:solidFill>
+                  <a:srgbClr val="595959"/>
+                </a:solidFill>
+                <a:latin typeface="Arial"/>
+                <a:ea typeface="Arial"/>
+              </a:rPr>
+              <a:t>Poten verbinden met een gateway</a:t>
+            </a:r>
             <a:endParaRPr b="0" lang="en-US" sz="1800" spc="-1" strike="noStrike">
               <a:latin typeface="Arial"/>
             </a:endParaRPr>
           </a:p>
-        </p:txBody>
-      </p:sp>
-      <p:sp>
-        <p:nvSpPr>
-          <p:cNvPr id="148" name="CustomShape 3"/>
-          <p:cNvSpPr/>
-          <p:nvPr/>
-        </p:nvSpPr>
-        <p:spPr>
-          <a:xfrm>
-            <a:off x="775800" y="1305000"/>
-            <a:ext cx="8519760" cy="3415680"/>
-          </a:xfrm>
-          <a:prstGeom prst="rect">
-            <a:avLst/>
-          </a:prstGeom>
-          <a:noFill/>
-          <a:ln>
-            <a:noFill/>
-          </a:ln>
-        </p:spPr>
-        <p:style>
-          <a:lnRef idx="0"/>
-          <a:fillRef idx="0"/>
-          <a:effectRef idx="0"/>
-          <a:fontRef idx="minor"/>
-        </p:style>
-      </p:sp>
-      <p:pic>
-        <p:nvPicPr>
-          <p:cNvPr id="149" name="Shape 103" descr=""/>
-          <p:cNvPicPr/>
-          <p:nvPr/>
-        </p:nvPicPr>
-        <p:blipFill>
-          <a:blip r:embed="rId2"/>
-          <a:stretch/>
-        </p:blipFill>
-        <p:spPr>
-          <a:xfrm>
-            <a:off x="276840" y="1828800"/>
-            <a:ext cx="5436000" cy="3008880"/>
-          </a:xfrm>
-          <a:prstGeom prst="rect">
-            <a:avLst/>
-          </a:prstGeom>
-          <a:ln>
-            <a:noFill/>
-          </a:ln>
-        </p:spPr>
-      </p:pic>
+          <a:p>
+            <a:pPr marL="285840" indent="-285120">
+              <a:lnSpc>
+                <a:spcPct val="100000"/>
+              </a:lnSpc>
+              <a:spcAft>
+                <a:spcPts val="1599"/>
+              </a:spcAft>
+              <a:buClr>
+                <a:srgbClr val="595959"/>
+              </a:buClr>
+              <a:buFont typeface="StarSymbol"/>
+              <a:buChar char="-"/>
+            </a:pPr>
+            <a:r>
+              <a:rPr b="0" lang="en-US" sz="1800" spc="-1" strike="noStrike">
+                <a:solidFill>
+                  <a:srgbClr val="595959"/>
+                </a:solidFill>
+                <a:latin typeface="Arial"/>
+                <a:ea typeface="Arial"/>
+              </a:rPr>
+              <a:t>Mesh netwerk van repeaters (poten)</a:t>
+            </a:r>
+            <a:endParaRPr b="0" lang="en-US" sz="1800" spc="-1" strike="noStrike">
+              <a:latin typeface="Arial"/>
+            </a:endParaRPr>
+          </a:p>
+        </p:txBody>
+      </p:sp>
     </p:spTree>
   </p:cSld>
   <p:timing>
@@ -9652,9 +10008,45 @@
           <a:chExt cx="0" cy="0"/>
         </a:xfrm>
       </p:grpSpPr>
+      <p:sp>
+        <p:nvSpPr>
+          <p:cNvPr id="147" name="CustomShape 1"/>
+          <p:cNvSpPr/>
+          <p:nvPr/>
+        </p:nvSpPr>
+        <p:spPr>
+          <a:xfrm>
+            <a:off x="0" y="0"/>
+            <a:ext cx="9143280" cy="5142960"/>
+          </a:xfrm>
+          <a:prstGeom prst="rect">
+            <a:avLst/>
+          </a:prstGeom>
+          <a:solidFill>
+            <a:srgbClr val="a4c512"/>
+          </a:solidFill>
+          <a:ln>
+            <a:round/>
+          </a:ln>
+        </p:spPr>
+        <p:style>
+          <a:lnRef idx="2">
+            <a:schemeClr val="accent1">
+              <a:shade val="50000"/>
+            </a:schemeClr>
+          </a:lnRef>
+          <a:fillRef idx="1">
+            <a:schemeClr val="accent1"/>
+          </a:fillRef>
+          <a:effectRef idx="0">
+            <a:schemeClr val="accent1"/>
+          </a:effectRef>
+          <a:fontRef idx="minor"/>
+        </p:style>
+      </p:sp>
       <p:pic>
         <p:nvPicPr>
-          <p:cNvPr id="150" name="Shape 84" descr=""/>
+          <p:cNvPr id="148" name="Shape 129" descr=""/>
           <p:cNvPicPr/>
           <p:nvPr/>
         </p:nvPicPr>
@@ -9664,8 +10056,8 @@
         </p:blipFill>
         <p:spPr>
           <a:xfrm>
-            <a:off x="5076360" y="0"/>
-            <a:ext cx="4827600" cy="5211720"/>
+            <a:off x="5491080" y="0"/>
+            <a:ext cx="3652560" cy="5142600"/>
           </a:xfrm>
           <a:prstGeom prst="rect">
             <a:avLst/>
@@ -9677,7 +10069,7 @@
       </p:pic>
       <p:sp>
         <p:nvSpPr>
-          <p:cNvPr id="151" name="CustomShape 1"/>
+          <p:cNvPr id="149" name="CustomShape 2"/>
           <p:cNvSpPr/>
           <p:nvPr/>
         </p:nvSpPr>
@@ -9711,12 +10103,12 @@
             <a:r>
               <a:rPr b="1" lang="en-US" sz="3600" spc="-1" strike="noStrike">
                 <a:solidFill>
-                  <a:srgbClr val="7f8724"/>
+                  <a:srgbClr val="ffffff"/>
                 </a:solidFill>
                 <a:latin typeface="Alegreya Sans"/>
                 <a:ea typeface="Alegreya Sans"/>
               </a:rPr>
-              <a:t>Web architectuur</a:t>
+              <a:t>Architectuur IOT</a:t>
             </a:r>
             <a:endParaRPr b="0" lang="en-US" sz="3600" spc="-1" strike="noStrike">
               <a:latin typeface="Arial"/>
@@ -9726,14 +10118,14 @@
       </p:sp>
       <p:sp>
         <p:nvSpPr>
-          <p:cNvPr id="152" name="CustomShape 2"/>
+          <p:cNvPr id="150" name="CustomShape 3"/>
           <p:cNvSpPr/>
           <p:nvPr/>
         </p:nvSpPr>
         <p:spPr>
           <a:xfrm>
             <a:off x="623520" y="1152360"/>
-            <a:ext cx="8519760" cy="3415680"/>
+            <a:ext cx="5438160" cy="3415680"/>
           </a:xfrm>
           <a:prstGeom prst="rect">
             <a:avLst/>
@@ -9749,59 +10141,10 @@
           <a:effectRef idx="0"/>
           <a:fontRef idx="minor"/>
         </p:style>
-        <p:txBody>
-          <a:bodyPr lIns="90000" rIns="90000" tIns="91440" bIns="91440"/>
-          <a:p>
-            <a:pPr>
-              <a:lnSpc>
-                <a:spcPct val="100000"/>
-              </a:lnSpc>
-            </a:pPr>
-            <a:endParaRPr b="0" lang="en-US" sz="1800" spc="-1" strike="noStrike">
-              <a:latin typeface="Arial"/>
-            </a:endParaRPr>
-          </a:p>
-          <a:p>
-            <a:pPr>
-              <a:lnSpc>
-                <a:spcPct val="100000"/>
-              </a:lnSpc>
-            </a:pPr>
-            <a:endParaRPr b="0" lang="en-US" sz="1800" spc="-1" strike="noStrike">
-              <a:latin typeface="Arial"/>
-            </a:endParaRPr>
-          </a:p>
-        </p:txBody>
-      </p:sp>
-      <p:sp>
-        <p:nvSpPr>
-          <p:cNvPr id="153" name="CustomShape 3"/>
-          <p:cNvSpPr/>
-          <p:nvPr/>
-        </p:nvSpPr>
-        <p:spPr>
-          <a:xfrm>
-            <a:off x="775800" y="1305000"/>
-            <a:ext cx="8519760" cy="3415680"/>
-          </a:xfrm>
-          <a:prstGeom prst="rect">
-            <a:avLst/>
-          </a:prstGeom>
-          <a:noFill/>
-          <a:ln>
-            <a:noFill/>
-          </a:ln>
-        </p:spPr>
-        <p:style>
-          <a:lnRef idx="0"/>
-          <a:fillRef idx="0"/>
-          <a:effectRef idx="0"/>
-          <a:fontRef idx="minor"/>
-        </p:style>
       </p:sp>
       <p:pic>
         <p:nvPicPr>
-          <p:cNvPr id="154" name="" descr=""/>
+          <p:cNvPr id="151" name="" descr=""/>
           <p:cNvPicPr/>
           <p:nvPr/>
         </p:nvPicPr>
@@ -9811,8 +10154,8 @@
         </p:blipFill>
         <p:spPr>
           <a:xfrm>
-            <a:off x="251640" y="1463040"/>
-            <a:ext cx="4685760" cy="3418920"/>
+            <a:off x="0" y="1097280"/>
+            <a:ext cx="9143640" cy="4046040"/>
           </a:xfrm>
           <a:prstGeom prst="rect">
             <a:avLst/>
@@ -9871,16 +10214,39 @@
           <a:chExt cx="0" cy="0"/>
         </a:xfrm>
       </p:grpSpPr>
-      <p:sp>
-        <p:nvSpPr>
-          <p:cNvPr id="155" name="TextShape 1"/>
-          <p:cNvSpPr txBox="1"/>
+      <p:pic>
+        <p:nvPicPr>
+          <p:cNvPr id="152" name="Shape 84" descr=""/>
+          <p:cNvPicPr/>
           <p:nvPr/>
-        </p:nvSpPr>
-        <p:spPr>
-          <a:xfrm>
-            <a:off x="311760" y="418320"/>
-            <a:ext cx="8519760" cy="625320"/>
+        </p:nvPicPr>
+        <p:blipFill>
+          <a:blip r:embed="rId1"/>
+          <a:stretch/>
+        </p:blipFill>
+        <p:spPr>
+          <a:xfrm>
+            <a:off x="5076360" y="0"/>
+            <a:ext cx="4827600" cy="5211720"/>
+          </a:xfrm>
+          <a:prstGeom prst="rect">
+            <a:avLst/>
+          </a:prstGeom>
+          <a:ln>
+            <a:noFill/>
+          </a:ln>
+        </p:spPr>
+      </p:pic>
+      <p:sp>
+        <p:nvSpPr>
+          <p:cNvPr id="153" name="CustomShape 1"/>
+          <p:cNvSpPr/>
+          <p:nvPr/>
+        </p:nvSpPr>
+        <p:spPr>
+          <a:xfrm>
+            <a:off x="623520" y="444960"/>
+            <a:ext cx="8519760" cy="572040"/>
           </a:xfrm>
           <a:prstGeom prst="rect">
             <a:avLst/>
@@ -9890,21 +10256,110 @@
             <a:noFill/>
           </a:ln>
         </p:spPr>
-        <p:txBody>
-          <a:bodyPr lIns="0" rIns="0" tIns="0" bIns="0" anchor="ctr"/>
-          <a:p>
-            <a:pPr algn="ctr"/>
+        <p:style>
+          <a:lnRef idx="0"/>
+          <a:fillRef idx="0"/>
+          <a:effectRef idx="0"/>
+          <a:fontRef idx="minor"/>
+        </p:style>
+        <p:txBody>
+          <a:bodyPr lIns="90000" rIns="90000" tIns="91440" bIns="91440"/>
+          <a:p>
+            <a:pPr>
+              <a:lnSpc>
+                <a:spcPct val="100000"/>
+              </a:lnSpc>
+            </a:pPr>
             <a:r>
-              <a:rPr b="0" lang="en-US" sz="4400" spc="-1" strike="noStrike">
-                <a:latin typeface="Arial"/>
+              <a:rPr b="1" lang="en-US" sz="3600" spc="-1" strike="noStrike">
+                <a:solidFill>
+                  <a:srgbClr val="7f8724"/>
+                </a:solidFill>
+                <a:latin typeface="Alegreya Sans"/>
+                <a:ea typeface="Alegreya Sans"/>
               </a:rPr>
-              <a:t>Tools</a:t>
+              <a:t>Web architectuur</a:t>
             </a:r>
-            <a:endParaRPr b="0" lang="en-US" sz="4400" spc="-1" strike="noStrike">
-              <a:latin typeface="Arial"/>
-            </a:endParaRPr>
-          </a:p>
-        </p:txBody>
+            <a:endParaRPr b="0" lang="en-US" sz="3600" spc="-1" strike="noStrike">
+              <a:latin typeface="Arial"/>
+            </a:endParaRPr>
+          </a:p>
+        </p:txBody>
+      </p:sp>
+      <p:sp>
+        <p:nvSpPr>
+          <p:cNvPr id="154" name="CustomShape 2"/>
+          <p:cNvSpPr/>
+          <p:nvPr/>
+        </p:nvSpPr>
+        <p:spPr>
+          <a:xfrm>
+            <a:off x="623520" y="1152360"/>
+            <a:ext cx="8519760" cy="3415680"/>
+          </a:xfrm>
+          <a:prstGeom prst="rect">
+            <a:avLst/>
+          </a:prstGeom>
+          <a:noFill/>
+          <a:ln>
+            <a:noFill/>
+          </a:ln>
+        </p:spPr>
+        <p:style>
+          <a:lnRef idx="0"/>
+          <a:fillRef idx="0"/>
+          <a:effectRef idx="0"/>
+          <a:fontRef idx="minor"/>
+        </p:style>
+        <p:txBody>
+          <a:bodyPr lIns="90000" rIns="90000" tIns="91440" bIns="91440"/>
+          <a:p>
+            <a:pPr>
+              <a:lnSpc>
+                <a:spcPct val="100000"/>
+              </a:lnSpc>
+            </a:pPr>
+            <a:endParaRPr b="0" lang="en-US" sz="1800" spc="-1" strike="noStrike">
+              <a:latin typeface="Arial"/>
+            </a:endParaRPr>
+          </a:p>
+          <a:p>
+            <a:pPr>
+              <a:lnSpc>
+                <a:spcPct val="100000"/>
+              </a:lnSpc>
+            </a:pPr>
+            <a:endParaRPr b="0" lang="en-US" sz="1800" spc="-1" strike="noStrike">
+              <a:latin typeface="Arial"/>
+            </a:endParaRPr>
+          </a:p>
+        </p:txBody>
+      </p:sp>
+      <p:sp>
+        <p:nvSpPr>
+          <p:cNvPr id="155" name="CustomShape 3"/>
+          <p:cNvSpPr/>
+          <p:nvPr/>
+        </p:nvSpPr>
+        <p:spPr>
+          <a:xfrm>
+            <a:off x="775800" y="1305000"/>
+            <a:ext cx="8519760" cy="3415680"/>
+          </a:xfrm>
+          <a:prstGeom prst="rect">
+            <a:avLst/>
+          </a:prstGeom>
+          <a:noFill/>
+          <a:ln>
+            <a:noFill/>
+          </a:ln>
+        </p:spPr>
+        <p:style>
+          <a:lnRef idx="0"/>
+          <a:fillRef idx="0"/>
+          <a:effectRef idx="0"/>
+          <a:fontRef idx="minor"/>
+        </p:style>
       </p:sp>
       <p:pic>
         <p:nvPicPr>
@@ -9913,13 +10368,13 @@
           <p:nvPr/>
         </p:nvPicPr>
         <p:blipFill>
-          <a:blip r:embed="rId1"/>
+          <a:blip r:embed="rId2"/>
           <a:stretch/>
         </p:blipFill>
         <p:spPr>
           <a:xfrm>
-            <a:off x="6400800" y="2828880"/>
-            <a:ext cx="2468880" cy="2108880"/>
+            <a:off x="251640" y="1463040"/>
+            <a:ext cx="4685760" cy="3418920"/>
           </a:xfrm>
           <a:prstGeom prst="rect">
             <a:avLst/>
@@ -9929,100 +10384,35 @@
           </a:ln>
         </p:spPr>
       </p:pic>
-      <p:pic>
-        <p:nvPicPr>
-          <p:cNvPr id="157" name="" descr=""/>
-          <p:cNvPicPr/>
-          <p:nvPr/>
-        </p:nvPicPr>
-        <p:blipFill>
-          <a:blip r:embed="rId2"/>
-          <a:stretch/>
-        </p:blipFill>
-        <p:spPr>
-          <a:xfrm>
-            <a:off x="182880" y="3931920"/>
-            <a:ext cx="4105080" cy="1114200"/>
-          </a:xfrm>
-          <a:prstGeom prst="rect">
-            <a:avLst/>
-          </a:prstGeom>
-          <a:ln>
-            <a:noFill/>
-          </a:ln>
-        </p:spPr>
-      </p:pic>
-      <p:pic>
-        <p:nvPicPr>
-          <p:cNvPr id="158" name="" descr=""/>
-          <p:cNvPicPr/>
-          <p:nvPr/>
-        </p:nvPicPr>
-        <p:blipFill>
-          <a:blip r:embed="rId3"/>
-          <a:stretch/>
-        </p:blipFill>
-        <p:spPr>
-          <a:xfrm>
-            <a:off x="74880" y="202320"/>
-            <a:ext cx="4154040" cy="3772800"/>
-          </a:xfrm>
-          <a:prstGeom prst="rect">
-            <a:avLst/>
-          </a:prstGeom>
-          <a:ln>
-            <a:noFill/>
-          </a:ln>
-        </p:spPr>
-      </p:pic>
-      <p:pic>
-        <p:nvPicPr>
-          <p:cNvPr id="159" name="" descr=""/>
-          <p:cNvPicPr/>
-          <p:nvPr/>
-        </p:nvPicPr>
-        <p:blipFill>
-          <a:blip r:embed="rId4"/>
-          <a:stretch/>
-        </p:blipFill>
-        <p:spPr>
-          <a:xfrm>
-            <a:off x="6535440" y="0"/>
-            <a:ext cx="2882880" cy="2560320"/>
-          </a:xfrm>
-          <a:prstGeom prst="rect">
-            <a:avLst/>
-          </a:prstGeom>
-          <a:ln>
-            <a:noFill/>
-          </a:ln>
-        </p:spPr>
-      </p:pic>
-      <p:pic>
-        <p:nvPicPr>
-          <p:cNvPr id="160" name="" descr=""/>
-          <p:cNvPicPr/>
-          <p:nvPr/>
-        </p:nvPicPr>
-        <p:blipFill>
-          <a:blip r:embed="rId5"/>
-          <a:stretch/>
-        </p:blipFill>
-        <p:spPr>
-          <a:xfrm>
-            <a:off x="3421080" y="1371600"/>
-            <a:ext cx="3326040" cy="2034360"/>
-          </a:xfrm>
-          <a:prstGeom prst="rect">
-            <a:avLst/>
-          </a:prstGeom>
-          <a:ln>
-            <a:noFill/>
-          </a:ln>
-        </p:spPr>
-      </p:pic>
     </p:spTree>
   </p:cSld>
+  <p:timing>
+    <p:tnLst>
+      <p:par>
+        <p:cTn id="15" dur="indefinite" restart="never" nodeType="tmRoot">
+          <p:childTnLst>
+            <p:seq>
+              <p:cTn id="16" nodeType="mainSeq"/>
+              <p:prevCondLst>
+                <p:cond delay="0" evt="onPrev">
+                  <p:tgtEl>
+                    <p:sldTgt/>
+                  </p:tgtEl>
+                </p:cond>
+              </p:prevCondLst>
+              <p:nextCondLst>
+                <p:cond delay="0" evt="onNext">
+                  <p:tgtEl>
+                    <p:sldTgt/>
+                  </p:tgtEl>
+                </p:cond>
+              </p:nextCondLst>
+            </p:seq>
+          </p:childTnLst>
+        </p:cTn>
+      </p:par>
+    </p:tnLst>
+  </p:timing>
 </p:sld>
 </file>
 
@@ -10045,20 +10435,20 @@
       </p:grpSpPr>
       <p:sp>
         <p:nvSpPr>
-          <p:cNvPr id="161" name="CustomShape 1"/>
+          <p:cNvPr id="157" name="CustomShape 1"/>
           <p:cNvSpPr/>
           <p:nvPr/>
         </p:nvSpPr>
         <p:spPr>
           <a:xfrm>
-            <a:off x="0" y="-19800"/>
+            <a:off x="0" y="-10080"/>
             <a:ext cx="9143280" cy="5162760"/>
           </a:xfrm>
           <a:prstGeom prst="rect">
             <a:avLst/>
           </a:prstGeom>
           <a:solidFill>
-            <a:srgbClr val="7f8724"/>
+            <a:srgbClr val="f8b214"/>
           </a:solidFill>
           <a:ln>
             <a:noFill/>
@@ -10073,7 +10463,7 @@
       </p:sp>
       <p:sp>
         <p:nvSpPr>
-          <p:cNvPr id="162" name="CustomShape 2"/>
+          <p:cNvPr id="158" name="CustomShape 2"/>
           <p:cNvSpPr/>
           <p:nvPr/>
         </p:nvSpPr>
@@ -10112,7 +10502,7 @@
                 <a:latin typeface="Alegreya Sans"/>
                 <a:ea typeface="Alegreya Sans"/>
               </a:rPr>
-              <a:t>Technische haalbaarheid</a:t>
+              <a:t>Ranger app</a:t>
             </a:r>
             <a:endParaRPr b="0" lang="en-US" sz="3600" spc="-1" strike="noStrike">
               <a:latin typeface="Arial"/>
@@ -10120,133 +10510,9 @@
           </a:p>
         </p:txBody>
       </p:sp>
-      <p:sp>
-        <p:nvSpPr>
-          <p:cNvPr id="163" name="CustomShape 3"/>
-          <p:cNvSpPr/>
-          <p:nvPr/>
-        </p:nvSpPr>
-        <p:spPr>
-          <a:xfrm>
-            <a:off x="623520" y="1152360"/>
-            <a:ext cx="7373880" cy="3415680"/>
-          </a:xfrm>
-          <a:prstGeom prst="rect">
-            <a:avLst/>
-          </a:prstGeom>
-          <a:noFill/>
-          <a:ln>
-            <a:noFill/>
-          </a:ln>
-        </p:spPr>
-        <p:style>
-          <a:lnRef idx="0"/>
-          <a:fillRef idx="0"/>
-          <a:effectRef idx="0"/>
-          <a:fontRef idx="minor"/>
-        </p:style>
-        <p:txBody>
-          <a:bodyPr lIns="90000" rIns="90000" tIns="91440" bIns="91440"/>
-          <a:p>
-            <a:pPr>
-              <a:lnSpc>
-                <a:spcPct val="100000"/>
-              </a:lnSpc>
-            </a:pPr>
-            <a:r>
-              <a:rPr b="1" lang="en-US" sz="1800" spc="-1" strike="noStrike">
-                <a:solidFill>
-                  <a:srgbClr val="ffffff"/>
-                </a:solidFill>
-                <a:latin typeface="Arial"/>
-                <a:ea typeface="Arial"/>
-              </a:rPr>
-              <a:t>Enkele probleemfactoren</a:t>
-            </a:r>
-            <a:endParaRPr b="0" lang="en-US" sz="1800" spc="-1" strike="noStrike">
-              <a:latin typeface="Arial"/>
-            </a:endParaRPr>
-          </a:p>
-          <a:p>
-            <a:pPr lvl="4" marL="285840" indent="-285120">
-              <a:lnSpc>
-                <a:spcPct val="100000"/>
-              </a:lnSpc>
-              <a:buClr>
-                <a:srgbClr val="ffffff"/>
-              </a:buClr>
-              <a:buFont typeface="StarSymbol"/>
-              <a:buChar char="-"/>
-            </a:pPr>
-            <a:r>
-              <a:rPr b="1" lang="en-US" sz="1400" spc="-1" strike="noStrike">
-                <a:solidFill>
-                  <a:srgbClr val="ffffff"/>
-                </a:solidFill>
-                <a:latin typeface="Arial"/>
-                <a:ea typeface="Arial"/>
-              </a:rPr>
-              <a:t>Park is groot</a:t>
-            </a:r>
-            <a:endParaRPr b="0" lang="en-US" sz="1400" spc="-1" strike="noStrike">
-              <a:latin typeface="Arial"/>
-            </a:endParaRPr>
-          </a:p>
-          <a:p>
-            <a:pPr lvl="4" marL="285840" indent="-285120">
-              <a:lnSpc>
-                <a:spcPct val="100000"/>
-              </a:lnSpc>
-              <a:buClr>
-                <a:srgbClr val="ffffff"/>
-              </a:buClr>
-              <a:buFont typeface="StarSymbol"/>
-              <a:buChar char="-"/>
-            </a:pPr>
-            <a:r>
-              <a:rPr b="1" lang="en-US" sz="1400" spc="-1" strike="noStrike">
-                <a:solidFill>
-                  <a:srgbClr val="ffffff"/>
-                </a:solidFill>
-                <a:latin typeface="Arial"/>
-                <a:ea typeface="Arial"/>
-              </a:rPr>
-              <a:t>Geen Wi-Fi in het park</a:t>
-            </a:r>
-            <a:endParaRPr b="0" lang="en-US" sz="1400" spc="-1" strike="noStrike">
-              <a:latin typeface="Arial"/>
-            </a:endParaRPr>
-          </a:p>
-          <a:p>
-            <a:pPr lvl="4" marL="285840" indent="-285120">
-              <a:lnSpc>
-                <a:spcPct val="100000"/>
-              </a:lnSpc>
-              <a:buClr>
-                <a:srgbClr val="ffffff"/>
-              </a:buClr>
-              <a:buFont typeface="StarSymbol"/>
-              <a:buChar char="-"/>
-            </a:pPr>
-            <a:r>
-              <a:rPr b="1" lang="en-US" sz="1400" spc="-1" strike="noStrike">
-                <a:solidFill>
-                  <a:srgbClr val="ffffff"/>
-                </a:solidFill>
-                <a:latin typeface="Arial"/>
-                <a:ea typeface="Arial"/>
-              </a:rPr>
-              <a:t>Weersomstandigheden (warm, vochtig, nat)</a:t>
-            </a:r>
-            <a:endParaRPr b="0" lang="en-US" sz="1400" spc="-1" strike="noStrike">
-              <a:latin typeface="Arial"/>
-            </a:endParaRPr>
-          </a:p>
-        </p:txBody>
-      </p:sp>
       <p:pic>
         <p:nvPicPr>
-          <p:cNvPr id="164" name="Shape 124" descr=""/>
+          <p:cNvPr id="159" name="Shape 78" descr=""/>
           <p:cNvPicPr/>
           <p:nvPr/>
         </p:nvPicPr>
@@ -10256,8 +10522,95 @@
         </p:blipFill>
         <p:spPr>
           <a:xfrm>
-            <a:off x="4339080" y="-30240"/>
-            <a:ext cx="4861080" cy="5203080"/>
+            <a:off x="3194280" y="-42840"/>
+            <a:ext cx="5949000" cy="5224320"/>
+          </a:xfrm>
+          <a:prstGeom prst="rect">
+            <a:avLst/>
+          </a:prstGeom>
+          <a:ln>
+            <a:noFill/>
+          </a:ln>
+        </p:spPr>
+      </p:pic>
+      <p:sp>
+        <p:nvSpPr>
+          <p:cNvPr id="160" name="CustomShape 3"/>
+          <p:cNvSpPr/>
+          <p:nvPr/>
+        </p:nvSpPr>
+        <p:spPr>
+          <a:xfrm>
+            <a:off x="623520" y="1152360"/>
+            <a:ext cx="5905080" cy="3415680"/>
+          </a:xfrm>
+          <a:prstGeom prst="rect">
+            <a:avLst/>
+          </a:prstGeom>
+          <a:noFill/>
+          <a:ln>
+            <a:noFill/>
+          </a:ln>
+        </p:spPr>
+        <p:style>
+          <a:lnRef idx="0"/>
+          <a:fillRef idx="0"/>
+          <a:effectRef idx="0"/>
+          <a:fontRef idx="minor"/>
+        </p:style>
+        <p:txBody>
+          <a:bodyPr lIns="90000" rIns="90000" tIns="91440" bIns="91440"/>
+          <a:p>
+            <a:pPr marL="285840" indent="-285120">
+              <a:lnSpc>
+                <a:spcPct val="100000"/>
+              </a:lnSpc>
+              <a:buClr>
+                <a:srgbClr val="595959"/>
+              </a:buClr>
+              <a:buFont typeface="StarSymbol"/>
+              <a:buChar char="-"/>
+            </a:pPr>
+            <a:r>
+              <a:rPr b="0" lang="en-US" sz="1800" spc="-1" strike="noStrike">
+                <a:solidFill>
+                  <a:srgbClr val="ffffff"/>
+                </a:solidFill>
+                <a:latin typeface="Arial"/>
+                <a:ea typeface="Arial"/>
+              </a:rPr>
+              <a:t>Kinderen stimuleren om terug te komen</a:t>
+            </a:r>
+            <a:endParaRPr b="0" lang="en-US" sz="1800" spc="-1" strike="noStrike">
+              <a:latin typeface="Arial"/>
+            </a:endParaRPr>
+          </a:p>
+          <a:p>
+            <a:pPr>
+              <a:lnSpc>
+                <a:spcPct val="100000"/>
+              </a:lnSpc>
+            </a:pPr>
+            <a:endParaRPr b="0" lang="en-US" sz="1800" spc="-1" strike="noStrike">
+              <a:latin typeface="Arial"/>
+            </a:endParaRPr>
+          </a:p>
+        </p:txBody>
+      </p:sp>
+      <p:pic>
+        <p:nvPicPr>
+          <p:cNvPr id="161" name="Shape 83" descr=""/>
+          <p:cNvPicPr/>
+          <p:nvPr/>
+        </p:nvPicPr>
+        <p:blipFill>
+          <a:blip r:embed="rId2"/>
+          <a:stretch/>
+        </p:blipFill>
+        <p:spPr>
+          <a:xfrm>
+            <a:off x="190800" y="2078280"/>
+            <a:ext cx="5294880" cy="2930760"/>
           </a:xfrm>
           <a:prstGeom prst="rect">
             <a:avLst/>
@@ -10272,10 +10625,10 @@
   <p:timing>
     <p:tnLst>
       <p:par>
-        <p:cTn id="15" dur="indefinite" restart="never" nodeType="tmRoot">
+        <p:cTn id="17" dur="indefinite" restart="never" nodeType="tmRoot">
           <p:childTnLst>
             <p:seq>
-              <p:cTn id="16" nodeType="mainSeq"/>
+              <p:cTn id="18" nodeType="mainSeq"/>
               <p:prevCondLst>
                 <p:cond delay="0" evt="onPrev">
                   <p:tgtEl>

--- a/groepsprocess/Presentaties/Tussenpresentatie (groep 1 & 2).pptx
+++ b/groepsprocess/Presentaties/Tussenpresentatie (groep 1 & 2).pptx
@@ -216,7 +216,7 @@
           <a:bodyPr lIns="0" rIns="0" tIns="0" bIns="0" anchor="b"/>
           <a:p>
             <a:pPr algn="r"/>
-            <a:fld id="{C25F6727-8C39-4695-9B17-C007B24886A6}" type="slidenum">
+            <a:fld id="{9FDF304B-5BB3-44DC-93BD-41B007B66940}" type="slidenum">
               <a:rPr b="0" lang="en-US" sz="1400" spc="-1" strike="noStrike">
                 <a:latin typeface="Times New Roman"/>
               </a:rPr>
@@ -253,7 +253,7 @@
       </p:grpSpPr>
       <p:sp>
         <p:nvSpPr>
-          <p:cNvPr id="212" name="PlaceHolder 1"/>
+          <p:cNvPr id="213" name="PlaceHolder 1"/>
           <p:cNvSpPr>
             <a:spLocks noGrp="1"/>
           </p:cNvSpPr>
@@ -282,13 +282,7 @@
               <a:rPr b="0" lang="en-US" sz="1100" spc="-1" strike="noStrike">
                 <a:latin typeface="Arial"/>
               </a:rPr>
-              <a:t>Stel dat het gehele systeem functioneel prima werkt. Hartstikke mooi, maar wat nou als één van die poten het om wat voor reden dan ook niet </a:t>
-            </a:r>
-            <a:r>
-              <a:rPr b="0" lang="en-US" sz="1100" spc="-1" strike="noStrike">
-                <a:latin typeface="Arial"/>
-              </a:rPr>
-              <a:t>meer doet.</a:t>
+              <a:t>Stel dat het gehele systeem functioneel prima werkt. Hartstikke mooi, maar wat nou als één van die poten het om wat voor reden dan ook niet meer doet.</a:t>
             </a:r>
             <a:endParaRPr b="0" lang="en-US" sz="1100" spc="-1" strike="noStrike">
               <a:latin typeface="Arial"/>
@@ -304,13 +298,7 @@
               <a:rPr b="0" lang="en-US" sz="1100" spc="-1" strike="noStrike">
                 <a:latin typeface="Arial"/>
               </a:rPr>
-              <a:t>Dan wil een kind zijn pasje scannen bij die poot en krijgt totaal geen reactie van het apparaat. Dat kind raakt hoogstwaarschijnlijk gefrustreerd en </a:t>
-            </a:r>
-            <a:r>
-              <a:rPr b="0" lang="en-US" sz="1100" spc="-1" strike="noStrike">
-                <a:latin typeface="Arial"/>
-              </a:rPr>
-              <a:t>gaat denken dat het niet werkt.</a:t>
+              <a:t>Dan wil een kind zijn pasje scannen bij die poot en krijgt totaal geen reactie van het apparaat. Dat kind raakt hoogstwaarschijnlijk gefrustreerd en gaat denken dat het niet werkt.</a:t>
             </a:r>
             <a:endParaRPr b="0" lang="en-US" sz="1100" spc="-1" strike="noStrike">
               <a:latin typeface="Arial"/>
@@ -336,13 +324,7 @@
               <a:rPr b="0" lang="en-US" sz="1100" spc="-1" strike="noStrike">
                 <a:latin typeface="Arial"/>
               </a:rPr>
-              <a:t>Dit kan resulteren in een kind dat niet meer mee wil doen met een speurtocht. Wat uiteindelijk kan leiden tot een kind dat het niet meer leuk vind </a:t>
-            </a:r>
-            <a:r>
-              <a:rPr b="0" lang="en-US" sz="1100" spc="-1" strike="noStrike">
-                <a:latin typeface="Arial"/>
-              </a:rPr>
-              <a:t>om naar de dierentuin te gaan om kennis op te doen.</a:t>
+              <a:t>Dit kan resulteren in een kind dat niet meer mee wil doen met een speurtocht. Wat uiteindelijk kan leiden tot een kind dat het niet meer leuk vind om naar de dierentuin te gaan om kennis op te doen.</a:t>
             </a:r>
             <a:endParaRPr b="0" lang="en-US" sz="1100" spc="-1" strike="noStrike">
               <a:latin typeface="Arial"/>
@@ -374,7 +356,7 @@
       </p:grpSpPr>
       <p:sp>
         <p:nvSpPr>
-          <p:cNvPr id="213" name="PlaceHolder 1"/>
+          <p:cNvPr id="214" name="PlaceHolder 1"/>
           <p:cNvSpPr>
             <a:spLocks noGrp="1"/>
           </p:cNvSpPr>
@@ -435,7 +417,7 @@
       </p:grpSpPr>
       <p:sp>
         <p:nvSpPr>
-          <p:cNvPr id="214" name="PlaceHolder 1"/>
+          <p:cNvPr id="215" name="PlaceHolder 1"/>
           <p:cNvSpPr>
             <a:spLocks noGrp="1"/>
           </p:cNvSpPr>
@@ -5669,7 +5651,7 @@
       </p:grpSpPr>
       <p:pic>
         <p:nvPicPr>
-          <p:cNvPr id="162" name="Shape 84" descr=""/>
+          <p:cNvPr id="163" name="Shape 84" descr=""/>
           <p:cNvPicPr/>
           <p:nvPr/>
         </p:nvPicPr>
@@ -5692,7 +5674,7 @@
       </p:pic>
       <p:sp>
         <p:nvSpPr>
-          <p:cNvPr id="163" name="CustomShape 1"/>
+          <p:cNvPr id="164" name="CustomShape 1"/>
           <p:cNvSpPr/>
           <p:nvPr/>
         </p:nvSpPr>
@@ -5741,7 +5723,7 @@
       </p:sp>
       <p:sp>
         <p:nvSpPr>
-          <p:cNvPr id="164" name="CustomShape 2"/>
+          <p:cNvPr id="165" name="CustomShape 2"/>
           <p:cNvSpPr/>
           <p:nvPr/>
         </p:nvSpPr>
@@ -5790,7 +5772,7 @@
       </p:sp>
       <p:sp>
         <p:nvSpPr>
-          <p:cNvPr id="165" name="CustomShape 3"/>
+          <p:cNvPr id="166" name="CustomShape 3"/>
           <p:cNvSpPr/>
           <p:nvPr/>
         </p:nvSpPr>
@@ -5816,7 +5798,7 @@
       </p:sp>
       <p:pic>
         <p:nvPicPr>
-          <p:cNvPr id="166" name="Shape 103" descr=""/>
+          <p:cNvPr id="167" name="Shape 103" descr=""/>
           <p:cNvPicPr/>
           <p:nvPr/>
         </p:nvPicPr>
@@ -5888,7 +5870,7 @@
       </p:grpSpPr>
       <p:sp>
         <p:nvSpPr>
-          <p:cNvPr id="167" name="TextShape 1"/>
+          <p:cNvPr id="168" name="TextShape 1"/>
           <p:cNvSpPr txBox="1"/>
           <p:nvPr/>
         </p:nvSpPr>
@@ -5923,7 +5905,7 @@
       </p:sp>
       <p:pic>
         <p:nvPicPr>
-          <p:cNvPr id="168" name="" descr=""/>
+          <p:cNvPr id="169" name="" descr=""/>
           <p:cNvPicPr/>
           <p:nvPr/>
         </p:nvPicPr>
@@ -5935,29 +5917,6 @@
           <a:xfrm>
             <a:off x="6400800" y="2828880"/>
             <a:ext cx="2468880" cy="2108880"/>
-          </a:xfrm>
-          <a:prstGeom prst="rect">
-            <a:avLst/>
-          </a:prstGeom>
-          <a:ln>
-            <a:noFill/>
-          </a:ln>
-        </p:spPr>
-      </p:pic>
-      <p:pic>
-        <p:nvPicPr>
-          <p:cNvPr id="169" name="" descr=""/>
-          <p:cNvPicPr/>
-          <p:nvPr/>
-        </p:nvPicPr>
-        <p:blipFill>
-          <a:blip r:embed="rId2"/>
-          <a:stretch/>
-        </p:blipFill>
-        <p:spPr>
-          <a:xfrm>
-            <a:off x="182880" y="3931920"/>
-            <a:ext cx="4105080" cy="1114200"/>
           </a:xfrm>
           <a:prstGeom prst="rect">
             <a:avLst/>
@@ -5974,13 +5933,13 @@
           <p:nvPr/>
         </p:nvPicPr>
         <p:blipFill>
-          <a:blip r:embed="rId3"/>
+          <a:blip r:embed="rId2"/>
           <a:stretch/>
         </p:blipFill>
         <p:spPr>
           <a:xfrm>
-            <a:off x="74880" y="202320"/>
-            <a:ext cx="4154040" cy="3772800"/>
+            <a:off x="182880" y="3931920"/>
+            <a:ext cx="4105080" cy="1114200"/>
           </a:xfrm>
           <a:prstGeom prst="rect">
             <a:avLst/>
@@ -5997,13 +5956,13 @@
           <p:nvPr/>
         </p:nvPicPr>
         <p:blipFill>
-          <a:blip r:embed="rId4"/>
+          <a:blip r:embed="rId3"/>
           <a:stretch/>
         </p:blipFill>
         <p:spPr>
           <a:xfrm>
-            <a:off x="6535440" y="0"/>
-            <a:ext cx="2882880" cy="2560320"/>
+            <a:off x="74880" y="202320"/>
+            <a:ext cx="4154040" cy="3772800"/>
           </a:xfrm>
           <a:prstGeom prst="rect">
             <a:avLst/>
@@ -6016,6 +5975,29 @@
       <p:pic>
         <p:nvPicPr>
           <p:cNvPr id="172" name="" descr=""/>
+          <p:cNvPicPr/>
+          <p:nvPr/>
+        </p:nvPicPr>
+        <p:blipFill>
+          <a:blip r:embed="rId4"/>
+          <a:stretch/>
+        </p:blipFill>
+        <p:spPr>
+          <a:xfrm>
+            <a:off x="6535440" y="0"/>
+            <a:ext cx="2882880" cy="2560320"/>
+          </a:xfrm>
+          <a:prstGeom prst="rect">
+            <a:avLst/>
+          </a:prstGeom>
+          <a:ln>
+            <a:noFill/>
+          </a:ln>
+        </p:spPr>
+      </p:pic>
+      <p:pic>
+        <p:nvPicPr>
+          <p:cNvPr id="173" name="" descr=""/>
           <p:cNvPicPr/>
           <p:nvPr/>
         </p:nvPicPr>
@@ -6087,7 +6069,7 @@
       </p:grpSpPr>
       <p:sp>
         <p:nvSpPr>
-          <p:cNvPr id="173" name="TextShape 1"/>
+          <p:cNvPr id="174" name="TextShape 1"/>
           <p:cNvSpPr txBox="1"/>
           <p:nvPr/>
         </p:nvSpPr>
@@ -6116,7 +6098,7 @@
       </p:sp>
       <p:pic>
         <p:nvPicPr>
-          <p:cNvPr id="174" name="" descr=""/>
+          <p:cNvPr id="175" name="" descr=""/>
           <p:cNvPicPr/>
           <p:nvPr/>
         </p:nvPicPr>
@@ -6139,7 +6121,7 @@
       </p:pic>
       <p:pic>
         <p:nvPicPr>
-          <p:cNvPr id="175" name="" descr=""/>
+          <p:cNvPr id="176" name="" descr=""/>
           <p:cNvPicPr/>
           <p:nvPr/>
         </p:nvPicPr>
@@ -6162,7 +6144,7 @@
       </p:pic>
       <p:pic>
         <p:nvPicPr>
-          <p:cNvPr id="176" name="" descr=""/>
+          <p:cNvPr id="177" name="" descr=""/>
           <p:cNvPicPr/>
           <p:nvPr/>
         </p:nvPicPr>
@@ -6234,7 +6216,7 @@
       </p:grpSpPr>
       <p:sp>
         <p:nvSpPr>
-          <p:cNvPr id="177" name="CustomShape 1"/>
+          <p:cNvPr id="178" name="CustomShape 1"/>
           <p:cNvSpPr/>
           <p:nvPr/>
         </p:nvSpPr>
@@ -6270,7 +6252,7 @@
       </p:sp>
       <p:pic>
         <p:nvPicPr>
-          <p:cNvPr id="178" name="Shape 129" descr=""/>
+          <p:cNvPr id="179" name="Shape 129" descr=""/>
           <p:cNvPicPr/>
           <p:nvPr/>
         </p:nvPicPr>
@@ -6293,7 +6275,7 @@
       </p:pic>
       <p:sp>
         <p:nvSpPr>
-          <p:cNvPr id="179" name="CustomShape 2"/>
+          <p:cNvPr id="180" name="CustomShape 2"/>
           <p:cNvSpPr/>
           <p:nvPr/>
         </p:nvSpPr>
@@ -6342,7 +6324,7 @@
       </p:sp>
       <p:sp>
         <p:nvSpPr>
-          <p:cNvPr id="180" name="CustomShape 3"/>
+          <p:cNvPr id="181" name="CustomShape 3"/>
           <p:cNvSpPr/>
           <p:nvPr/>
         </p:nvSpPr>
@@ -6560,7 +6542,7 @@
       </p:grpSpPr>
       <p:sp>
         <p:nvSpPr>
-          <p:cNvPr id="181" name="CustomShape 1"/>
+          <p:cNvPr id="182" name="CustomShape 1"/>
           <p:cNvSpPr/>
           <p:nvPr/>
         </p:nvSpPr>
@@ -6596,7 +6578,7 @@
       </p:sp>
       <p:pic>
         <p:nvPicPr>
-          <p:cNvPr id="182" name="Shape 171" descr=""/>
+          <p:cNvPr id="183" name="Shape 171" descr=""/>
           <p:cNvPicPr/>
           <p:nvPr/>
         </p:nvPicPr>
@@ -6619,7 +6601,7 @@
       </p:pic>
       <p:sp>
         <p:nvSpPr>
-          <p:cNvPr id="183" name="CustomShape 2"/>
+          <p:cNvPr id="184" name="CustomShape 2"/>
           <p:cNvSpPr/>
           <p:nvPr/>
         </p:nvSpPr>
@@ -6719,7 +6701,7 @@
       </p:grpSpPr>
       <p:sp>
         <p:nvSpPr>
-          <p:cNvPr id="184" name="CustomShape 1"/>
+          <p:cNvPr id="185" name="CustomShape 1"/>
           <p:cNvSpPr/>
           <p:nvPr/>
         </p:nvSpPr>
@@ -6755,7 +6737,7 @@
       </p:sp>
       <p:pic>
         <p:nvPicPr>
-          <p:cNvPr id="185" name="Shape 171" descr=""/>
+          <p:cNvPr id="186" name="Shape 171" descr=""/>
           <p:cNvPicPr/>
           <p:nvPr/>
         </p:nvPicPr>
@@ -6778,7 +6760,7 @@
       </p:pic>
       <p:sp>
         <p:nvSpPr>
-          <p:cNvPr id="186" name="CustomShape 2"/>
+          <p:cNvPr id="187" name="CustomShape 2"/>
           <p:cNvSpPr/>
           <p:nvPr/>
         </p:nvSpPr>
@@ -6898,7 +6880,7 @@
       </p:grpSpPr>
       <p:sp>
         <p:nvSpPr>
-          <p:cNvPr id="187" name="CustomShape 1"/>
+          <p:cNvPr id="188" name="CustomShape 1"/>
           <p:cNvSpPr/>
           <p:nvPr/>
         </p:nvSpPr>
@@ -6929,7 +6911,7 @@
       </p:sp>
       <p:sp>
         <p:nvSpPr>
-          <p:cNvPr id="188" name="CustomShape 2"/>
+          <p:cNvPr id="189" name="CustomShape 2"/>
           <p:cNvSpPr/>
           <p:nvPr/>
         </p:nvSpPr>
@@ -6978,7 +6960,7 @@
       </p:sp>
       <p:sp>
         <p:nvSpPr>
-          <p:cNvPr id="189" name="CustomShape 3"/>
+          <p:cNvPr id="190" name="CustomShape 3"/>
           <p:cNvSpPr/>
           <p:nvPr/>
         </p:nvSpPr>
@@ -7130,7 +7112,7 @@
       </p:sp>
       <p:pic>
         <p:nvPicPr>
-          <p:cNvPr id="190" name="Shape 57" descr=""/>
+          <p:cNvPr id="191" name="Shape 57" descr=""/>
           <p:cNvPicPr/>
           <p:nvPr/>
         </p:nvPicPr>
@@ -7215,7 +7197,7 @@
       </p:grpSpPr>
       <p:pic>
         <p:nvPicPr>
-          <p:cNvPr id="191" name="Shape 62" descr=""/>
+          <p:cNvPr id="192" name="Shape 62" descr=""/>
           <p:cNvPicPr/>
           <p:nvPr/>
         </p:nvPicPr>
@@ -7238,7 +7220,7 @@
       </p:pic>
       <p:sp>
         <p:nvSpPr>
-          <p:cNvPr id="192" name="CustomShape 1"/>
+          <p:cNvPr id="193" name="CustomShape 1"/>
           <p:cNvSpPr/>
           <p:nvPr/>
         </p:nvSpPr>
@@ -7287,7 +7269,7 @@
       </p:sp>
       <p:sp>
         <p:nvSpPr>
-          <p:cNvPr id="193" name="CustomShape 2"/>
+          <p:cNvPr id="194" name="CustomShape 2"/>
           <p:cNvSpPr/>
           <p:nvPr/>
         </p:nvSpPr>
@@ -7490,7 +7472,7 @@
       </p:grpSpPr>
       <p:pic>
         <p:nvPicPr>
-          <p:cNvPr id="194" name="Shape 69" descr=""/>
+          <p:cNvPr id="195" name="Shape 69" descr=""/>
           <p:cNvPicPr/>
           <p:nvPr/>
         </p:nvPicPr>
@@ -7513,7 +7495,7 @@
       </p:pic>
       <p:sp>
         <p:nvSpPr>
-          <p:cNvPr id="195" name="CustomShape 1"/>
+          <p:cNvPr id="196" name="CustomShape 1"/>
           <p:cNvSpPr/>
           <p:nvPr/>
         </p:nvSpPr>
@@ -7562,7 +7544,7 @@
       </p:sp>
       <p:sp>
         <p:nvSpPr>
-          <p:cNvPr id="196" name="CustomShape 2"/>
+          <p:cNvPr id="197" name="CustomShape 2"/>
           <p:cNvSpPr/>
           <p:nvPr/>
         </p:nvSpPr>
@@ -7746,7 +7728,7 @@
       </p:grpSpPr>
       <p:sp>
         <p:nvSpPr>
-          <p:cNvPr id="197" name="CustomShape 1"/>
+          <p:cNvPr id="198" name="CustomShape 1"/>
           <p:cNvSpPr/>
           <p:nvPr/>
         </p:nvSpPr>
@@ -7774,7 +7756,7 @@
       </p:sp>
       <p:sp>
         <p:nvSpPr>
-          <p:cNvPr id="198" name="CustomShape 2"/>
+          <p:cNvPr id="199" name="CustomShape 2"/>
           <p:cNvSpPr/>
           <p:nvPr/>
         </p:nvSpPr>
@@ -7823,7 +7805,7 @@
       </p:sp>
       <p:pic>
         <p:nvPicPr>
-          <p:cNvPr id="199" name="Shape 78" descr=""/>
+          <p:cNvPr id="200" name="Shape 78" descr=""/>
           <p:cNvPicPr/>
           <p:nvPr/>
         </p:nvPicPr>
@@ -7846,7 +7828,7 @@
       </p:pic>
       <p:sp>
         <p:nvSpPr>
-          <p:cNvPr id="200" name="CustomShape 3"/>
+          <p:cNvPr id="201" name="CustomShape 3"/>
           <p:cNvSpPr/>
           <p:nvPr/>
         </p:nvSpPr>
@@ -8329,7 +8311,7 @@
       </p:grpSpPr>
       <p:pic>
         <p:nvPicPr>
-          <p:cNvPr id="201" name="Shape 84" descr=""/>
+          <p:cNvPr id="202" name="Shape 84" descr=""/>
           <p:cNvPicPr/>
           <p:nvPr/>
         </p:nvPicPr>
@@ -8352,7 +8334,7 @@
       </p:pic>
       <p:sp>
         <p:nvSpPr>
-          <p:cNvPr id="202" name="CustomShape 1"/>
+          <p:cNvPr id="203" name="CustomShape 1"/>
           <p:cNvSpPr/>
           <p:nvPr/>
         </p:nvSpPr>
@@ -8401,7 +8383,7 @@
       </p:sp>
       <p:sp>
         <p:nvSpPr>
-          <p:cNvPr id="203" name="CustomShape 2"/>
+          <p:cNvPr id="204" name="CustomShape 2"/>
           <p:cNvSpPr/>
           <p:nvPr/>
         </p:nvSpPr>
@@ -8450,7 +8432,7 @@
       </p:sp>
       <p:sp>
         <p:nvSpPr>
-          <p:cNvPr id="204" name="CustomShape 3"/>
+          <p:cNvPr id="205" name="CustomShape 3"/>
           <p:cNvSpPr/>
           <p:nvPr/>
         </p:nvSpPr>
@@ -8584,7 +8566,7 @@
       </p:grpSpPr>
       <p:pic>
         <p:nvPicPr>
-          <p:cNvPr id="205" name="Afbeelding 6" descr=""/>
+          <p:cNvPr id="206" name="Afbeelding 6" descr=""/>
           <p:cNvPicPr/>
           <p:nvPr/>
         </p:nvPicPr>
@@ -8656,7 +8638,7 @@
       </p:grpSpPr>
       <p:sp>
         <p:nvSpPr>
-          <p:cNvPr id="206" name="CustomShape 1"/>
+          <p:cNvPr id="207" name="CustomShape 1"/>
           <p:cNvSpPr/>
           <p:nvPr/>
         </p:nvSpPr>
@@ -8682,7 +8664,7 @@
       </p:sp>
       <p:sp>
         <p:nvSpPr>
-          <p:cNvPr id="207" name="CustomShape 2"/>
+          <p:cNvPr id="208" name="CustomShape 2"/>
           <p:cNvSpPr/>
           <p:nvPr/>
         </p:nvSpPr>
@@ -8708,7 +8690,7 @@
       </p:sp>
       <p:pic>
         <p:nvPicPr>
-          <p:cNvPr id="208" name="Afbeelding 4" descr=""/>
+          <p:cNvPr id="209" name="Afbeelding 4" descr=""/>
           <p:cNvPicPr/>
           <p:nvPr/>
         </p:nvPicPr>
@@ -8780,7 +8762,7 @@
       </p:grpSpPr>
       <p:sp>
         <p:nvSpPr>
-          <p:cNvPr id="209" name="CustomShape 1"/>
+          <p:cNvPr id="210" name="CustomShape 1"/>
           <p:cNvSpPr/>
           <p:nvPr/>
         </p:nvSpPr>
@@ -8816,7 +8798,7 @@
       </p:sp>
       <p:pic>
         <p:nvPicPr>
-          <p:cNvPr id="210" name="Shape 171" descr=""/>
+          <p:cNvPr id="211" name="Shape 171" descr=""/>
           <p:cNvPicPr/>
           <p:nvPr/>
         </p:nvPicPr>
@@ -8839,7 +8821,7 @@
       </p:pic>
       <p:sp>
         <p:nvSpPr>
-          <p:cNvPr id="211" name="CustomShape 2"/>
+          <p:cNvPr id="212" name="CustomShape 2"/>
           <p:cNvSpPr/>
           <p:nvPr/>
         </p:nvSpPr>
@@ -9959,6 +9941,29 @@
           </a:p>
         </p:txBody>
       </p:sp>
+      <p:pic>
+        <p:nvPicPr>
+          <p:cNvPr id="147" name="" descr=""/>
+          <p:cNvPicPr/>
+          <p:nvPr/>
+        </p:nvPicPr>
+        <p:blipFill>
+          <a:blip r:embed="rId2"/>
+          <a:stretch/>
+        </p:blipFill>
+        <p:spPr>
+          <a:xfrm>
+            <a:off x="231120" y="2564280"/>
+            <a:ext cx="3518280" cy="2679840"/>
+          </a:xfrm>
+          <a:prstGeom prst="rect">
+            <a:avLst/>
+          </a:prstGeom>
+          <a:ln>
+            <a:noFill/>
+          </a:ln>
+        </p:spPr>
+      </p:pic>
     </p:spTree>
   </p:cSld>
   <p:timing>
@@ -10010,7 +10015,7 @@
       </p:grpSpPr>
       <p:sp>
         <p:nvSpPr>
-          <p:cNvPr id="147" name="CustomShape 1"/>
+          <p:cNvPr id="148" name="CustomShape 1"/>
           <p:cNvSpPr/>
           <p:nvPr/>
         </p:nvSpPr>
@@ -10046,7 +10051,7 @@
       </p:sp>
       <p:pic>
         <p:nvPicPr>
-          <p:cNvPr id="148" name="Shape 129" descr=""/>
+          <p:cNvPr id="149" name="Shape 129" descr=""/>
           <p:cNvPicPr/>
           <p:nvPr/>
         </p:nvPicPr>
@@ -10069,7 +10074,7 @@
       </p:pic>
       <p:sp>
         <p:nvSpPr>
-          <p:cNvPr id="149" name="CustomShape 2"/>
+          <p:cNvPr id="150" name="CustomShape 2"/>
           <p:cNvSpPr/>
           <p:nvPr/>
         </p:nvSpPr>
@@ -10118,7 +10123,7 @@
       </p:sp>
       <p:sp>
         <p:nvSpPr>
-          <p:cNvPr id="150" name="CustomShape 3"/>
+          <p:cNvPr id="151" name="CustomShape 3"/>
           <p:cNvSpPr/>
           <p:nvPr/>
         </p:nvSpPr>
@@ -10144,7 +10149,7 @@
       </p:sp>
       <p:pic>
         <p:nvPicPr>
-          <p:cNvPr id="151" name="" descr=""/>
+          <p:cNvPr id="152" name="" descr=""/>
           <p:cNvPicPr/>
           <p:nvPr/>
         </p:nvPicPr>
@@ -10216,7 +10221,7 @@
       </p:grpSpPr>
       <p:pic>
         <p:nvPicPr>
-          <p:cNvPr id="152" name="Shape 84" descr=""/>
+          <p:cNvPr id="153" name="Shape 84" descr=""/>
           <p:cNvPicPr/>
           <p:nvPr/>
         </p:nvPicPr>
@@ -10239,7 +10244,7 @@
       </p:pic>
       <p:sp>
         <p:nvSpPr>
-          <p:cNvPr id="153" name="CustomShape 1"/>
+          <p:cNvPr id="154" name="CustomShape 1"/>
           <p:cNvSpPr/>
           <p:nvPr/>
         </p:nvSpPr>
@@ -10288,7 +10293,7 @@
       </p:sp>
       <p:sp>
         <p:nvSpPr>
-          <p:cNvPr id="154" name="CustomShape 2"/>
+          <p:cNvPr id="155" name="CustomShape 2"/>
           <p:cNvSpPr/>
           <p:nvPr/>
         </p:nvSpPr>
@@ -10337,7 +10342,7 @@
       </p:sp>
       <p:sp>
         <p:nvSpPr>
-          <p:cNvPr id="155" name="CustomShape 3"/>
+          <p:cNvPr id="156" name="CustomShape 3"/>
           <p:cNvSpPr/>
           <p:nvPr/>
         </p:nvSpPr>
@@ -10363,7 +10368,7 @@
       </p:sp>
       <p:pic>
         <p:nvPicPr>
-          <p:cNvPr id="156" name="" descr=""/>
+          <p:cNvPr id="157" name="" descr=""/>
           <p:cNvPicPr/>
           <p:nvPr/>
         </p:nvPicPr>
@@ -10435,7 +10440,7 @@
       </p:grpSpPr>
       <p:sp>
         <p:nvSpPr>
-          <p:cNvPr id="157" name="CustomShape 1"/>
+          <p:cNvPr id="158" name="CustomShape 1"/>
           <p:cNvSpPr/>
           <p:nvPr/>
         </p:nvSpPr>
@@ -10463,7 +10468,7 @@
       </p:sp>
       <p:sp>
         <p:nvSpPr>
-          <p:cNvPr id="158" name="CustomShape 2"/>
+          <p:cNvPr id="159" name="CustomShape 2"/>
           <p:cNvSpPr/>
           <p:nvPr/>
         </p:nvSpPr>
@@ -10512,7 +10517,7 @@
       </p:sp>
       <p:pic>
         <p:nvPicPr>
-          <p:cNvPr id="159" name="Shape 78" descr=""/>
+          <p:cNvPr id="160" name="Shape 78" descr=""/>
           <p:cNvPicPr/>
           <p:nvPr/>
         </p:nvPicPr>
@@ -10535,7 +10540,7 @@
       </p:pic>
       <p:sp>
         <p:nvSpPr>
-          <p:cNvPr id="160" name="CustomShape 3"/>
+          <p:cNvPr id="161" name="CustomShape 3"/>
           <p:cNvSpPr/>
           <p:nvPr/>
         </p:nvSpPr>
@@ -10599,7 +10604,7 @@
       </p:sp>
       <p:pic>
         <p:nvPicPr>
-          <p:cNvPr id="161" name="Shape 83" descr=""/>
+          <p:cNvPr id="162" name="Shape 83" descr=""/>
           <p:cNvPicPr/>
           <p:nvPr/>
         </p:nvPicPr>

--- a/groepsprocess/Presentaties/Tussenpresentatie (groep 1 & 2).pptx
+++ b/groepsprocess/Presentaties/Tussenpresentatie (groep 1 & 2).pptx
@@ -216,7 +216,7 @@
           <a:bodyPr lIns="0" rIns="0" tIns="0" bIns="0" anchor="b"/>
           <a:p>
             <a:pPr algn="r"/>
-            <a:fld id="{9FDF304B-5BB3-44DC-93BD-41B007B66940}" type="slidenum">
+            <a:fld id="{B92196F4-259C-4975-95CD-B24F26E26355}" type="slidenum">
               <a:rPr b="0" lang="en-US" sz="1400" spc="-1" strike="noStrike">
                 <a:latin typeface="Times New Roman"/>
               </a:rPr>
@@ -9953,8 +9953,8 @@
         </p:blipFill>
         <p:spPr>
           <a:xfrm>
-            <a:off x="231120" y="2564280"/>
-            <a:ext cx="3518280" cy="2679840"/>
+            <a:off x="188640" y="2635200"/>
+            <a:ext cx="2406240" cy="2355120"/>
           </a:xfrm>
           <a:prstGeom prst="rect">
             <a:avLst/>
